--- a/O3653-2 Deep Dive into Office 365 APIs for Calendar, Mail, and Contacts/O3653-2 Deep Dive into Office 365 APIs for Calendar, Mail, and Contacts.pptx
+++ b/O3653-2 Deep Dive into Office 365 APIs for Calendar, Mail, and Contacts/O3653-2 Deep Dive into Office 365 APIs for Calendar, Mail, and Contacts.pptx
@@ -6,10 +6,10 @@
     <p:sldMasterId id="2147484046" r:id="rId5"/>
   </p:sldMasterIdLst>
   <p:notesMasterIdLst>
-    <p:notesMasterId r:id="rId31"/>
+    <p:notesMasterId r:id="rId32"/>
   </p:notesMasterIdLst>
   <p:handoutMasterIdLst>
-    <p:handoutMasterId r:id="rId32"/>
+    <p:handoutMasterId r:id="rId33"/>
   </p:handoutMasterIdLst>
   <p:sldIdLst>
     <p:sldId id="778" r:id="rId6"/>
@@ -19,24 +19,25 @@
     <p:sldId id="783" r:id="rId10"/>
     <p:sldId id="883" r:id="rId11"/>
     <p:sldId id="884" r:id="rId12"/>
-    <p:sldId id="885" r:id="rId13"/>
-    <p:sldId id="872" r:id="rId14"/>
-    <p:sldId id="865" r:id="rId15"/>
-    <p:sldId id="873" r:id="rId16"/>
-    <p:sldId id="874" r:id="rId17"/>
-    <p:sldId id="875" r:id="rId18"/>
-    <p:sldId id="876" r:id="rId19"/>
-    <p:sldId id="866" r:id="rId20"/>
-    <p:sldId id="867" r:id="rId21"/>
-    <p:sldId id="881" r:id="rId22"/>
-    <p:sldId id="882" r:id="rId23"/>
-    <p:sldId id="877" r:id="rId24"/>
-    <p:sldId id="878" r:id="rId25"/>
-    <p:sldId id="879" r:id="rId26"/>
-    <p:sldId id="880" r:id="rId27"/>
-    <p:sldId id="868" r:id="rId28"/>
-    <p:sldId id="853" r:id="rId29"/>
-    <p:sldId id="654" r:id="rId30"/>
+    <p:sldId id="886" r:id="rId13"/>
+    <p:sldId id="885" r:id="rId14"/>
+    <p:sldId id="872" r:id="rId15"/>
+    <p:sldId id="865" r:id="rId16"/>
+    <p:sldId id="873" r:id="rId17"/>
+    <p:sldId id="887" r:id="rId18"/>
+    <p:sldId id="888" r:id="rId19"/>
+    <p:sldId id="889" r:id="rId20"/>
+    <p:sldId id="866" r:id="rId21"/>
+    <p:sldId id="867" r:id="rId22"/>
+    <p:sldId id="881" r:id="rId23"/>
+    <p:sldId id="882" r:id="rId24"/>
+    <p:sldId id="877" r:id="rId25"/>
+    <p:sldId id="878" r:id="rId26"/>
+    <p:sldId id="879" r:id="rId27"/>
+    <p:sldId id="880" r:id="rId28"/>
+    <p:sldId id="868" r:id="rId29"/>
+    <p:sldId id="853" r:id="rId30"/>
+    <p:sldId id="654" r:id="rId31"/>
   </p:sldIdLst>
   <p:sldSz cx="12188825" cy="6858000"/>
   <p:notesSz cx="6858000" cy="9144000"/>
@@ -339,7 +340,7 @@
           <a:p>
             <a:fld id="{DE219B1A-AE41-483B-A766-69B9363DDA6A}" type="datetimeFigureOut">
               <a:rPr lang="en-US" smtClean="0"/>
-              <a:t>9/3/2014</a:t>
+              <a:t>9/10/2014</a:t>
             </a:fld>
             <a:endParaRPr lang="en-US"/>
           </a:p>
@@ -621,7 +622,7 @@
           <a:p>
             <a:fld id="{D51B1278-D92B-4AF3-A9C1-71DD298190CE}" type="datetimeFigureOut">
               <a:rPr lang="en-US" smtClean="0"/>
-              <a:t>9/3/2014</a:t>
+              <a:t>9/10/2014</a:t>
             </a:fld>
             <a:endParaRPr lang="en-US"/>
           </a:p>
@@ -1137,224 +1138,6 @@
 </p:notes>
 </file>
 
-<file path=ppt/notesSlides/notesSlide10.xml><?xml version="1.0" encoding="utf-8"?>
-<p:notes xmlns:a="http://schemas.openxmlformats.org/drawingml/2006/main" xmlns:r="http://schemas.openxmlformats.org/officeDocument/2006/relationships" xmlns:p="http://schemas.openxmlformats.org/presentationml/2006/main">
-  <p:cSld>
-    <p:spTree>
-      <p:nvGrpSpPr>
-        <p:cNvPr id="1" name=""/>
-        <p:cNvGrpSpPr/>
-        <p:nvPr/>
-      </p:nvGrpSpPr>
-      <p:grpSpPr>
-        <a:xfrm>
-          <a:off x="0" y="0"/>
-          <a:ext cx="0" cy="0"/>
-          <a:chOff x="0" y="0"/>
-          <a:chExt cx="0" cy="0"/>
-        </a:xfrm>
-      </p:grpSpPr>
-      <p:sp>
-        <p:nvSpPr>
-          <p:cNvPr id="2" name="Slide Image Placeholder 1"/>
-          <p:cNvSpPr>
-            <a:spLocks noGrp="1" noRot="1" noChangeAspect="1"/>
-          </p:cNvSpPr>
-          <p:nvPr>
-            <p:ph type="sldImg"/>
-          </p:nvPr>
-        </p:nvSpPr>
-        <p:spPr/>
-      </p:sp>
-      <p:sp>
-        <p:nvSpPr>
-          <p:cNvPr id="3" name="Notes Placeholder 2"/>
-          <p:cNvSpPr>
-            <a:spLocks noGrp="1"/>
-          </p:cNvSpPr>
-          <p:nvPr>
-            <p:ph type="body" idx="1"/>
-          </p:nvPr>
-        </p:nvSpPr>
-        <p:spPr/>
-        <p:txBody>
-          <a:bodyPr/>
-          <a:lstStyle/>
-          <a:p>
-            <a:endParaRPr lang="en-US"/>
-          </a:p>
-        </p:txBody>
-      </p:sp>
-      <p:sp>
-        <p:nvSpPr>
-          <p:cNvPr id="4" name="Header Placeholder 3"/>
-          <p:cNvSpPr>
-            <a:spLocks noGrp="1"/>
-          </p:cNvSpPr>
-          <p:nvPr>
-            <p:ph type="hdr" sz="quarter" idx="10"/>
-          </p:nvPr>
-        </p:nvSpPr>
-        <p:spPr>
-          <a:xfrm>
-            <a:off x="0" y="0"/>
-            <a:ext cx="2971800" cy="457200"/>
-          </a:xfrm>
-          <a:prstGeom prst="rect">
-            <a:avLst/>
-          </a:prstGeom>
-        </p:spPr>
-        <p:txBody>
-          <a:bodyPr/>
-          <a:lstStyle/>
-          <a:p>
-            <a:endParaRPr lang="en-US" dirty="0"/>
-          </a:p>
-        </p:txBody>
-      </p:sp>
-      <p:sp>
-        <p:nvSpPr>
-          <p:cNvPr id="5" name="Footer Placeholder 4"/>
-          <p:cNvSpPr>
-            <a:spLocks noGrp="1"/>
-          </p:cNvSpPr>
-          <p:nvPr>
-            <p:ph type="ftr" sz="quarter" idx="11"/>
-          </p:nvPr>
-        </p:nvSpPr>
-        <p:spPr>
-          <a:xfrm>
-            <a:off x="0" y="8686800"/>
-            <a:ext cx="5920740" cy="355964"/>
-          </a:xfrm>
-          <a:prstGeom prst="rect">
-            <a:avLst/>
-          </a:prstGeom>
-        </p:spPr>
-        <p:txBody>
-          <a:bodyPr/>
-          <a:lstStyle/>
-          <a:p>
-            <a:pPr defTabSz="914099" eaLnBrk="0" hangingPunct="0"/>
-            <a:r>
-              <a:rPr lang="en-US" sz="400" smtClean="0">
-                <a:gradFill>
-                  <a:gsLst>
-                    <a:gs pos="0">
-                      <a:prstClr val="black"/>
-                    </a:gs>
-                    <a:gs pos="100000">
-                      <a:prstClr val="black"/>
-                    </a:gs>
-                  </a:gsLst>
-                  <a:lin ang="5400000" scaled="0"/>
-                </a:gradFill>
-                <a:latin typeface="Segoe UI" pitchFamily="34" charset="0"/>
-                <a:ea typeface="Segoe UI" pitchFamily="34" charset="0"/>
-                <a:cs typeface="Segoe UI" pitchFamily="34" charset="0"/>
-              </a:rPr>
-              <a:t>© 2012 Microsoft Corporation. All rights reserved. Microsoft, Windows, and other product names are or may be registered trademarks and/or trademarks in the U.S. and/or other countries.</a:t>
-            </a:r>
-          </a:p>
-          <a:p>
-            <a:pPr defTabSz="914099" eaLnBrk="0" hangingPunct="0"/>
-            <a:r>
-              <a:rPr lang="en-US" sz="400" smtClean="0">
-                <a:gradFill>
-                  <a:gsLst>
-                    <a:gs pos="0">
-                      <a:prstClr val="black"/>
-                    </a:gs>
-                    <a:gs pos="100000">
-                      <a:prstClr val="black"/>
-                    </a:gs>
-                  </a:gsLst>
-                  <a:lin ang="5400000" scaled="0"/>
-                </a:gradFill>
-                <a:latin typeface="Segoe UI" pitchFamily="34" charset="0"/>
-                <a:ea typeface="Segoe UI" pitchFamily="34" charset="0"/>
-                <a:cs typeface="Segoe UI" pitchFamily="34" charset="0"/>
-              </a:rPr>
-              <a:t>The information herein is for informational purposes only and represents the current view of Microsoft Corporation as of the date of this presentation.  Because Microsoft must respond to changing market conditions, it should not be interpreted to be a commitment on the part of Microsoft, and Microsoft cannot guarantee the accuracy of any information provided after the date of this presentation.  MICROSOFT MAKES NO WARRANTIES, EXPRESS, IMPLIED OR STATUTORY, AS TO THE INFORMATION IN THIS PRESENTATION.</a:t>
-            </a:r>
-            <a:endParaRPr lang="en-US" sz="400" dirty="0" smtClean="0">
-              <a:gradFill>
-                <a:gsLst>
-                  <a:gs pos="0">
-                    <a:prstClr val="black"/>
-                  </a:gs>
-                  <a:gs pos="100000">
-                    <a:prstClr val="black"/>
-                  </a:gs>
-                </a:gsLst>
-                <a:lin ang="5400000" scaled="0"/>
-              </a:gradFill>
-              <a:latin typeface="Segoe UI" pitchFamily="34" charset="0"/>
-              <a:ea typeface="Segoe UI" pitchFamily="34" charset="0"/>
-              <a:cs typeface="Segoe UI" pitchFamily="34" charset="0"/>
-            </a:endParaRPr>
-          </a:p>
-        </p:txBody>
-      </p:sp>
-      <p:sp>
-        <p:nvSpPr>
-          <p:cNvPr id="6" name="Date Placeholder 5"/>
-          <p:cNvSpPr>
-            <a:spLocks noGrp="1"/>
-          </p:cNvSpPr>
-          <p:nvPr>
-            <p:ph type="dt" idx="12"/>
-          </p:nvPr>
-        </p:nvSpPr>
-        <p:spPr/>
-        <p:txBody>
-          <a:bodyPr/>
-          <a:lstStyle/>
-          <a:p>
-            <a:fld id="{0BB6559B-C68D-49B4-97AE-9BB74C417927}" type="datetime1">
-              <a:rPr lang="en-US" smtClean="0"/>
-              <a:t>9/3/2014</a:t>
-            </a:fld>
-            <a:endParaRPr lang="en-US"/>
-          </a:p>
-        </p:txBody>
-      </p:sp>
-      <p:sp>
-        <p:nvSpPr>
-          <p:cNvPr id="7" name="Slide Number Placeholder 6"/>
-          <p:cNvSpPr>
-            <a:spLocks noGrp="1"/>
-          </p:cNvSpPr>
-          <p:nvPr>
-            <p:ph type="sldNum" sz="quarter" idx="13"/>
-          </p:nvPr>
-        </p:nvSpPr>
-        <p:spPr/>
-        <p:txBody>
-          <a:bodyPr/>
-          <a:lstStyle/>
-          <a:p>
-            <a:fld id="{B4008EB6-D09E-4580-8CD6-DDB14511944F}" type="slidenum">
-              <a:rPr lang="en-US" smtClean="0"/>
-              <a:t>25</a:t>
-            </a:fld>
-            <a:endParaRPr lang="en-US" dirty="0"/>
-          </a:p>
-        </p:txBody>
-      </p:sp>
-    </p:spTree>
-    <p:extLst>
-      <p:ext uri="{BB962C8B-B14F-4D97-AF65-F5344CB8AC3E}">
-        <p14:creationId xmlns:p14="http://schemas.microsoft.com/office/powerpoint/2010/main" val="3695926200"/>
-      </p:ext>
-    </p:extLst>
-  </p:cSld>
-  <p:clrMapOvr>
-    <a:masterClrMapping/>
-  </p:clrMapOvr>
-</p:notes>
-</file>
-
 <file path=ppt/notesSlides/notesSlide2.xml><?xml version="1.0" encoding="utf-8"?>
 <p:notes xmlns:a="http://schemas.openxmlformats.org/drawingml/2006/main" xmlns:r="http://schemas.openxmlformats.org/officeDocument/2006/relationships" xmlns:p="http://schemas.openxmlformats.org/presentationml/2006/main">
   <p:cSld>
@@ -1474,7 +1257,7 @@
           <a:p>
             <a:fld id="{B079C3B8-7366-4A44-A34B-3977080C19E7}" type="datetime1">
               <a:rPr lang="en-US" smtClean="0"/>
-              <a:t>9/3/2014</a:t>
+              <a:t>9/10/2014</a:t>
             </a:fld>
             <a:endParaRPr lang="en-US" dirty="0"/>
           </a:p>
@@ -1623,7 +1406,7 @@
           <a:p>
             <a:fld id="{F4ED0980-F356-492E-AEE0-341D5AB7B1F8}" type="datetime1">
               <a:rPr lang="en-US" smtClean="0"/>
-              <a:t>9/3/2014</a:t>
+              <a:t>9/10/2014</a:t>
             </a:fld>
             <a:endParaRPr lang="en-US"/>
           </a:p>
@@ -1646,7 +1429,7 @@
           <a:p>
             <a:fld id="{B4008EB6-D09E-4580-8CD6-DDB14511944F}" type="slidenum">
               <a:rPr lang="en-US" smtClean="0"/>
-              <a:t>9</a:t>
+              <a:t>10</a:t>
             </a:fld>
             <a:endParaRPr lang="en-US" dirty="0"/>
           </a:p>
@@ -1845,7 +1628,7 @@
           <a:p>
             <a:fld id="{23FDFFE0-9E47-4B8C-842E-FA426FE218C8}" type="datetime1">
               <a:rPr lang="en-US" smtClean="0"/>
-              <a:t>9/3/2014</a:t>
+              <a:t>9/10/2014</a:t>
             </a:fld>
             <a:endParaRPr lang="en-US"/>
           </a:p>
@@ -1868,7 +1651,7 @@
           <a:p>
             <a:fld id="{B4008EB6-D09E-4580-8CD6-DDB14511944F}" type="slidenum">
               <a:rPr lang="en-US" smtClean="0"/>
-              <a:t>11</a:t>
+              <a:t>12</a:t>
             </a:fld>
             <a:endParaRPr lang="en-US" dirty="0"/>
           </a:p>
@@ -2030,54 +1813,18 @@
           <a:bodyPr/>
           <a:lstStyle/>
           <a:p>
-            <a:pPr marL="0" marR="0" indent="0" algn="l" defTabSz="914363" rtl="0" eaLnBrk="1" fontAlgn="auto" latinLnBrk="0" hangingPunct="1">
-              <a:lnSpc>
-                <a:spcPct val="90000"/>
-              </a:lnSpc>
-              <a:spcBef>
-                <a:spcPts val="0"/>
-              </a:spcBef>
-              <a:spcAft>
-                <a:spcPts val="333"/>
-              </a:spcAft>
-              <a:buClrTx/>
-              <a:buSzTx/>
-              <a:buFontTx/>
-              <a:buNone/>
-              <a:tabLst/>
-              <a:defRPr/>
-            </a:pPr>
-            <a:r>
-              <a:rPr lang="en-US" dirty="0" smtClean="0"/>
-              <a:t>No support for $skip</a:t>
-            </a:r>
-            <a:r>
-              <a:rPr lang="en-US" baseline="0" dirty="0" smtClean="0"/>
-              <a:t> and $</a:t>
-            </a:r>
-            <a:r>
-              <a:rPr lang="en-US" baseline="0" dirty="0" err="1" smtClean="0"/>
-              <a:t>orderby</a:t>
-            </a:r>
-            <a:r>
-              <a:rPr lang="en-US" baseline="0" dirty="0" smtClean="0"/>
-              <a:t> so paging is post-query</a:t>
-            </a:r>
-            <a:endParaRPr lang="en-US" dirty="0" smtClean="0"/>
-          </a:p>
-          <a:p>
-            <a:endParaRPr lang="en-US" dirty="0"/>
-          </a:p>
-        </p:txBody>
-      </p:sp>
-      <p:sp>
-        <p:nvSpPr>
-          <p:cNvPr id="4" name="Date Placeholder 3"/>
-          <p:cNvSpPr>
-            <a:spLocks noGrp="1"/>
-          </p:cNvSpPr>
-          <p:nvPr>
-            <p:ph type="dt" idx="10"/>
+            <a:endParaRPr lang="en-US"/>
+          </a:p>
+        </p:txBody>
+      </p:sp>
+      <p:sp>
+        <p:nvSpPr>
+          <p:cNvPr id="6" name="Slide Number Placeholder 5"/>
+          <p:cNvSpPr>
+            <a:spLocks noGrp="1"/>
+          </p:cNvSpPr>
+          <p:nvPr>
+            <p:ph type="sldNum" sz="quarter" idx="12"/>
           </p:nvPr>
         </p:nvSpPr>
         <p:spPr/>
@@ -2085,22 +1832,31 @@
           <a:bodyPr/>
           <a:lstStyle/>
           <a:p>
-            <a:fld id="{8DACB9AA-B03F-4672-BD3F-07034206D49E}" type="datetime1">
-              <a:rPr lang="en-US" smtClean="0"/>
-              <a:t>9/3/2014</a:t>
+            <a:fld id="{B4008EB6-D09E-4580-8CD6-DDB14511944F}" type="slidenum">
+              <a:rPr lang="en-US" smtClean="0">
+                <a:solidFill>
+                  <a:prstClr val="black"/>
+                </a:solidFill>
+              </a:rPr>
+              <a:pPr/>
+              <a:t>18</a:t>
             </a:fld>
-            <a:endParaRPr lang="en-US"/>
-          </a:p>
-        </p:txBody>
-      </p:sp>
-      <p:sp>
-        <p:nvSpPr>
-          <p:cNvPr id="5" name="Slide Number Placeholder 4"/>
-          <p:cNvSpPr>
-            <a:spLocks noGrp="1"/>
-          </p:cNvSpPr>
-          <p:nvPr>
-            <p:ph type="sldNum" sz="quarter" idx="11"/>
+            <a:endParaRPr lang="en-US" dirty="0">
+              <a:solidFill>
+                <a:prstClr val="black"/>
+              </a:solidFill>
+            </a:endParaRPr>
+          </a:p>
+        </p:txBody>
+      </p:sp>
+      <p:sp>
+        <p:nvSpPr>
+          <p:cNvPr id="10" name="Date Placeholder 9"/>
+          <p:cNvSpPr>
+            <a:spLocks noGrp="1"/>
+          </p:cNvSpPr>
+          <p:nvPr>
+            <p:ph type="dt" idx="13"/>
           </p:nvPr>
         </p:nvSpPr>
         <p:spPr/>
@@ -2108,22 +1864,31 @@
           <a:bodyPr/>
           <a:lstStyle/>
           <a:p>
-            <a:fld id="{B4008EB6-D09E-4580-8CD6-DDB14511944F}" type="slidenum">
-              <a:rPr lang="en-US" smtClean="0"/>
-              <a:t>12</a:t>
+            <a:fld id="{F6D0C1E9-C76A-461C-8E91-17FFC972AC04}" type="datetime1">
+              <a:rPr lang="en-US" smtClean="0">
+                <a:solidFill>
+                  <a:prstClr val="black"/>
+                </a:solidFill>
+              </a:rPr>
+              <a:pPr/>
+              <a:t>9/11/2014</a:t>
             </a:fld>
-            <a:endParaRPr lang="en-US" dirty="0"/>
-          </a:p>
-        </p:txBody>
-      </p:sp>
-      <p:sp>
-        <p:nvSpPr>
-          <p:cNvPr id="6" name="Header Placeholder 5"/>
-          <p:cNvSpPr>
-            <a:spLocks noGrp="1"/>
-          </p:cNvSpPr>
-          <p:nvPr>
-            <p:ph type="hdr" sz="quarter" idx="12"/>
+            <a:endParaRPr lang="en-US" dirty="0">
+              <a:solidFill>
+                <a:prstClr val="black"/>
+              </a:solidFill>
+            </a:endParaRPr>
+          </a:p>
+        </p:txBody>
+      </p:sp>
+      <p:sp>
+        <p:nvSpPr>
+          <p:cNvPr id="7" name="Footer Placeholder 6"/>
+          <p:cNvSpPr>
+            <a:spLocks noGrp="1"/>
+          </p:cNvSpPr>
+          <p:nvPr>
+            <p:ph type="ftr" sz="quarter" idx="14"/>
           </p:nvPr>
         </p:nvSpPr>
         <p:spPr/>
@@ -2131,39 +1896,16 @@
           <a:bodyPr/>
           <a:lstStyle/>
           <a:p>
-            <a:r>
-              <a:rPr lang="en-US" smtClean="0"/>
-              <a:t>Microsoft Office</a:t>
-            </a:r>
-            <a:endParaRPr lang="en-US" dirty="0"/>
-          </a:p>
-        </p:txBody>
-      </p:sp>
-      <p:sp>
-        <p:nvSpPr>
-          <p:cNvPr id="7" name="Footer Placeholder 6"/>
-          <p:cNvSpPr>
-            <a:spLocks noGrp="1"/>
-          </p:cNvSpPr>
-          <p:nvPr>
-            <p:ph type="ftr" sz="quarter" idx="13"/>
-          </p:nvPr>
-        </p:nvSpPr>
-        <p:spPr/>
-        <p:txBody>
-          <a:bodyPr/>
-          <a:lstStyle/>
-          <a:p>
-            <a:pPr marL="231775" defTabSz="914099" eaLnBrk="0" hangingPunct="0"/>
-            <a:r>
-              <a:rPr lang="en-US" sz="500" smtClean="0">
+            <a:pPr defTabSz="914099" eaLnBrk="0" hangingPunct="0"/>
+            <a:r>
+              <a:rPr lang="en-US" sz="400" smtClean="0">
                 <a:gradFill>
                   <a:gsLst>
                     <a:gs pos="0">
-                      <a:schemeClr val="tx1"/>
+                      <a:prstClr val="black"/>
                     </a:gs>
                     <a:gs pos="100000">
-                      <a:schemeClr val="tx1"/>
+                      <a:prstClr val="black"/>
                     </a:gs>
                   </a:gsLst>
                   <a:lin ang="5400000" scaled="0"/>
@@ -2172,38 +1914,16 @@
                 <a:ea typeface="Segoe UI" pitchFamily="34" charset="0"/>
                 <a:cs typeface="Segoe UI" pitchFamily="34" charset="0"/>
               </a:rPr>
-              <a:t>© 2012 Microsoft Corporation. All rights reserved. Microsoft, Windows, and other product names are or may be registered trademarks and/or trademarks in the U.S. and/or other countries.</a:t>
-            </a:r>
-          </a:p>
-          <a:p>
-            <a:pPr marL="231775" defTabSz="914099" eaLnBrk="0" hangingPunct="0"/>
-            <a:r>
-              <a:rPr lang="en-US" sz="500" smtClean="0">
-                <a:gradFill>
-                  <a:gsLst>
-                    <a:gs pos="0">
-                      <a:schemeClr val="tx1"/>
-                    </a:gs>
-                    <a:gs pos="100000">
-                      <a:schemeClr val="tx1"/>
-                    </a:gs>
-                  </a:gsLst>
-                  <a:lin ang="5400000" scaled="0"/>
-                </a:gradFill>
-                <a:latin typeface="Segoe UI" pitchFamily="34" charset="0"/>
-                <a:ea typeface="Segoe UI" pitchFamily="34" charset="0"/>
-                <a:cs typeface="Segoe UI" pitchFamily="34" charset="0"/>
-              </a:rPr>
-              <a:t>The information herein is for informational purposes only and represents the current view of Microsoft Corporation as of the date of this presentation.  Because Microsoft must respond to changing market conditions, it should not be interpreted to be a commitment on the part of Microsoft, and Microsoft cannot guarantee the accuracy of any information provided after the date of this presentation.  MICROSOFT MAKES NO WARRANTIES, EXPRESS, IMPLIED OR STATUTORY, AS TO THE INFORMATION IN THIS PRESENTATION.</a:t>
-            </a:r>
-            <a:endParaRPr lang="en-US" sz="500" dirty="0">
+              <a:t>© 2014 Microsoft Corporation. All rights reserved. Microsoft, Windows, and other product names are or may be registered trademarks and/or trademarks in the U.S. and/or other countries. The information herein is for informational purposes only and represents the current view of Microsoft Corporation as of the date of this presentation.  Because Microsoft must respond to changing market conditions, it should not be interpreted to be a commitment on the part of Microsoft, and Microsoft cannot guarantee the accuracy of any information provided after the date of this presentation.  MICROSOFT MAKES NO WARRANTIES, EXPRESS, IMPLIED OR STATUTORY, AS TO THE INFORMATION IN THIS PRESENTATION.</a:t>
+            </a:r>
+            <a:endParaRPr lang="en-US" sz="400" dirty="0" smtClean="0">
               <a:gradFill>
                 <a:gsLst>
                   <a:gs pos="0">
-                    <a:schemeClr val="tx1"/>
+                    <a:prstClr val="black"/>
                   </a:gs>
                   <a:gs pos="100000">
-                    <a:schemeClr val="tx1"/>
+                    <a:prstClr val="black"/>
                   </a:gs>
                 </a:gsLst>
                 <a:lin ang="5400000" scaled="0"/>
@@ -2218,7 +1938,7 @@
     </p:spTree>
     <p:extLst>
       <p:ext uri="{BB962C8B-B14F-4D97-AF65-F5344CB8AC3E}">
-        <p14:creationId xmlns:p14="http://schemas.microsoft.com/office/powerpoint/2010/main" val="378602929"/>
+        <p14:creationId xmlns:p14="http://schemas.microsoft.com/office/powerpoint/2010/main" val="1292205714"/>
       </p:ext>
     </p:extLst>
   </p:cSld>
@@ -2298,7 +2018,7 @@
                 </a:solidFill>
               </a:rPr>
               <a:pPr/>
-              <a:t>17</a:t>
+              <a:t>19</a:t>
             </a:fld>
             <a:endParaRPr lang="en-US" dirty="0">
               <a:solidFill>
@@ -2330,7 +2050,7 @@
                 </a:solidFill>
               </a:rPr>
               <a:pPr/>
-              <a:t>9/3/2014</a:t>
+              <a:t>9/10/2014</a:t>
             </a:fld>
             <a:endParaRPr lang="en-US" dirty="0">
               <a:solidFill>
@@ -2397,7 +2117,7 @@
     </p:spTree>
     <p:extLst>
       <p:ext uri="{BB962C8B-B14F-4D97-AF65-F5344CB8AC3E}">
-        <p14:creationId xmlns:p14="http://schemas.microsoft.com/office/powerpoint/2010/main" val="1292205714"/>
+        <p14:creationId xmlns:p14="http://schemas.microsoft.com/office/powerpoint/2010/main" val="2559924025"/>
       </p:ext>
     </p:extLst>
   </p:cSld>
@@ -2451,18 +2171,34 @@
           <a:bodyPr/>
           <a:lstStyle/>
           <a:p>
-            <a:endParaRPr lang="en-US"/>
-          </a:p>
-        </p:txBody>
-      </p:sp>
-      <p:sp>
-        <p:nvSpPr>
-          <p:cNvPr id="6" name="Slide Number Placeholder 5"/>
-          <p:cNvSpPr>
-            <a:spLocks noGrp="1"/>
-          </p:cNvSpPr>
-          <p:nvPr>
-            <p:ph type="sldNum" sz="quarter" idx="12"/>
+            <a:r>
+              <a:rPr lang="en-US" dirty="0" smtClean="0"/>
+              <a:t>No support for $skip</a:t>
+            </a:r>
+            <a:r>
+              <a:rPr lang="en-US" baseline="0" dirty="0" smtClean="0"/>
+              <a:t> and $</a:t>
+            </a:r>
+            <a:r>
+              <a:rPr lang="en-US" baseline="0" dirty="0" err="1" smtClean="0"/>
+              <a:t>orderby</a:t>
+            </a:r>
+            <a:r>
+              <a:rPr lang="en-US" baseline="0" dirty="0" smtClean="0"/>
+              <a:t> so paging is post-query</a:t>
+            </a:r>
+            <a:endParaRPr lang="en-US" dirty="0"/>
+          </a:p>
+        </p:txBody>
+      </p:sp>
+      <p:sp>
+        <p:nvSpPr>
+          <p:cNvPr id="4" name="Date Placeholder 3"/>
+          <p:cNvSpPr>
+            <a:spLocks noGrp="1"/>
+          </p:cNvSpPr>
+          <p:nvPr>
+            <p:ph type="dt" idx="10"/>
           </p:nvPr>
         </p:nvSpPr>
         <p:spPr/>
@@ -2470,31 +2206,22 @@
           <a:bodyPr/>
           <a:lstStyle/>
           <a:p>
-            <a:fld id="{B4008EB6-D09E-4580-8CD6-DDB14511944F}" type="slidenum">
-              <a:rPr lang="en-US" smtClean="0">
-                <a:solidFill>
-                  <a:prstClr val="black"/>
-                </a:solidFill>
-              </a:rPr>
-              <a:pPr/>
-              <a:t>18</a:t>
+            <a:fld id="{9F6C2A45-62A9-453C-B1A0-E9BD4232256A}" type="datetime1">
+              <a:rPr lang="en-US" smtClean="0"/>
+              <a:t>9/10/2014</a:t>
             </a:fld>
-            <a:endParaRPr lang="en-US" dirty="0">
-              <a:solidFill>
-                <a:prstClr val="black"/>
-              </a:solidFill>
-            </a:endParaRPr>
-          </a:p>
-        </p:txBody>
-      </p:sp>
-      <p:sp>
-        <p:nvSpPr>
-          <p:cNvPr id="10" name="Date Placeholder 9"/>
-          <p:cNvSpPr>
-            <a:spLocks noGrp="1"/>
-          </p:cNvSpPr>
-          <p:nvPr>
-            <p:ph type="dt" idx="13"/>
+            <a:endParaRPr lang="en-US"/>
+          </a:p>
+        </p:txBody>
+      </p:sp>
+      <p:sp>
+        <p:nvSpPr>
+          <p:cNvPr id="5" name="Slide Number Placeholder 4"/>
+          <p:cNvSpPr>
+            <a:spLocks noGrp="1"/>
+          </p:cNvSpPr>
+          <p:nvPr>
+            <p:ph type="sldNum" sz="quarter" idx="11"/>
           </p:nvPr>
         </p:nvSpPr>
         <p:spPr/>
@@ -2502,31 +2229,22 @@
           <a:bodyPr/>
           <a:lstStyle/>
           <a:p>
-            <a:fld id="{F6D0C1E9-C76A-461C-8E91-17FFC972AC04}" type="datetime1">
-              <a:rPr lang="en-US" smtClean="0">
-                <a:solidFill>
-                  <a:prstClr val="black"/>
-                </a:solidFill>
-              </a:rPr>
-              <a:pPr/>
-              <a:t>9/3/2014</a:t>
+            <a:fld id="{B4008EB6-D09E-4580-8CD6-DDB14511944F}" type="slidenum">
+              <a:rPr lang="en-US" smtClean="0"/>
+              <a:t>21</a:t>
             </a:fld>
-            <a:endParaRPr lang="en-US" dirty="0">
-              <a:solidFill>
-                <a:prstClr val="black"/>
-              </a:solidFill>
-            </a:endParaRPr>
-          </a:p>
-        </p:txBody>
-      </p:sp>
-      <p:sp>
-        <p:nvSpPr>
-          <p:cNvPr id="7" name="Footer Placeholder 6"/>
-          <p:cNvSpPr>
-            <a:spLocks noGrp="1"/>
-          </p:cNvSpPr>
-          <p:nvPr>
-            <p:ph type="ftr" sz="quarter" idx="14"/>
+            <a:endParaRPr lang="en-US" dirty="0"/>
+          </a:p>
+        </p:txBody>
+      </p:sp>
+      <p:sp>
+        <p:nvSpPr>
+          <p:cNvPr id="6" name="Header Placeholder 5"/>
+          <p:cNvSpPr>
+            <a:spLocks noGrp="1"/>
+          </p:cNvSpPr>
+          <p:nvPr>
+            <p:ph type="hdr" sz="quarter" idx="12"/>
           </p:nvPr>
         </p:nvSpPr>
         <p:spPr/>
@@ -2534,16 +2252,39 @@
           <a:bodyPr/>
           <a:lstStyle/>
           <a:p>
-            <a:pPr defTabSz="914099" eaLnBrk="0" hangingPunct="0"/>
-            <a:r>
-              <a:rPr lang="en-US" sz="400" smtClean="0">
+            <a:r>
+              <a:rPr lang="en-US" smtClean="0"/>
+              <a:t>Microsoft Office</a:t>
+            </a:r>
+            <a:endParaRPr lang="en-US" dirty="0"/>
+          </a:p>
+        </p:txBody>
+      </p:sp>
+      <p:sp>
+        <p:nvSpPr>
+          <p:cNvPr id="7" name="Footer Placeholder 6"/>
+          <p:cNvSpPr>
+            <a:spLocks noGrp="1"/>
+          </p:cNvSpPr>
+          <p:nvPr>
+            <p:ph type="ftr" sz="quarter" idx="13"/>
+          </p:nvPr>
+        </p:nvSpPr>
+        <p:spPr/>
+        <p:txBody>
+          <a:bodyPr/>
+          <a:lstStyle/>
+          <a:p>
+            <a:pPr marL="231775" defTabSz="914099" eaLnBrk="0" hangingPunct="0"/>
+            <a:r>
+              <a:rPr lang="en-US" sz="500" smtClean="0">
                 <a:gradFill>
                   <a:gsLst>
                     <a:gs pos="0">
-                      <a:prstClr val="black"/>
+                      <a:schemeClr val="tx1"/>
                     </a:gs>
                     <a:gs pos="100000">
-                      <a:prstClr val="black"/>
+                      <a:schemeClr val="tx1"/>
                     </a:gs>
                   </a:gsLst>
                   <a:lin ang="5400000" scaled="0"/>
@@ -2552,16 +2293,38 @@
                 <a:ea typeface="Segoe UI" pitchFamily="34" charset="0"/>
                 <a:cs typeface="Segoe UI" pitchFamily="34" charset="0"/>
               </a:rPr>
-              <a:t>© 2014 Microsoft Corporation. All rights reserved. Microsoft, Windows, and other product names are or may be registered trademarks and/or trademarks in the U.S. and/or other countries. The information herein is for informational purposes only and represents the current view of Microsoft Corporation as of the date of this presentation.  Because Microsoft must respond to changing market conditions, it should not be interpreted to be a commitment on the part of Microsoft, and Microsoft cannot guarantee the accuracy of any information provided after the date of this presentation.  MICROSOFT MAKES NO WARRANTIES, EXPRESS, IMPLIED OR STATUTORY, AS TO THE INFORMATION IN THIS PRESENTATION.</a:t>
-            </a:r>
-            <a:endParaRPr lang="en-US" sz="400" dirty="0" smtClean="0">
+              <a:t>© 2012 Microsoft Corporation. All rights reserved. Microsoft, Windows, and other product names are or may be registered trademarks and/or trademarks in the U.S. and/or other countries.</a:t>
+            </a:r>
+          </a:p>
+          <a:p>
+            <a:pPr marL="231775" defTabSz="914099" eaLnBrk="0" hangingPunct="0"/>
+            <a:r>
+              <a:rPr lang="en-US" sz="500" smtClean="0">
+                <a:gradFill>
+                  <a:gsLst>
+                    <a:gs pos="0">
+                      <a:schemeClr val="tx1"/>
+                    </a:gs>
+                    <a:gs pos="100000">
+                      <a:schemeClr val="tx1"/>
+                    </a:gs>
+                  </a:gsLst>
+                  <a:lin ang="5400000" scaled="0"/>
+                </a:gradFill>
+                <a:latin typeface="Segoe UI" pitchFamily="34" charset="0"/>
+                <a:ea typeface="Segoe UI" pitchFamily="34" charset="0"/>
+                <a:cs typeface="Segoe UI" pitchFamily="34" charset="0"/>
+              </a:rPr>
+              <a:t>The information herein is for informational purposes only and represents the current view of Microsoft Corporation as of the date of this presentation.  Because Microsoft must respond to changing market conditions, it should not be interpreted to be a commitment on the part of Microsoft, and Microsoft cannot guarantee the accuracy of any information provided after the date of this presentation.  MICROSOFT MAKES NO WARRANTIES, EXPRESS, IMPLIED OR STATUTORY, AS TO THE INFORMATION IN THIS PRESENTATION.</a:t>
+            </a:r>
+            <a:endParaRPr lang="en-US" sz="500" dirty="0">
               <a:gradFill>
                 <a:gsLst>
                   <a:gs pos="0">
-                    <a:prstClr val="black"/>
+                    <a:schemeClr val="tx1"/>
                   </a:gs>
                   <a:gs pos="100000">
-                    <a:prstClr val="black"/>
+                    <a:schemeClr val="tx1"/>
                   </a:gs>
                 </a:gsLst>
                 <a:lin ang="5400000" scaled="0"/>
@@ -2576,7 +2339,7 @@
     </p:spTree>
     <p:extLst>
       <p:ext uri="{BB962C8B-B14F-4D97-AF65-F5344CB8AC3E}">
-        <p14:creationId xmlns:p14="http://schemas.microsoft.com/office/powerpoint/2010/main" val="2559924025"/>
+        <p14:creationId xmlns:p14="http://schemas.microsoft.com/office/powerpoint/2010/main" val="185922338"/>
       </p:ext>
     </p:extLst>
   </p:cSld>
@@ -2630,34 +2393,18 @@
           <a:bodyPr/>
           <a:lstStyle/>
           <a:p>
-            <a:r>
-              <a:rPr lang="en-US" dirty="0" smtClean="0"/>
-              <a:t>No support for $skip</a:t>
-            </a:r>
-            <a:r>
-              <a:rPr lang="en-US" baseline="0" dirty="0" smtClean="0"/>
-              <a:t> and $</a:t>
-            </a:r>
-            <a:r>
-              <a:rPr lang="en-US" baseline="0" dirty="0" err="1" smtClean="0"/>
-              <a:t>orderby</a:t>
-            </a:r>
-            <a:r>
-              <a:rPr lang="en-US" baseline="0" dirty="0" smtClean="0"/>
-              <a:t> so paging is post-query</a:t>
-            </a:r>
             <a:endParaRPr lang="en-US" dirty="0"/>
           </a:p>
         </p:txBody>
       </p:sp>
       <p:sp>
         <p:nvSpPr>
-          <p:cNvPr id="4" name="Date Placeholder 3"/>
-          <p:cNvSpPr>
-            <a:spLocks noGrp="1"/>
-          </p:cNvSpPr>
-          <p:nvPr>
-            <p:ph type="dt" idx="10"/>
+          <p:cNvPr id="4" name="Footer Placeholder 3"/>
+          <p:cNvSpPr>
+            <a:spLocks noGrp="1"/>
+          </p:cNvSpPr>
+          <p:nvPr>
+            <p:ph type="ftr" sz="quarter" idx="10"/>
           </p:nvPr>
         </p:nvSpPr>
         <p:spPr/>
@@ -2665,85 +2412,16 @@
           <a:bodyPr/>
           <a:lstStyle/>
           <a:p>
-            <a:fld id="{9F6C2A45-62A9-453C-B1A0-E9BD4232256A}" type="datetime1">
-              <a:rPr lang="en-US" smtClean="0"/>
-              <a:t>9/3/2014</a:t>
-            </a:fld>
-            <a:endParaRPr lang="en-US"/>
-          </a:p>
-        </p:txBody>
-      </p:sp>
-      <p:sp>
-        <p:nvSpPr>
-          <p:cNvPr id="5" name="Slide Number Placeholder 4"/>
-          <p:cNvSpPr>
-            <a:spLocks noGrp="1"/>
-          </p:cNvSpPr>
-          <p:nvPr>
-            <p:ph type="sldNum" sz="quarter" idx="11"/>
-          </p:nvPr>
-        </p:nvSpPr>
-        <p:spPr/>
-        <p:txBody>
-          <a:bodyPr/>
-          <a:lstStyle/>
-          <a:p>
-            <a:fld id="{B4008EB6-D09E-4580-8CD6-DDB14511944F}" type="slidenum">
-              <a:rPr lang="en-US" smtClean="0"/>
-              <a:t>20</a:t>
-            </a:fld>
-            <a:endParaRPr lang="en-US" dirty="0"/>
-          </a:p>
-        </p:txBody>
-      </p:sp>
-      <p:sp>
-        <p:nvSpPr>
-          <p:cNvPr id="6" name="Header Placeholder 5"/>
-          <p:cNvSpPr>
-            <a:spLocks noGrp="1"/>
-          </p:cNvSpPr>
-          <p:nvPr>
-            <p:ph type="hdr" sz="quarter" idx="12"/>
-          </p:nvPr>
-        </p:nvSpPr>
-        <p:spPr/>
-        <p:txBody>
-          <a:bodyPr/>
-          <a:lstStyle/>
-          <a:p>
-            <a:r>
-              <a:rPr lang="en-US" smtClean="0"/>
-              <a:t>Microsoft Office</a:t>
-            </a:r>
-            <a:endParaRPr lang="en-US" dirty="0"/>
-          </a:p>
-        </p:txBody>
-      </p:sp>
-      <p:sp>
-        <p:nvSpPr>
-          <p:cNvPr id="7" name="Footer Placeholder 6"/>
-          <p:cNvSpPr>
-            <a:spLocks noGrp="1"/>
-          </p:cNvSpPr>
-          <p:nvPr>
-            <p:ph type="ftr" sz="quarter" idx="13"/>
-          </p:nvPr>
-        </p:nvSpPr>
-        <p:spPr/>
-        <p:txBody>
-          <a:bodyPr/>
-          <a:lstStyle/>
-          <a:p>
-            <a:pPr marL="231775" defTabSz="914099" eaLnBrk="0" hangingPunct="0"/>
-            <a:r>
-              <a:rPr lang="en-US" sz="500" smtClean="0">
+            <a:pPr defTabSz="914099" eaLnBrk="0" hangingPunct="0"/>
+            <a:r>
+              <a:rPr lang="en-US" sz="400" smtClean="0">
                 <a:gradFill>
                   <a:gsLst>
                     <a:gs pos="0">
-                      <a:schemeClr val="tx1"/>
+                      <a:prstClr val="black"/>
                     </a:gs>
                     <a:gs pos="100000">
-                      <a:schemeClr val="tx1"/>
+                      <a:prstClr val="black"/>
                     </a:gs>
                   </a:gsLst>
                   <a:lin ang="5400000" scaled="0"/>
@@ -2752,38 +2430,16 @@
                 <a:ea typeface="Segoe UI" pitchFamily="34" charset="0"/>
                 <a:cs typeface="Segoe UI" pitchFamily="34" charset="0"/>
               </a:rPr>
-              <a:t>© 2012 Microsoft Corporation. All rights reserved. Microsoft, Windows, and other product names are or may be registered trademarks and/or trademarks in the U.S. and/or other countries.</a:t>
-            </a:r>
-          </a:p>
-          <a:p>
-            <a:pPr marL="231775" defTabSz="914099" eaLnBrk="0" hangingPunct="0"/>
-            <a:r>
-              <a:rPr lang="en-US" sz="500" smtClean="0">
-                <a:gradFill>
-                  <a:gsLst>
-                    <a:gs pos="0">
-                      <a:schemeClr val="tx1"/>
-                    </a:gs>
-                    <a:gs pos="100000">
-                      <a:schemeClr val="tx1"/>
-                    </a:gs>
-                  </a:gsLst>
-                  <a:lin ang="5400000" scaled="0"/>
-                </a:gradFill>
-                <a:latin typeface="Segoe UI" pitchFamily="34" charset="0"/>
-                <a:ea typeface="Segoe UI" pitchFamily="34" charset="0"/>
-                <a:cs typeface="Segoe UI" pitchFamily="34" charset="0"/>
-              </a:rPr>
-              <a:t>The information herein is for informational purposes only and represents the current view of Microsoft Corporation as of the date of this presentation.  Because Microsoft must respond to changing market conditions, it should not be interpreted to be a commitment on the part of Microsoft, and Microsoft cannot guarantee the accuracy of any information provided after the date of this presentation.  MICROSOFT MAKES NO WARRANTIES, EXPRESS, IMPLIED OR STATUTORY, AS TO THE INFORMATION IN THIS PRESENTATION.</a:t>
-            </a:r>
-            <a:endParaRPr lang="en-US" sz="500" dirty="0">
+              <a:t>© 2014 Microsoft Corporation. All rights reserved. Microsoft, Windows, and other product names are or may be registered trademarks and/or trademarks in the U.S. and/or other countries. The information herein is for informational purposes only and represents the current view of Microsoft Corporation as of the date of this presentation.  Because Microsoft must respond to changing market conditions, it should not be interpreted to be a commitment on the part of Microsoft, and Microsoft cannot guarantee the accuracy of any information provided after the date of this presentation.  MICROSOFT MAKES NO WARRANTIES, EXPRESS, IMPLIED OR STATUTORY, AS TO THE INFORMATION IN THIS PRESENTATION.</a:t>
+            </a:r>
+            <a:endParaRPr lang="en-US" sz="400" dirty="0" smtClean="0">
               <a:gradFill>
                 <a:gsLst>
                   <a:gs pos="0">
-                    <a:schemeClr val="tx1"/>
+                    <a:prstClr val="black"/>
                   </a:gs>
                   <a:gs pos="100000">
-                    <a:schemeClr val="tx1"/>
+                    <a:prstClr val="black"/>
                   </a:gs>
                 </a:gsLst>
                 <a:lin ang="5400000" scaled="0"/>
@@ -2795,10 +2451,80 @@
           </a:p>
         </p:txBody>
       </p:sp>
+      <p:sp>
+        <p:nvSpPr>
+          <p:cNvPr id="5" name="Date Placeholder 4"/>
+          <p:cNvSpPr>
+            <a:spLocks noGrp="1"/>
+          </p:cNvSpPr>
+          <p:nvPr>
+            <p:ph type="dt" idx="11"/>
+          </p:nvPr>
+        </p:nvSpPr>
+        <p:spPr/>
+        <p:txBody>
+          <a:bodyPr/>
+          <a:lstStyle/>
+          <a:p>
+            <a:fld id="{B079C3B8-7366-4A44-A34B-3977080C19E7}" type="datetime1">
+              <a:rPr lang="en-US" smtClean="0"/>
+              <a:t>9/10/2014</a:t>
+            </a:fld>
+            <a:endParaRPr lang="en-US" dirty="0"/>
+          </a:p>
+        </p:txBody>
+      </p:sp>
+      <p:sp>
+        <p:nvSpPr>
+          <p:cNvPr id="6" name="Slide Number Placeholder 5"/>
+          <p:cNvSpPr>
+            <a:spLocks noGrp="1"/>
+          </p:cNvSpPr>
+          <p:nvPr>
+            <p:ph type="sldNum" sz="quarter" idx="12"/>
+          </p:nvPr>
+        </p:nvSpPr>
+        <p:spPr/>
+        <p:txBody>
+          <a:bodyPr/>
+          <a:lstStyle/>
+          <a:p>
+            <a:fld id="{B4008EB6-D09E-4580-8CD6-DDB14511944F}" type="slidenum">
+              <a:rPr lang="en-US" smtClean="0"/>
+              <a:pPr/>
+              <a:t>25</a:t>
+            </a:fld>
+            <a:endParaRPr lang="en-US" dirty="0"/>
+          </a:p>
+        </p:txBody>
+      </p:sp>
+      <p:sp>
+        <p:nvSpPr>
+          <p:cNvPr id="7" name="Header Placeholder 6"/>
+          <p:cNvSpPr>
+            <a:spLocks noGrp="1"/>
+          </p:cNvSpPr>
+          <p:nvPr>
+            <p:ph type="hdr" sz="quarter" idx="13"/>
+          </p:nvPr>
+        </p:nvSpPr>
+        <p:spPr/>
+        <p:txBody>
+          <a:bodyPr/>
+          <a:lstStyle/>
+          <a:p>
+            <a:r>
+              <a:rPr lang="en-US" smtClean="0"/>
+              <a:t>Build 2014</a:t>
+            </a:r>
+            <a:endParaRPr lang="en-US" dirty="0"/>
+          </a:p>
+        </p:txBody>
+      </p:sp>
     </p:spTree>
     <p:extLst>
       <p:ext uri="{BB962C8B-B14F-4D97-AF65-F5344CB8AC3E}">
-        <p14:creationId xmlns:p14="http://schemas.microsoft.com/office/powerpoint/2010/main" val="185922338"/>
+        <p14:creationId xmlns:p14="http://schemas.microsoft.com/office/powerpoint/2010/main" val="2880687264"/>
       </p:ext>
     </p:extLst>
   </p:cSld>
@@ -2852,21 +2578,56 @@
           <a:bodyPr/>
           <a:lstStyle/>
           <a:p>
+            <a:endParaRPr lang="en-US"/>
+          </a:p>
+        </p:txBody>
+      </p:sp>
+      <p:sp>
+        <p:nvSpPr>
+          <p:cNvPr id="4" name="Header Placeholder 3"/>
+          <p:cNvSpPr>
+            <a:spLocks noGrp="1"/>
+          </p:cNvSpPr>
+          <p:nvPr>
+            <p:ph type="hdr" sz="quarter" idx="10"/>
+          </p:nvPr>
+        </p:nvSpPr>
+        <p:spPr>
+          <a:xfrm>
+            <a:off x="0" y="0"/>
+            <a:ext cx="2971800" cy="457200"/>
+          </a:xfrm>
+          <a:prstGeom prst="rect">
+            <a:avLst/>
+          </a:prstGeom>
+        </p:spPr>
+        <p:txBody>
+          <a:bodyPr/>
+          <a:lstStyle/>
+          <a:p>
             <a:endParaRPr lang="en-US" dirty="0"/>
           </a:p>
         </p:txBody>
       </p:sp>
       <p:sp>
         <p:nvSpPr>
-          <p:cNvPr id="4" name="Footer Placeholder 3"/>
-          <p:cNvSpPr>
-            <a:spLocks noGrp="1"/>
-          </p:cNvSpPr>
-          <p:nvPr>
-            <p:ph type="ftr" sz="quarter" idx="10"/>
-          </p:nvPr>
-        </p:nvSpPr>
-        <p:spPr/>
+          <p:cNvPr id="5" name="Footer Placeholder 4"/>
+          <p:cNvSpPr>
+            <a:spLocks noGrp="1"/>
+          </p:cNvSpPr>
+          <p:nvPr>
+            <p:ph type="ftr" sz="quarter" idx="11"/>
+          </p:nvPr>
+        </p:nvSpPr>
+        <p:spPr>
+          <a:xfrm>
+            <a:off x="0" y="8686800"/>
+            <a:ext cx="5920740" cy="355964"/>
+          </a:xfrm>
+          <a:prstGeom prst="rect">
+            <a:avLst/>
+          </a:prstGeom>
+        </p:spPr>
         <p:txBody>
           <a:bodyPr/>
           <a:lstStyle/>
@@ -2889,7 +2650,29 @@
                 <a:ea typeface="Segoe UI" pitchFamily="34" charset="0"/>
                 <a:cs typeface="Segoe UI" pitchFamily="34" charset="0"/>
               </a:rPr>
-              <a:t>© 2014 Microsoft Corporation. All rights reserved. Microsoft, Windows, and other product names are or may be registered trademarks and/or trademarks in the U.S. and/or other countries. The information herein is for informational purposes only and represents the current view of Microsoft Corporation as of the date of this presentation.  Because Microsoft must respond to changing market conditions, it should not be interpreted to be a commitment on the part of Microsoft, and Microsoft cannot guarantee the accuracy of any information provided after the date of this presentation.  MICROSOFT MAKES NO WARRANTIES, EXPRESS, IMPLIED OR STATUTORY, AS TO THE INFORMATION IN THIS PRESENTATION.</a:t>
+              <a:t>© 2012 Microsoft Corporation. All rights reserved. Microsoft, Windows, and other product names are or may be registered trademarks and/or trademarks in the U.S. and/or other countries.</a:t>
+            </a:r>
+          </a:p>
+          <a:p>
+            <a:pPr defTabSz="914099" eaLnBrk="0" hangingPunct="0"/>
+            <a:r>
+              <a:rPr lang="en-US" sz="400" smtClean="0">
+                <a:gradFill>
+                  <a:gsLst>
+                    <a:gs pos="0">
+                      <a:prstClr val="black"/>
+                    </a:gs>
+                    <a:gs pos="100000">
+                      <a:prstClr val="black"/>
+                    </a:gs>
+                  </a:gsLst>
+                  <a:lin ang="5400000" scaled="0"/>
+                </a:gradFill>
+                <a:latin typeface="Segoe UI" pitchFamily="34" charset="0"/>
+                <a:ea typeface="Segoe UI" pitchFamily="34" charset="0"/>
+                <a:cs typeface="Segoe UI" pitchFamily="34" charset="0"/>
+              </a:rPr>
+              <a:t>The information herein is for informational purposes only and represents the current view of Microsoft Corporation as of the date of this presentation.  Because Microsoft must respond to changing market conditions, it should not be interpreted to be a commitment on the part of Microsoft, and Microsoft cannot guarantee the accuracy of any information provided after the date of this presentation.  MICROSOFT MAKES NO WARRANTIES, EXPRESS, IMPLIED OR STATUTORY, AS TO THE INFORMATION IN THIS PRESENTATION.</a:t>
             </a:r>
             <a:endParaRPr lang="en-US" sz="400" dirty="0" smtClean="0">
               <a:gradFill>
@@ -2912,12 +2695,12 @@
       </p:sp>
       <p:sp>
         <p:nvSpPr>
-          <p:cNvPr id="5" name="Date Placeholder 4"/>
-          <p:cNvSpPr>
-            <a:spLocks noGrp="1"/>
-          </p:cNvSpPr>
-          <p:nvPr>
-            <p:ph type="dt" idx="11"/>
+          <p:cNvPr id="6" name="Date Placeholder 5"/>
+          <p:cNvSpPr>
+            <a:spLocks noGrp="1"/>
+          </p:cNvSpPr>
+          <p:nvPr>
+            <p:ph type="dt" idx="12"/>
           </p:nvPr>
         </p:nvSpPr>
         <p:spPr/>
@@ -2925,22 +2708,22 @@
           <a:bodyPr/>
           <a:lstStyle/>
           <a:p>
-            <a:fld id="{B079C3B8-7366-4A44-A34B-3977080C19E7}" type="datetime1">
+            <a:fld id="{0BB6559B-C68D-49B4-97AE-9BB74C417927}" type="datetime1">
               <a:rPr lang="en-US" smtClean="0"/>
-              <a:t>9/3/2014</a:t>
+              <a:t>9/10/2014</a:t>
             </a:fld>
-            <a:endParaRPr lang="en-US" dirty="0"/>
-          </a:p>
-        </p:txBody>
-      </p:sp>
-      <p:sp>
-        <p:nvSpPr>
-          <p:cNvPr id="6" name="Slide Number Placeholder 5"/>
-          <p:cNvSpPr>
-            <a:spLocks noGrp="1"/>
-          </p:cNvSpPr>
-          <p:nvPr>
-            <p:ph type="sldNum" sz="quarter" idx="12"/>
+            <a:endParaRPr lang="en-US"/>
+          </a:p>
+        </p:txBody>
+      </p:sp>
+      <p:sp>
+        <p:nvSpPr>
+          <p:cNvPr id="7" name="Slide Number Placeholder 6"/>
+          <p:cNvSpPr>
+            <a:spLocks noGrp="1"/>
+          </p:cNvSpPr>
+          <p:nvPr>
+            <p:ph type="sldNum" sz="quarter" idx="13"/>
           </p:nvPr>
         </p:nvSpPr>
         <p:spPr/>
@@ -2950,32 +2733,8 @@
           <a:p>
             <a:fld id="{B4008EB6-D09E-4580-8CD6-DDB14511944F}" type="slidenum">
               <a:rPr lang="en-US" smtClean="0"/>
-              <a:pPr/>
-              <a:t>24</a:t>
+              <a:t>26</a:t>
             </a:fld>
-            <a:endParaRPr lang="en-US" dirty="0"/>
-          </a:p>
-        </p:txBody>
-      </p:sp>
-      <p:sp>
-        <p:nvSpPr>
-          <p:cNvPr id="7" name="Header Placeholder 6"/>
-          <p:cNvSpPr>
-            <a:spLocks noGrp="1"/>
-          </p:cNvSpPr>
-          <p:nvPr>
-            <p:ph type="hdr" sz="quarter" idx="13"/>
-          </p:nvPr>
-        </p:nvSpPr>
-        <p:spPr/>
-        <p:txBody>
-          <a:bodyPr/>
-          <a:lstStyle/>
-          <a:p>
-            <a:r>
-              <a:rPr lang="en-US" smtClean="0"/>
-              <a:t>Build 2014</a:t>
-            </a:r>
             <a:endParaRPr lang="en-US" dirty="0"/>
           </a:p>
         </p:txBody>
@@ -2983,7 +2742,7 @@
     </p:spTree>
     <p:extLst>
       <p:ext uri="{BB962C8B-B14F-4D97-AF65-F5344CB8AC3E}">
-        <p14:creationId xmlns:p14="http://schemas.microsoft.com/office/powerpoint/2010/main" val="2880687264"/>
+        <p14:creationId xmlns:p14="http://schemas.microsoft.com/office/powerpoint/2010/main" val="3695926200"/>
       </p:ext>
     </p:extLst>
   </p:cSld>
@@ -13142,6 +12901,174 @@
       </p:grpSpPr>
       <p:sp>
         <p:nvSpPr>
+          <p:cNvPr id="2" name="Title 1"/>
+          <p:cNvSpPr>
+            <a:spLocks noGrp="1"/>
+          </p:cNvSpPr>
+          <p:nvPr>
+            <p:ph type="title"/>
+          </p:nvPr>
+        </p:nvSpPr>
+        <p:spPr/>
+        <p:txBody>
+          <a:bodyPr/>
+          <a:lstStyle/>
+          <a:p>
+            <a:r>
+              <a:rPr lang="en-US" dirty="0" smtClean="0"/>
+              <a:t>APIs</a:t>
+            </a:r>
+            <a:endParaRPr lang="en-US" dirty="0"/>
+          </a:p>
+        </p:txBody>
+      </p:sp>
+      <p:sp>
+        <p:nvSpPr>
+          <p:cNvPr id="3" name="Slide Number Placeholder 2"/>
+          <p:cNvSpPr>
+            <a:spLocks noGrp="1"/>
+          </p:cNvSpPr>
+          <p:nvPr>
+            <p:ph type="sldNum" sz="quarter" idx="12"/>
+          </p:nvPr>
+        </p:nvSpPr>
+        <p:spPr/>
+        <p:txBody>
+          <a:bodyPr/>
+          <a:lstStyle/>
+          <a:p>
+            <a:fld id="{727B4C2D-45E2-4621-8491-2995EB46A674}" type="slidenum">
+              <a:rPr lang="en-US" smtClean="0"/>
+              <a:pPr/>
+              <a:t>10</a:t>
+            </a:fld>
+            <a:endParaRPr lang="en-US" dirty="0"/>
+          </a:p>
+        </p:txBody>
+      </p:sp>
+      <p:sp>
+        <p:nvSpPr>
+          <p:cNvPr id="5" name="TextBox 4"/>
+          <p:cNvSpPr txBox="1"/>
+          <p:nvPr/>
+        </p:nvSpPr>
+        <p:spPr>
+          <a:xfrm>
+            <a:off x="801043" y="1112843"/>
+            <a:ext cx="8444363" cy="1846659"/>
+          </a:xfrm>
+          <a:prstGeom prst="rect">
+            <a:avLst/>
+          </a:prstGeom>
+          <a:noFill/>
+        </p:spPr>
+        <p:txBody>
+          <a:bodyPr wrap="none" lIns="0" tIns="0" rIns="0" bIns="0" rtlCol="0">
+            <a:spAutoFit/>
+          </a:bodyPr>
+          <a:lstStyle/>
+          <a:p>
+            <a:r>
+              <a:rPr lang="en-US" sz="2400" dirty="0"/>
+              <a:t>https://</a:t>
+            </a:r>
+            <a:r>
+              <a:rPr lang="en-US" sz="2400" dirty="0" smtClean="0"/>
+              <a:t>outlook.office365.com/ews/odata/Me/Calendar/Events</a:t>
+            </a:r>
+          </a:p>
+          <a:p>
+            <a:endParaRPr lang="en-US" sz="2400" spc="-70" dirty="0">
+              <a:gradFill>
+                <a:gsLst>
+                  <a:gs pos="2917">
+                    <a:schemeClr val="bg2"/>
+                  </a:gs>
+                  <a:gs pos="95000">
+                    <a:schemeClr val="bg2"/>
+                  </a:gs>
+                </a:gsLst>
+                <a:lin ang="5400000" scaled="0"/>
+              </a:gradFill>
+            </a:endParaRPr>
+          </a:p>
+          <a:p>
+            <a:r>
+              <a:rPr lang="en-US" sz="2400" dirty="0"/>
+              <a:t>https://</a:t>
+            </a:r>
+            <a:r>
+              <a:rPr lang="en-US" sz="2400" dirty="0" smtClean="0"/>
+              <a:t>outlook.office365.com/ews/odata/Me/Inbox/Messages</a:t>
+            </a:r>
+          </a:p>
+          <a:p>
+            <a:endParaRPr lang="en-US" sz="2400" spc="-70" dirty="0">
+              <a:gradFill>
+                <a:gsLst>
+                  <a:gs pos="2917">
+                    <a:schemeClr val="bg2"/>
+                  </a:gs>
+                  <a:gs pos="95000">
+                    <a:schemeClr val="bg2"/>
+                  </a:gs>
+                </a:gsLst>
+                <a:lin ang="5400000" scaled="0"/>
+              </a:gradFill>
+            </a:endParaRPr>
+          </a:p>
+          <a:p>
+            <a:endParaRPr lang="en-US" sz="2400" spc="-70" dirty="0" smtClean="0">
+              <a:gradFill>
+                <a:gsLst>
+                  <a:gs pos="2917">
+                    <a:schemeClr val="bg2"/>
+                  </a:gs>
+                  <a:gs pos="95000">
+                    <a:schemeClr val="bg2"/>
+                  </a:gs>
+                </a:gsLst>
+                <a:lin ang="5400000" scaled="0"/>
+              </a:gradFill>
+            </a:endParaRPr>
+          </a:p>
+        </p:txBody>
+      </p:sp>
+    </p:spTree>
+    <p:extLst>
+      <p:ext uri="{BB962C8B-B14F-4D97-AF65-F5344CB8AC3E}">
+        <p14:creationId xmlns:p14="http://schemas.microsoft.com/office/powerpoint/2010/main" val="3621575403"/>
+      </p:ext>
+    </p:extLst>
+  </p:cSld>
+  <p:clrMapOvr>
+    <a:masterClrMapping/>
+  </p:clrMapOvr>
+  <p:transition>
+    <p:fade/>
+  </p:transition>
+</p:sld>
+</file>
+
+<file path=ppt/slides/slide11.xml><?xml version="1.0" encoding="utf-8"?>
+<p:sld xmlns:a="http://schemas.openxmlformats.org/drawingml/2006/main" xmlns:r="http://schemas.openxmlformats.org/officeDocument/2006/relationships" xmlns:p="http://schemas.openxmlformats.org/presentationml/2006/main">
+  <p:cSld>
+    <p:spTree>
+      <p:nvGrpSpPr>
+        <p:cNvPr id="1" name=""/>
+        <p:cNvGrpSpPr/>
+        <p:nvPr/>
+      </p:nvGrpSpPr>
+      <p:grpSpPr>
+        <a:xfrm>
+          <a:off x="0" y="0"/>
+          <a:ext cx="0" cy="0"/>
+          <a:chOff x="0" y="0"/>
+          <a:chExt cx="0" cy="0"/>
+        </a:xfrm>
+      </p:grpSpPr>
+      <p:sp>
+        <p:nvSpPr>
           <p:cNvPr id="4" name="Title 3"/>
           <p:cNvSpPr>
             <a:spLocks noGrp="1"/>
@@ -13206,7 +13133,7 @@
 </p:sld>
 </file>
 
-<file path=ppt/slides/slide11.xml><?xml version="1.0" encoding="utf-8"?>
+<file path=ppt/slides/slide12.xml><?xml version="1.0" encoding="utf-8"?>
 <p:sld xmlns:a="http://schemas.openxmlformats.org/drawingml/2006/main" xmlns:r="http://schemas.openxmlformats.org/officeDocument/2006/relationships" xmlns:p="http://schemas.openxmlformats.org/presentationml/2006/main">
   <p:cSld>
     <p:spTree>
@@ -13290,11 +13217,7 @@
             </a:r>
             <a:r>
               <a:rPr lang="en-US" dirty="0" smtClean="0"/>
-              <a:t> </a:t>
-            </a:r>
-            <a:r>
-              <a:rPr lang="en-US" dirty="0" smtClean="0"/>
-              <a:t>class</a:t>
+              <a:t> class</a:t>
             </a:r>
             <a:endParaRPr lang="en-US" dirty="0"/>
           </a:p>
@@ -13318,7 +13241,7 @@
             <a:fld id="{727B4C2D-45E2-4621-8491-2995EB46A674}" type="slidenum">
               <a:rPr lang="en-US" smtClean="0"/>
               <a:pPr/>
-              <a:t>11</a:t>
+              <a:t>12</a:t>
             </a:fld>
             <a:endParaRPr lang="en-US" dirty="0"/>
           </a:p>
@@ -13370,156 +13293,6 @@
 </p:sld>
 </file>
 
-<file path=ppt/slides/slide12.xml><?xml version="1.0" encoding="utf-8"?>
-<p:sld xmlns:a="http://schemas.openxmlformats.org/drawingml/2006/main" xmlns:r="http://schemas.openxmlformats.org/officeDocument/2006/relationships" xmlns:p="http://schemas.openxmlformats.org/presentationml/2006/main">
-  <p:cSld>
-    <p:spTree>
-      <p:nvGrpSpPr>
-        <p:cNvPr id="1" name=""/>
-        <p:cNvGrpSpPr/>
-        <p:nvPr/>
-      </p:nvGrpSpPr>
-      <p:grpSpPr>
-        <a:xfrm>
-          <a:off x="0" y="0"/>
-          <a:ext cx="0" cy="0"/>
-          <a:chOff x="0" y="0"/>
-          <a:chExt cx="0" cy="0"/>
-        </a:xfrm>
-      </p:grpSpPr>
-      <p:sp>
-        <p:nvSpPr>
-          <p:cNvPr id="2" name="Text Placeholder 1"/>
-          <p:cNvSpPr>
-            <a:spLocks noGrp="1"/>
-          </p:cNvSpPr>
-          <p:nvPr>
-            <p:ph type="body" sz="quarter" idx="10"/>
-          </p:nvPr>
-        </p:nvSpPr>
-        <p:spPr>
-          <a:xfrm>
-            <a:off x="519112" y="1447798"/>
-            <a:ext cx="11149013" cy="2450961"/>
-          </a:xfrm>
-        </p:spPr>
-        <p:txBody>
-          <a:bodyPr/>
-          <a:lstStyle/>
-          <a:p>
-            <a:r>
-              <a:rPr lang="en-US" dirty="0" smtClean="0"/>
-              <a:t>Read Files collection</a:t>
-            </a:r>
-          </a:p>
-          <a:p>
-            <a:r>
-              <a:rPr lang="en-US" dirty="0" smtClean="0"/>
-              <a:t>Can also read an individual Folder</a:t>
-            </a:r>
-          </a:p>
-          <a:p>
-            <a:r>
-              <a:rPr lang="en-US" dirty="0" smtClean="0"/>
-              <a:t>Paging is accomplished post-query using LINQ</a:t>
-            </a:r>
-            <a:endParaRPr lang="en-US" dirty="0"/>
-          </a:p>
-        </p:txBody>
-      </p:sp>
-      <p:sp>
-        <p:nvSpPr>
-          <p:cNvPr id="3" name="Title 2"/>
-          <p:cNvSpPr>
-            <a:spLocks noGrp="1"/>
-          </p:cNvSpPr>
-          <p:nvPr>
-            <p:ph type="title"/>
-          </p:nvPr>
-        </p:nvSpPr>
-        <p:spPr/>
-        <p:txBody>
-          <a:bodyPr/>
-          <a:lstStyle/>
-          <a:p>
-            <a:r>
-              <a:rPr lang="en-US" dirty="0" smtClean="0"/>
-              <a:t>Reading File Metadata</a:t>
-            </a:r>
-            <a:endParaRPr lang="en-US" dirty="0"/>
-          </a:p>
-        </p:txBody>
-      </p:sp>
-      <p:sp>
-        <p:nvSpPr>
-          <p:cNvPr id="4" name="Slide Number Placeholder 3"/>
-          <p:cNvSpPr>
-            <a:spLocks noGrp="1"/>
-          </p:cNvSpPr>
-          <p:nvPr>
-            <p:ph type="sldNum" sz="quarter" idx="12"/>
-          </p:nvPr>
-        </p:nvSpPr>
-        <p:spPr/>
-        <p:txBody>
-          <a:bodyPr/>
-          <a:lstStyle/>
-          <a:p>
-            <a:fld id="{727B4C2D-45E2-4621-8491-2995EB46A674}" type="slidenum">
-              <a:rPr lang="en-US" smtClean="0"/>
-              <a:pPr/>
-              <a:t>12</a:t>
-            </a:fld>
-            <a:endParaRPr lang="en-US" dirty="0"/>
-          </a:p>
-        </p:txBody>
-      </p:sp>
-      <p:pic>
-        <p:nvPicPr>
-          <p:cNvPr id="5" name="Picture 4"/>
-          <p:cNvPicPr>
-            <a:picLocks noChangeAspect="1"/>
-          </p:cNvPicPr>
-          <p:nvPr/>
-        </p:nvPicPr>
-        <p:blipFill>
-          <a:blip r:embed="rId3">
-            <a:extLst>
-              <a:ext uri="{28A0092B-C50C-407E-A947-70E740481C1C}">
-                <a14:useLocalDpi xmlns:a14="http://schemas.microsoft.com/office/drawing/2010/main" val="0"/>
-              </a:ext>
-            </a:extLst>
-          </a:blip>
-          <a:stretch>
-            <a:fillRect/>
-          </a:stretch>
-        </p:blipFill>
-        <p:spPr>
-          <a:xfrm>
-            <a:off x="801043" y="4115857"/>
-            <a:ext cx="10619198" cy="1079140"/>
-          </a:xfrm>
-          <a:prstGeom prst="rect">
-            <a:avLst/>
-          </a:prstGeom>
-        </p:spPr>
-      </p:pic>
-    </p:spTree>
-    <p:extLst>
-      <p:ext uri="{BB962C8B-B14F-4D97-AF65-F5344CB8AC3E}">
-        <p14:creationId xmlns:p14="http://schemas.microsoft.com/office/powerpoint/2010/main" val="360964871"/>
-      </p:ext>
-    </p:extLst>
-  </p:cSld>
-  <p:clrMapOvr>
-    <a:masterClrMapping/>
-  </p:clrMapOvr>
-  <p:transition>
-    <p:fade/>
-  </p:transition>
-</p:sld>
-</file>
-
 <file path=ppt/slides/slide13.xml><?xml version="1.0" encoding="utf-8"?>
 <p:sld xmlns:a="http://schemas.openxmlformats.org/drawingml/2006/main" xmlns:r="http://schemas.openxmlformats.org/officeDocument/2006/relationships" xmlns:p="http://schemas.openxmlformats.org/presentationml/2006/main">
   <p:cSld>
@@ -13539,12 +13312,12 @@
       </p:grpSpPr>
       <p:sp>
         <p:nvSpPr>
-          <p:cNvPr id="2" name="Text Placeholder 1"/>
-          <p:cNvSpPr>
-            <a:spLocks noGrp="1"/>
-          </p:cNvSpPr>
-          <p:nvPr>
-            <p:ph type="body" sz="quarter" idx="10"/>
+          <p:cNvPr id="2" name="Title 1"/>
+          <p:cNvSpPr>
+            <a:spLocks noGrp="1"/>
+          </p:cNvSpPr>
+          <p:nvPr>
+            <p:ph type="title"/>
           </p:nvPr>
         </p:nvSpPr>
         <p:spPr/>
@@ -13554,21 +13327,7 @@
           <a:p>
             <a:r>
               <a:rPr lang="en-US" dirty="0" smtClean="0"/>
-              <a:t>Use </a:t>
-            </a:r>
-            <a:r>
-              <a:rPr lang="en-US" dirty="0" err="1" smtClean="0"/>
-              <a:t>AddAsync</a:t>
-            </a:r>
-            <a:r>
-              <a:rPr lang="en-US" dirty="0" smtClean="0"/>
-              <a:t> method</a:t>
-            </a:r>
-          </a:p>
-          <a:p>
-            <a:r>
-              <a:rPr lang="en-US" dirty="0" smtClean="0"/>
-              <a:t>Provide a file name and the file stream</a:t>
+              <a:t>Retrieving Contacts</a:t>
             </a:r>
             <a:endParaRPr lang="en-US" dirty="0"/>
           </a:p>
@@ -13576,12 +13335,12 @@
       </p:sp>
       <p:sp>
         <p:nvSpPr>
-          <p:cNvPr id="3" name="Title 2"/>
-          <p:cNvSpPr>
-            <a:spLocks noGrp="1"/>
-          </p:cNvSpPr>
-          <p:nvPr>
-            <p:ph type="title"/>
+          <p:cNvPr id="3" name="Text Placeholder 2"/>
+          <p:cNvSpPr>
+            <a:spLocks noGrp="1"/>
+          </p:cNvSpPr>
+          <p:nvPr>
+            <p:ph type="body" sz="quarter" idx="10"/>
           </p:nvPr>
         </p:nvSpPr>
         <p:spPr/>
@@ -13589,11 +13348,7 @@
           <a:bodyPr/>
           <a:lstStyle/>
           <a:p>
-            <a:r>
-              <a:rPr lang="en-US" dirty="0" smtClean="0"/>
-              <a:t>Uploading a new File</a:t>
-            </a:r>
-            <a:endParaRPr lang="en-US" dirty="0"/>
+            <a:endParaRPr lang="en-US"/>
           </a:p>
         </p:txBody>
       </p:sp>
@@ -13621,40 +13376,10 @@
           </a:p>
         </p:txBody>
       </p:sp>
-      <p:pic>
-        <p:nvPicPr>
-          <p:cNvPr id="6" name="Picture 5"/>
-          <p:cNvPicPr>
-            <a:picLocks noChangeAspect="1"/>
-          </p:cNvPicPr>
-          <p:nvPr/>
-        </p:nvPicPr>
-        <p:blipFill>
-          <a:blip r:embed="rId2">
-            <a:extLst>
-              <a:ext uri="{28A0092B-C50C-407E-A947-70E740481C1C}">
-                <a14:useLocalDpi xmlns:a14="http://schemas.microsoft.com/office/drawing/2010/main" val="0"/>
-              </a:ext>
-            </a:extLst>
-          </a:blip>
-          <a:stretch>
-            <a:fillRect/>
-          </a:stretch>
-        </p:blipFill>
-        <p:spPr>
-          <a:xfrm>
-            <a:off x="721683" y="3547219"/>
-            <a:ext cx="8244332" cy="695616"/>
-          </a:xfrm>
-          <a:prstGeom prst="rect">
-            <a:avLst/>
-          </a:prstGeom>
-        </p:spPr>
-      </p:pic>
     </p:spTree>
     <p:extLst>
       <p:ext uri="{BB962C8B-B14F-4D97-AF65-F5344CB8AC3E}">
-        <p14:creationId xmlns:p14="http://schemas.microsoft.com/office/powerpoint/2010/main" val="3844108301"/>
+        <p14:creationId xmlns:p14="http://schemas.microsoft.com/office/powerpoint/2010/main" val="2976933334"/>
       </p:ext>
     </p:extLst>
   </p:cSld>
@@ -13686,12 +13411,12 @@
       </p:grpSpPr>
       <p:sp>
         <p:nvSpPr>
-          <p:cNvPr id="2" name="Text Placeholder 1"/>
-          <p:cNvSpPr>
-            <a:spLocks noGrp="1"/>
-          </p:cNvSpPr>
-          <p:nvPr>
-            <p:ph type="body" sz="quarter" idx="10"/>
+          <p:cNvPr id="2" name="Title 1"/>
+          <p:cNvSpPr>
+            <a:spLocks noGrp="1"/>
+          </p:cNvSpPr>
+          <p:nvPr>
+            <p:ph type="title"/>
           </p:nvPr>
         </p:nvSpPr>
         <p:spPr/>
@@ -13701,29 +13426,7 @@
           <a:p>
             <a:r>
               <a:rPr lang="en-US" dirty="0" smtClean="0"/>
-              <a:t>Get the target file using </a:t>
-            </a:r>
-            <a:r>
-              <a:rPr lang="en-US" dirty="0" err="1" smtClean="0"/>
-              <a:t>GetByAsync</a:t>
-            </a:r>
-            <a:r>
-              <a:rPr lang="en-US" dirty="0" smtClean="0"/>
-              <a:t> method</a:t>
-            </a:r>
-          </a:p>
-          <a:p>
-            <a:r>
-              <a:rPr lang="en-US" dirty="0" smtClean="0"/>
-              <a:t>Delete using </a:t>
-            </a:r>
-            <a:r>
-              <a:rPr lang="en-US" dirty="0" err="1" smtClean="0"/>
-              <a:t>DeleteAsync</a:t>
-            </a:r>
-            <a:r>
-              <a:rPr lang="en-US" dirty="0" smtClean="0"/>
-              <a:t> method</a:t>
+              <a:t>Adding a Contact</a:t>
             </a:r>
             <a:endParaRPr lang="en-US" dirty="0"/>
           </a:p>
@@ -13731,12 +13434,12 @@
       </p:sp>
       <p:sp>
         <p:nvSpPr>
-          <p:cNvPr id="3" name="Title 2"/>
-          <p:cNvSpPr>
-            <a:spLocks noGrp="1"/>
-          </p:cNvSpPr>
-          <p:nvPr>
-            <p:ph type="title"/>
+          <p:cNvPr id="3" name="Text Placeholder 2"/>
+          <p:cNvSpPr>
+            <a:spLocks noGrp="1"/>
+          </p:cNvSpPr>
+          <p:nvPr>
+            <p:ph type="body" sz="quarter" idx="10"/>
           </p:nvPr>
         </p:nvSpPr>
         <p:spPr/>
@@ -13744,11 +13447,7 @@
           <a:bodyPr/>
           <a:lstStyle/>
           <a:p>
-            <a:r>
-              <a:rPr lang="en-US" dirty="0" smtClean="0"/>
-              <a:t>Deleting a File</a:t>
-            </a:r>
-            <a:endParaRPr lang="en-US" dirty="0"/>
+            <a:endParaRPr lang="en-US"/>
           </a:p>
         </p:txBody>
       </p:sp>
@@ -13776,40 +13475,10 @@
           </a:p>
         </p:txBody>
       </p:sp>
-      <p:pic>
-        <p:nvPicPr>
-          <p:cNvPr id="5" name="Picture 4"/>
-          <p:cNvPicPr>
-            <a:picLocks noChangeAspect="1"/>
-          </p:cNvPicPr>
-          <p:nvPr/>
-        </p:nvPicPr>
-        <p:blipFill>
-          <a:blip r:embed="rId2">
-            <a:extLst>
-              <a:ext uri="{28A0092B-C50C-407E-A947-70E740481C1C}">
-                <a14:useLocalDpi xmlns:a14="http://schemas.microsoft.com/office/drawing/2010/main" val="0"/>
-              </a:ext>
-            </a:extLst>
-          </a:blip>
-          <a:stretch>
-            <a:fillRect/>
-          </a:stretch>
-        </p:blipFill>
-        <p:spPr>
-          <a:xfrm>
-            <a:off x="801043" y="4032471"/>
-            <a:ext cx="7372862" cy="770642"/>
-          </a:xfrm>
-          <a:prstGeom prst="rect">
-            <a:avLst/>
-          </a:prstGeom>
-        </p:spPr>
-      </p:pic>
     </p:spTree>
     <p:extLst>
       <p:ext uri="{BB962C8B-B14F-4D97-AF65-F5344CB8AC3E}">
-        <p14:creationId xmlns:p14="http://schemas.microsoft.com/office/powerpoint/2010/main" val="4034037925"/>
+        <p14:creationId xmlns:p14="http://schemas.microsoft.com/office/powerpoint/2010/main" val="3485018511"/>
       </p:ext>
     </p:extLst>
   </p:cSld>
@@ -13841,12 +13510,12 @@
       </p:grpSpPr>
       <p:sp>
         <p:nvSpPr>
-          <p:cNvPr id="4" name="Subtitle 3"/>
-          <p:cNvSpPr>
-            <a:spLocks noGrp="1"/>
-          </p:cNvSpPr>
-          <p:nvPr>
-            <p:ph type="subTitle" idx="1"/>
+          <p:cNvPr id="2" name="Title 1"/>
+          <p:cNvSpPr>
+            <a:spLocks noGrp="1"/>
+          </p:cNvSpPr>
+          <p:nvPr>
+            <p:ph type="title"/>
           </p:nvPr>
         </p:nvSpPr>
         <p:spPr/>
@@ -13856,11 +13525,7 @@
           <a:p>
             <a:r>
               <a:rPr lang="en-US" dirty="0" smtClean="0"/>
-              <a:t>File operations with the </a:t>
-            </a:r>
-            <a:r>
-              <a:rPr lang="en-US" dirty="0" err="1" smtClean="0"/>
-              <a:t>SharePointClient</a:t>
+              <a:t>Deleting a Contact</a:t>
             </a:r>
             <a:endParaRPr lang="en-US" dirty="0"/>
           </a:p>
@@ -13868,7 +13533,7 @@
       </p:sp>
       <p:sp>
         <p:nvSpPr>
-          <p:cNvPr id="2" name="Text Placeholder 1"/>
+          <p:cNvPr id="3" name="Text Placeholder 2"/>
           <p:cNvSpPr>
             <a:spLocks noGrp="1"/>
           </p:cNvSpPr>
@@ -13881,13 +13546,30 @@
           <a:bodyPr/>
           <a:lstStyle/>
           <a:p>
-            <a:pPr marL="0" indent="0">
-              <a:buNone/>
-            </a:pPr>
-            <a:r>
-              <a:rPr lang="en-US" dirty="0" smtClean="0"/>
-              <a:t>demo</a:t>
-            </a:r>
+            <a:endParaRPr lang="en-US"/>
+          </a:p>
+        </p:txBody>
+      </p:sp>
+      <p:sp>
+        <p:nvSpPr>
+          <p:cNvPr id="4" name="Slide Number Placeholder 3"/>
+          <p:cNvSpPr>
+            <a:spLocks noGrp="1"/>
+          </p:cNvSpPr>
+          <p:nvPr>
+            <p:ph type="sldNum" sz="quarter" idx="12"/>
+          </p:nvPr>
+        </p:nvSpPr>
+        <p:spPr/>
+        <p:txBody>
+          <a:bodyPr/>
+          <a:lstStyle/>
+          <a:p>
+            <a:fld id="{727B4C2D-45E2-4621-8491-2995EB46A674}" type="slidenum">
+              <a:rPr lang="en-US" smtClean="0"/>
+              <a:pPr/>
+              <a:t>15</a:t>
+            </a:fld>
             <a:endParaRPr lang="en-US" dirty="0"/>
           </a:p>
         </p:txBody>
@@ -13895,7 +13577,7 @@
     </p:spTree>
     <p:extLst>
       <p:ext uri="{BB962C8B-B14F-4D97-AF65-F5344CB8AC3E}">
-        <p14:creationId xmlns:p14="http://schemas.microsoft.com/office/powerpoint/2010/main" val="3773882492"/>
+        <p14:creationId xmlns:p14="http://schemas.microsoft.com/office/powerpoint/2010/main" val="357902393"/>
       </p:ext>
     </p:extLst>
   </p:cSld>
@@ -13905,13 +13587,6 @@
   <p:transition>
     <p:fade/>
   </p:transition>
-  <p:timing>
-    <p:tnLst>
-      <p:par>
-        <p:cTn id="1" dur="indefinite" restart="never" nodeType="tmRoot"/>
-      </p:par>
-    </p:tnLst>
-  </p:timing>
 </p:sld>
 </file>
 
@@ -13934,12 +13609,12 @@
       </p:grpSpPr>
       <p:sp>
         <p:nvSpPr>
-          <p:cNvPr id="4" name="Title 3"/>
-          <p:cNvSpPr>
-            <a:spLocks noGrp="1"/>
-          </p:cNvSpPr>
-          <p:nvPr>
-            <p:ph type="ctrTitle"/>
+          <p:cNvPr id="4" name="Subtitle 3"/>
+          <p:cNvSpPr>
+            <a:spLocks noGrp="1"/>
+          </p:cNvSpPr>
+          <p:nvPr>
+            <p:ph type="subTitle" idx="1"/>
           </p:nvPr>
         </p:nvSpPr>
         <p:spPr/>
@@ -13949,7 +13624,11 @@
           <a:p>
             <a:r>
               <a:rPr lang="en-US" dirty="0" smtClean="0"/>
-              <a:t>File Operations with REST</a:t>
+              <a:t>File operations with the </a:t>
+            </a:r>
+            <a:r>
+              <a:rPr lang="en-US" dirty="0" err="1" smtClean="0"/>
+              <a:t>SharePointClient</a:t>
             </a:r>
             <a:endParaRPr lang="en-US" dirty="0"/>
           </a:p>
@@ -13957,12 +13636,12 @@
       </p:sp>
       <p:sp>
         <p:nvSpPr>
-          <p:cNvPr id="9" name="Subtitle 4"/>
-          <p:cNvSpPr>
-            <a:spLocks noGrp="1"/>
-          </p:cNvSpPr>
-          <p:nvPr>
-            <p:ph type="subTitle" idx="1"/>
+          <p:cNvPr id="2" name="Text Placeholder 1"/>
+          <p:cNvSpPr>
+            <a:spLocks noGrp="1"/>
+          </p:cNvSpPr>
+          <p:nvPr>
+            <p:ph type="body" sz="quarter" idx="10"/>
           </p:nvPr>
         </p:nvSpPr>
         <p:spPr/>
@@ -13970,7 +13649,13 @@
           <a:bodyPr/>
           <a:lstStyle/>
           <a:p>
-            <a:pPr lvl="0"/>
+            <a:pPr marL="0" indent="0">
+              <a:buNone/>
+            </a:pPr>
+            <a:r>
+              <a:rPr lang="en-US" dirty="0" smtClean="0"/>
+              <a:t>demo</a:t>
+            </a:r>
             <a:endParaRPr lang="en-US" dirty="0"/>
           </a:p>
         </p:txBody>
@@ -13978,7 +13663,7 @@
     </p:spTree>
     <p:extLst>
       <p:ext uri="{BB962C8B-B14F-4D97-AF65-F5344CB8AC3E}">
-        <p14:creationId xmlns:p14="http://schemas.microsoft.com/office/powerpoint/2010/main" val="1948369831"/>
+        <p14:creationId xmlns:p14="http://schemas.microsoft.com/office/powerpoint/2010/main" val="3773882492"/>
       </p:ext>
     </p:extLst>
   </p:cSld>
@@ -14022,7 +13707,7 @@
             <a:spLocks noGrp="1"/>
           </p:cNvSpPr>
           <p:nvPr>
-            <p:ph type="title"/>
+            <p:ph type="ctrTitle"/>
           </p:nvPr>
         </p:nvSpPr>
         <p:spPr/>
@@ -14032,7 +13717,7 @@
           <a:p>
             <a:r>
               <a:rPr lang="en-US" dirty="0" smtClean="0"/>
-              <a:t>OneDrive for Business Files REST API</a:t>
+              <a:t>File Operations with REST</a:t>
             </a:r>
             <a:endParaRPr lang="en-US" dirty="0"/>
           </a:p>
@@ -14040,122 +13725,37 @@
       </p:sp>
       <p:sp>
         <p:nvSpPr>
-          <p:cNvPr id="5" name="Text Placeholder 4"/>
-          <p:cNvSpPr>
-            <a:spLocks noGrp="1"/>
-          </p:cNvSpPr>
-          <p:nvPr>
-            <p:ph type="body" sz="quarter" idx="10"/>
-          </p:nvPr>
-        </p:nvSpPr>
-        <p:spPr>
-          <a:xfrm>
-            <a:off x="268374" y="1042232"/>
-            <a:ext cx="11650487" cy="5815768"/>
-          </a:xfrm>
-        </p:spPr>
+          <p:cNvPr id="9" name="Subtitle 4"/>
+          <p:cNvSpPr>
+            <a:spLocks noGrp="1"/>
+          </p:cNvSpPr>
+          <p:nvPr>
+            <p:ph type="subTitle" idx="1"/>
+          </p:nvPr>
+        </p:nvSpPr>
+        <p:spPr/>
         <p:txBody>
           <a:bodyPr/>
           <a:lstStyle/>
           <a:p>
-            <a:r>
-              <a:rPr lang="en-US" sz="2352" dirty="0"/>
-              <a:t>Get the metadata for all files in OneDrive</a:t>
-            </a:r>
-          </a:p>
-          <a:p>
-            <a:r>
-              <a:rPr lang="en-US" sz="2352" dirty="0"/>
-              <a:t>GET http://&lt;onedrive&gt;/_api/Files</a:t>
-            </a:r>
-          </a:p>
-          <a:p>
-            <a:endParaRPr lang="en-US" sz="1960" dirty="0"/>
-          </a:p>
-          <a:p>
-            <a:r>
-              <a:rPr lang="en-US" sz="2352" dirty="0"/>
-              <a:t>Get the metadata for a folder in OneDrive</a:t>
-            </a:r>
-          </a:p>
-          <a:p>
-            <a:r>
-              <a:rPr lang="en-US" sz="2352" dirty="0"/>
-              <a:t>GET http://&lt;onedrive&gt;/_api/Files('folder')</a:t>
-            </a:r>
-          </a:p>
-          <a:p>
-            <a:endParaRPr lang="en-US" sz="1960" dirty="0"/>
-          </a:p>
-          <a:p>
-            <a:r>
-              <a:rPr lang="en-US" sz="2352" dirty="0"/>
-              <a:t>Get the metadata for the children of a folder in OneDrive</a:t>
-            </a:r>
-          </a:p>
-          <a:p>
-            <a:r>
-              <a:rPr lang="en-US" sz="2352" dirty="0"/>
-              <a:t>GET http://&lt;onedrive&gt;/_api/Files('folder')/Children</a:t>
-            </a:r>
-          </a:p>
-          <a:p>
-            <a:endParaRPr lang="en-US" sz="1960" dirty="0"/>
-          </a:p>
-          <a:p>
-            <a:r>
-              <a:rPr lang="en-US" sz="2352" dirty="0"/>
-              <a:t>Get the metadata for a single file in OneDrive</a:t>
-            </a:r>
-          </a:p>
-          <a:p>
-            <a:r>
-              <a:rPr lang="en-US" sz="2352" dirty="0"/>
-              <a:t>GET http://&lt;onedrive&gt;/_api/Files('folder/filename.docx')</a:t>
-            </a:r>
-          </a:p>
-          <a:p>
-            <a:endParaRPr lang="en-US" sz="1960" dirty="0"/>
-          </a:p>
-          <a:p>
-            <a:r>
-              <a:rPr lang="en-US" sz="2352" dirty="0"/>
-              <a:t>Download a single file from OneDrive</a:t>
-            </a:r>
-          </a:p>
-          <a:p>
-            <a:r>
-              <a:rPr lang="en-US" sz="2352" dirty="0"/>
-              <a:t>GET http://&lt;onedrive&gt;/_api/Files('folder/filename.docx')/download</a:t>
-            </a:r>
-          </a:p>
-          <a:p>
-            <a:endParaRPr lang="en-US" sz="2352" dirty="0"/>
+            <a:pPr lvl="0"/>
+            <a:endParaRPr lang="en-US" dirty="0"/>
           </a:p>
         </p:txBody>
       </p:sp>
     </p:spTree>
     <p:extLst>
       <p:ext uri="{BB962C8B-B14F-4D97-AF65-F5344CB8AC3E}">
-        <p14:creationId xmlns:p14="http://schemas.microsoft.com/office/powerpoint/2010/main" val="2556547151"/>
+        <p14:creationId xmlns:p14="http://schemas.microsoft.com/office/powerpoint/2010/main" val="1948369831"/>
       </p:ext>
     </p:extLst>
   </p:cSld>
   <p:clrMapOvr>
     <a:masterClrMapping/>
   </p:clrMapOvr>
-  <mc:AlternateContent xmlns:mc="http://schemas.openxmlformats.org/markup-compatibility/2006" xmlns:p14="http://schemas.microsoft.com/office/powerpoint/2010/main">
-    <mc:Choice Requires="p14">
-      <p:transition spd="med" p14:dur="700">
-        <p:fade/>
-      </p:transition>
-    </mc:Choice>
-    <mc:Fallback xmlns="">
-      <p:transition spd="med">
-        <p:fade/>
-      </p:transition>
-    </mc:Fallback>
-  </mc:AlternateContent>
+  <p:transition>
+    <p:fade/>
+  </p:transition>
   <p:timing>
     <p:tnLst>
       <p:par>
@@ -14200,7 +13800,11 @@
           <a:p>
             <a:r>
               <a:rPr lang="en-US" dirty="0" smtClean="0"/>
-              <a:t>OneDrive for Business Files REST API</a:t>
+              <a:t>Mail REST </a:t>
+            </a:r>
+            <a:r>
+              <a:rPr lang="en-US" dirty="0" smtClean="0"/>
+              <a:t>API</a:t>
             </a:r>
             <a:endParaRPr lang="en-US" dirty="0"/>
           </a:p>
@@ -14218,8 +13822,8 @@
         </p:nvSpPr>
         <p:spPr>
           <a:xfrm>
-            <a:off x="268374" y="1092831"/>
-            <a:ext cx="11650487" cy="5417593"/>
+            <a:off x="268374" y="1042232"/>
+            <a:ext cx="11650487" cy="5815768"/>
           </a:xfrm>
         </p:spPr>
         <p:txBody>
@@ -14227,138 +13831,61 @@
           <a:lstStyle/>
           <a:p>
             <a:r>
-              <a:rPr lang="en-US" sz="2352" dirty="0"/>
-              <a:t>Upload a file to the specified path in OneDrive (pass file in body)</a:t>
-            </a:r>
-          </a:p>
-          <a:p>
-            <a:r>
-              <a:rPr lang="en-US" sz="2352" dirty="0"/>
-              <a:t>POST /_api/Files/Add(name='folder/filename.</a:t>
-            </a:r>
-            <a:r>
-              <a:rPr lang="en-US" sz="2352" dirty="0" err="1"/>
-              <a:t>docx</a:t>
-            </a:r>
-            <a:r>
-              <a:rPr lang="en-US" sz="2352" dirty="0"/>
-              <a:t>',overwrite=&lt;</a:t>
-            </a:r>
-            <a:r>
-              <a:rPr lang="en-US" sz="2352" dirty="0" err="1"/>
-              <a:t>bool</a:t>
-            </a:r>
-            <a:r>
-              <a:rPr lang="en-US" sz="2352" dirty="0"/>
-              <a:t>&gt;)</a:t>
-            </a:r>
-          </a:p>
-          <a:p>
-            <a:endParaRPr lang="en-US" sz="1960" dirty="0"/>
-          </a:p>
-          <a:p>
-            <a:r>
-              <a:rPr lang="en-US" sz="2352" dirty="0"/>
-              <a:t>Delete a file from OneDrive</a:t>
-            </a:r>
-          </a:p>
-          <a:p>
-            <a:r>
-              <a:rPr lang="en-US" sz="2352" dirty="0"/>
-              <a:t>DELETE /_api/Files('folder/filename.docx')</a:t>
-            </a:r>
-          </a:p>
-          <a:p>
-            <a:endParaRPr lang="en-US" sz="1960" dirty="0"/>
-          </a:p>
-          <a:p>
-            <a:r>
-              <a:rPr lang="en-US" sz="2352" dirty="0"/>
-              <a:t>Get metadata for a folder and its children</a:t>
-            </a:r>
-          </a:p>
-          <a:p>
-            <a:r>
-              <a:rPr lang="en-US" sz="2352" dirty="0"/>
-              <a:t>GET /_</a:t>
-            </a:r>
-            <a:r>
-              <a:rPr lang="en-US" sz="2352" dirty="0" err="1"/>
-              <a:t>api</a:t>
-            </a:r>
-            <a:r>
-              <a:rPr lang="en-US" sz="2352" dirty="0"/>
-              <a:t>/Files('folder')?$expand=Children</a:t>
-            </a:r>
-          </a:p>
-          <a:p>
-            <a:endParaRPr lang="en-US" sz="1960" dirty="0"/>
-          </a:p>
-          <a:p>
-            <a:r>
-              <a:rPr lang="en-US" sz="2352" dirty="0"/>
-              <a:t>Get on selected metadata fields back for first 5 files in OneDrive</a:t>
-            </a:r>
-          </a:p>
-          <a:p>
-            <a:r>
-              <a:rPr lang="en-US" sz="2352" dirty="0"/>
-              <a:t>GET /_api/Files?$select=</a:t>
-            </a:r>
-            <a:r>
-              <a:rPr lang="en-US" sz="2352" dirty="0" err="1"/>
-              <a:t>Name,Id,TimeCreated,Size</a:t>
-            </a:r>
-            <a:r>
-              <a:rPr lang="en-US" sz="2352" dirty="0"/>
-              <a:t>&amp;$top=5</a:t>
-            </a:r>
-          </a:p>
-          <a:p>
-            <a:endParaRPr lang="en-US" sz="1960" dirty="0"/>
-          </a:p>
-          <a:p>
-            <a:r>
-              <a:rPr lang="en-US" sz="2352" dirty="0"/>
-              <a:t>Use Files API on other document libraries</a:t>
-            </a:r>
-          </a:p>
-          <a:p>
-            <a:r>
-              <a:rPr lang="en-US" sz="2352" dirty="0"/>
-              <a:t>GET /_</a:t>
-            </a:r>
-            <a:r>
-              <a:rPr lang="en-US" sz="2352" dirty="0" err="1"/>
-              <a:t>api</a:t>
-            </a:r>
-            <a:r>
-              <a:rPr lang="en-US" sz="2352" dirty="0"/>
-              <a:t>/Lists/</a:t>
-            </a:r>
-            <a:r>
-              <a:rPr lang="en-US" sz="2352" dirty="0" err="1"/>
-              <a:t>GetByTitle</a:t>
-            </a:r>
-            <a:r>
-              <a:rPr lang="en-US" sz="2352" dirty="0"/>
-              <a:t>('</a:t>
-            </a:r>
-            <a:r>
-              <a:rPr lang="en-US" sz="2352" dirty="0" err="1"/>
-              <a:t>ListTitle</a:t>
-            </a:r>
-            <a:r>
-              <a:rPr lang="en-US" sz="2352" dirty="0"/>
-              <a:t>')/Files</a:t>
-            </a:r>
+              <a:rPr lang="en-GB" sz="2400" dirty="0"/>
+              <a:t>GET https://outlook.office365.com/ews/odata/Me/RootFolder </a:t>
+            </a:r>
+            <a:endParaRPr lang="en-GB" sz="2400" dirty="0" smtClean="0"/>
+          </a:p>
+          <a:p>
+            <a:r>
+              <a:rPr lang="en-GB" sz="2400" dirty="0" smtClean="0"/>
+              <a:t>GET </a:t>
+            </a:r>
+            <a:r>
+              <a:rPr lang="en-GB" sz="2400" dirty="0"/>
+              <a:t>https://outlook.office365.com/ews/odata/Me/Inbox </a:t>
+            </a:r>
+            <a:endParaRPr lang="en-GB" sz="2400" dirty="0" smtClean="0"/>
+          </a:p>
+          <a:p>
+            <a:r>
+              <a:rPr lang="en-GB" sz="2400" dirty="0" smtClean="0"/>
+              <a:t>GET </a:t>
+            </a:r>
+            <a:r>
+              <a:rPr lang="en-GB" sz="2400" dirty="0"/>
+              <a:t>https://outlook.office365.com/ews/odata/Me/Drafts </a:t>
+            </a:r>
+            <a:endParaRPr lang="en-GB" sz="2400" dirty="0" smtClean="0"/>
+          </a:p>
+          <a:p>
+            <a:r>
+              <a:rPr lang="en-GB" sz="2400" dirty="0" smtClean="0"/>
+              <a:t>GET </a:t>
+            </a:r>
+            <a:r>
+              <a:rPr lang="en-GB" sz="2400" dirty="0"/>
+              <a:t>https://outlook.office365.com/ews/odata/Me/SentItems </a:t>
+            </a:r>
+            <a:endParaRPr lang="en-GB" sz="2400" dirty="0" smtClean="0"/>
+          </a:p>
+          <a:p>
+            <a:r>
+              <a:rPr lang="en-GB" sz="2400" dirty="0" smtClean="0"/>
+              <a:t>GET </a:t>
+            </a:r>
+            <a:r>
+              <a:rPr lang="en-GB" sz="2400" dirty="0"/>
+              <a:t>https://outlook.office365.com/ews/odata/Me/DeletedItems</a:t>
+            </a:r>
+            <a:endParaRPr lang="en-US" sz="2352" dirty="0"/>
           </a:p>
         </p:txBody>
       </p:sp>
     </p:spTree>
     <p:extLst>
       <p:ext uri="{BB962C8B-B14F-4D97-AF65-F5344CB8AC3E}">
-        <p14:creationId xmlns:p14="http://schemas.microsoft.com/office/powerpoint/2010/main" val="2717644923"/>
+        <p14:creationId xmlns:p14="http://schemas.microsoft.com/office/powerpoint/2010/main" val="2556547151"/>
       </p:ext>
     </p:extLst>
   </p:cSld>
@@ -14406,7 +13933,30 @@
       </p:grpSpPr>
       <p:sp>
         <p:nvSpPr>
-          <p:cNvPr id="2" name="Text Placeholder 1"/>
+          <p:cNvPr id="4" name="Title 3"/>
+          <p:cNvSpPr>
+            <a:spLocks noGrp="1"/>
+          </p:cNvSpPr>
+          <p:nvPr>
+            <p:ph type="title"/>
+          </p:nvPr>
+        </p:nvSpPr>
+        <p:spPr/>
+        <p:txBody>
+          <a:bodyPr/>
+          <a:lstStyle/>
+          <a:p>
+            <a:r>
+              <a:rPr lang="en-US" dirty="0" smtClean="0"/>
+              <a:t>OneDrive for Business Files REST API</a:t>
+            </a:r>
+            <a:endParaRPr lang="en-US" dirty="0"/>
+          </a:p>
+        </p:txBody>
+      </p:sp>
+      <p:sp>
+        <p:nvSpPr>
+          <p:cNvPr id="5" name="Text Placeholder 4"/>
           <p:cNvSpPr>
             <a:spLocks noGrp="1"/>
           </p:cNvSpPr>
@@ -14416,8 +13966,8 @@
         </p:nvSpPr>
         <p:spPr>
           <a:xfrm>
-            <a:off x="519112" y="1447800"/>
-            <a:ext cx="11149013" cy="632210"/>
+            <a:off x="268374" y="1092831"/>
+            <a:ext cx="11650487" cy="5417593"/>
           </a:xfrm>
         </p:spPr>
         <p:txBody>
@@ -14425,103 +13975,163 @@
           <a:lstStyle/>
           <a:p>
             <a:r>
-              <a:rPr lang="en-US" dirty="0" smtClean="0"/>
-              <a:t>Use Discovery Service to get an Access Token</a:t>
-            </a:r>
-            <a:endParaRPr lang="en-US" dirty="0"/>
-          </a:p>
-        </p:txBody>
-      </p:sp>
-      <p:sp>
-        <p:nvSpPr>
-          <p:cNvPr id="3" name="Title 2"/>
-          <p:cNvSpPr>
-            <a:spLocks noGrp="1"/>
-          </p:cNvSpPr>
-          <p:nvPr>
-            <p:ph type="title"/>
-          </p:nvPr>
-        </p:nvSpPr>
-        <p:spPr/>
-        <p:txBody>
-          <a:bodyPr/>
-          <a:lstStyle/>
-          <a:p>
-            <a:r>
-              <a:rPr lang="en-US" dirty="0" smtClean="0"/>
-              <a:t>Obtaining an Access Token</a:t>
-            </a:r>
-            <a:endParaRPr lang="en-US" dirty="0"/>
-          </a:p>
-        </p:txBody>
-      </p:sp>
-      <p:sp>
-        <p:nvSpPr>
-          <p:cNvPr id="4" name="Slide Number Placeholder 3"/>
-          <p:cNvSpPr>
-            <a:spLocks noGrp="1"/>
-          </p:cNvSpPr>
-          <p:nvPr>
-            <p:ph type="sldNum" sz="quarter" idx="12"/>
-          </p:nvPr>
-        </p:nvSpPr>
-        <p:spPr/>
-        <p:txBody>
-          <a:bodyPr/>
-          <a:lstStyle/>
-          <a:p>
-            <a:fld id="{727B4C2D-45E2-4621-8491-2995EB46A674}" type="slidenum">
-              <a:rPr lang="en-US" smtClean="0"/>
-              <a:pPr/>
-              <a:t>19</a:t>
-            </a:fld>
-            <a:endParaRPr lang="en-US" dirty="0"/>
-          </a:p>
-        </p:txBody>
-      </p:sp>
-      <p:pic>
-        <p:nvPicPr>
-          <p:cNvPr id="5" name="Picture 4"/>
-          <p:cNvPicPr>
-            <a:picLocks noChangeAspect="1"/>
-          </p:cNvPicPr>
-          <p:nvPr/>
-        </p:nvPicPr>
-        <p:blipFill>
-          <a:blip r:embed="rId2">
-            <a:extLst>
-              <a:ext uri="{28A0092B-C50C-407E-A947-70E740481C1C}">
-                <a14:useLocalDpi xmlns:a14="http://schemas.microsoft.com/office/drawing/2010/main" val="0"/>
-              </a:ext>
-            </a:extLst>
-          </a:blip>
-          <a:stretch>
-            <a:fillRect/>
-          </a:stretch>
-        </p:blipFill>
-        <p:spPr>
-          <a:xfrm>
-            <a:off x="1179888" y="2455383"/>
-            <a:ext cx="8426336" cy="3568801"/>
-          </a:xfrm>
-          <a:prstGeom prst="rect">
-            <a:avLst/>
-          </a:prstGeom>
-        </p:spPr>
-      </p:pic>
+              <a:rPr lang="en-US" sz="2352" dirty="0"/>
+              <a:t>Upload a file to the specified path in OneDrive (pass file in body)</a:t>
+            </a:r>
+          </a:p>
+          <a:p>
+            <a:r>
+              <a:rPr lang="en-US" sz="2352" dirty="0"/>
+              <a:t>POST /_api/Files/Add(name='folder/filename.</a:t>
+            </a:r>
+            <a:r>
+              <a:rPr lang="en-US" sz="2352" dirty="0" err="1"/>
+              <a:t>docx</a:t>
+            </a:r>
+            <a:r>
+              <a:rPr lang="en-US" sz="2352" dirty="0"/>
+              <a:t>',overwrite=&lt;</a:t>
+            </a:r>
+            <a:r>
+              <a:rPr lang="en-US" sz="2352" dirty="0" err="1"/>
+              <a:t>bool</a:t>
+            </a:r>
+            <a:r>
+              <a:rPr lang="en-US" sz="2352" dirty="0"/>
+              <a:t>&gt;)</a:t>
+            </a:r>
+          </a:p>
+          <a:p>
+            <a:endParaRPr lang="en-US" sz="1960" dirty="0"/>
+          </a:p>
+          <a:p>
+            <a:r>
+              <a:rPr lang="en-US" sz="2352" dirty="0"/>
+              <a:t>Delete a file from OneDrive</a:t>
+            </a:r>
+          </a:p>
+          <a:p>
+            <a:r>
+              <a:rPr lang="en-US" sz="2352" dirty="0"/>
+              <a:t>DELETE /_api/Files('folder/filename.docx')</a:t>
+            </a:r>
+          </a:p>
+          <a:p>
+            <a:endParaRPr lang="en-US" sz="1960" dirty="0"/>
+          </a:p>
+          <a:p>
+            <a:r>
+              <a:rPr lang="en-US" sz="2352" dirty="0"/>
+              <a:t>Get metadata for a folder and its children</a:t>
+            </a:r>
+          </a:p>
+          <a:p>
+            <a:r>
+              <a:rPr lang="en-US" sz="2352" dirty="0"/>
+              <a:t>GET /_</a:t>
+            </a:r>
+            <a:r>
+              <a:rPr lang="en-US" sz="2352" dirty="0" err="1"/>
+              <a:t>api</a:t>
+            </a:r>
+            <a:r>
+              <a:rPr lang="en-US" sz="2352" dirty="0"/>
+              <a:t>/Files('folder')?$expand=Children</a:t>
+            </a:r>
+          </a:p>
+          <a:p>
+            <a:endParaRPr lang="en-US" sz="1960" dirty="0"/>
+          </a:p>
+          <a:p>
+            <a:r>
+              <a:rPr lang="en-US" sz="2352" dirty="0"/>
+              <a:t>Get on selected metadata fields back for first 5 files in OneDrive</a:t>
+            </a:r>
+          </a:p>
+          <a:p>
+            <a:r>
+              <a:rPr lang="en-US" sz="2352" dirty="0"/>
+              <a:t>GET /_api/Files?$select=</a:t>
+            </a:r>
+            <a:r>
+              <a:rPr lang="en-US" sz="2352" dirty="0" err="1"/>
+              <a:t>Name,Id,TimeCreated,Size</a:t>
+            </a:r>
+            <a:r>
+              <a:rPr lang="en-US" sz="2352" dirty="0"/>
+              <a:t>&amp;$top=5</a:t>
+            </a:r>
+          </a:p>
+          <a:p>
+            <a:endParaRPr lang="en-US" sz="1960" dirty="0"/>
+          </a:p>
+          <a:p>
+            <a:r>
+              <a:rPr lang="en-US" sz="2352" dirty="0"/>
+              <a:t>Use Files API on other document libraries</a:t>
+            </a:r>
+          </a:p>
+          <a:p>
+            <a:r>
+              <a:rPr lang="en-US" sz="2352" dirty="0"/>
+              <a:t>GET /_</a:t>
+            </a:r>
+            <a:r>
+              <a:rPr lang="en-US" sz="2352" dirty="0" err="1"/>
+              <a:t>api</a:t>
+            </a:r>
+            <a:r>
+              <a:rPr lang="en-US" sz="2352" dirty="0"/>
+              <a:t>/Lists/</a:t>
+            </a:r>
+            <a:r>
+              <a:rPr lang="en-US" sz="2352" dirty="0" err="1"/>
+              <a:t>GetByTitle</a:t>
+            </a:r>
+            <a:r>
+              <a:rPr lang="en-US" sz="2352" dirty="0"/>
+              <a:t>('</a:t>
+            </a:r>
+            <a:r>
+              <a:rPr lang="en-US" sz="2352" dirty="0" err="1"/>
+              <a:t>ListTitle</a:t>
+            </a:r>
+            <a:r>
+              <a:rPr lang="en-US" sz="2352" dirty="0"/>
+              <a:t>')/Files</a:t>
+            </a:r>
+          </a:p>
+        </p:txBody>
+      </p:sp>
     </p:spTree>
     <p:extLst>
       <p:ext uri="{BB962C8B-B14F-4D97-AF65-F5344CB8AC3E}">
-        <p14:creationId xmlns:p14="http://schemas.microsoft.com/office/powerpoint/2010/main" val="550336623"/>
+        <p14:creationId xmlns:p14="http://schemas.microsoft.com/office/powerpoint/2010/main" val="2717644923"/>
       </p:ext>
     </p:extLst>
   </p:cSld>
   <p:clrMapOvr>
     <a:masterClrMapping/>
   </p:clrMapOvr>
-  <p:transition>
-    <p:fade/>
-  </p:transition>
+  <mc:AlternateContent xmlns:mc="http://schemas.openxmlformats.org/markup-compatibility/2006" xmlns:p14="http://schemas.microsoft.com/office/powerpoint/2010/main">
+    <mc:Choice Requires="p14">
+      <p:transition spd="med" p14:dur="700">
+        <p:fade/>
+      </p:transition>
+    </mc:Choice>
+    <mc:Fallback xmlns="">
+      <p:transition spd="med">
+        <p:fade/>
+      </p:transition>
+    </mc:Fallback>
+  </mc:AlternateContent>
+  <p:timing>
+    <p:tnLst>
+      <p:par>
+        <p:cTn id="1" dur="indefinite" restart="never" nodeType="tmRoot"/>
+      </p:par>
+    </p:tnLst>
+  </p:timing>
 </p:sld>
 </file>
 
@@ -14594,7 +14204,7 @@
                 <a:gridCol w="11225057">
                   <a:extLst>
                     <a:ext uri="{9D8B030D-6E8A-4147-A177-3AD203B41FA5}">
-                      <a16:colId xmlns:a16="http://schemas.microsoft.com/office/drawing/2014/main" xmlns="" val="1253488153"/>
+                      <a16:colId xmlns="" xmlns:a16="http://schemas.microsoft.com/office/drawing/2014/main" val="1253488153"/>
                     </a:ext>
                   </a:extLst>
                 </a:gridCol>
@@ -14616,7 +14226,7 @@
                 </a:tc>
                 <a:extLst>
                   <a:ext uri="{0D108BD9-81ED-4DB2-BD59-A6C34878D82A}">
-                    <a16:rowId xmlns:a16="http://schemas.microsoft.com/office/drawing/2014/main" xmlns="" val="829859176"/>
+                    <a16:rowId xmlns="" xmlns:a16="http://schemas.microsoft.com/office/drawing/2014/main" val="829859176"/>
                   </a:ext>
                 </a:extLst>
               </a:tr>
@@ -14637,7 +14247,7 @@
                 </a:tc>
                 <a:extLst>
                   <a:ext uri="{0D108BD9-81ED-4DB2-BD59-A6C34878D82A}">
-                    <a16:rowId xmlns:a16="http://schemas.microsoft.com/office/drawing/2014/main" xmlns="" val="1946132611"/>
+                    <a16:rowId xmlns="" xmlns:a16="http://schemas.microsoft.com/office/drawing/2014/main" val="1946132611"/>
                   </a:ext>
                 </a:extLst>
               </a:tr>
@@ -14679,7 +14289,7 @@
                 </a:tc>
                 <a:extLst>
                   <a:ext uri="{0D108BD9-81ED-4DB2-BD59-A6C34878D82A}">
-                    <a16:rowId xmlns:a16="http://schemas.microsoft.com/office/drawing/2014/main" xmlns="" val="3204002662"/>
+                    <a16:rowId xmlns="" xmlns:a16="http://schemas.microsoft.com/office/drawing/2014/main" val="3204002662"/>
                   </a:ext>
                 </a:extLst>
               </a:tr>
@@ -14716,7 +14326,7 @@
                 </a:tc>
                 <a:extLst>
                   <a:ext uri="{0D108BD9-81ED-4DB2-BD59-A6C34878D82A}">
-                    <a16:rowId xmlns:a16="http://schemas.microsoft.com/office/drawing/2014/main" xmlns="" val="4266278162"/>
+                    <a16:rowId xmlns="" xmlns:a16="http://schemas.microsoft.com/office/drawing/2014/main" val="4266278162"/>
                   </a:ext>
                 </a:extLst>
               </a:tr>
@@ -14913,6 +14523,144 @@
         </p:nvSpPr>
         <p:spPr>
           <a:xfrm>
+            <a:off x="519112" y="1447800"/>
+            <a:ext cx="11149013" cy="632210"/>
+          </a:xfrm>
+        </p:spPr>
+        <p:txBody>
+          <a:bodyPr/>
+          <a:lstStyle/>
+          <a:p>
+            <a:r>
+              <a:rPr lang="en-US" dirty="0" smtClean="0"/>
+              <a:t>Use Discovery Service to get an Access Token</a:t>
+            </a:r>
+            <a:endParaRPr lang="en-US" dirty="0"/>
+          </a:p>
+        </p:txBody>
+      </p:sp>
+      <p:sp>
+        <p:nvSpPr>
+          <p:cNvPr id="3" name="Title 2"/>
+          <p:cNvSpPr>
+            <a:spLocks noGrp="1"/>
+          </p:cNvSpPr>
+          <p:nvPr>
+            <p:ph type="title"/>
+          </p:nvPr>
+        </p:nvSpPr>
+        <p:spPr/>
+        <p:txBody>
+          <a:bodyPr/>
+          <a:lstStyle/>
+          <a:p>
+            <a:r>
+              <a:rPr lang="en-US" dirty="0" smtClean="0"/>
+              <a:t>Obtaining an Access Token</a:t>
+            </a:r>
+            <a:endParaRPr lang="en-US" dirty="0"/>
+          </a:p>
+        </p:txBody>
+      </p:sp>
+      <p:sp>
+        <p:nvSpPr>
+          <p:cNvPr id="4" name="Slide Number Placeholder 3"/>
+          <p:cNvSpPr>
+            <a:spLocks noGrp="1"/>
+          </p:cNvSpPr>
+          <p:nvPr>
+            <p:ph type="sldNum" sz="quarter" idx="12"/>
+          </p:nvPr>
+        </p:nvSpPr>
+        <p:spPr/>
+        <p:txBody>
+          <a:bodyPr/>
+          <a:lstStyle/>
+          <a:p>
+            <a:fld id="{727B4C2D-45E2-4621-8491-2995EB46A674}" type="slidenum">
+              <a:rPr lang="en-US" smtClean="0"/>
+              <a:pPr/>
+              <a:t>20</a:t>
+            </a:fld>
+            <a:endParaRPr lang="en-US" dirty="0"/>
+          </a:p>
+        </p:txBody>
+      </p:sp>
+      <p:pic>
+        <p:nvPicPr>
+          <p:cNvPr id="5" name="Picture 4"/>
+          <p:cNvPicPr>
+            <a:picLocks noChangeAspect="1"/>
+          </p:cNvPicPr>
+          <p:nvPr/>
+        </p:nvPicPr>
+        <p:blipFill>
+          <a:blip r:embed="rId2">
+            <a:extLst>
+              <a:ext uri="{28A0092B-C50C-407E-A947-70E740481C1C}">
+                <a14:useLocalDpi xmlns:a14="http://schemas.microsoft.com/office/drawing/2010/main" val="0"/>
+              </a:ext>
+            </a:extLst>
+          </a:blip>
+          <a:stretch>
+            <a:fillRect/>
+          </a:stretch>
+        </p:blipFill>
+        <p:spPr>
+          <a:xfrm>
+            <a:off x="1179888" y="2455383"/>
+            <a:ext cx="8426336" cy="3568801"/>
+          </a:xfrm>
+          <a:prstGeom prst="rect">
+            <a:avLst/>
+          </a:prstGeom>
+        </p:spPr>
+      </p:pic>
+    </p:spTree>
+    <p:extLst>
+      <p:ext uri="{BB962C8B-B14F-4D97-AF65-F5344CB8AC3E}">
+        <p14:creationId xmlns:p14="http://schemas.microsoft.com/office/powerpoint/2010/main" val="550336623"/>
+      </p:ext>
+    </p:extLst>
+  </p:cSld>
+  <p:clrMapOvr>
+    <a:masterClrMapping/>
+  </p:clrMapOvr>
+  <p:transition>
+    <p:fade/>
+  </p:transition>
+</p:sld>
+</file>
+
+<file path=ppt/slides/slide21.xml><?xml version="1.0" encoding="utf-8"?>
+<p:sld xmlns:a="http://schemas.openxmlformats.org/drawingml/2006/main" xmlns:r="http://schemas.openxmlformats.org/officeDocument/2006/relationships" xmlns:p="http://schemas.openxmlformats.org/presentationml/2006/main">
+  <p:cSld>
+    <p:spTree>
+      <p:nvGrpSpPr>
+        <p:cNvPr id="1" name=""/>
+        <p:cNvGrpSpPr/>
+        <p:nvPr/>
+      </p:nvGrpSpPr>
+      <p:grpSpPr>
+        <a:xfrm>
+          <a:off x="0" y="0"/>
+          <a:ext cx="0" cy="0"/>
+          <a:chOff x="0" y="0"/>
+          <a:chExt cx="0" cy="0"/>
+        </a:xfrm>
+      </p:grpSpPr>
+      <p:sp>
+        <p:nvSpPr>
+          <p:cNvPr id="2" name="Text Placeholder 1"/>
+          <p:cNvSpPr>
+            <a:spLocks noGrp="1"/>
+          </p:cNvSpPr>
+          <p:nvPr>
+            <p:ph type="body" sz="quarter" idx="10"/>
+          </p:nvPr>
+        </p:nvSpPr>
+        <p:spPr>
+          <a:xfrm>
             <a:off x="519112" y="1447798"/>
             <a:ext cx="11149013" cy="1566707"/>
           </a:xfrm>
@@ -14976,7 +14724,7 @@
             <a:fld id="{727B4C2D-45E2-4621-8491-2995EB46A674}" type="slidenum">
               <a:rPr lang="en-US" smtClean="0"/>
               <a:pPr/>
-              <a:t>20</a:t>
+              <a:t>21</a:t>
             </a:fld>
             <a:endParaRPr lang="en-US" dirty="0"/>
           </a:p>
@@ -15028,7 +14776,7 @@
 </p:sld>
 </file>
 
-<file path=ppt/slides/slide21.xml><?xml version="1.0" encoding="utf-8"?>
+<file path=ppt/slides/slide22.xml><?xml version="1.0" encoding="utf-8"?>
 <p:sld xmlns:a="http://schemas.openxmlformats.org/drawingml/2006/main" xmlns:r="http://schemas.openxmlformats.org/officeDocument/2006/relationships" xmlns:p="http://schemas.openxmlformats.org/presentationml/2006/main">
   <p:cSld>
     <p:spTree>
@@ -15115,7 +14863,7 @@
             <a:fld id="{727B4C2D-45E2-4621-8491-2995EB46A674}" type="slidenum">
               <a:rPr lang="en-US" smtClean="0"/>
               <a:pPr/>
-              <a:t>21</a:t>
+              <a:t>22</a:t>
             </a:fld>
             <a:endParaRPr lang="en-US" dirty="0"/>
           </a:p>
@@ -15167,7 +14915,7 @@
 </p:sld>
 </file>
 
-<file path=ppt/slides/slide22.xml><?xml version="1.0" encoding="utf-8"?>
+<file path=ppt/slides/slide23.xml><?xml version="1.0" encoding="utf-8"?>
 <p:sld xmlns:a="http://schemas.openxmlformats.org/drawingml/2006/main" xmlns:r="http://schemas.openxmlformats.org/officeDocument/2006/relationships" xmlns:p="http://schemas.openxmlformats.org/presentationml/2006/main">
   <p:cSld>
     <p:spTree>
@@ -15252,7 +15000,7 @@
             <a:fld id="{727B4C2D-45E2-4621-8491-2995EB46A674}" type="slidenum">
               <a:rPr lang="en-US" smtClean="0"/>
               <a:pPr/>
-              <a:t>22</a:t>
+              <a:t>23</a:t>
             </a:fld>
             <a:endParaRPr lang="en-US" dirty="0"/>
           </a:p>
@@ -15304,7 +15052,7 @@
 </p:sld>
 </file>
 
-<file path=ppt/slides/slide23.xml><?xml version="1.0" encoding="utf-8"?>
+<file path=ppt/slides/slide24.xml><?xml version="1.0" encoding="utf-8"?>
 <p:sld xmlns:a="http://schemas.openxmlformats.org/drawingml/2006/main" xmlns:r="http://schemas.openxmlformats.org/officeDocument/2006/relationships" xmlns:p="http://schemas.openxmlformats.org/presentationml/2006/main">
   <p:cSld>
     <p:spTree>
@@ -15393,7 +15141,7 @@
 </p:sld>
 </file>
 
-<file path=ppt/slides/slide24.xml><?xml version="1.0" encoding="utf-8"?>
+<file path=ppt/slides/slide25.xml><?xml version="1.0" encoding="utf-8"?>
 <p:sld xmlns:a="http://schemas.openxmlformats.org/drawingml/2006/main" xmlns:r="http://schemas.openxmlformats.org/officeDocument/2006/relationships" xmlns:p="http://schemas.openxmlformats.org/presentationml/2006/main">
   <p:cSld>
     <p:spTree>
@@ -15546,7 +15294,7 @@
 </p:sld>
 </file>
 
-<file path=ppt/slides/slide25.xml><?xml version="1.0" encoding="utf-8"?>
+<file path=ppt/slides/slide26.xml><?xml version="1.0" encoding="utf-8"?>
 <p:sld xmlns:a="http://schemas.openxmlformats.org/drawingml/2006/main" xmlns:r="http://schemas.openxmlformats.org/officeDocument/2006/relationships" xmlns:p="http://schemas.openxmlformats.org/presentationml/2006/main">
   <p:cSld>
     <p:spTree>
@@ -16416,7 +16164,7 @@
           <a:bodyPr/>
           <a:lstStyle/>
           <a:p>
-            <a:endParaRPr lang="en-US"/>
+            <a:endParaRPr lang="en-US" dirty="0"/>
           </a:p>
         </p:txBody>
       </p:sp>
@@ -16444,6 +16192,37 @@
           </a:p>
         </p:txBody>
       </p:sp>
+      <p:pic>
+        <p:nvPicPr>
+          <p:cNvPr id="6" name="Picture 5"/>
+          <p:cNvPicPr>
+            <a:picLocks noChangeAspect="1"/>
+          </p:cNvPicPr>
+          <p:nvPr/>
+        </p:nvPicPr>
+        <p:blipFill>
+          <a:blip r:embed="rId2"/>
+          <a:stretch>
+            <a:fillRect/>
+          </a:stretch>
+        </p:blipFill>
+        <p:spPr>
+          <a:xfrm>
+            <a:off x="519112" y="3601834"/>
+            <a:ext cx="9846825" cy="2268571"/>
+          </a:xfrm>
+          <a:prstGeom prst="rect">
+            <a:avLst/>
+          </a:prstGeom>
+          <a:ln>
+            <a:solidFill>
+              <a:schemeClr val="bg1">
+                <a:lumMod val="50000"/>
+              </a:schemeClr>
+            </a:solidFill>
+          </a:ln>
+        </p:spPr>
+      </p:pic>
     </p:spTree>
     <p:extLst>
       <p:ext uri="{BB962C8B-B14F-4D97-AF65-F5344CB8AC3E}">
@@ -16494,7 +16273,7 @@
           <a:p>
             <a:r>
               <a:rPr lang="en-US" dirty="0" smtClean="0"/>
-              <a:t>Contacts</a:t>
+              <a:t>Events</a:t>
             </a:r>
             <a:endParaRPr lang="en-US" dirty="0"/>
           </a:p>
@@ -16510,12 +16289,29 @@
             <p:ph type="body" sz="quarter" idx="10"/>
           </p:nvPr>
         </p:nvSpPr>
-        <p:spPr/>
+        <p:spPr>
+          <a:xfrm>
+            <a:off x="531265" y="1489840"/>
+            <a:ext cx="11149013" cy="2043636"/>
+          </a:xfrm>
+        </p:spPr>
         <p:txBody>
           <a:bodyPr/>
           <a:lstStyle/>
           <a:p>
-            <a:endParaRPr lang="en-US"/>
+            <a:r>
+              <a:rPr lang="en-US" dirty="0" smtClean="0"/>
+              <a:t>Events are items added to </a:t>
+            </a:r>
+            <a:r>
+              <a:rPr lang="en-US" dirty="0" err="1" smtClean="0"/>
+              <a:t>Exhnage</a:t>
+            </a:r>
+            <a:r>
+              <a:rPr lang="en-US" dirty="0" smtClean="0"/>
+              <a:t> </a:t>
+            </a:r>
+            <a:endParaRPr lang="en-US" dirty="0"/>
           </a:p>
         </p:txBody>
       </p:sp>
@@ -16543,10 +16339,46 @@
           </a:p>
         </p:txBody>
       </p:sp>
+      <p:pic>
+        <p:nvPicPr>
+          <p:cNvPr id="6" name="Picture 5"/>
+          <p:cNvPicPr>
+            <a:picLocks noChangeAspect="1"/>
+          </p:cNvPicPr>
+          <p:nvPr/>
+        </p:nvPicPr>
+        <p:blipFill>
+          <a:blip r:embed="rId2"/>
+          <a:stretch>
+            <a:fillRect/>
+          </a:stretch>
+        </p:blipFill>
+        <p:spPr>
+          <a:xfrm>
+            <a:off x="801043" y="2323280"/>
+            <a:ext cx="10143468" cy="3684666"/>
+          </a:xfrm>
+          <a:prstGeom prst="rect">
+            <a:avLst/>
+          </a:prstGeom>
+          <a:solidFill>
+            <a:schemeClr val="bg1">
+              <a:lumMod val="65000"/>
+            </a:schemeClr>
+          </a:solidFill>
+          <a:ln>
+            <a:solidFill>
+              <a:schemeClr val="bg1">
+                <a:lumMod val="50000"/>
+              </a:schemeClr>
+            </a:solidFill>
+          </a:ln>
+        </p:spPr>
+      </p:pic>
     </p:spTree>
     <p:extLst>
       <p:ext uri="{BB962C8B-B14F-4D97-AF65-F5344CB8AC3E}">
-        <p14:creationId xmlns:p14="http://schemas.microsoft.com/office/powerpoint/2010/main" val="1700110606"/>
+        <p14:creationId xmlns:p14="http://schemas.microsoft.com/office/powerpoint/2010/main" val="417961775"/>
       </p:ext>
     </p:extLst>
   </p:cSld>
@@ -16593,7 +16425,7 @@
           <a:p>
             <a:r>
               <a:rPr lang="en-US" dirty="0" smtClean="0"/>
-              <a:t>APIs</a:t>
+              <a:t>Contacts</a:t>
             </a:r>
             <a:endParaRPr lang="en-US" dirty="0"/>
           </a:p>
@@ -16601,7 +16433,26 @@
       </p:sp>
       <p:sp>
         <p:nvSpPr>
-          <p:cNvPr id="3" name="Slide Number Placeholder 2"/>
+          <p:cNvPr id="3" name="Text Placeholder 2"/>
+          <p:cNvSpPr>
+            <a:spLocks noGrp="1"/>
+          </p:cNvSpPr>
+          <p:nvPr>
+            <p:ph type="body" sz="quarter" idx="10"/>
+          </p:nvPr>
+        </p:nvSpPr>
+        <p:spPr/>
+        <p:txBody>
+          <a:bodyPr/>
+          <a:lstStyle/>
+          <a:p>
+            <a:endParaRPr lang="en-US"/>
+          </a:p>
+        </p:txBody>
+      </p:sp>
+      <p:sp>
+        <p:nvSpPr>
+          <p:cNvPr id="4" name="Slide Number Placeholder 3"/>
           <p:cNvSpPr>
             <a:spLocks noGrp="1"/>
           </p:cNvSpPr>
@@ -16623,98 +16474,33 @@
           </a:p>
         </p:txBody>
       </p:sp>
-      <p:sp>
-        <p:nvSpPr>
-          <p:cNvPr id="5" name="TextBox 4"/>
-          <p:cNvSpPr txBox="1"/>
+      <p:pic>
+        <p:nvPicPr>
+          <p:cNvPr id="5" name="Picture 4"/>
+          <p:cNvPicPr>
+            <a:picLocks noChangeAspect="1"/>
+          </p:cNvPicPr>
           <p:nvPr/>
-        </p:nvSpPr>
+        </p:nvPicPr>
+        <p:blipFill rotWithShape="1">
+          <a:blip r:embed="rId2"/>
+          <a:srcRect b="83179"/>
+          <a:stretch/>
+        </p:blipFill>
         <p:spPr>
           <a:xfrm>
-            <a:off x="801043" y="1112843"/>
-            <a:ext cx="8444363" cy="1846659"/>
+            <a:off x="519112" y="1363132"/>
+            <a:ext cx="9846825" cy="381586"/>
           </a:xfrm>
           <a:prstGeom prst="rect">
             <a:avLst/>
           </a:prstGeom>
-          <a:noFill/>
         </p:spPr>
-        <p:txBody>
-          <a:bodyPr wrap="none" lIns="0" tIns="0" rIns="0" bIns="0" rtlCol="0">
-            <a:spAutoFit/>
-          </a:bodyPr>
-          <a:lstStyle/>
-          <a:p>
-            <a:r>
-              <a:rPr lang="en-US" sz="2400" dirty="0"/>
-              <a:t>https://</a:t>
-            </a:r>
-            <a:r>
-              <a:rPr lang="en-US" sz="2400" dirty="0" smtClean="0"/>
-              <a:t>outlook.office365.com/ews/odata/Me/Calendar/Events</a:t>
-            </a:r>
-          </a:p>
-          <a:p>
-            <a:endParaRPr lang="en-US" sz="2400" spc="-70" dirty="0">
-              <a:gradFill>
-                <a:gsLst>
-                  <a:gs pos="2917">
-                    <a:schemeClr val="bg2"/>
-                  </a:gs>
-                  <a:gs pos="95000">
-                    <a:schemeClr val="bg2"/>
-                  </a:gs>
-                </a:gsLst>
-                <a:lin ang="5400000" scaled="0"/>
-              </a:gradFill>
-            </a:endParaRPr>
-          </a:p>
-          <a:p>
-            <a:r>
-              <a:rPr lang="en-US" sz="2400" dirty="0"/>
-              <a:t>https://</a:t>
-            </a:r>
-            <a:r>
-              <a:rPr lang="en-US" sz="2400" dirty="0" smtClean="0"/>
-              <a:t>outlook.office365.com/ews/odata/Me/Inbox/Messages</a:t>
-            </a:r>
-          </a:p>
-          <a:p>
-            <a:endParaRPr lang="en-US" sz="2400" spc="-70" dirty="0">
-              <a:gradFill>
-                <a:gsLst>
-                  <a:gs pos="2917">
-                    <a:schemeClr val="bg2"/>
-                  </a:gs>
-                  <a:gs pos="95000">
-                    <a:schemeClr val="bg2"/>
-                  </a:gs>
-                </a:gsLst>
-                <a:lin ang="5400000" scaled="0"/>
-              </a:gradFill>
-            </a:endParaRPr>
-          </a:p>
-          <a:p>
-            <a:endParaRPr lang="en-US" sz="2400" spc="-70" dirty="0" smtClean="0">
-              <a:gradFill>
-                <a:gsLst>
-                  <a:gs pos="2917">
-                    <a:schemeClr val="bg2"/>
-                  </a:gs>
-                  <a:gs pos="95000">
-                    <a:schemeClr val="bg2"/>
-                  </a:gs>
-                </a:gsLst>
-                <a:lin ang="5400000" scaled="0"/>
-              </a:gradFill>
-            </a:endParaRPr>
-          </a:p>
-        </p:txBody>
-      </p:sp>
+      </p:pic>
     </p:spTree>
     <p:extLst>
       <p:ext uri="{BB962C8B-B14F-4D97-AF65-F5344CB8AC3E}">
-        <p14:creationId xmlns:p14="http://schemas.microsoft.com/office/powerpoint/2010/main" val="3621575403"/>
+        <p14:creationId xmlns:p14="http://schemas.microsoft.com/office/powerpoint/2010/main" val="1700110606"/>
       </p:ext>
     </p:extLst>
   </p:cSld>
@@ -17880,12 +17666,6 @@
 </file>
 
 <file path=customXml/item1.xml><?xml version="1.0" encoding="utf-8"?>
-<p:properties xmlns:p="http://schemas.microsoft.com/office/2006/metadata/properties" xmlns:xsi="http://www.w3.org/2001/XMLSchema-instance" xmlns:pc="http://schemas.microsoft.com/office/infopath/2007/PartnerControls">
-  <documentManagement/>
-</p:properties>
-</file>
-
-<file path=customXml/item2.xml><?xml version="1.0" encoding="utf-8"?>
 <ct:contentTypeSchema xmlns:ct="http://schemas.microsoft.com/office/2006/metadata/contentType" xmlns:ma="http://schemas.microsoft.com/office/2006/metadata/properties/metaAttributes" ct:_="" ma:_="" ma:contentTypeName="Document" ma:contentTypeID="0x010100A2E4C90AA7333249A7DBC8CC6F49919B" ma:contentTypeVersion="1" ma:contentTypeDescription="Create a new document." ma:contentTypeScope="" ma:versionID="e7b09f0f38d7ed30c7da14951e97abcc">
   <xsd:schema xmlns:xsd="http://www.w3.org/2001/XMLSchema" xmlns:xs="http://www.w3.org/2001/XMLSchema" xmlns:p="http://schemas.microsoft.com/office/2006/metadata/properties" xmlns:ns2="5fad15d0-477e-40da-a20d-40d4ca777cbd" targetNamespace="http://schemas.microsoft.com/office/2006/metadata/properties" ma:root="true" ma:fieldsID="0cee24db179c30c5ebec40b677cadf70" ns2:_="">
     <xsd:import namespace="5fad15d0-477e-40da-a20d-40d4ca777cbd"/>
@@ -18025,6 +17805,12 @@
 </ct:contentTypeSchema>
 </file>
 
+<file path=customXml/item2.xml><?xml version="1.0" encoding="utf-8"?>
+<p:properties xmlns:p="http://schemas.microsoft.com/office/2006/metadata/properties" xmlns:xsi="http://www.w3.org/2001/XMLSchema-instance" xmlns:pc="http://schemas.microsoft.com/office/infopath/2007/PartnerControls">
+  <documentManagement/>
+</p:properties>
+</file>
+
 <file path=customXml/item3.xml><?xml version="1.0" encoding="utf-8"?>
 <?mso-contentType ?>
 <FormTemplates xmlns="http://schemas.microsoft.com/sharepoint/v3/contenttype/forms">
@@ -18035,22 +17821,6 @@
 </file>
 
 <file path=customXml/itemProps1.xml><?xml version="1.0" encoding="utf-8"?>
-<ds:datastoreItem xmlns:ds="http://schemas.openxmlformats.org/officeDocument/2006/customXml" ds:itemID="{DA593625-DB14-4FB0-B5A9-3269FA9C120B}">
-  <ds:schemaRefs>
-    <ds:schemaRef ds:uri="http://www.w3.org/XML/1998/namespace"/>
-    <ds:schemaRef ds:uri="http://purl.org/dc/elements/1.1/"/>
-    <ds:schemaRef ds:uri="http://schemas.microsoft.com/office/2006/metadata/properties"/>
-    <ds:schemaRef ds:uri="http://purl.org/dc/dcmitype/"/>
-    <ds:schemaRef ds:uri="http://schemas.microsoft.com/office/infopath/2007/PartnerControls"/>
-    <ds:schemaRef ds:uri="5fad15d0-477e-40da-a20d-40d4ca777cbd"/>
-    <ds:schemaRef ds:uri="http://schemas.openxmlformats.org/package/2006/metadata/core-properties"/>
-    <ds:schemaRef ds:uri="http://purl.org/dc/terms/"/>
-    <ds:schemaRef ds:uri="http://schemas.microsoft.com/office/2006/documentManagement/types"/>
-  </ds:schemaRefs>
-</ds:datastoreItem>
-</file>
-
-<file path=customXml/itemProps2.xml><?xml version="1.0" encoding="utf-8"?>
 <ds:datastoreItem xmlns:ds="http://schemas.openxmlformats.org/officeDocument/2006/customXml" ds:itemID="{F17DCE38-6787-497B-B958-75817420EB1E}">
   <ds:schemaRefs>
     <ds:schemaRef ds:uri="http://schemas.microsoft.com/office/2006/metadata/contentType"/>
@@ -18068,6 +17838,22 @@
 </ds:datastoreItem>
 </file>
 
+<file path=customXml/itemProps2.xml><?xml version="1.0" encoding="utf-8"?>
+<ds:datastoreItem xmlns:ds="http://schemas.openxmlformats.org/officeDocument/2006/customXml" ds:itemID="{DA593625-DB14-4FB0-B5A9-3269FA9C120B}">
+  <ds:schemaRefs>
+    <ds:schemaRef ds:uri="http://www.w3.org/XML/1998/namespace"/>
+    <ds:schemaRef ds:uri="http://purl.org/dc/elements/1.1/"/>
+    <ds:schemaRef ds:uri="http://schemas.microsoft.com/office/2006/metadata/properties"/>
+    <ds:schemaRef ds:uri="http://purl.org/dc/dcmitype/"/>
+    <ds:schemaRef ds:uri="http://schemas.microsoft.com/office/infopath/2007/PartnerControls"/>
+    <ds:schemaRef ds:uri="5fad15d0-477e-40da-a20d-40d4ca777cbd"/>
+    <ds:schemaRef ds:uri="http://schemas.openxmlformats.org/package/2006/metadata/core-properties"/>
+    <ds:schemaRef ds:uri="http://purl.org/dc/terms/"/>
+    <ds:schemaRef ds:uri="http://schemas.microsoft.com/office/2006/documentManagement/types"/>
+  </ds:schemaRefs>
+</ds:datastoreItem>
+</file>
+
 <file path=customXml/itemProps3.xml><?xml version="1.0" encoding="utf-8"?>
 <ds:datastoreItem xmlns:ds="http://schemas.openxmlformats.org/officeDocument/2006/customXml" ds:itemID="{E1E0CE18-CA03-4891-9CD8-3448778E3D53}">
   <ds:schemaRefs>

--- a/O3653-2 Deep Dive into Office 365 APIs for Calendar, Mail, and Contacts/O3653-2 Deep Dive into Office 365 APIs for Calendar, Mail, and Contacts.pptx
+++ b/O3653-2 Deep Dive into Office 365 APIs for Calendar, Mail, and Contacts/O3653-2 Deep Dive into Office 365 APIs for Calendar, Mail, and Contacts.pptx
@@ -6,10 +6,10 @@
     <p:sldMasterId id="2147484046" r:id="rId5"/>
   </p:sldMasterIdLst>
   <p:notesMasterIdLst>
-    <p:notesMasterId r:id="rId32"/>
+    <p:notesMasterId r:id="rId39"/>
   </p:notesMasterIdLst>
   <p:handoutMasterIdLst>
-    <p:handoutMasterId r:id="rId33"/>
+    <p:handoutMasterId r:id="rId40"/>
   </p:handoutMasterIdLst>
   <p:sldIdLst>
     <p:sldId id="778" r:id="rId6"/>
@@ -17,27 +17,34 @@
     <p:sldId id="780" r:id="rId8"/>
     <p:sldId id="788" r:id="rId9"/>
     <p:sldId id="783" r:id="rId10"/>
-    <p:sldId id="883" r:id="rId11"/>
+    <p:sldId id="872" r:id="rId11"/>
     <p:sldId id="884" r:id="rId12"/>
     <p:sldId id="886" r:id="rId13"/>
     <p:sldId id="885" r:id="rId14"/>
-    <p:sldId id="872" r:id="rId15"/>
-    <p:sldId id="865" r:id="rId16"/>
-    <p:sldId id="873" r:id="rId17"/>
-    <p:sldId id="887" r:id="rId18"/>
-    <p:sldId id="888" r:id="rId19"/>
-    <p:sldId id="889" r:id="rId20"/>
-    <p:sldId id="866" r:id="rId21"/>
-    <p:sldId id="867" r:id="rId22"/>
-    <p:sldId id="881" r:id="rId23"/>
-    <p:sldId id="882" r:id="rId24"/>
-    <p:sldId id="877" r:id="rId25"/>
-    <p:sldId id="878" r:id="rId26"/>
-    <p:sldId id="879" r:id="rId27"/>
-    <p:sldId id="880" r:id="rId28"/>
-    <p:sldId id="868" r:id="rId29"/>
-    <p:sldId id="853" r:id="rId30"/>
-    <p:sldId id="654" r:id="rId31"/>
+    <p:sldId id="865" r:id="rId15"/>
+    <p:sldId id="893" r:id="rId16"/>
+    <p:sldId id="891" r:id="rId17"/>
+    <p:sldId id="894" r:id="rId18"/>
+    <p:sldId id="898" r:id="rId19"/>
+    <p:sldId id="873" r:id="rId20"/>
+    <p:sldId id="892" r:id="rId21"/>
+    <p:sldId id="899" r:id="rId22"/>
+    <p:sldId id="895" r:id="rId23"/>
+    <p:sldId id="887" r:id="rId24"/>
+    <p:sldId id="900" r:id="rId25"/>
+    <p:sldId id="896" r:id="rId26"/>
+    <p:sldId id="889" r:id="rId27"/>
+    <p:sldId id="888" r:id="rId28"/>
+    <p:sldId id="866" r:id="rId29"/>
+    <p:sldId id="867" r:id="rId30"/>
+    <p:sldId id="881" r:id="rId31"/>
+    <p:sldId id="877" r:id="rId32"/>
+    <p:sldId id="878" r:id="rId33"/>
+    <p:sldId id="879" r:id="rId34"/>
+    <p:sldId id="880" r:id="rId35"/>
+    <p:sldId id="868" r:id="rId36"/>
+    <p:sldId id="853" r:id="rId37"/>
+    <p:sldId id="654" r:id="rId38"/>
   </p:sldIdLst>
   <p:sldSz cx="12188825" cy="6858000"/>
   <p:notesSz cx="6858000" cy="9144000"/>
@@ -340,7 +347,7 @@
           <a:p>
             <a:fld id="{DE219B1A-AE41-483B-A766-69B9363DDA6A}" type="datetimeFigureOut">
               <a:rPr lang="en-US" smtClean="0"/>
-              <a:t>9/10/2014</a:t>
+              <a:t>9/13/2014</a:t>
             </a:fld>
             <a:endParaRPr lang="en-US"/>
           </a:p>
@@ -622,7 +629,7 @@
           <a:p>
             <a:fld id="{D51B1278-D92B-4AF3-A9C1-71DD298190CE}" type="datetimeFigureOut">
               <a:rPr lang="en-US" smtClean="0"/>
-              <a:t>9/10/2014</a:t>
+              <a:t>9/13/2014</a:t>
             </a:fld>
             <a:endParaRPr lang="en-US"/>
           </a:p>
@@ -1257,7 +1264,7 @@
           <a:p>
             <a:fld id="{B079C3B8-7366-4A44-A34B-3977080C19E7}" type="datetime1">
               <a:rPr lang="en-US" smtClean="0"/>
-              <a:t>9/10/2014</a:t>
+              <a:t>9/13/2014</a:t>
             </a:fld>
             <a:endParaRPr lang="en-US" dirty="0"/>
           </a:p>
@@ -1367,24 +1374,6 @@
           <a:bodyPr/>
           <a:lstStyle/>
           <a:p>
-            <a:r>
-              <a:rPr lang="en-US" dirty="0" smtClean="0"/>
-              <a:t>_</a:t>
-            </a:r>
-            <a:r>
-              <a:rPr lang="en-US" dirty="0" err="1" smtClean="0"/>
-              <a:t>api</a:t>
-            </a:r>
-            <a:r>
-              <a:rPr lang="en-US" dirty="0" smtClean="0"/>
-              <a:t>/Files always targets the “Documents” library in a SharePoint site</a:t>
-            </a:r>
-          </a:p>
-          <a:p>
-            <a:r>
-              <a:rPr lang="en-US" dirty="0" smtClean="0"/>
-              <a:t>For personal sites, this is the OneDrive for Business library</a:t>
-            </a:r>
             <a:endParaRPr lang="en-US" dirty="0"/>
           </a:p>
         </p:txBody>
@@ -1406,7 +1395,7 @@
           <a:p>
             <a:fld id="{F4ED0980-F356-492E-AEE0-341D5AB7B1F8}" type="datetime1">
               <a:rPr lang="en-US" smtClean="0"/>
-              <a:t>9/10/2014</a:t>
+              <a:t>9/13/2014</a:t>
             </a:fld>
             <a:endParaRPr lang="en-US"/>
           </a:p>
@@ -1429,7 +1418,7 @@
           <a:p>
             <a:fld id="{B4008EB6-D09E-4580-8CD6-DDB14511944F}" type="slidenum">
               <a:rPr lang="en-US" smtClean="0"/>
-              <a:t>10</a:t>
+              <a:t>6</a:t>
             </a:fld>
             <a:endParaRPr lang="en-US" dirty="0"/>
           </a:p>
@@ -1591,22 +1580,6 @@
           <a:bodyPr/>
           <a:lstStyle/>
           <a:p>
-            <a:r>
-              <a:rPr lang="en-US" dirty="0" smtClean="0"/>
-              <a:t>The discovery service discovers the “</a:t>
-            </a:r>
-            <a:r>
-              <a:rPr lang="en-US" dirty="0" err="1" smtClean="0"/>
-              <a:t>MyFiles</a:t>
-            </a:r>
-            <a:r>
-              <a:rPr lang="en-US" dirty="0" smtClean="0"/>
-              <a:t>” capability,</a:t>
-            </a:r>
-            <a:r>
-              <a:rPr lang="en-US" baseline="0" dirty="0" smtClean="0"/>
-              <a:t> which will always try to access the OneDrive for Business library</a:t>
-            </a:r>
             <a:endParaRPr lang="en-US" dirty="0"/>
           </a:p>
         </p:txBody>
@@ -1626,9 +1599,9 @@
           <a:bodyPr/>
           <a:lstStyle/>
           <a:p>
-            <a:fld id="{23FDFFE0-9E47-4B8C-842E-FA426FE218C8}" type="datetime1">
+            <a:fld id="{25C53C72-BBB8-414B-86FA-E1FA1F2BC8CE}" type="datetime1">
               <a:rPr lang="en-US" smtClean="0"/>
-              <a:t>9/10/2014</a:t>
+              <a:t>9/13/2014</a:t>
             </a:fld>
             <a:endParaRPr lang="en-US"/>
           </a:p>
@@ -1651,7 +1624,7 @@
           <a:p>
             <a:fld id="{B4008EB6-D09E-4580-8CD6-DDB14511944F}" type="slidenum">
               <a:rPr lang="en-US" smtClean="0"/>
-              <a:t>12</a:t>
+              <a:t>14</a:t>
             </a:fld>
             <a:endParaRPr lang="en-US" dirty="0"/>
           </a:p>
@@ -1759,7 +1732,7 @@
     </p:spTree>
     <p:extLst>
       <p:ext uri="{BB962C8B-B14F-4D97-AF65-F5344CB8AC3E}">
-        <p14:creationId xmlns:p14="http://schemas.microsoft.com/office/powerpoint/2010/main" val="2819406764"/>
+        <p14:creationId xmlns:p14="http://schemas.microsoft.com/office/powerpoint/2010/main" val="3891848611"/>
       </p:ext>
     </p:extLst>
   </p:cSld>
@@ -1813,18 +1786,18 @@
           <a:bodyPr/>
           <a:lstStyle/>
           <a:p>
-            <a:endParaRPr lang="en-US"/>
-          </a:p>
-        </p:txBody>
-      </p:sp>
-      <p:sp>
-        <p:nvSpPr>
-          <p:cNvPr id="6" name="Slide Number Placeholder 5"/>
-          <p:cNvSpPr>
-            <a:spLocks noGrp="1"/>
-          </p:cNvSpPr>
-          <p:nvPr>
-            <p:ph type="sldNum" sz="quarter" idx="12"/>
+            <a:endParaRPr lang="en-US" dirty="0"/>
+          </a:p>
+        </p:txBody>
+      </p:sp>
+      <p:sp>
+        <p:nvSpPr>
+          <p:cNvPr id="4" name="Date Placeholder 3"/>
+          <p:cNvSpPr>
+            <a:spLocks noGrp="1"/>
+          </p:cNvSpPr>
+          <p:nvPr>
+            <p:ph type="dt" idx="10"/>
           </p:nvPr>
         </p:nvSpPr>
         <p:spPr/>
@@ -1832,31 +1805,22 @@
           <a:bodyPr/>
           <a:lstStyle/>
           <a:p>
-            <a:fld id="{B4008EB6-D09E-4580-8CD6-DDB14511944F}" type="slidenum">
-              <a:rPr lang="en-US" smtClean="0">
-                <a:solidFill>
-                  <a:prstClr val="black"/>
-                </a:solidFill>
-              </a:rPr>
-              <a:pPr/>
-              <a:t>18</a:t>
+            <a:fld id="{23FDFFE0-9E47-4B8C-842E-FA426FE218C8}" type="datetime1">
+              <a:rPr lang="en-US" smtClean="0"/>
+              <a:t>9/13/2014</a:t>
             </a:fld>
-            <a:endParaRPr lang="en-US" dirty="0">
-              <a:solidFill>
-                <a:prstClr val="black"/>
-              </a:solidFill>
-            </a:endParaRPr>
-          </a:p>
-        </p:txBody>
-      </p:sp>
-      <p:sp>
-        <p:nvSpPr>
-          <p:cNvPr id="10" name="Date Placeholder 9"/>
-          <p:cNvSpPr>
-            <a:spLocks noGrp="1"/>
-          </p:cNvSpPr>
-          <p:nvPr>
-            <p:ph type="dt" idx="13"/>
+            <a:endParaRPr lang="en-US"/>
+          </a:p>
+        </p:txBody>
+      </p:sp>
+      <p:sp>
+        <p:nvSpPr>
+          <p:cNvPr id="5" name="Slide Number Placeholder 4"/>
+          <p:cNvSpPr>
+            <a:spLocks noGrp="1"/>
+          </p:cNvSpPr>
+          <p:nvPr>
+            <p:ph type="sldNum" sz="quarter" idx="11"/>
           </p:nvPr>
         </p:nvSpPr>
         <p:spPr/>
@@ -1864,31 +1828,22 @@
           <a:bodyPr/>
           <a:lstStyle/>
           <a:p>
-            <a:fld id="{F6D0C1E9-C76A-461C-8E91-17FFC972AC04}" type="datetime1">
-              <a:rPr lang="en-US" smtClean="0">
-                <a:solidFill>
-                  <a:prstClr val="black"/>
-                </a:solidFill>
-              </a:rPr>
-              <a:pPr/>
-              <a:t>9/11/2014</a:t>
+            <a:fld id="{B4008EB6-D09E-4580-8CD6-DDB14511944F}" type="slidenum">
+              <a:rPr lang="en-US" smtClean="0"/>
+              <a:t>15</a:t>
             </a:fld>
-            <a:endParaRPr lang="en-US" dirty="0">
-              <a:solidFill>
-                <a:prstClr val="black"/>
-              </a:solidFill>
-            </a:endParaRPr>
-          </a:p>
-        </p:txBody>
-      </p:sp>
-      <p:sp>
-        <p:nvSpPr>
-          <p:cNvPr id="7" name="Footer Placeholder 6"/>
-          <p:cNvSpPr>
-            <a:spLocks noGrp="1"/>
-          </p:cNvSpPr>
-          <p:nvPr>
-            <p:ph type="ftr" sz="quarter" idx="14"/>
+            <a:endParaRPr lang="en-US" dirty="0"/>
+          </a:p>
+        </p:txBody>
+      </p:sp>
+      <p:sp>
+        <p:nvSpPr>
+          <p:cNvPr id="6" name="Header Placeholder 5"/>
+          <p:cNvSpPr>
+            <a:spLocks noGrp="1"/>
+          </p:cNvSpPr>
+          <p:nvPr>
+            <p:ph type="hdr" sz="quarter" idx="12"/>
           </p:nvPr>
         </p:nvSpPr>
         <p:spPr/>
@@ -1896,16 +1851,39 @@
           <a:bodyPr/>
           <a:lstStyle/>
           <a:p>
-            <a:pPr defTabSz="914099" eaLnBrk="0" hangingPunct="0"/>
-            <a:r>
-              <a:rPr lang="en-US" sz="400" smtClean="0">
+            <a:r>
+              <a:rPr lang="en-US" smtClean="0"/>
+              <a:t>Microsoft Office</a:t>
+            </a:r>
+            <a:endParaRPr lang="en-US" dirty="0"/>
+          </a:p>
+        </p:txBody>
+      </p:sp>
+      <p:sp>
+        <p:nvSpPr>
+          <p:cNvPr id="7" name="Footer Placeholder 6"/>
+          <p:cNvSpPr>
+            <a:spLocks noGrp="1"/>
+          </p:cNvSpPr>
+          <p:nvPr>
+            <p:ph type="ftr" sz="quarter" idx="13"/>
+          </p:nvPr>
+        </p:nvSpPr>
+        <p:spPr/>
+        <p:txBody>
+          <a:bodyPr/>
+          <a:lstStyle/>
+          <a:p>
+            <a:pPr marL="231775" defTabSz="914099" eaLnBrk="0" hangingPunct="0"/>
+            <a:r>
+              <a:rPr lang="en-US" sz="500" smtClean="0">
                 <a:gradFill>
                   <a:gsLst>
                     <a:gs pos="0">
-                      <a:prstClr val="black"/>
+                      <a:schemeClr val="tx1"/>
                     </a:gs>
                     <a:gs pos="100000">
-                      <a:prstClr val="black"/>
+                      <a:schemeClr val="tx1"/>
                     </a:gs>
                   </a:gsLst>
                   <a:lin ang="5400000" scaled="0"/>
@@ -1914,16 +1892,38 @@
                 <a:ea typeface="Segoe UI" pitchFamily="34" charset="0"/>
                 <a:cs typeface="Segoe UI" pitchFamily="34" charset="0"/>
               </a:rPr>
-              <a:t>© 2014 Microsoft Corporation. All rights reserved. Microsoft, Windows, and other product names are or may be registered trademarks and/or trademarks in the U.S. and/or other countries. The information herein is for informational purposes only and represents the current view of Microsoft Corporation as of the date of this presentation.  Because Microsoft must respond to changing market conditions, it should not be interpreted to be a commitment on the part of Microsoft, and Microsoft cannot guarantee the accuracy of any information provided after the date of this presentation.  MICROSOFT MAKES NO WARRANTIES, EXPRESS, IMPLIED OR STATUTORY, AS TO THE INFORMATION IN THIS PRESENTATION.</a:t>
-            </a:r>
-            <a:endParaRPr lang="en-US" sz="400" dirty="0" smtClean="0">
+              <a:t>© 2012 Microsoft Corporation. All rights reserved. Microsoft, Windows, and other product names are or may be registered trademarks and/or trademarks in the U.S. and/or other countries.</a:t>
+            </a:r>
+          </a:p>
+          <a:p>
+            <a:pPr marL="231775" defTabSz="914099" eaLnBrk="0" hangingPunct="0"/>
+            <a:r>
+              <a:rPr lang="en-US" sz="500" smtClean="0">
+                <a:gradFill>
+                  <a:gsLst>
+                    <a:gs pos="0">
+                      <a:schemeClr val="tx1"/>
+                    </a:gs>
+                    <a:gs pos="100000">
+                      <a:schemeClr val="tx1"/>
+                    </a:gs>
+                  </a:gsLst>
+                  <a:lin ang="5400000" scaled="0"/>
+                </a:gradFill>
+                <a:latin typeface="Segoe UI" pitchFamily="34" charset="0"/>
+                <a:ea typeface="Segoe UI" pitchFamily="34" charset="0"/>
+                <a:cs typeface="Segoe UI" pitchFamily="34" charset="0"/>
+              </a:rPr>
+              <a:t>The information herein is for informational purposes only and represents the current view of Microsoft Corporation as of the date of this presentation.  Because Microsoft must respond to changing market conditions, it should not be interpreted to be a commitment on the part of Microsoft, and Microsoft cannot guarantee the accuracy of any information provided after the date of this presentation.  MICROSOFT MAKES NO WARRANTIES, EXPRESS, IMPLIED OR STATUTORY, AS TO THE INFORMATION IN THIS PRESENTATION.</a:t>
+            </a:r>
+            <a:endParaRPr lang="en-US" sz="500" dirty="0">
               <a:gradFill>
                 <a:gsLst>
                   <a:gs pos="0">
-                    <a:prstClr val="black"/>
+                    <a:schemeClr val="tx1"/>
                   </a:gs>
                   <a:gs pos="100000">
-                    <a:prstClr val="black"/>
+                    <a:schemeClr val="tx1"/>
                   </a:gs>
                 </a:gsLst>
                 <a:lin ang="5400000" scaled="0"/>
@@ -1938,7 +1938,7 @@
     </p:spTree>
     <p:extLst>
       <p:ext uri="{BB962C8B-B14F-4D97-AF65-F5344CB8AC3E}">
-        <p14:creationId xmlns:p14="http://schemas.microsoft.com/office/powerpoint/2010/main" val="1292205714"/>
+        <p14:creationId xmlns:p14="http://schemas.microsoft.com/office/powerpoint/2010/main" val="2819406764"/>
       </p:ext>
     </p:extLst>
   </p:cSld>
@@ -2018,7 +2018,7 @@
                 </a:solidFill>
               </a:rPr>
               <a:pPr/>
-              <a:t>19</a:t>
+              <a:t>26</a:t>
             </a:fld>
             <a:endParaRPr lang="en-US" dirty="0">
               <a:solidFill>
@@ -2050,7 +2050,7 @@
                 </a:solidFill>
               </a:rPr>
               <a:pPr/>
-              <a:t>9/10/2014</a:t>
+              <a:t>9/13/2014</a:t>
             </a:fld>
             <a:endParaRPr lang="en-US" dirty="0">
               <a:solidFill>
@@ -2117,7 +2117,7 @@
     </p:spTree>
     <p:extLst>
       <p:ext uri="{BB962C8B-B14F-4D97-AF65-F5344CB8AC3E}">
-        <p14:creationId xmlns:p14="http://schemas.microsoft.com/office/powerpoint/2010/main" val="2559924025"/>
+        <p14:creationId xmlns:p14="http://schemas.microsoft.com/office/powerpoint/2010/main" val="1292205714"/>
       </p:ext>
     </p:extLst>
   </p:cSld>
@@ -2208,7 +2208,7 @@
           <a:p>
             <a:fld id="{9F6C2A45-62A9-453C-B1A0-E9BD4232256A}" type="datetime1">
               <a:rPr lang="en-US" smtClean="0"/>
-              <a:t>9/10/2014</a:t>
+              <a:t>9/13/2014</a:t>
             </a:fld>
             <a:endParaRPr lang="en-US"/>
           </a:p>
@@ -2231,7 +2231,7 @@
           <a:p>
             <a:fld id="{B4008EB6-D09E-4580-8CD6-DDB14511944F}" type="slidenum">
               <a:rPr lang="en-US" smtClean="0"/>
-              <a:t>21</a:t>
+              <a:t>28</a:t>
             </a:fld>
             <a:endParaRPr lang="en-US" dirty="0"/>
           </a:p>
@@ -2468,7 +2468,7 @@
           <a:p>
             <a:fld id="{B079C3B8-7366-4A44-A34B-3977080C19E7}" type="datetime1">
               <a:rPr lang="en-US" smtClean="0"/>
-              <a:t>9/10/2014</a:t>
+              <a:t>9/13/2014</a:t>
             </a:fld>
             <a:endParaRPr lang="en-US" dirty="0"/>
           </a:p>
@@ -2492,7 +2492,7 @@
             <a:fld id="{B4008EB6-D09E-4580-8CD6-DDB14511944F}" type="slidenum">
               <a:rPr lang="en-US" smtClean="0"/>
               <a:pPr/>
-              <a:t>25</a:t>
+              <a:t>32</a:t>
             </a:fld>
             <a:endParaRPr lang="en-US" dirty="0"/>
           </a:p>
@@ -2710,7 +2710,7 @@
           <a:p>
             <a:fld id="{0BB6559B-C68D-49B4-97AE-9BB74C417927}" type="datetime1">
               <a:rPr lang="en-US" smtClean="0"/>
-              <a:t>9/10/2014</a:t>
+              <a:t>9/13/2014</a:t>
             </a:fld>
             <a:endParaRPr lang="en-US"/>
           </a:p>
@@ -2733,7 +2733,7 @@
           <a:p>
             <a:fld id="{B4008EB6-D09E-4580-8CD6-DDB14511944F}" type="slidenum">
               <a:rPr lang="en-US" smtClean="0"/>
-              <a:t>26</a:t>
+              <a:t>33</a:t>
             </a:fld>
             <a:endParaRPr lang="en-US" dirty="0"/>
           </a:p>
@@ -12901,12 +12901,12 @@
       </p:grpSpPr>
       <p:sp>
         <p:nvSpPr>
-          <p:cNvPr id="2" name="Title 1"/>
-          <p:cNvSpPr>
-            <a:spLocks noGrp="1"/>
-          </p:cNvSpPr>
-          <p:nvPr>
-            <p:ph type="title"/>
+          <p:cNvPr id="4" name="Title 3"/>
+          <p:cNvSpPr>
+            <a:spLocks noGrp="1"/>
+          </p:cNvSpPr>
+          <p:nvPr>
+            <p:ph type="ctrTitle"/>
           </p:nvPr>
         </p:nvSpPr>
         <p:spPr/>
@@ -12916,175 +12916,7 @@
           <a:p>
             <a:r>
               <a:rPr lang="en-US" dirty="0" smtClean="0"/>
-              <a:t>APIs</a:t>
-            </a:r>
-            <a:endParaRPr lang="en-US" dirty="0"/>
-          </a:p>
-        </p:txBody>
-      </p:sp>
-      <p:sp>
-        <p:nvSpPr>
-          <p:cNvPr id="3" name="Slide Number Placeholder 2"/>
-          <p:cNvSpPr>
-            <a:spLocks noGrp="1"/>
-          </p:cNvSpPr>
-          <p:nvPr>
-            <p:ph type="sldNum" sz="quarter" idx="12"/>
-          </p:nvPr>
-        </p:nvSpPr>
-        <p:spPr/>
-        <p:txBody>
-          <a:bodyPr/>
-          <a:lstStyle/>
-          <a:p>
-            <a:fld id="{727B4C2D-45E2-4621-8491-2995EB46A674}" type="slidenum">
-              <a:rPr lang="en-US" smtClean="0"/>
-              <a:pPr/>
-              <a:t>10</a:t>
-            </a:fld>
-            <a:endParaRPr lang="en-US" dirty="0"/>
-          </a:p>
-        </p:txBody>
-      </p:sp>
-      <p:sp>
-        <p:nvSpPr>
-          <p:cNvPr id="5" name="TextBox 4"/>
-          <p:cNvSpPr txBox="1"/>
-          <p:nvPr/>
-        </p:nvSpPr>
-        <p:spPr>
-          <a:xfrm>
-            <a:off x="801043" y="1112843"/>
-            <a:ext cx="8444363" cy="1846659"/>
-          </a:xfrm>
-          <a:prstGeom prst="rect">
-            <a:avLst/>
-          </a:prstGeom>
-          <a:noFill/>
-        </p:spPr>
-        <p:txBody>
-          <a:bodyPr wrap="none" lIns="0" tIns="0" rIns="0" bIns="0" rtlCol="0">
-            <a:spAutoFit/>
-          </a:bodyPr>
-          <a:lstStyle/>
-          <a:p>
-            <a:r>
-              <a:rPr lang="en-US" sz="2400" dirty="0"/>
-              <a:t>https://</a:t>
-            </a:r>
-            <a:r>
-              <a:rPr lang="en-US" sz="2400" dirty="0" smtClean="0"/>
-              <a:t>outlook.office365.com/ews/odata/Me/Calendar/Events</a:t>
-            </a:r>
-          </a:p>
-          <a:p>
-            <a:endParaRPr lang="en-US" sz="2400" spc="-70" dirty="0">
-              <a:gradFill>
-                <a:gsLst>
-                  <a:gs pos="2917">
-                    <a:schemeClr val="bg2"/>
-                  </a:gs>
-                  <a:gs pos="95000">
-                    <a:schemeClr val="bg2"/>
-                  </a:gs>
-                </a:gsLst>
-                <a:lin ang="5400000" scaled="0"/>
-              </a:gradFill>
-            </a:endParaRPr>
-          </a:p>
-          <a:p>
-            <a:r>
-              <a:rPr lang="en-US" sz="2400" dirty="0"/>
-              <a:t>https://</a:t>
-            </a:r>
-            <a:r>
-              <a:rPr lang="en-US" sz="2400" dirty="0" smtClean="0"/>
-              <a:t>outlook.office365.com/ews/odata/Me/Inbox/Messages</a:t>
-            </a:r>
-          </a:p>
-          <a:p>
-            <a:endParaRPr lang="en-US" sz="2400" spc="-70" dirty="0">
-              <a:gradFill>
-                <a:gsLst>
-                  <a:gs pos="2917">
-                    <a:schemeClr val="bg2"/>
-                  </a:gs>
-                  <a:gs pos="95000">
-                    <a:schemeClr val="bg2"/>
-                  </a:gs>
-                </a:gsLst>
-                <a:lin ang="5400000" scaled="0"/>
-              </a:gradFill>
-            </a:endParaRPr>
-          </a:p>
-          <a:p>
-            <a:endParaRPr lang="en-US" sz="2400" spc="-70" dirty="0" smtClean="0">
-              <a:gradFill>
-                <a:gsLst>
-                  <a:gs pos="2917">
-                    <a:schemeClr val="bg2"/>
-                  </a:gs>
-                  <a:gs pos="95000">
-                    <a:schemeClr val="bg2"/>
-                  </a:gs>
-                </a:gsLst>
-                <a:lin ang="5400000" scaled="0"/>
-              </a:gradFill>
-            </a:endParaRPr>
-          </a:p>
-        </p:txBody>
-      </p:sp>
-    </p:spTree>
-    <p:extLst>
-      <p:ext uri="{BB962C8B-B14F-4D97-AF65-F5344CB8AC3E}">
-        <p14:creationId xmlns:p14="http://schemas.microsoft.com/office/powerpoint/2010/main" val="3621575403"/>
-      </p:ext>
-    </p:extLst>
-  </p:cSld>
-  <p:clrMapOvr>
-    <a:masterClrMapping/>
-  </p:clrMapOvr>
-  <p:transition>
-    <p:fade/>
-  </p:transition>
-</p:sld>
-</file>
-
-<file path=ppt/slides/slide11.xml><?xml version="1.0" encoding="utf-8"?>
-<p:sld xmlns:a="http://schemas.openxmlformats.org/drawingml/2006/main" xmlns:r="http://schemas.openxmlformats.org/officeDocument/2006/relationships" xmlns:p="http://schemas.openxmlformats.org/presentationml/2006/main">
-  <p:cSld>
-    <p:spTree>
-      <p:nvGrpSpPr>
-        <p:cNvPr id="1" name=""/>
-        <p:cNvGrpSpPr/>
-        <p:nvPr/>
-      </p:nvGrpSpPr>
-      <p:grpSpPr>
-        <a:xfrm>
-          <a:off x="0" y="0"/>
-          <a:ext cx="0" cy="0"/>
-          <a:chOff x="0" y="0"/>
-          <a:chExt cx="0" cy="0"/>
-        </a:xfrm>
-      </p:grpSpPr>
-      <p:sp>
-        <p:nvSpPr>
-          <p:cNvPr id="4" name="Title 3"/>
-          <p:cNvSpPr>
-            <a:spLocks noGrp="1"/>
-          </p:cNvSpPr>
-          <p:nvPr>
-            <p:ph type="ctrTitle"/>
-          </p:nvPr>
-        </p:nvSpPr>
-        <p:spPr/>
-        <p:txBody>
-          <a:bodyPr/>
-          <a:lstStyle/>
-          <a:p>
-            <a:r>
-              <a:rPr lang="en-US" dirty="0" err="1" smtClean="0"/>
-              <a:t>ExchangeClient</a:t>
+              <a:t>Connected Services</a:t>
             </a:r>
             <a:endParaRPr lang="en-US" dirty="0"/>
           </a:p>
@@ -13133,6 +12965,443 @@
 </p:sld>
 </file>
 
+<file path=ppt/slides/slide11.xml><?xml version="1.0" encoding="utf-8"?>
+<p:sld xmlns:a="http://schemas.openxmlformats.org/drawingml/2006/main" xmlns:r="http://schemas.openxmlformats.org/officeDocument/2006/relationships" xmlns:p="http://schemas.openxmlformats.org/presentationml/2006/main">
+  <p:cSld>
+    <p:spTree>
+      <p:nvGrpSpPr>
+        <p:cNvPr id="1" name=""/>
+        <p:cNvGrpSpPr/>
+        <p:nvPr/>
+      </p:nvGrpSpPr>
+      <p:grpSpPr>
+        <a:xfrm>
+          <a:off x="0" y="0"/>
+          <a:ext cx="0" cy="0"/>
+          <a:chOff x="0" y="0"/>
+          <a:chExt cx="0" cy="0"/>
+        </a:xfrm>
+      </p:grpSpPr>
+      <p:sp>
+        <p:nvSpPr>
+          <p:cNvPr id="2" name="Title 1"/>
+          <p:cNvSpPr>
+            <a:spLocks noGrp="1"/>
+          </p:cNvSpPr>
+          <p:nvPr>
+            <p:ph type="title"/>
+          </p:nvPr>
+        </p:nvSpPr>
+        <p:spPr/>
+        <p:txBody>
+          <a:bodyPr/>
+          <a:lstStyle/>
+          <a:p>
+            <a:r>
+              <a:rPr lang="en-US" dirty="0" smtClean="0"/>
+              <a:t>Adding Connected Services</a:t>
+            </a:r>
+            <a:endParaRPr lang="en-US" dirty="0"/>
+          </a:p>
+        </p:txBody>
+      </p:sp>
+      <p:sp>
+        <p:nvSpPr>
+          <p:cNvPr id="3" name="Slide Number Placeholder 2"/>
+          <p:cNvSpPr>
+            <a:spLocks noGrp="1"/>
+          </p:cNvSpPr>
+          <p:nvPr>
+            <p:ph type="sldNum" sz="quarter" idx="12"/>
+          </p:nvPr>
+        </p:nvSpPr>
+        <p:spPr/>
+        <p:txBody>
+          <a:bodyPr/>
+          <a:lstStyle/>
+          <a:p>
+            <a:fld id="{727B4C2D-45E2-4621-8491-2995EB46A674}" type="slidenum">
+              <a:rPr lang="en-US" smtClean="0"/>
+              <a:pPr/>
+              <a:t>11</a:t>
+            </a:fld>
+            <a:endParaRPr lang="en-US" dirty="0"/>
+          </a:p>
+        </p:txBody>
+      </p:sp>
+      <p:pic>
+        <p:nvPicPr>
+          <p:cNvPr id="4" name="Picture 3"/>
+          <p:cNvPicPr>
+            <a:picLocks noChangeAspect="1"/>
+          </p:cNvPicPr>
+          <p:nvPr/>
+        </p:nvPicPr>
+        <p:blipFill>
+          <a:blip r:embed="rId2"/>
+          <a:stretch>
+            <a:fillRect/>
+          </a:stretch>
+        </p:blipFill>
+        <p:spPr>
+          <a:xfrm>
+            <a:off x="1448781" y="1648192"/>
+            <a:ext cx="3791039" cy="2823579"/>
+          </a:xfrm>
+          <a:prstGeom prst="rect">
+            <a:avLst/>
+          </a:prstGeom>
+          <a:ln>
+            <a:solidFill>
+              <a:schemeClr val="bg1">
+                <a:lumMod val="85000"/>
+              </a:schemeClr>
+            </a:solidFill>
+          </a:ln>
+        </p:spPr>
+      </p:pic>
+      <p:pic>
+        <p:nvPicPr>
+          <p:cNvPr id="5" name="Picture 4"/>
+          <p:cNvPicPr>
+            <a:picLocks noChangeAspect="1"/>
+          </p:cNvPicPr>
+          <p:nvPr/>
+        </p:nvPicPr>
+        <p:blipFill>
+          <a:blip r:embed="rId3"/>
+          <a:stretch>
+            <a:fillRect/>
+          </a:stretch>
+        </p:blipFill>
+        <p:spPr>
+          <a:xfrm>
+            <a:off x="1417832" y="5212208"/>
+            <a:ext cx="7010400" cy="1485900"/>
+          </a:xfrm>
+          <a:prstGeom prst="rect">
+            <a:avLst/>
+          </a:prstGeom>
+          <a:solidFill>
+            <a:schemeClr val="bg1">
+              <a:lumMod val="50000"/>
+            </a:schemeClr>
+          </a:solidFill>
+          <a:ln>
+            <a:solidFill>
+              <a:schemeClr val="bg1">
+                <a:lumMod val="50000"/>
+              </a:schemeClr>
+            </a:solidFill>
+          </a:ln>
+        </p:spPr>
+      </p:pic>
+      <p:sp>
+        <p:nvSpPr>
+          <p:cNvPr id="8" name="Oval 7"/>
+          <p:cNvSpPr/>
+          <p:nvPr/>
+        </p:nvSpPr>
+        <p:spPr bwMode="auto">
+          <a:xfrm>
+            <a:off x="1417832" y="1234504"/>
+            <a:ext cx="339048" cy="293607"/>
+          </a:xfrm>
+          <a:prstGeom prst="ellipse">
+            <a:avLst/>
+          </a:prstGeom>
+          <a:solidFill>
+            <a:schemeClr val="accent1"/>
+          </a:solidFill>
+          <a:ln>
+            <a:noFill/>
+            <a:headEnd type="none" w="med" len="med"/>
+            <a:tailEnd type="none" w="med" len="med"/>
+          </a:ln>
+          <a:effectLst/>
+        </p:spPr>
+        <p:style>
+          <a:lnRef idx="1">
+            <a:schemeClr val="accent2"/>
+          </a:lnRef>
+          <a:fillRef idx="3">
+            <a:schemeClr val="accent2"/>
+          </a:fillRef>
+          <a:effectRef idx="2">
+            <a:schemeClr val="accent2"/>
+          </a:effectRef>
+          <a:fontRef idx="minor">
+            <a:schemeClr val="lt1"/>
+          </a:fontRef>
+        </p:style>
+        <p:txBody>
+          <a:bodyPr rot="0" spcFirstLastPara="0" vertOverflow="overflow" horzOverflow="overflow" vert="horz" wrap="square" lIns="45720" tIns="45720" rIns="45720" bIns="45720" numCol="1" spcCol="0" rtlCol="0" fromWordArt="0" anchor="ctr" anchorCtr="0" forceAA="0" compatLnSpc="1">
+            <a:prstTxWarp prst="textNoShape">
+              <a:avLst/>
+            </a:prstTxWarp>
+            <a:noAutofit/>
+          </a:bodyPr>
+          <a:lstStyle/>
+          <a:p>
+            <a:pPr algn="ctr" defTabSz="914099" fontAlgn="base">
+              <a:spcBef>
+                <a:spcPct val="0"/>
+              </a:spcBef>
+              <a:spcAft>
+                <a:spcPct val="0"/>
+              </a:spcAft>
+            </a:pPr>
+            <a:r>
+              <a:rPr lang="en-US" sz="2200" dirty="0" smtClean="0">
+                <a:gradFill>
+                  <a:gsLst>
+                    <a:gs pos="0">
+                      <a:srgbClr val="FFFFFF"/>
+                    </a:gs>
+                    <a:gs pos="100000">
+                      <a:srgbClr val="FFFFFF"/>
+                    </a:gs>
+                  </a:gsLst>
+                  <a:lin ang="5400000" scaled="0"/>
+                </a:gradFill>
+                <a:ea typeface="Segoe UI" pitchFamily="34" charset="0"/>
+                <a:cs typeface="Segoe UI" pitchFamily="34" charset="0"/>
+              </a:rPr>
+              <a:t>1</a:t>
+            </a:r>
+            <a:endParaRPr lang="en-US" sz="2200" dirty="0" smtClean="0">
+              <a:gradFill>
+                <a:gsLst>
+                  <a:gs pos="0">
+                    <a:srgbClr val="FFFFFF"/>
+                  </a:gs>
+                  <a:gs pos="100000">
+                    <a:srgbClr val="FFFFFF"/>
+                  </a:gs>
+                </a:gsLst>
+                <a:lin ang="5400000" scaled="0"/>
+              </a:gradFill>
+              <a:ea typeface="Segoe UI" pitchFamily="34" charset="0"/>
+              <a:cs typeface="Segoe UI" pitchFamily="34" charset="0"/>
+            </a:endParaRPr>
+          </a:p>
+        </p:txBody>
+      </p:sp>
+      <p:sp>
+        <p:nvSpPr>
+          <p:cNvPr id="9" name="TextBox 8"/>
+          <p:cNvSpPr txBox="1"/>
+          <p:nvPr/>
+        </p:nvSpPr>
+        <p:spPr>
+          <a:xfrm>
+            <a:off x="1869896" y="1236092"/>
+            <a:ext cx="3869072" cy="307777"/>
+          </a:xfrm>
+          <a:prstGeom prst="rect">
+            <a:avLst/>
+          </a:prstGeom>
+          <a:noFill/>
+        </p:spPr>
+        <p:txBody>
+          <a:bodyPr wrap="none" lIns="0" tIns="0" rIns="0" bIns="0" rtlCol="0">
+            <a:spAutoFit/>
+          </a:bodyPr>
+          <a:lstStyle/>
+          <a:p>
+            <a:r>
+              <a:rPr lang="en-US" sz="2000" spc="-70" dirty="0" smtClean="0">
+                <a:gradFill>
+                  <a:gsLst>
+                    <a:gs pos="2917">
+                      <a:schemeClr val="bg2"/>
+                    </a:gs>
+                    <a:gs pos="95000">
+                      <a:schemeClr val="bg2"/>
+                    </a:gs>
+                  </a:gsLst>
+                  <a:lin ang="5400000" scaled="0"/>
+                </a:gradFill>
+              </a:rPr>
+              <a:t>Project &gt; Add &gt; Connected Service…</a:t>
+            </a:r>
+            <a:endParaRPr lang="en-US" sz="2000" spc="-70" dirty="0" smtClean="0">
+              <a:gradFill>
+                <a:gsLst>
+                  <a:gs pos="2917">
+                    <a:schemeClr val="bg2"/>
+                  </a:gs>
+                  <a:gs pos="95000">
+                    <a:schemeClr val="bg2"/>
+                  </a:gs>
+                </a:gsLst>
+                <a:lin ang="5400000" scaled="0"/>
+              </a:gradFill>
+            </a:endParaRPr>
+          </a:p>
+        </p:txBody>
+      </p:sp>
+      <p:sp>
+        <p:nvSpPr>
+          <p:cNvPr id="10" name="Oval 9"/>
+          <p:cNvSpPr/>
+          <p:nvPr/>
+        </p:nvSpPr>
+        <p:spPr bwMode="auto">
+          <a:xfrm>
+            <a:off x="1405844" y="4695186"/>
+            <a:ext cx="339048" cy="293607"/>
+          </a:xfrm>
+          <a:prstGeom prst="ellipse">
+            <a:avLst/>
+          </a:prstGeom>
+          <a:solidFill>
+            <a:schemeClr val="accent1"/>
+          </a:solidFill>
+          <a:ln>
+            <a:noFill/>
+            <a:headEnd type="none" w="med" len="med"/>
+            <a:tailEnd type="none" w="med" len="med"/>
+          </a:ln>
+          <a:effectLst/>
+        </p:spPr>
+        <p:style>
+          <a:lnRef idx="1">
+            <a:schemeClr val="accent2"/>
+          </a:lnRef>
+          <a:fillRef idx="3">
+            <a:schemeClr val="accent2"/>
+          </a:fillRef>
+          <a:effectRef idx="2">
+            <a:schemeClr val="accent2"/>
+          </a:effectRef>
+          <a:fontRef idx="minor">
+            <a:schemeClr val="lt1"/>
+          </a:fontRef>
+        </p:style>
+        <p:txBody>
+          <a:bodyPr rot="0" spcFirstLastPara="0" vertOverflow="overflow" horzOverflow="overflow" vert="horz" wrap="square" lIns="45720" tIns="45720" rIns="45720" bIns="45720" numCol="1" spcCol="0" rtlCol="0" fromWordArt="0" anchor="ctr" anchorCtr="0" forceAA="0" compatLnSpc="1">
+            <a:prstTxWarp prst="textNoShape">
+              <a:avLst/>
+            </a:prstTxWarp>
+            <a:noAutofit/>
+          </a:bodyPr>
+          <a:lstStyle/>
+          <a:p>
+            <a:pPr algn="ctr" defTabSz="914099" fontAlgn="base">
+              <a:spcBef>
+                <a:spcPct val="0"/>
+              </a:spcBef>
+              <a:spcAft>
+                <a:spcPct val="0"/>
+              </a:spcAft>
+            </a:pPr>
+            <a:r>
+              <a:rPr lang="en-US" sz="2200" dirty="0" smtClean="0">
+                <a:gradFill>
+                  <a:gsLst>
+                    <a:gs pos="0">
+                      <a:srgbClr val="FFFFFF"/>
+                    </a:gs>
+                    <a:gs pos="100000">
+                      <a:srgbClr val="FFFFFF"/>
+                    </a:gs>
+                  </a:gsLst>
+                  <a:lin ang="5400000" scaled="0"/>
+                </a:gradFill>
+                <a:ea typeface="Segoe UI" pitchFamily="34" charset="0"/>
+                <a:cs typeface="Segoe UI" pitchFamily="34" charset="0"/>
+              </a:rPr>
+              <a:t>2</a:t>
+            </a:r>
+            <a:endParaRPr lang="en-US" sz="2200" dirty="0" smtClean="0">
+              <a:gradFill>
+                <a:gsLst>
+                  <a:gs pos="0">
+                    <a:srgbClr val="FFFFFF"/>
+                  </a:gs>
+                  <a:gs pos="100000">
+                    <a:srgbClr val="FFFFFF"/>
+                  </a:gs>
+                </a:gsLst>
+                <a:lin ang="5400000" scaled="0"/>
+              </a:gradFill>
+              <a:ea typeface="Segoe UI" pitchFamily="34" charset="0"/>
+              <a:cs typeface="Segoe UI" pitchFamily="34" charset="0"/>
+            </a:endParaRPr>
+          </a:p>
+        </p:txBody>
+      </p:sp>
+      <p:sp>
+        <p:nvSpPr>
+          <p:cNvPr id="11" name="TextBox 10"/>
+          <p:cNvSpPr txBox="1"/>
+          <p:nvPr/>
+        </p:nvSpPr>
+        <p:spPr>
+          <a:xfrm>
+            <a:off x="1857908" y="4696774"/>
+            <a:ext cx="1840760" cy="307777"/>
+          </a:xfrm>
+          <a:prstGeom prst="rect">
+            <a:avLst/>
+          </a:prstGeom>
+          <a:noFill/>
+        </p:spPr>
+        <p:txBody>
+          <a:bodyPr wrap="none" lIns="0" tIns="0" rIns="0" bIns="0" rtlCol="0">
+            <a:spAutoFit/>
+          </a:bodyPr>
+          <a:lstStyle/>
+          <a:p>
+            <a:r>
+              <a:rPr lang="en-US" sz="2000" spc="-70" dirty="0" smtClean="0">
+                <a:gradFill>
+                  <a:gsLst>
+                    <a:gs pos="2917">
+                      <a:schemeClr val="bg2"/>
+                    </a:gs>
+                    <a:gs pos="95000">
+                      <a:schemeClr val="bg2"/>
+                    </a:gs>
+                  </a:gsLst>
+                  <a:lin ang="5400000" scaled="0"/>
+                </a:gradFill>
+              </a:rPr>
+              <a:t>Register your app</a:t>
+            </a:r>
+            <a:endParaRPr lang="en-US" sz="2000" spc="-70" dirty="0" smtClean="0">
+              <a:gradFill>
+                <a:gsLst>
+                  <a:gs pos="2917">
+                    <a:schemeClr val="bg2"/>
+                  </a:gs>
+                  <a:gs pos="95000">
+                    <a:schemeClr val="bg2"/>
+                  </a:gs>
+                </a:gsLst>
+                <a:lin ang="5400000" scaled="0"/>
+              </a:gradFill>
+            </a:endParaRPr>
+          </a:p>
+        </p:txBody>
+      </p:sp>
+    </p:spTree>
+    <p:extLst>
+      <p:ext uri="{BB962C8B-B14F-4D97-AF65-F5344CB8AC3E}">
+        <p14:creationId xmlns:p14="http://schemas.microsoft.com/office/powerpoint/2010/main" val="681123526"/>
+      </p:ext>
+    </p:extLst>
+  </p:cSld>
+  <p:clrMapOvr>
+    <a:masterClrMapping/>
+  </p:clrMapOvr>
+  <p:transition>
+    <p:fade/>
+  </p:transition>
+</p:sld>
+</file>
+
 <file path=ppt/slides/slide12.xml><?xml version="1.0" encoding="utf-8"?>
 <p:sld xmlns:a="http://schemas.openxmlformats.org/drawingml/2006/main" xmlns:r="http://schemas.openxmlformats.org/officeDocument/2006/relationships" xmlns:p="http://schemas.openxmlformats.org/presentationml/2006/main">
   <p:cSld>
@@ -13152,88 +13421,46 @@
       </p:grpSpPr>
       <p:sp>
         <p:nvSpPr>
-          <p:cNvPr id="2" name="Text Placeholder 1"/>
-          <p:cNvSpPr>
-            <a:spLocks noGrp="1"/>
-          </p:cNvSpPr>
-          <p:nvPr>
-            <p:ph type="body" sz="quarter" idx="10"/>
+          <p:cNvPr id="2" name="Title 1"/>
+          <p:cNvSpPr>
+            <a:spLocks noGrp="1"/>
+          </p:cNvSpPr>
+          <p:nvPr>
+            <p:ph type="title"/>
+          </p:nvPr>
+        </p:nvSpPr>
+        <p:spPr/>
+        <p:txBody>
+          <a:bodyPr/>
+          <a:lstStyle/>
+          <a:p>
+            <a:r>
+              <a:rPr lang="en-US" dirty="0" smtClean="0"/>
+              <a:t>Connected Services Permissions</a:t>
+            </a:r>
+            <a:endParaRPr lang="en-US" dirty="0"/>
+          </a:p>
+        </p:txBody>
+      </p:sp>
+      <p:sp>
+        <p:nvSpPr>
+          <p:cNvPr id="4" name="Slide Number Placeholder 3"/>
+          <p:cNvSpPr>
+            <a:spLocks noGrp="1"/>
+          </p:cNvSpPr>
+          <p:nvPr>
+            <p:ph type="sldNum" sz="quarter" idx="12"/>
           </p:nvPr>
         </p:nvSpPr>
         <p:spPr>
           <a:xfrm>
-            <a:off x="519112" y="1196589"/>
-            <a:ext cx="11149013" cy="4370197"/>
+            <a:off x="2051549" y="6638544"/>
+            <a:ext cx="560686" cy="219456"/>
           </a:xfrm>
+          <a:prstGeom prst="rect">
+            <a:avLst/>
+          </a:prstGeom>
         </p:spPr>
-        <p:txBody>
-          <a:bodyPr/>
-          <a:lstStyle/>
-          <a:p>
-            <a:r>
-              <a:rPr lang="en-US" dirty="0"/>
-              <a:t>Discovery Service discovers </a:t>
-            </a:r>
-            <a:r>
-              <a:rPr lang="en-US" dirty="0" smtClean="0"/>
-              <a:t>capability</a:t>
-            </a:r>
-            <a:endParaRPr lang="en-US" dirty="0"/>
-          </a:p>
-          <a:p>
-            <a:r>
-              <a:rPr lang="en-US" dirty="0" err="1" smtClean="0"/>
-              <a:t>SharePointClient.Files</a:t>
-            </a:r>
-            <a:r>
-              <a:rPr lang="en-US" dirty="0" smtClean="0"/>
-              <a:t> abstracts Files API</a:t>
-            </a:r>
-          </a:p>
-          <a:p>
-            <a:pPr lvl="1"/>
-            <a:endParaRPr lang="en-US" dirty="0"/>
-          </a:p>
-        </p:txBody>
-      </p:sp>
-      <p:sp>
-        <p:nvSpPr>
-          <p:cNvPr id="3" name="Title 2"/>
-          <p:cNvSpPr>
-            <a:spLocks noGrp="1"/>
-          </p:cNvSpPr>
-          <p:nvPr>
-            <p:ph type="title"/>
-          </p:nvPr>
-        </p:nvSpPr>
-        <p:spPr/>
-        <p:txBody>
-          <a:bodyPr/>
-          <a:lstStyle/>
-          <a:p>
-            <a:r>
-              <a:rPr lang="en-US" dirty="0" err="1" smtClean="0"/>
-              <a:t>ExchangeClient</a:t>
-            </a:r>
-            <a:r>
-              <a:rPr lang="en-US" dirty="0" smtClean="0"/>
-              <a:t> class</a:t>
-            </a:r>
-            <a:endParaRPr lang="en-US" dirty="0"/>
-          </a:p>
-        </p:txBody>
-      </p:sp>
-      <p:sp>
-        <p:nvSpPr>
-          <p:cNvPr id="4" name="Slide Number Placeholder 3"/>
-          <p:cNvSpPr>
-            <a:spLocks noGrp="1"/>
-          </p:cNvSpPr>
-          <p:nvPr>
-            <p:ph type="sldNum" sz="quarter" idx="12"/>
-          </p:nvPr>
-        </p:nvSpPr>
-        <p:spPr/>
         <p:txBody>
           <a:bodyPr/>
           <a:lstStyle/>
@@ -13247,6 +13474,36 @@
           </a:p>
         </p:txBody>
       </p:sp>
+      <p:pic>
+        <p:nvPicPr>
+          <p:cNvPr id="5" name="Picture 4"/>
+          <p:cNvPicPr>
+            <a:picLocks noChangeAspect="1"/>
+          </p:cNvPicPr>
+          <p:nvPr/>
+        </p:nvPicPr>
+        <p:blipFill>
+          <a:blip r:embed="rId2">
+            <a:extLst>
+              <a:ext uri="{28A0092B-C50C-407E-A947-70E740481C1C}">
+                <a14:useLocalDpi xmlns:a14="http://schemas.microsoft.com/office/drawing/2010/main" val="0"/>
+              </a:ext>
+            </a:extLst>
+          </a:blip>
+          <a:stretch>
+            <a:fillRect/>
+          </a:stretch>
+        </p:blipFill>
+        <p:spPr>
+          <a:xfrm>
+            <a:off x="5455236" y="1739819"/>
+            <a:ext cx="5174955" cy="3560369"/>
+          </a:xfrm>
+          <a:prstGeom prst="rect">
+            <a:avLst/>
+          </a:prstGeom>
+        </p:spPr>
+      </p:pic>
       <p:pic>
         <p:nvPicPr>
           <p:cNvPr id="6" name="Picture 5"/>
@@ -13269,18 +13526,269 @@
         </p:blipFill>
         <p:spPr>
           <a:xfrm>
-            <a:off x="1418926" y="2951116"/>
-            <a:ext cx="7825111" cy="2716154"/>
+            <a:off x="519112" y="1635883"/>
+            <a:ext cx="3810330" cy="1889924"/>
           </a:xfrm>
           <a:prstGeom prst="rect">
             <a:avLst/>
           </a:prstGeom>
         </p:spPr>
       </p:pic>
+      <p:pic>
+        <p:nvPicPr>
+          <p:cNvPr id="7" name="Picture 6"/>
+          <p:cNvPicPr>
+            <a:picLocks noChangeAspect="1"/>
+          </p:cNvPicPr>
+          <p:nvPr/>
+        </p:nvPicPr>
+        <p:blipFill>
+          <a:blip r:embed="rId4">
+            <a:extLst>
+              <a:ext uri="{28A0092B-C50C-407E-A947-70E740481C1C}">
+                <a14:useLocalDpi xmlns:a14="http://schemas.microsoft.com/office/drawing/2010/main" val="0"/>
+              </a:ext>
+            </a:extLst>
+          </a:blip>
+          <a:stretch>
+            <a:fillRect/>
+          </a:stretch>
+        </p:blipFill>
+        <p:spPr>
+          <a:xfrm>
+            <a:off x="519112" y="3954582"/>
+            <a:ext cx="3810330" cy="2088061"/>
+          </a:xfrm>
+          <a:prstGeom prst="rect">
+            <a:avLst/>
+          </a:prstGeom>
+        </p:spPr>
+      </p:pic>
+      <p:sp>
+        <p:nvSpPr>
+          <p:cNvPr id="8" name="Oval 7"/>
+          <p:cNvSpPr/>
+          <p:nvPr/>
+        </p:nvSpPr>
+        <p:spPr bwMode="auto">
+          <a:xfrm>
+            <a:off x="5455236" y="1326518"/>
+            <a:ext cx="339048" cy="293607"/>
+          </a:xfrm>
+          <a:prstGeom prst="ellipse">
+            <a:avLst/>
+          </a:prstGeom>
+          <a:solidFill>
+            <a:schemeClr val="accent1"/>
+          </a:solidFill>
+          <a:ln>
+            <a:noFill/>
+            <a:headEnd type="none" w="med" len="med"/>
+            <a:tailEnd type="none" w="med" len="med"/>
+          </a:ln>
+          <a:effectLst/>
+        </p:spPr>
+        <p:style>
+          <a:lnRef idx="1">
+            <a:schemeClr val="accent2"/>
+          </a:lnRef>
+          <a:fillRef idx="3">
+            <a:schemeClr val="accent2"/>
+          </a:fillRef>
+          <a:effectRef idx="2">
+            <a:schemeClr val="accent2"/>
+          </a:effectRef>
+          <a:fontRef idx="minor">
+            <a:schemeClr val="lt1"/>
+          </a:fontRef>
+        </p:style>
+        <p:txBody>
+          <a:bodyPr rot="0" spcFirstLastPara="0" vertOverflow="overflow" horzOverflow="overflow" vert="horz" wrap="square" lIns="45720" tIns="45720" rIns="45720" bIns="45720" numCol="1" spcCol="0" rtlCol="0" fromWordArt="0" anchor="ctr" anchorCtr="0" forceAA="0" compatLnSpc="1">
+            <a:prstTxWarp prst="textNoShape">
+              <a:avLst/>
+            </a:prstTxWarp>
+            <a:noAutofit/>
+          </a:bodyPr>
+          <a:lstStyle/>
+          <a:p>
+            <a:pPr algn="ctr" defTabSz="914099" fontAlgn="base">
+              <a:spcBef>
+                <a:spcPct val="0"/>
+              </a:spcBef>
+              <a:spcAft>
+                <a:spcPct val="0"/>
+              </a:spcAft>
+            </a:pPr>
+            <a:r>
+              <a:rPr lang="en-US" sz="2200" dirty="0" smtClean="0">
+                <a:gradFill>
+                  <a:gsLst>
+                    <a:gs pos="0">
+                      <a:srgbClr val="FFFFFF"/>
+                    </a:gs>
+                    <a:gs pos="100000">
+                      <a:srgbClr val="FFFFFF"/>
+                    </a:gs>
+                  </a:gsLst>
+                  <a:lin ang="5400000" scaled="0"/>
+                </a:gradFill>
+                <a:ea typeface="Segoe UI" pitchFamily="34" charset="0"/>
+                <a:cs typeface="Segoe UI" pitchFamily="34" charset="0"/>
+              </a:rPr>
+              <a:t>3</a:t>
+            </a:r>
+            <a:endParaRPr lang="en-US" sz="2200" dirty="0" smtClean="0">
+              <a:gradFill>
+                <a:gsLst>
+                  <a:gs pos="0">
+                    <a:srgbClr val="FFFFFF"/>
+                  </a:gs>
+                  <a:gs pos="100000">
+                    <a:srgbClr val="FFFFFF"/>
+                  </a:gs>
+                </a:gsLst>
+                <a:lin ang="5400000" scaled="0"/>
+              </a:gradFill>
+              <a:ea typeface="Segoe UI" pitchFamily="34" charset="0"/>
+              <a:cs typeface="Segoe UI" pitchFamily="34" charset="0"/>
+            </a:endParaRPr>
+          </a:p>
+        </p:txBody>
+      </p:sp>
+      <p:sp>
+        <p:nvSpPr>
+          <p:cNvPr id="9" name="TextBox 8"/>
+          <p:cNvSpPr txBox="1"/>
+          <p:nvPr/>
+        </p:nvSpPr>
+        <p:spPr>
+          <a:xfrm>
+            <a:off x="5907300" y="1328106"/>
+            <a:ext cx="3333990" cy="307777"/>
+          </a:xfrm>
+          <a:prstGeom prst="rect">
+            <a:avLst/>
+          </a:prstGeom>
+          <a:noFill/>
+        </p:spPr>
+        <p:txBody>
+          <a:bodyPr wrap="none" lIns="0" tIns="0" rIns="0" bIns="0" rtlCol="0">
+            <a:spAutoFit/>
+          </a:bodyPr>
+          <a:lstStyle/>
+          <a:p>
+            <a:r>
+              <a:rPr lang="en-US" sz="2000" spc="-70" dirty="0" smtClean="0">
+                <a:gradFill>
+                  <a:gsLst>
+                    <a:gs pos="2917">
+                      <a:schemeClr val="bg2"/>
+                    </a:gs>
+                    <a:gs pos="95000">
+                      <a:schemeClr val="bg2"/>
+                    </a:gs>
+                  </a:gsLst>
+                  <a:lin ang="5400000" scaled="0"/>
+                </a:gradFill>
+              </a:rPr>
+              <a:t>Select required app permissions</a:t>
+            </a:r>
+            <a:endParaRPr lang="en-US" sz="2000" spc="-70" dirty="0" smtClean="0">
+              <a:gradFill>
+                <a:gsLst>
+                  <a:gs pos="2917">
+                    <a:schemeClr val="bg2"/>
+                  </a:gs>
+                  <a:gs pos="95000">
+                    <a:schemeClr val="bg2"/>
+                  </a:gs>
+                </a:gsLst>
+                <a:lin ang="5400000" scaled="0"/>
+              </a:gradFill>
+            </a:endParaRPr>
+          </a:p>
+        </p:txBody>
+      </p:sp>
+      <p:cxnSp>
+        <p:nvCxnSpPr>
+          <p:cNvPr id="10" name="Straight Arrow Connector 9"/>
+          <p:cNvCxnSpPr/>
+          <p:nvPr/>
+        </p:nvCxnSpPr>
+        <p:spPr>
+          <a:xfrm flipH="1" flipV="1">
+            <a:off x="4438436" y="2486346"/>
+            <a:ext cx="2106202" cy="246580"/>
+          </a:xfrm>
+          <a:prstGeom prst="straightConnector1">
+            <a:avLst/>
+          </a:prstGeom>
+          <a:ln w="28575">
+            <a:solidFill>
+              <a:srgbClr val="C00000"/>
+            </a:solidFill>
+            <a:prstDash val="sysDot"/>
+            <a:headEnd type="none"/>
+            <a:tailEnd type="triangle"/>
+          </a:ln>
+        </p:spPr>
+        <p:style>
+          <a:lnRef idx="1">
+            <a:schemeClr val="accent1"/>
+          </a:lnRef>
+          <a:fillRef idx="0">
+            <a:schemeClr val="accent1"/>
+          </a:fillRef>
+          <a:effectRef idx="0">
+            <a:schemeClr val="accent1"/>
+          </a:effectRef>
+          <a:fontRef idx="minor">
+            <a:schemeClr val="tx1"/>
+          </a:fontRef>
+        </p:style>
+      </p:cxnSp>
+      <p:cxnSp>
+        <p:nvCxnSpPr>
+          <p:cNvPr id="12" name="Straight Arrow Connector 11"/>
+          <p:cNvCxnSpPr/>
+          <p:nvPr/>
+        </p:nvCxnSpPr>
+        <p:spPr>
+          <a:xfrm flipH="1">
+            <a:off x="4592548" y="2876764"/>
+            <a:ext cx="1952090" cy="1273996"/>
+          </a:xfrm>
+          <a:prstGeom prst="straightConnector1">
+            <a:avLst/>
+          </a:prstGeom>
+          <a:ln w="28575">
+            <a:solidFill>
+              <a:srgbClr val="C00000"/>
+            </a:solidFill>
+            <a:prstDash val="sysDot"/>
+            <a:headEnd type="none"/>
+            <a:tailEnd type="triangle"/>
+          </a:ln>
+        </p:spPr>
+        <p:style>
+          <a:lnRef idx="1">
+            <a:schemeClr val="accent1"/>
+          </a:lnRef>
+          <a:fillRef idx="0">
+            <a:schemeClr val="accent1"/>
+          </a:fillRef>
+          <a:effectRef idx="0">
+            <a:schemeClr val="accent1"/>
+          </a:effectRef>
+          <a:fontRef idx="minor">
+            <a:schemeClr val="tx1"/>
+          </a:fontRef>
+        </p:style>
+      </p:cxnSp>
     </p:spTree>
     <p:extLst>
       <p:ext uri="{BB962C8B-B14F-4D97-AF65-F5344CB8AC3E}">
-        <p14:creationId xmlns:p14="http://schemas.microsoft.com/office/powerpoint/2010/main" val="2889411586"/>
+        <p14:creationId xmlns:p14="http://schemas.microsoft.com/office/powerpoint/2010/main" val="4065864245"/>
       </p:ext>
     </p:extLst>
   </p:cSld>
@@ -13327,7 +13835,7 @@
           <a:p>
             <a:r>
               <a:rPr lang="en-US" dirty="0" smtClean="0"/>
-              <a:t>Retrieving Contacts</a:t>
+              <a:t>Projects with Connected Services</a:t>
             </a:r>
             <a:endParaRPr lang="en-US" dirty="0"/>
           </a:p>
@@ -13348,7 +13856,58 @@
           <a:bodyPr/>
           <a:lstStyle/>
           <a:p>
-            <a:endParaRPr lang="en-US"/>
+            <a:r>
+              <a:rPr lang="en-US" sz="2800" dirty="0" smtClean="0"/>
+              <a:t>Assemblies added with a Connected Service</a:t>
+            </a:r>
+          </a:p>
+          <a:p>
+            <a:pPr lvl="1"/>
+            <a:r>
+              <a:rPr lang="en-US" sz="1600" dirty="0" smtClean="0"/>
+              <a:t>Microsoft.Office365.OAuth</a:t>
+            </a:r>
+          </a:p>
+          <a:p>
+            <a:pPr lvl="1"/>
+            <a:r>
+              <a:rPr lang="en-US" sz="1600" dirty="0" smtClean="0"/>
+              <a:t>Microsoft.Office365.Oauth.Web</a:t>
+            </a:r>
+            <a:endParaRPr lang="en-US" sz="1600" dirty="0"/>
+          </a:p>
+          <a:p>
+            <a:pPr lvl="1"/>
+            <a:r>
+              <a:rPr lang="en-US" sz="1600" dirty="0" smtClean="0"/>
+              <a:t>Microsoft.Office365.Exchange</a:t>
+            </a:r>
+          </a:p>
+          <a:p>
+            <a:endParaRPr lang="en-US" sz="3200" dirty="0" smtClean="0"/>
+          </a:p>
+          <a:p>
+            <a:endParaRPr lang="en-US" sz="3200" dirty="0"/>
+          </a:p>
+          <a:p>
+            <a:endParaRPr lang="en-US" sz="3200" dirty="0" smtClean="0"/>
+          </a:p>
+          <a:p>
+            <a:endParaRPr lang="en-US" sz="3200" dirty="0"/>
+          </a:p>
+          <a:p>
+            <a:pPr marL="0" indent="0">
+              <a:buNone/>
+            </a:pPr>
+            <a:r>
+              <a:rPr lang="en-US" sz="2800" dirty="0" err="1" smtClean="0"/>
+              <a:t>AppSettings</a:t>
+            </a:r>
+            <a:r>
+              <a:rPr lang="en-US" sz="2800" dirty="0" smtClean="0"/>
+              <a:t> added with a Connected Service</a:t>
+            </a:r>
+            <a:endParaRPr lang="en-US" sz="2800" dirty="0"/>
           </a:p>
         </p:txBody>
       </p:sp>
@@ -13376,10 +13935,281 @@
           </a:p>
         </p:txBody>
       </p:sp>
+      <p:grpSp>
+        <p:nvGrpSpPr>
+          <p:cNvPr id="7" name="Group 6"/>
+          <p:cNvGrpSpPr/>
+          <p:nvPr/>
+        </p:nvGrpSpPr>
+        <p:grpSpPr>
+          <a:xfrm>
+            <a:off x="1081386" y="2801354"/>
+            <a:ext cx="3110804" cy="1901832"/>
+            <a:chOff x="3998912" y="2147887"/>
+            <a:chExt cx="4191000" cy="2562225"/>
+          </a:xfrm>
+        </p:grpSpPr>
+        <p:pic>
+          <p:nvPicPr>
+            <p:cNvPr id="5" name="Picture 4"/>
+            <p:cNvPicPr>
+              <a:picLocks noChangeAspect="1"/>
+            </p:cNvPicPr>
+            <p:nvPr/>
+          </p:nvPicPr>
+          <p:blipFill>
+            <a:blip r:embed="rId2"/>
+            <a:stretch>
+              <a:fillRect/>
+            </a:stretch>
+          </p:blipFill>
+          <p:spPr>
+            <a:xfrm>
+              <a:off x="3998912" y="2147887"/>
+              <a:ext cx="4191000" cy="2562225"/>
+            </a:xfrm>
+            <a:prstGeom prst="rect">
+              <a:avLst/>
+            </a:prstGeom>
+            <a:ln>
+              <a:solidFill>
+                <a:schemeClr val="bg1">
+                  <a:lumMod val="50000"/>
+                </a:schemeClr>
+              </a:solidFill>
+            </a:ln>
+          </p:spPr>
+        </p:pic>
+        <p:sp>
+          <p:nvSpPr>
+            <p:cNvPr id="6" name="Rectangle 5"/>
+            <p:cNvSpPr/>
+            <p:nvPr/>
+          </p:nvSpPr>
+          <p:spPr bwMode="auto">
+            <a:xfrm>
+              <a:off x="4068566" y="3491435"/>
+              <a:ext cx="2188396" cy="556583"/>
+            </a:xfrm>
+            <a:prstGeom prst="rect">
+              <a:avLst/>
+            </a:prstGeom>
+            <a:noFill/>
+            <a:ln w="28575">
+              <a:solidFill>
+                <a:srgbClr val="C00000"/>
+              </a:solidFill>
+              <a:prstDash val="sysDash"/>
+              <a:headEnd type="none" w="med" len="med"/>
+              <a:tailEnd type="none" w="med" len="med"/>
+            </a:ln>
+            <a:effectLst/>
+          </p:spPr>
+          <p:style>
+            <a:lnRef idx="1">
+              <a:schemeClr val="accent2"/>
+            </a:lnRef>
+            <a:fillRef idx="3">
+              <a:schemeClr val="accent2"/>
+            </a:fillRef>
+            <a:effectRef idx="2">
+              <a:schemeClr val="accent2"/>
+            </a:effectRef>
+            <a:fontRef idx="minor">
+              <a:schemeClr val="lt1"/>
+            </a:fontRef>
+          </p:style>
+          <p:txBody>
+            <a:bodyPr rot="0" spcFirstLastPara="0" vertOverflow="overflow" horzOverflow="overflow" vert="horz" wrap="square" lIns="45720" tIns="45720" rIns="45720" bIns="45720" numCol="1" spcCol="0" rtlCol="0" fromWordArt="0" anchor="ctr" anchorCtr="0" forceAA="0" compatLnSpc="1">
+              <a:prstTxWarp prst="textNoShape">
+                <a:avLst/>
+              </a:prstTxWarp>
+              <a:noAutofit/>
+            </a:bodyPr>
+            <a:lstStyle/>
+            <a:p>
+              <a:pPr algn="ctr" defTabSz="914099" fontAlgn="base">
+                <a:spcBef>
+                  <a:spcPct val="0"/>
+                </a:spcBef>
+                <a:spcAft>
+                  <a:spcPct val="0"/>
+                </a:spcAft>
+              </a:pPr>
+              <a:endParaRPr lang="en-US" sz="2200" dirty="0" smtClean="0">
+                <a:gradFill>
+                  <a:gsLst>
+                    <a:gs pos="0">
+                      <a:srgbClr val="FFFFFF"/>
+                    </a:gs>
+                    <a:gs pos="100000">
+                      <a:srgbClr val="FFFFFF"/>
+                    </a:gs>
+                  </a:gsLst>
+                  <a:lin ang="5400000" scaled="0"/>
+                </a:gradFill>
+                <a:ea typeface="Segoe UI" pitchFamily="34" charset="0"/>
+                <a:cs typeface="Segoe UI" pitchFamily="34" charset="0"/>
+              </a:endParaRPr>
+            </a:p>
+          </p:txBody>
+        </p:sp>
+      </p:grpSp>
+      <p:pic>
+        <p:nvPicPr>
+          <p:cNvPr id="8" name="Picture 7"/>
+          <p:cNvPicPr>
+            <a:picLocks noChangeAspect="1"/>
+          </p:cNvPicPr>
+          <p:nvPr/>
+        </p:nvPicPr>
+        <p:blipFill>
+          <a:blip r:embed="rId3"/>
+          <a:stretch>
+            <a:fillRect/>
+          </a:stretch>
+        </p:blipFill>
+        <p:spPr>
+          <a:xfrm>
+            <a:off x="7356297" y="1057616"/>
+            <a:ext cx="4643920" cy="5655547"/>
+          </a:xfrm>
+          <a:prstGeom prst="rect">
+            <a:avLst/>
+          </a:prstGeom>
+          <a:ln>
+            <a:solidFill>
+              <a:schemeClr val="bg1">
+                <a:lumMod val="50000"/>
+              </a:schemeClr>
+            </a:solidFill>
+          </a:ln>
+        </p:spPr>
+      </p:pic>
+      <p:grpSp>
+        <p:nvGrpSpPr>
+          <p:cNvPr id="11" name="Group 10"/>
+          <p:cNvGrpSpPr/>
+          <p:nvPr/>
+        </p:nvGrpSpPr>
+        <p:grpSpPr>
+          <a:xfrm>
+            <a:off x="1081387" y="5332913"/>
+            <a:ext cx="4425562" cy="1380250"/>
+            <a:chOff x="801043" y="3094755"/>
+            <a:chExt cx="5772150" cy="1800225"/>
+          </a:xfrm>
+        </p:grpSpPr>
+        <p:pic>
+          <p:nvPicPr>
+            <p:cNvPr id="9" name="Picture 8"/>
+            <p:cNvPicPr>
+              <a:picLocks noChangeAspect="1"/>
+            </p:cNvPicPr>
+            <p:nvPr/>
+          </p:nvPicPr>
+          <p:blipFill>
+            <a:blip r:embed="rId4"/>
+            <a:stretch>
+              <a:fillRect/>
+            </a:stretch>
+          </p:blipFill>
+          <p:spPr>
+            <a:xfrm>
+              <a:off x="801043" y="3094755"/>
+              <a:ext cx="5772150" cy="1800225"/>
+            </a:xfrm>
+            <a:prstGeom prst="rect">
+              <a:avLst/>
+            </a:prstGeom>
+            <a:ln>
+              <a:solidFill>
+                <a:schemeClr val="bg1">
+                  <a:lumMod val="50000"/>
+                </a:schemeClr>
+              </a:solidFill>
+            </a:ln>
+          </p:spPr>
+        </p:pic>
+        <p:sp>
+          <p:nvSpPr>
+            <p:cNvPr id="10" name="Rectangle 9"/>
+            <p:cNvSpPr/>
+            <p:nvPr/>
+          </p:nvSpPr>
+          <p:spPr bwMode="auto">
+            <a:xfrm>
+              <a:off x="1130158" y="4011337"/>
+              <a:ext cx="5342561" cy="694227"/>
+            </a:xfrm>
+            <a:prstGeom prst="rect">
+              <a:avLst/>
+            </a:prstGeom>
+            <a:noFill/>
+            <a:ln w="28575">
+              <a:solidFill>
+                <a:srgbClr val="C00000"/>
+              </a:solidFill>
+              <a:prstDash val="sysDash"/>
+              <a:headEnd type="none" w="med" len="med"/>
+              <a:tailEnd type="none" w="med" len="med"/>
+            </a:ln>
+            <a:effectLst/>
+          </p:spPr>
+          <p:style>
+            <a:lnRef idx="1">
+              <a:schemeClr val="accent2"/>
+            </a:lnRef>
+            <a:fillRef idx="3">
+              <a:schemeClr val="accent2"/>
+            </a:fillRef>
+            <a:effectRef idx="2">
+              <a:schemeClr val="accent2"/>
+            </a:effectRef>
+            <a:fontRef idx="minor">
+              <a:schemeClr val="lt1"/>
+            </a:fontRef>
+          </p:style>
+          <p:txBody>
+            <a:bodyPr rot="0" spcFirstLastPara="0" vertOverflow="overflow" horzOverflow="overflow" vert="horz" wrap="square" lIns="45720" tIns="45720" rIns="45720" bIns="45720" numCol="1" spcCol="0" rtlCol="0" fromWordArt="0" anchor="ctr" anchorCtr="0" forceAA="0" compatLnSpc="1">
+              <a:prstTxWarp prst="textNoShape">
+                <a:avLst/>
+              </a:prstTxWarp>
+              <a:noAutofit/>
+            </a:bodyPr>
+            <a:lstStyle/>
+            <a:p>
+              <a:pPr algn="ctr" defTabSz="914099" fontAlgn="base">
+                <a:spcBef>
+                  <a:spcPct val="0"/>
+                </a:spcBef>
+                <a:spcAft>
+                  <a:spcPct val="0"/>
+                </a:spcAft>
+              </a:pPr>
+              <a:endParaRPr lang="en-US" sz="2200" dirty="0" smtClean="0">
+                <a:gradFill>
+                  <a:gsLst>
+                    <a:gs pos="0">
+                      <a:srgbClr val="FFFFFF"/>
+                    </a:gs>
+                    <a:gs pos="100000">
+                      <a:srgbClr val="FFFFFF"/>
+                    </a:gs>
+                  </a:gsLst>
+                  <a:lin ang="5400000" scaled="0"/>
+                </a:gradFill>
+                <a:ea typeface="Segoe UI" pitchFamily="34" charset="0"/>
+                <a:cs typeface="Segoe UI" pitchFamily="34" charset="0"/>
+              </a:endParaRPr>
+            </a:p>
+          </p:txBody>
+        </p:sp>
+      </p:grpSp>
     </p:spTree>
     <p:extLst>
       <p:ext uri="{BB962C8B-B14F-4D97-AF65-F5344CB8AC3E}">
-        <p14:creationId xmlns:p14="http://schemas.microsoft.com/office/powerpoint/2010/main" val="2976933334"/>
+        <p14:creationId xmlns:p14="http://schemas.microsoft.com/office/powerpoint/2010/main" val="2699410269"/>
       </p:ext>
     </p:extLst>
   </p:cSld>
@@ -13426,7 +14256,11 @@
           <a:p>
             <a:r>
               <a:rPr lang="en-US" dirty="0" smtClean="0"/>
-              <a:t>Adding a Contact</a:t>
+              <a:t>Programming with </a:t>
+            </a:r>
+            <a:r>
+              <a:rPr lang="en-US" dirty="0" smtClean="0"/>
+              <a:t>ExchangeClient</a:t>
             </a:r>
             <a:endParaRPr lang="en-US" dirty="0"/>
           </a:p>
@@ -13434,7 +14268,7 @@
       </p:sp>
       <p:sp>
         <p:nvSpPr>
-          <p:cNvPr id="3" name="Text Placeholder 2"/>
+          <p:cNvPr id="5" name="Text Placeholder 4"/>
           <p:cNvSpPr>
             <a:spLocks noGrp="1"/>
           </p:cNvSpPr>
@@ -13442,18 +14276,66 @@
             <p:ph type="body" sz="quarter" idx="10"/>
           </p:nvPr>
         </p:nvSpPr>
-        <p:spPr/>
+        <p:spPr>
+          <a:xfrm>
+            <a:off x="519112" y="1447799"/>
+            <a:ext cx="11149013" cy="1233756"/>
+          </a:xfrm>
+        </p:spPr>
         <p:txBody>
           <a:bodyPr/>
           <a:lstStyle/>
           <a:p>
-            <a:endParaRPr lang="en-US"/>
-          </a:p>
-        </p:txBody>
-      </p:sp>
-      <p:sp>
-        <p:nvSpPr>
-          <p:cNvPr id="4" name="Slide Number Placeholder 3"/>
+            <a:r>
+              <a:rPr lang="en-US" dirty="0" smtClean="0"/>
+              <a:t>ExchangeClient provide </a:t>
+            </a:r>
+            <a:r>
+              <a:rPr lang="en-US" b="1" dirty="0" smtClean="0"/>
+              <a:t>Me</a:t>
+            </a:r>
+            <a:r>
+              <a:rPr lang="en-US" dirty="0" smtClean="0"/>
+              <a:t> property</a:t>
+            </a:r>
+          </a:p>
+          <a:p>
+            <a:pPr lvl="1"/>
+            <a:r>
+              <a:rPr lang="en-US" dirty="0" smtClean="0"/>
+              <a:t>Provides access to mail, events and contacts of currently logged in user</a:t>
+            </a:r>
+          </a:p>
+          <a:p>
+            <a:pPr lvl="1"/>
+            <a:r>
+              <a:rPr lang="en-US" dirty="0" smtClean="0"/>
+              <a:t>Explicit calls used (e.g. </a:t>
+            </a:r>
+            <a:r>
+              <a:rPr lang="en-US" sz="1800" b="1" dirty="0" err="1" smtClean="0">
+                <a:solidFill>
+                  <a:schemeClr val="accent1">
+                    <a:lumMod val="50000"/>
+                  </a:schemeClr>
+                </a:solidFill>
+              </a:rPr>
+              <a:t>ExecuteAsync</a:t>
+            </a:r>
+            <a:r>
+              <a:rPr lang="en-US" dirty="0" smtClean="0"/>
+              <a:t>) to call across network to Office 365 service</a:t>
+            </a:r>
+          </a:p>
+          <a:p>
+            <a:pPr lvl="1"/>
+            <a:endParaRPr lang="en-US" dirty="0"/>
+          </a:p>
+        </p:txBody>
+      </p:sp>
+      <p:sp>
+        <p:nvSpPr>
+          <p:cNvPr id="3" name="Slide Number Placeholder 2"/>
           <p:cNvSpPr>
             <a:spLocks noGrp="1"/>
           </p:cNvSpPr>
@@ -13475,10 +14357,40 @@
           </a:p>
         </p:txBody>
       </p:sp>
+      <p:pic>
+        <p:nvPicPr>
+          <p:cNvPr id="4" name="Picture 3"/>
+          <p:cNvPicPr>
+            <a:picLocks noChangeAspect="1"/>
+          </p:cNvPicPr>
+          <p:nvPr/>
+        </p:nvPicPr>
+        <p:blipFill rotWithShape="1">
+          <a:blip r:embed="rId3"/>
+          <a:srcRect r="38232"/>
+          <a:stretch/>
+        </p:blipFill>
+        <p:spPr>
+          <a:xfrm>
+            <a:off x="1081386" y="3061698"/>
+            <a:ext cx="10234169" cy="2131574"/>
+          </a:xfrm>
+          <a:prstGeom prst="rect">
+            <a:avLst/>
+          </a:prstGeom>
+          <a:ln>
+            <a:solidFill>
+              <a:schemeClr val="bg1">
+                <a:lumMod val="50000"/>
+              </a:schemeClr>
+            </a:solidFill>
+          </a:ln>
+        </p:spPr>
+      </p:pic>
     </p:spTree>
     <p:extLst>
       <p:ext uri="{BB962C8B-B14F-4D97-AF65-F5344CB8AC3E}">
-        <p14:creationId xmlns:p14="http://schemas.microsoft.com/office/powerpoint/2010/main" val="3485018511"/>
+        <p14:creationId xmlns:p14="http://schemas.microsoft.com/office/powerpoint/2010/main" val="2016278871"/>
       </p:ext>
     </p:extLst>
   </p:cSld>
@@ -13510,7 +14422,7 @@
       </p:grpSpPr>
       <p:sp>
         <p:nvSpPr>
-          <p:cNvPr id="2" name="Title 1"/>
+          <p:cNvPr id="3" name="Title 2"/>
           <p:cNvSpPr>
             <a:spLocks noGrp="1"/>
           </p:cNvSpPr>
@@ -13524,8 +14436,8 @@
           <a:lstStyle/>
           <a:p>
             <a:r>
-              <a:rPr lang="en-US" dirty="0" smtClean="0"/>
-              <a:t>Deleting a Contact</a:t>
+              <a:rPr lang="en-US" dirty="0" err="1" smtClean="0"/>
+              <a:t>EnsureClientCreated</a:t>
             </a:r>
             <a:endParaRPr lang="en-US" dirty="0"/>
           </a:p>
@@ -13533,7 +14445,7 @@
       </p:sp>
       <p:sp>
         <p:nvSpPr>
-          <p:cNvPr id="3" name="Text Placeholder 2"/>
+          <p:cNvPr id="7" name="Text Placeholder 6"/>
           <p:cNvSpPr>
             <a:spLocks noGrp="1"/>
           </p:cNvSpPr>
@@ -13541,12 +14453,36 @@
             <p:ph type="body" sz="quarter" idx="10"/>
           </p:nvPr>
         </p:nvSpPr>
-        <p:spPr/>
+        <p:spPr>
+          <a:xfrm>
+            <a:off x="519112" y="1211497"/>
+            <a:ext cx="11149013" cy="2043636"/>
+          </a:xfrm>
+        </p:spPr>
         <p:txBody>
           <a:bodyPr/>
           <a:lstStyle/>
           <a:p>
-            <a:endParaRPr lang="en-US"/>
+            <a:r>
+              <a:rPr lang="en-US" sz="3200" dirty="0"/>
+              <a:t>Discovery Service discovers </a:t>
+            </a:r>
+            <a:r>
+              <a:rPr lang="en-US" sz="3200" dirty="0" smtClean="0"/>
+              <a:t>capabilities</a:t>
+            </a:r>
+            <a:endParaRPr lang="en-US" sz="3200" dirty="0"/>
+          </a:p>
+          <a:p>
+            <a:r>
+              <a:rPr lang="en-US" sz="3200" dirty="0"/>
+              <a:t>ExchangeClient abstracts Exchange REST </a:t>
+            </a:r>
+            <a:r>
+              <a:rPr lang="en-US" sz="3200" dirty="0" smtClean="0"/>
+              <a:t>APIs</a:t>
+            </a:r>
+            <a:endParaRPr lang="en-US" sz="3200" dirty="0"/>
           </a:p>
         </p:txBody>
       </p:sp>
@@ -13574,10 +14510,41 @@
           </a:p>
         </p:txBody>
       </p:sp>
+      <p:pic>
+        <p:nvPicPr>
+          <p:cNvPr id="5" name="Picture 4"/>
+          <p:cNvPicPr>
+            <a:picLocks noChangeAspect="1"/>
+          </p:cNvPicPr>
+          <p:nvPr/>
+        </p:nvPicPr>
+        <p:blipFill>
+          <a:blip r:embed="rId3"/>
+          <a:stretch>
+            <a:fillRect/>
+          </a:stretch>
+        </p:blipFill>
+        <p:spPr>
+          <a:xfrm>
+            <a:off x="1490251" y="2515139"/>
+            <a:ext cx="6061253" cy="4103874"/>
+          </a:xfrm>
+          <a:prstGeom prst="rect">
+            <a:avLst/>
+          </a:prstGeom>
+          <a:ln>
+            <a:solidFill>
+              <a:schemeClr val="bg1">
+                <a:lumMod val="50000"/>
+              </a:schemeClr>
+            </a:solidFill>
+          </a:ln>
+        </p:spPr>
+      </p:pic>
     </p:spTree>
     <p:extLst>
       <p:ext uri="{BB962C8B-B14F-4D97-AF65-F5344CB8AC3E}">
-        <p14:creationId xmlns:p14="http://schemas.microsoft.com/office/powerpoint/2010/main" val="357902393"/>
+        <p14:creationId xmlns:p14="http://schemas.microsoft.com/office/powerpoint/2010/main" val="2889411586"/>
       </p:ext>
     </p:extLst>
   </p:cSld>
@@ -13609,12 +14576,12 @@
       </p:grpSpPr>
       <p:sp>
         <p:nvSpPr>
-          <p:cNvPr id="4" name="Subtitle 3"/>
-          <p:cNvSpPr>
-            <a:spLocks noGrp="1"/>
-          </p:cNvSpPr>
-          <p:nvPr>
-            <p:ph type="subTitle" idx="1"/>
+          <p:cNvPr id="2" name="Title 1"/>
+          <p:cNvSpPr>
+            <a:spLocks noGrp="1"/>
+          </p:cNvSpPr>
+          <p:nvPr>
+            <p:ph type="title"/>
           </p:nvPr>
         </p:nvSpPr>
         <p:spPr/>
@@ -13624,11 +14591,7 @@
           <a:p>
             <a:r>
               <a:rPr lang="en-US" dirty="0" smtClean="0"/>
-              <a:t>File operations with the </a:t>
-            </a:r>
-            <a:r>
-              <a:rPr lang="en-US" dirty="0" err="1" smtClean="0"/>
-              <a:t>SharePointClient</a:t>
+              <a:t>Retrieving Messages</a:t>
             </a:r>
             <a:endParaRPr lang="en-US" dirty="0"/>
           </a:p>
@@ -13636,12 +14599,12 @@
       </p:sp>
       <p:sp>
         <p:nvSpPr>
-          <p:cNvPr id="2" name="Text Placeholder 1"/>
-          <p:cNvSpPr>
-            <a:spLocks noGrp="1"/>
-          </p:cNvSpPr>
-          <p:nvPr>
-            <p:ph type="body" sz="quarter" idx="10"/>
+          <p:cNvPr id="4" name="Slide Number Placeholder 3"/>
+          <p:cNvSpPr>
+            <a:spLocks noGrp="1"/>
+          </p:cNvSpPr>
+          <p:nvPr>
+            <p:ph type="sldNum" sz="quarter" idx="12"/>
           </p:nvPr>
         </p:nvSpPr>
         <p:spPr/>
@@ -13649,21 +14612,86 @@
           <a:bodyPr/>
           <a:lstStyle/>
           <a:p>
-            <a:pPr marL="0" indent="0">
-              <a:buNone/>
-            </a:pPr>
-            <a:r>
-              <a:rPr lang="en-US" dirty="0" smtClean="0"/>
-              <a:t>demo</a:t>
-            </a:r>
+            <a:fld id="{727B4C2D-45E2-4621-8491-2995EB46A674}" type="slidenum">
+              <a:rPr lang="en-US" smtClean="0"/>
+              <a:pPr/>
+              <a:t>16</a:t>
+            </a:fld>
             <a:endParaRPr lang="en-US" dirty="0"/>
           </a:p>
         </p:txBody>
       </p:sp>
+      <p:pic>
+        <p:nvPicPr>
+          <p:cNvPr id="7" name="Picture 6"/>
+          <p:cNvPicPr>
+            <a:picLocks noChangeAspect="1"/>
+          </p:cNvPicPr>
+          <p:nvPr/>
+        </p:nvPicPr>
+        <p:blipFill>
+          <a:blip r:embed="rId2"/>
+          <a:stretch>
+            <a:fillRect/>
+          </a:stretch>
+        </p:blipFill>
+        <p:spPr>
+          <a:xfrm>
+            <a:off x="519112" y="1440127"/>
+            <a:ext cx="6296025" cy="4495800"/>
+          </a:xfrm>
+          <a:prstGeom prst="rect">
+            <a:avLst/>
+          </a:prstGeom>
+          <a:solidFill>
+            <a:schemeClr val="bg1">
+              <a:lumMod val="50000"/>
+            </a:schemeClr>
+          </a:solidFill>
+          <a:ln>
+            <a:solidFill>
+              <a:schemeClr val="bg1">
+                <a:lumMod val="50000"/>
+              </a:schemeClr>
+            </a:solidFill>
+          </a:ln>
+        </p:spPr>
+      </p:pic>
+      <p:pic>
+        <p:nvPicPr>
+          <p:cNvPr id="6" name="Picture 5"/>
+          <p:cNvPicPr>
+            <a:picLocks noChangeAspect="1"/>
+          </p:cNvPicPr>
+          <p:nvPr/>
+        </p:nvPicPr>
+        <p:blipFill>
+          <a:blip r:embed="rId3"/>
+          <a:stretch>
+            <a:fillRect/>
+          </a:stretch>
+        </p:blipFill>
+        <p:spPr>
+          <a:xfrm>
+            <a:off x="5014288" y="3373891"/>
+            <a:ext cx="4276725" cy="3000375"/>
+          </a:xfrm>
+          <a:prstGeom prst="rect">
+            <a:avLst/>
+          </a:prstGeom>
+          <a:ln>
+            <a:solidFill>
+              <a:schemeClr val="bg1">
+                <a:lumMod val="50000"/>
+              </a:schemeClr>
+            </a:solidFill>
+          </a:ln>
+        </p:spPr>
+      </p:pic>
     </p:spTree>
     <p:extLst>
       <p:ext uri="{BB962C8B-B14F-4D97-AF65-F5344CB8AC3E}">
-        <p14:creationId xmlns:p14="http://schemas.microsoft.com/office/powerpoint/2010/main" val="3773882492"/>
+        <p14:creationId xmlns:p14="http://schemas.microsoft.com/office/powerpoint/2010/main" val="3633407826"/>
       </p:ext>
     </p:extLst>
   </p:cSld>
@@ -13673,13 +14701,6 @@
   <p:transition>
     <p:fade/>
   </p:transition>
-  <p:timing>
-    <p:tnLst>
-      <p:par>
-        <p:cTn id="1" dur="indefinite" restart="never" nodeType="tmRoot"/>
-      </p:par>
-    </p:tnLst>
-  </p:timing>
 </p:sld>
 </file>
 
@@ -13702,12 +14723,12 @@
       </p:grpSpPr>
       <p:sp>
         <p:nvSpPr>
-          <p:cNvPr id="4" name="Title 3"/>
-          <p:cNvSpPr>
-            <a:spLocks noGrp="1"/>
-          </p:cNvSpPr>
-          <p:nvPr>
-            <p:ph type="ctrTitle"/>
+          <p:cNvPr id="4" name="Subtitle 3"/>
+          <p:cNvSpPr>
+            <a:spLocks noGrp="1"/>
+          </p:cNvSpPr>
+          <p:nvPr>
+            <p:ph type="subTitle" idx="1"/>
           </p:nvPr>
         </p:nvSpPr>
         <p:spPr/>
@@ -13717,7 +14738,7 @@
           <a:p>
             <a:r>
               <a:rPr lang="en-US" dirty="0" smtClean="0"/>
-              <a:t>File Operations with REST</a:t>
+              <a:t>Creating an MVC Project that uses Connected Services</a:t>
             </a:r>
             <a:endParaRPr lang="en-US" dirty="0"/>
           </a:p>
@@ -13725,12 +14746,12 @@
       </p:sp>
       <p:sp>
         <p:nvSpPr>
-          <p:cNvPr id="9" name="Subtitle 4"/>
-          <p:cNvSpPr>
-            <a:spLocks noGrp="1"/>
-          </p:cNvSpPr>
-          <p:nvPr>
-            <p:ph type="subTitle" idx="1"/>
+          <p:cNvPr id="2" name="Text Placeholder 1"/>
+          <p:cNvSpPr>
+            <a:spLocks noGrp="1"/>
+          </p:cNvSpPr>
+          <p:nvPr>
+            <p:ph type="body" sz="quarter" idx="10"/>
           </p:nvPr>
         </p:nvSpPr>
         <p:spPr/>
@@ -13738,7 +14759,13 @@
           <a:bodyPr/>
           <a:lstStyle/>
           <a:p>
-            <a:pPr lvl="0"/>
+            <a:pPr marL="0" indent="0">
+              <a:buNone/>
+            </a:pPr>
+            <a:r>
+              <a:rPr lang="en-US" dirty="0" smtClean="0"/>
+              <a:t>demo</a:t>
+            </a:r>
             <a:endParaRPr lang="en-US" dirty="0"/>
           </a:p>
         </p:txBody>
@@ -13746,7 +14773,7 @@
     </p:spTree>
     <p:extLst>
       <p:ext uri="{BB962C8B-B14F-4D97-AF65-F5344CB8AC3E}">
-        <p14:creationId xmlns:p14="http://schemas.microsoft.com/office/powerpoint/2010/main" val="1948369831"/>
+        <p14:creationId xmlns:p14="http://schemas.microsoft.com/office/powerpoint/2010/main" val="2789445976"/>
       </p:ext>
     </p:extLst>
   </p:cSld>
@@ -13790,7 +14817,7 @@
             <a:spLocks noGrp="1"/>
           </p:cNvSpPr>
           <p:nvPr>
-            <p:ph type="title"/>
+            <p:ph type="ctrTitle"/>
           </p:nvPr>
         </p:nvSpPr>
         <p:spPr/>
@@ -13800,11 +14827,7 @@
           <a:p>
             <a:r>
               <a:rPr lang="en-US" dirty="0" smtClean="0"/>
-              <a:t>Mail REST </a:t>
-            </a:r>
-            <a:r>
-              <a:rPr lang="en-US" dirty="0" smtClean="0"/>
-              <a:t>API</a:t>
+              <a:t>Paging Support</a:t>
             </a:r>
             <a:endParaRPr lang="en-US" dirty="0"/>
           </a:p>
@@ -13812,98 +14835,37 @@
       </p:sp>
       <p:sp>
         <p:nvSpPr>
-          <p:cNvPr id="5" name="Text Placeholder 4"/>
-          <p:cNvSpPr>
-            <a:spLocks noGrp="1"/>
-          </p:cNvSpPr>
-          <p:nvPr>
-            <p:ph type="body" sz="quarter" idx="10"/>
-          </p:nvPr>
-        </p:nvSpPr>
-        <p:spPr>
-          <a:xfrm>
-            <a:off x="268374" y="1042232"/>
-            <a:ext cx="11650487" cy="5815768"/>
-          </a:xfrm>
-        </p:spPr>
+          <p:cNvPr id="9" name="Subtitle 4"/>
+          <p:cNvSpPr>
+            <a:spLocks noGrp="1"/>
+          </p:cNvSpPr>
+          <p:nvPr>
+            <p:ph type="subTitle" idx="1"/>
+          </p:nvPr>
+        </p:nvSpPr>
+        <p:spPr/>
         <p:txBody>
           <a:bodyPr/>
           <a:lstStyle/>
           <a:p>
-            <a:r>
-              <a:rPr lang="en-GB" sz="2400" dirty="0"/>
-              <a:t>GET https://outlook.office365.com/ews/odata/Me/RootFolder </a:t>
-            </a:r>
-            <a:endParaRPr lang="en-GB" sz="2400" dirty="0" smtClean="0"/>
-          </a:p>
-          <a:p>
-            <a:r>
-              <a:rPr lang="en-GB" sz="2400" dirty="0" smtClean="0"/>
-              <a:t>GET </a:t>
-            </a:r>
-            <a:r>
-              <a:rPr lang="en-GB" sz="2400" dirty="0"/>
-              <a:t>https://outlook.office365.com/ews/odata/Me/Inbox </a:t>
-            </a:r>
-            <a:endParaRPr lang="en-GB" sz="2400" dirty="0" smtClean="0"/>
-          </a:p>
-          <a:p>
-            <a:r>
-              <a:rPr lang="en-GB" sz="2400" dirty="0" smtClean="0"/>
-              <a:t>GET </a:t>
-            </a:r>
-            <a:r>
-              <a:rPr lang="en-GB" sz="2400" dirty="0"/>
-              <a:t>https://outlook.office365.com/ews/odata/Me/Drafts </a:t>
-            </a:r>
-            <a:endParaRPr lang="en-GB" sz="2400" dirty="0" smtClean="0"/>
-          </a:p>
-          <a:p>
-            <a:r>
-              <a:rPr lang="en-GB" sz="2400" dirty="0" smtClean="0"/>
-              <a:t>GET </a:t>
-            </a:r>
-            <a:r>
-              <a:rPr lang="en-GB" sz="2400" dirty="0"/>
-              <a:t>https://outlook.office365.com/ews/odata/Me/SentItems </a:t>
-            </a:r>
-            <a:endParaRPr lang="en-GB" sz="2400" dirty="0" smtClean="0"/>
-          </a:p>
-          <a:p>
-            <a:r>
-              <a:rPr lang="en-GB" sz="2400" dirty="0" smtClean="0"/>
-              <a:t>GET </a:t>
-            </a:r>
-            <a:r>
-              <a:rPr lang="en-GB" sz="2400" dirty="0"/>
-              <a:t>https://outlook.office365.com/ews/odata/Me/DeletedItems</a:t>
-            </a:r>
-            <a:endParaRPr lang="en-US" sz="2352" dirty="0"/>
+            <a:pPr lvl="0"/>
+            <a:endParaRPr lang="en-US" dirty="0"/>
           </a:p>
         </p:txBody>
       </p:sp>
     </p:spTree>
     <p:extLst>
       <p:ext uri="{BB962C8B-B14F-4D97-AF65-F5344CB8AC3E}">
-        <p14:creationId xmlns:p14="http://schemas.microsoft.com/office/powerpoint/2010/main" val="2556547151"/>
+        <p14:creationId xmlns:p14="http://schemas.microsoft.com/office/powerpoint/2010/main" val="998337911"/>
       </p:ext>
     </p:extLst>
   </p:cSld>
   <p:clrMapOvr>
     <a:masterClrMapping/>
   </p:clrMapOvr>
-  <mc:AlternateContent xmlns:mc="http://schemas.openxmlformats.org/markup-compatibility/2006" xmlns:p14="http://schemas.microsoft.com/office/powerpoint/2010/main">
-    <mc:Choice Requires="p14">
-      <p:transition spd="med" p14:dur="700">
-        <p:fade/>
-      </p:transition>
-    </mc:Choice>
-    <mc:Fallback xmlns="">
-      <p:transition spd="med">
-        <p:fade/>
-      </p:transition>
-    </mc:Fallback>
-  </mc:AlternateContent>
+  <p:transition>
+    <p:fade/>
+  </p:transition>
   <p:timing>
     <p:tnLst>
       <p:par>
@@ -13931,9 +14893,40 @@
           <a:chExt cx="0" cy="0"/>
         </a:xfrm>
       </p:grpSpPr>
-      <p:sp>
-        <p:nvSpPr>
-          <p:cNvPr id="4" name="Title 3"/>
+      <p:pic>
+        <p:nvPicPr>
+          <p:cNvPr id="9" name="Picture 8"/>
+          <p:cNvPicPr>
+            <a:picLocks noChangeAspect="1"/>
+          </p:cNvPicPr>
+          <p:nvPr/>
+        </p:nvPicPr>
+        <p:blipFill>
+          <a:blip r:embed="rId2"/>
+          <a:stretch>
+            <a:fillRect/>
+          </a:stretch>
+        </p:blipFill>
+        <p:spPr>
+          <a:xfrm>
+            <a:off x="931409" y="2396823"/>
+            <a:ext cx="7875347" cy="3531366"/>
+          </a:xfrm>
+          <a:prstGeom prst="rect">
+            <a:avLst/>
+          </a:prstGeom>
+          <a:ln>
+            <a:solidFill>
+              <a:schemeClr val="bg1">
+                <a:lumMod val="50000"/>
+              </a:schemeClr>
+            </a:solidFill>
+          </a:ln>
+        </p:spPr>
+      </p:pic>
+      <p:sp>
+        <p:nvSpPr>
+          <p:cNvPr id="2" name="Title 1"/>
           <p:cNvSpPr>
             <a:spLocks noGrp="1"/>
           </p:cNvSpPr>
@@ -13948,7 +14941,7 @@
           <a:p>
             <a:r>
               <a:rPr lang="en-US" dirty="0" smtClean="0"/>
-              <a:t>OneDrive for Business Files REST API</a:t>
+              <a:t>Paging with the Office 365 APIs</a:t>
             </a:r>
             <a:endParaRPr lang="en-US" dirty="0"/>
           </a:p>
@@ -13956,7 +14949,7 @@
       </p:sp>
       <p:sp>
         <p:nvSpPr>
-          <p:cNvPr id="5" name="Text Placeholder 4"/>
+          <p:cNvPr id="3" name="Text Placeholder 2"/>
           <p:cNvSpPr>
             <a:spLocks noGrp="1"/>
           </p:cNvSpPr>
@@ -13964,174 +14957,176 @@
             <p:ph type="body" sz="quarter" idx="10"/>
           </p:nvPr>
         </p:nvSpPr>
+        <p:spPr/>
+        <p:txBody>
+          <a:bodyPr/>
+          <a:lstStyle/>
+          <a:p>
+            <a:r>
+              <a:rPr lang="en-US" sz="1800" dirty="0" smtClean="0"/>
+              <a:t>Limit the number of items returned by using the </a:t>
+            </a:r>
+            <a:r>
+              <a:rPr lang="en-US" sz="1800" b="1" dirty="0" smtClean="0"/>
+              <a:t>Take()</a:t>
+            </a:r>
+            <a:r>
+              <a:rPr lang="en-US" sz="1800" dirty="0" smtClean="0"/>
+              <a:t> and </a:t>
+            </a:r>
+            <a:r>
+              <a:rPr lang="en-US" sz="1800" b="1" dirty="0" smtClean="0"/>
+              <a:t>Skip()</a:t>
+            </a:r>
+            <a:r>
+              <a:rPr lang="en-US" sz="1800" dirty="0" smtClean="0"/>
+              <a:t> prior to </a:t>
+            </a:r>
+            <a:r>
+              <a:rPr lang="en-US" sz="1800" b="1" dirty="0" err="1" smtClean="0"/>
+              <a:t>ExecuteAsync</a:t>
+            </a:r>
+            <a:r>
+              <a:rPr lang="en-US" sz="1800" b="1" dirty="0" smtClean="0"/>
+              <a:t>()</a:t>
+            </a:r>
+          </a:p>
+          <a:p>
+            <a:r>
+              <a:rPr lang="en-US" sz="1800" dirty="0" smtClean="0"/>
+              <a:t>Paging </a:t>
+            </a:r>
+            <a:r>
+              <a:rPr lang="en-US" sz="1800" dirty="0" smtClean="0"/>
+              <a:t>buttons call </a:t>
+            </a:r>
+            <a:r>
+              <a:rPr lang="en-US" sz="1800" b="1" dirty="0" err="1" smtClean="0"/>
+              <a:t>GetContacts</a:t>
+            </a:r>
+            <a:r>
+              <a:rPr lang="en-US" sz="1800" dirty="0" smtClean="0"/>
+              <a:t> which skips </a:t>
+            </a:r>
+            <a:r>
+              <a:rPr lang="en-US" sz="1800" dirty="0"/>
+              <a:t>over the specified number of </a:t>
+            </a:r>
+            <a:r>
+              <a:rPr lang="en-US" sz="1800" dirty="0" smtClean="0"/>
+              <a:t>contacts to </a:t>
+            </a:r>
+            <a:r>
+              <a:rPr lang="en-US" sz="1800" dirty="0"/>
+              <a:t>present the next page</a:t>
+            </a:r>
+          </a:p>
+        </p:txBody>
+      </p:sp>
+      <p:sp>
+        <p:nvSpPr>
+          <p:cNvPr id="4" name="Slide Number Placeholder 3"/>
+          <p:cNvSpPr>
+            <a:spLocks noGrp="1"/>
+          </p:cNvSpPr>
+          <p:nvPr>
+            <p:ph type="sldNum" sz="quarter" idx="12"/>
+          </p:nvPr>
+        </p:nvSpPr>
+        <p:spPr/>
+        <p:txBody>
+          <a:bodyPr/>
+          <a:lstStyle/>
+          <a:p>
+            <a:fld id="{727B4C2D-45E2-4621-8491-2995EB46A674}" type="slidenum">
+              <a:rPr lang="en-US" smtClean="0"/>
+              <a:pPr/>
+              <a:t>19</a:t>
+            </a:fld>
+            <a:endParaRPr lang="en-US" dirty="0"/>
+          </a:p>
+        </p:txBody>
+      </p:sp>
+      <p:pic>
+        <p:nvPicPr>
+          <p:cNvPr id="7" name="Picture 6"/>
+          <p:cNvPicPr>
+            <a:picLocks noChangeAspect="1"/>
+          </p:cNvPicPr>
+          <p:nvPr/>
+        </p:nvPicPr>
+        <p:blipFill>
+          <a:blip r:embed="rId3"/>
+          <a:stretch>
+            <a:fillRect/>
+          </a:stretch>
+        </p:blipFill>
         <p:spPr>
           <a:xfrm>
-            <a:off x="268374" y="1092831"/>
-            <a:ext cx="11650487" cy="5417593"/>
+            <a:off x="5221053" y="4361878"/>
+            <a:ext cx="2564291" cy="1978682"/>
           </a:xfrm>
+          <a:prstGeom prst="rect">
+            <a:avLst/>
+          </a:prstGeom>
+          <a:ln>
+            <a:solidFill>
+              <a:schemeClr val="bg1">
+                <a:lumMod val="50000"/>
+              </a:schemeClr>
+            </a:solidFill>
+          </a:ln>
         </p:spPr>
-        <p:txBody>
-          <a:bodyPr/>
-          <a:lstStyle/>
-          <a:p>
-            <a:r>
-              <a:rPr lang="en-US" sz="2352" dirty="0"/>
-              <a:t>Upload a file to the specified path in OneDrive (pass file in body)</a:t>
-            </a:r>
-          </a:p>
-          <a:p>
-            <a:r>
-              <a:rPr lang="en-US" sz="2352" dirty="0"/>
-              <a:t>POST /_api/Files/Add(name='folder/filename.</a:t>
-            </a:r>
-            <a:r>
-              <a:rPr lang="en-US" sz="2352" dirty="0" err="1"/>
-              <a:t>docx</a:t>
-            </a:r>
-            <a:r>
-              <a:rPr lang="en-US" sz="2352" dirty="0"/>
-              <a:t>',overwrite=&lt;</a:t>
-            </a:r>
-            <a:r>
-              <a:rPr lang="en-US" sz="2352" dirty="0" err="1"/>
-              <a:t>bool</a:t>
-            </a:r>
-            <a:r>
-              <a:rPr lang="en-US" sz="2352" dirty="0"/>
-              <a:t>&gt;)</a:t>
-            </a:r>
-          </a:p>
-          <a:p>
-            <a:endParaRPr lang="en-US" sz="1960" dirty="0"/>
-          </a:p>
-          <a:p>
-            <a:r>
-              <a:rPr lang="en-US" sz="2352" dirty="0"/>
-              <a:t>Delete a file from OneDrive</a:t>
-            </a:r>
-          </a:p>
-          <a:p>
-            <a:r>
-              <a:rPr lang="en-US" sz="2352" dirty="0"/>
-              <a:t>DELETE /_api/Files('folder/filename.docx')</a:t>
-            </a:r>
-          </a:p>
-          <a:p>
-            <a:endParaRPr lang="en-US" sz="1960" dirty="0"/>
-          </a:p>
-          <a:p>
-            <a:r>
-              <a:rPr lang="en-US" sz="2352" dirty="0"/>
-              <a:t>Get metadata for a folder and its children</a:t>
-            </a:r>
-          </a:p>
-          <a:p>
-            <a:r>
-              <a:rPr lang="en-US" sz="2352" dirty="0"/>
-              <a:t>GET /_</a:t>
-            </a:r>
-            <a:r>
-              <a:rPr lang="en-US" sz="2352" dirty="0" err="1"/>
-              <a:t>api</a:t>
-            </a:r>
-            <a:r>
-              <a:rPr lang="en-US" sz="2352" dirty="0"/>
-              <a:t>/Files('folder')?$expand=Children</a:t>
-            </a:r>
-          </a:p>
-          <a:p>
-            <a:endParaRPr lang="en-US" sz="1960" dirty="0"/>
-          </a:p>
-          <a:p>
-            <a:r>
-              <a:rPr lang="en-US" sz="2352" dirty="0"/>
-              <a:t>Get on selected metadata fields back for first 5 files in OneDrive</a:t>
-            </a:r>
-          </a:p>
-          <a:p>
-            <a:r>
-              <a:rPr lang="en-US" sz="2352" dirty="0"/>
-              <a:t>GET /_api/Files?$select=</a:t>
-            </a:r>
-            <a:r>
-              <a:rPr lang="en-US" sz="2352" dirty="0" err="1"/>
-              <a:t>Name,Id,TimeCreated,Size</a:t>
-            </a:r>
-            <a:r>
-              <a:rPr lang="en-US" sz="2352" dirty="0"/>
-              <a:t>&amp;$top=5</a:t>
-            </a:r>
-          </a:p>
-          <a:p>
-            <a:endParaRPr lang="en-US" sz="1960" dirty="0"/>
-          </a:p>
-          <a:p>
-            <a:r>
-              <a:rPr lang="en-US" sz="2352" dirty="0"/>
-              <a:t>Use Files API on other document libraries</a:t>
-            </a:r>
-          </a:p>
-          <a:p>
-            <a:r>
-              <a:rPr lang="en-US" sz="2352" dirty="0"/>
-              <a:t>GET /_</a:t>
-            </a:r>
-            <a:r>
-              <a:rPr lang="en-US" sz="2352" dirty="0" err="1"/>
-              <a:t>api</a:t>
-            </a:r>
-            <a:r>
-              <a:rPr lang="en-US" sz="2352" dirty="0"/>
-              <a:t>/Lists/</a:t>
-            </a:r>
-            <a:r>
-              <a:rPr lang="en-US" sz="2352" dirty="0" err="1"/>
-              <a:t>GetByTitle</a:t>
-            </a:r>
-            <a:r>
-              <a:rPr lang="en-US" sz="2352" dirty="0"/>
-              <a:t>('</a:t>
-            </a:r>
-            <a:r>
-              <a:rPr lang="en-US" sz="2352" dirty="0" err="1"/>
-              <a:t>ListTitle</a:t>
-            </a:r>
-            <a:r>
-              <a:rPr lang="en-US" sz="2352" dirty="0"/>
-              <a:t>')/Files</a:t>
-            </a:r>
-          </a:p>
-        </p:txBody>
-      </p:sp>
+      </p:pic>
+      <p:pic>
+        <p:nvPicPr>
+          <p:cNvPr id="5" name="Picture 4"/>
+          <p:cNvPicPr>
+            <a:picLocks noChangeAspect="1"/>
+          </p:cNvPicPr>
+          <p:nvPr/>
+        </p:nvPicPr>
+        <p:blipFill rotWithShape="1">
+          <a:blip r:embed="rId4">
+            <a:extLst>
+              <a:ext uri="{28A0092B-C50C-407E-A947-70E740481C1C}">
+                <a14:useLocalDpi xmlns:a14="http://schemas.microsoft.com/office/drawing/2010/main" val="0"/>
+              </a:ext>
+            </a:extLst>
+          </a:blip>
+          <a:srcRect t="9366"/>
+          <a:stretch/>
+        </p:blipFill>
+        <p:spPr>
+          <a:xfrm>
+            <a:off x="8196609" y="3700314"/>
+            <a:ext cx="3670044" cy="1650905"/>
+          </a:xfrm>
+          <a:prstGeom prst="rect">
+            <a:avLst/>
+          </a:prstGeom>
+          <a:ln>
+            <a:solidFill>
+              <a:schemeClr val="bg1">
+                <a:lumMod val="50000"/>
+              </a:schemeClr>
+            </a:solidFill>
+          </a:ln>
+        </p:spPr>
+      </p:pic>
     </p:spTree>
     <p:extLst>
       <p:ext uri="{BB962C8B-B14F-4D97-AF65-F5344CB8AC3E}">
-        <p14:creationId xmlns:p14="http://schemas.microsoft.com/office/powerpoint/2010/main" val="2717644923"/>
+        <p14:creationId xmlns:p14="http://schemas.microsoft.com/office/powerpoint/2010/main" val="2976933334"/>
       </p:ext>
     </p:extLst>
   </p:cSld>
   <p:clrMapOvr>
     <a:masterClrMapping/>
   </p:clrMapOvr>
-  <mc:AlternateContent xmlns:mc="http://schemas.openxmlformats.org/markup-compatibility/2006" xmlns:p14="http://schemas.microsoft.com/office/powerpoint/2010/main">
-    <mc:Choice Requires="p14">
-      <p:transition spd="med" p14:dur="700">
-        <p:fade/>
-      </p:transition>
-    </mc:Choice>
-    <mc:Fallback xmlns="">
-      <p:transition spd="med">
-        <p:fade/>
-      </p:transition>
-    </mc:Fallback>
-  </mc:AlternateContent>
-  <p:timing>
-    <p:tnLst>
-      <p:par>
-        <p:cTn id="1" dur="indefinite" restart="never" nodeType="tmRoot"/>
-      </p:par>
-    </p:tnLst>
-  </p:timing>
+  <p:transition>
+    <p:fade/>
+  </p:transition>
 </p:sld>
 </file>
 
@@ -14513,27 +15508,26 @@
       </p:grpSpPr>
       <p:sp>
         <p:nvSpPr>
-          <p:cNvPr id="2" name="Text Placeholder 1"/>
-          <p:cNvSpPr>
-            <a:spLocks noGrp="1"/>
-          </p:cNvSpPr>
-          <p:nvPr>
-            <p:ph type="body" sz="quarter" idx="10"/>
-          </p:nvPr>
-        </p:nvSpPr>
-        <p:spPr>
-          <a:xfrm>
-            <a:off x="519112" y="1447800"/>
-            <a:ext cx="11149013" cy="632210"/>
-          </a:xfrm>
-        </p:spPr>
+          <p:cNvPr id="4" name="Subtitle 3"/>
+          <p:cNvSpPr>
+            <a:spLocks noGrp="1"/>
+          </p:cNvSpPr>
+          <p:nvPr>
+            <p:ph type="subTitle" idx="1"/>
+          </p:nvPr>
+        </p:nvSpPr>
+        <p:spPr/>
         <p:txBody>
           <a:bodyPr/>
           <a:lstStyle/>
           <a:p>
             <a:r>
               <a:rPr lang="en-US" dirty="0" smtClean="0"/>
-              <a:t>Use Discovery Service to get an Access Token</a:t>
+              <a:t>Examining Paging Support with ExchangeC</a:t>
+            </a:r>
+            <a:r>
+              <a:rPr lang="en-US" dirty="0" smtClean="0"/>
+              <a:t>lient</a:t>
             </a:r>
             <a:endParaRPr lang="en-US" dirty="0"/>
           </a:p>
@@ -14541,12 +15535,12 @@
       </p:sp>
       <p:sp>
         <p:nvSpPr>
-          <p:cNvPr id="3" name="Title 2"/>
-          <p:cNvSpPr>
-            <a:spLocks noGrp="1"/>
-          </p:cNvSpPr>
-          <p:nvPr>
-            <p:ph type="title"/>
+          <p:cNvPr id="2" name="Text Placeholder 1"/>
+          <p:cNvSpPr>
+            <a:spLocks noGrp="1"/>
+          </p:cNvSpPr>
+          <p:nvPr>
+            <p:ph type="body" sz="quarter" idx="10"/>
           </p:nvPr>
         </p:nvSpPr>
         <p:spPr/>
@@ -14554,72 +15548,21 @@
           <a:bodyPr/>
           <a:lstStyle/>
           <a:p>
+            <a:pPr marL="0" indent="0">
+              <a:buNone/>
+            </a:pPr>
             <a:r>
               <a:rPr lang="en-US" dirty="0" smtClean="0"/>
-              <a:t>Obtaining an Access Token</a:t>
+              <a:t>demo</a:t>
             </a:r>
             <a:endParaRPr lang="en-US" dirty="0"/>
           </a:p>
         </p:txBody>
       </p:sp>
-      <p:sp>
-        <p:nvSpPr>
-          <p:cNvPr id="4" name="Slide Number Placeholder 3"/>
-          <p:cNvSpPr>
-            <a:spLocks noGrp="1"/>
-          </p:cNvSpPr>
-          <p:nvPr>
-            <p:ph type="sldNum" sz="quarter" idx="12"/>
-          </p:nvPr>
-        </p:nvSpPr>
-        <p:spPr/>
-        <p:txBody>
-          <a:bodyPr/>
-          <a:lstStyle/>
-          <a:p>
-            <a:fld id="{727B4C2D-45E2-4621-8491-2995EB46A674}" type="slidenum">
-              <a:rPr lang="en-US" smtClean="0"/>
-              <a:pPr/>
-              <a:t>20</a:t>
-            </a:fld>
-            <a:endParaRPr lang="en-US" dirty="0"/>
-          </a:p>
-        </p:txBody>
-      </p:sp>
-      <p:pic>
-        <p:nvPicPr>
-          <p:cNvPr id="5" name="Picture 4"/>
-          <p:cNvPicPr>
-            <a:picLocks noChangeAspect="1"/>
-          </p:cNvPicPr>
-          <p:nvPr/>
-        </p:nvPicPr>
-        <p:blipFill>
-          <a:blip r:embed="rId2">
-            <a:extLst>
-              <a:ext uri="{28A0092B-C50C-407E-A947-70E740481C1C}">
-                <a14:useLocalDpi xmlns:a14="http://schemas.microsoft.com/office/drawing/2010/main" val="0"/>
-              </a:ext>
-            </a:extLst>
-          </a:blip>
-          <a:stretch>
-            <a:fillRect/>
-          </a:stretch>
-        </p:blipFill>
-        <p:spPr>
-          <a:xfrm>
-            <a:off x="1179888" y="2455383"/>
-            <a:ext cx="8426336" cy="3568801"/>
-          </a:xfrm>
-          <a:prstGeom prst="rect">
-            <a:avLst/>
-          </a:prstGeom>
-        </p:spPr>
-      </p:pic>
     </p:spTree>
     <p:extLst>
       <p:ext uri="{BB962C8B-B14F-4D97-AF65-F5344CB8AC3E}">
-        <p14:creationId xmlns:p14="http://schemas.microsoft.com/office/powerpoint/2010/main" val="550336623"/>
+        <p14:creationId xmlns:p14="http://schemas.microsoft.com/office/powerpoint/2010/main" val="2924575681"/>
       </p:ext>
     </p:extLst>
   </p:cSld>
@@ -14629,6 +15572,13 @@
   <p:transition>
     <p:fade/>
   </p:transition>
+  <p:timing>
+    <p:tnLst>
+      <p:par>
+        <p:cTn id="1" dur="indefinite" restart="never" nodeType="tmRoot"/>
+      </p:par>
+    </p:tnLst>
+  </p:timing>
 </p:sld>
 </file>
 
@@ -14651,33 +15601,22 @@
       </p:grpSpPr>
       <p:sp>
         <p:nvSpPr>
-          <p:cNvPr id="2" name="Text Placeholder 1"/>
-          <p:cNvSpPr>
-            <a:spLocks noGrp="1"/>
-          </p:cNvSpPr>
-          <p:nvPr>
-            <p:ph type="body" sz="quarter" idx="10"/>
-          </p:nvPr>
-        </p:nvSpPr>
-        <p:spPr>
-          <a:xfrm>
-            <a:off x="519112" y="1447798"/>
-            <a:ext cx="11149013" cy="1566707"/>
-          </a:xfrm>
-        </p:spPr>
+          <p:cNvPr id="4" name="Title 3"/>
+          <p:cNvSpPr>
+            <a:spLocks noGrp="1"/>
+          </p:cNvSpPr>
+          <p:nvPr>
+            <p:ph type="ctrTitle"/>
+          </p:nvPr>
+        </p:nvSpPr>
+        <p:spPr/>
         <p:txBody>
           <a:bodyPr/>
           <a:lstStyle/>
           <a:p>
             <a:r>
               <a:rPr lang="en-US" dirty="0" smtClean="0"/>
-              <a:t>GET Files endpoint</a:t>
-            </a:r>
-          </a:p>
-          <a:p>
-            <a:r>
-              <a:rPr lang="en-US" dirty="0" smtClean="0"/>
-              <a:t>Paging is accomplished post-query using LINQ</a:t>
+              <a:t>CRUD Support</a:t>
             </a:r>
             <a:endParaRPr lang="en-US" dirty="0"/>
           </a:p>
@@ -14685,12 +15624,12 @@
       </p:sp>
       <p:sp>
         <p:nvSpPr>
-          <p:cNvPr id="3" name="Title 2"/>
-          <p:cNvSpPr>
-            <a:spLocks noGrp="1"/>
-          </p:cNvSpPr>
-          <p:nvPr>
-            <p:ph type="title"/>
+          <p:cNvPr id="9" name="Subtitle 4"/>
+          <p:cNvSpPr>
+            <a:spLocks noGrp="1"/>
+          </p:cNvSpPr>
+          <p:nvPr>
+            <p:ph type="subTitle" idx="1"/>
           </p:nvPr>
         </p:nvSpPr>
         <p:spPr/>
@@ -14698,72 +15637,15 @@
           <a:bodyPr/>
           <a:lstStyle/>
           <a:p>
-            <a:r>
-              <a:rPr lang="en-US" dirty="0" smtClean="0"/>
-              <a:t>Reading File Metadata</a:t>
-            </a:r>
+            <a:pPr lvl="0"/>
             <a:endParaRPr lang="en-US" dirty="0"/>
           </a:p>
         </p:txBody>
       </p:sp>
-      <p:sp>
-        <p:nvSpPr>
-          <p:cNvPr id="4" name="Slide Number Placeholder 3"/>
-          <p:cNvSpPr>
-            <a:spLocks noGrp="1"/>
-          </p:cNvSpPr>
-          <p:nvPr>
-            <p:ph type="sldNum" sz="quarter" idx="12"/>
-          </p:nvPr>
-        </p:nvSpPr>
-        <p:spPr/>
-        <p:txBody>
-          <a:bodyPr/>
-          <a:lstStyle/>
-          <a:p>
-            <a:fld id="{727B4C2D-45E2-4621-8491-2995EB46A674}" type="slidenum">
-              <a:rPr lang="en-US" smtClean="0"/>
-              <a:pPr/>
-              <a:t>21</a:t>
-            </a:fld>
-            <a:endParaRPr lang="en-US" dirty="0"/>
-          </a:p>
-        </p:txBody>
-      </p:sp>
-      <p:pic>
-        <p:nvPicPr>
-          <p:cNvPr id="6" name="Picture 5"/>
-          <p:cNvPicPr>
-            <a:picLocks noChangeAspect="1"/>
-          </p:cNvPicPr>
-          <p:nvPr/>
-        </p:nvPicPr>
-        <p:blipFill>
-          <a:blip r:embed="rId3">
-            <a:extLst>
-              <a:ext uri="{28A0092B-C50C-407E-A947-70E740481C1C}">
-                <a14:useLocalDpi xmlns:a14="http://schemas.microsoft.com/office/drawing/2010/main" val="0"/>
-              </a:ext>
-            </a:extLst>
-          </a:blip>
-          <a:stretch>
-            <a:fillRect/>
-          </a:stretch>
-        </p:blipFill>
-        <p:spPr>
-          <a:xfrm>
-            <a:off x="915657" y="3130267"/>
-            <a:ext cx="9214840" cy="2707825"/>
-          </a:xfrm>
-          <a:prstGeom prst="rect">
-            <a:avLst/>
-          </a:prstGeom>
-        </p:spPr>
-      </p:pic>
     </p:spTree>
     <p:extLst>
       <p:ext uri="{BB962C8B-B14F-4D97-AF65-F5344CB8AC3E}">
-        <p14:creationId xmlns:p14="http://schemas.microsoft.com/office/powerpoint/2010/main" val="284547847"/>
+        <p14:creationId xmlns:p14="http://schemas.microsoft.com/office/powerpoint/2010/main" val="2060345564"/>
       </p:ext>
     </p:extLst>
   </p:cSld>
@@ -14773,6 +15655,13 @@
   <p:transition>
     <p:fade/>
   </p:transition>
+  <p:timing>
+    <p:tnLst>
+      <p:par>
+        <p:cTn id="1" dur="indefinite" restart="never" nodeType="tmRoot"/>
+      </p:par>
+    </p:tnLst>
+  </p:timing>
 </p:sld>
 </file>
 
@@ -14795,12 +15684,12 @@
       </p:grpSpPr>
       <p:sp>
         <p:nvSpPr>
-          <p:cNvPr id="2" name="Text Placeholder 1"/>
-          <p:cNvSpPr>
-            <a:spLocks noGrp="1"/>
-          </p:cNvSpPr>
-          <p:nvPr>
-            <p:ph type="body" sz="quarter" idx="10"/>
+          <p:cNvPr id="2" name="Title 1"/>
+          <p:cNvSpPr>
+            <a:spLocks noGrp="1"/>
+          </p:cNvSpPr>
+          <p:nvPr>
+            <p:ph type="title"/>
           </p:nvPr>
         </p:nvSpPr>
         <p:spPr/>
@@ -14810,13 +15699,7 @@
           <a:p>
             <a:r>
               <a:rPr lang="en-US" dirty="0" smtClean="0"/>
-              <a:t>POST to Add endpoint</a:t>
-            </a:r>
-          </a:p>
-          <a:p>
-            <a:r>
-              <a:rPr lang="en-US" dirty="0" smtClean="0"/>
-              <a:t>Provide a file name and the file stream</a:t>
+              <a:t>Getting and Deleting a Specific Contact</a:t>
             </a:r>
             <a:endParaRPr lang="en-US" dirty="0"/>
           </a:p>
@@ -14824,12 +15707,12 @@
       </p:sp>
       <p:sp>
         <p:nvSpPr>
-          <p:cNvPr id="3" name="Title 2"/>
-          <p:cNvSpPr>
-            <a:spLocks noGrp="1"/>
-          </p:cNvSpPr>
-          <p:nvPr>
-            <p:ph type="title"/>
+          <p:cNvPr id="3" name="Text Placeholder 2"/>
+          <p:cNvSpPr>
+            <a:spLocks noGrp="1"/>
+          </p:cNvSpPr>
+          <p:nvPr>
+            <p:ph type="body" sz="quarter" idx="10"/>
           </p:nvPr>
         </p:nvSpPr>
         <p:spPr/>
@@ -14838,10 +15721,52 @@
           <a:lstStyle/>
           <a:p>
             <a:r>
-              <a:rPr lang="en-US" dirty="0" smtClean="0"/>
-              <a:t>Uploading a new File</a:t>
-            </a:r>
-            <a:endParaRPr lang="en-US" dirty="0"/>
+              <a:rPr lang="en-US" sz="3200" dirty="0" smtClean="0"/>
+              <a:t>Contact retrieved by calling </a:t>
+            </a:r>
+            <a:r>
+              <a:rPr lang="en-US" sz="3200" b="1" dirty="0" err="1" smtClean="0"/>
+              <a:t>GetById</a:t>
+            </a:r>
+            <a:r>
+              <a:rPr lang="en-US" sz="3200" b="1" dirty="0" smtClean="0"/>
+              <a:t>()</a:t>
+            </a:r>
+          </a:p>
+          <a:p>
+            <a:endParaRPr lang="en-US" sz="3200" dirty="0"/>
+          </a:p>
+          <a:p>
+            <a:endParaRPr lang="en-US" sz="3200" dirty="0" smtClean="0"/>
+          </a:p>
+          <a:p>
+            <a:pPr lvl="1"/>
+            <a:endParaRPr lang="en-US" sz="1600" dirty="0" smtClean="0"/>
+          </a:p>
+          <a:p>
+            <a:endParaRPr lang="en-US" sz="3200" dirty="0"/>
+          </a:p>
+          <a:p>
+            <a:endParaRPr lang="en-US" sz="3200" dirty="0" smtClean="0"/>
+          </a:p>
+          <a:p>
+            <a:r>
+              <a:rPr lang="en-US" sz="3200" dirty="0" smtClean="0"/>
+              <a:t>Contact deleted by calling </a:t>
+            </a:r>
+            <a:r>
+              <a:rPr lang="en-US" sz="3200" b="1" dirty="0" err="1" smtClean="0"/>
+              <a:t>DeleteAsync</a:t>
+            </a:r>
+            <a:r>
+              <a:rPr lang="en-US" sz="3200" b="1" dirty="0" smtClean="0"/>
+              <a:t>()</a:t>
+            </a:r>
+            <a:r>
+              <a:rPr lang="en-US" sz="3200" dirty="0" smtClean="0"/>
+              <a:t> on Contact object </a:t>
+            </a:r>
+            <a:endParaRPr lang="en-US" sz="3200" dirty="0"/>
           </a:p>
         </p:txBody>
       </p:sp>
@@ -14878,31 +15803,63 @@
           <p:nvPr/>
         </p:nvPicPr>
         <p:blipFill>
-          <a:blip r:embed="rId2">
-            <a:extLst>
-              <a:ext uri="{28A0092B-C50C-407E-A947-70E740481C1C}">
-                <a14:useLocalDpi xmlns:a14="http://schemas.microsoft.com/office/drawing/2010/main" val="0"/>
-              </a:ext>
-            </a:extLst>
-          </a:blip>
+          <a:blip r:embed="rId2"/>
           <a:stretch>
             <a:fillRect/>
           </a:stretch>
         </p:blipFill>
         <p:spPr>
           <a:xfrm>
-            <a:off x="950758" y="2977179"/>
-            <a:ext cx="8965228" cy="3122170"/>
+            <a:off x="901039" y="2072008"/>
+            <a:ext cx="4838700" cy="2200275"/>
           </a:xfrm>
           <a:prstGeom prst="rect">
             <a:avLst/>
           </a:prstGeom>
+          <a:ln>
+            <a:solidFill>
+              <a:schemeClr val="bg1">
+                <a:lumMod val="50000"/>
+              </a:schemeClr>
+            </a:solidFill>
+          </a:ln>
+        </p:spPr>
+      </p:pic>
+      <p:pic>
+        <p:nvPicPr>
+          <p:cNvPr id="6" name="Picture 5"/>
+          <p:cNvPicPr>
+            <a:picLocks noChangeAspect="1"/>
+          </p:cNvPicPr>
+          <p:nvPr/>
+        </p:nvPicPr>
+        <p:blipFill>
+          <a:blip r:embed="rId3"/>
+          <a:stretch>
+            <a:fillRect/>
+          </a:stretch>
+        </p:blipFill>
+        <p:spPr>
+          <a:xfrm>
+            <a:off x="901039" y="5031661"/>
+            <a:ext cx="4848225" cy="895350"/>
+          </a:xfrm>
+          <a:prstGeom prst="rect">
+            <a:avLst/>
+          </a:prstGeom>
+          <a:ln>
+            <a:solidFill>
+              <a:schemeClr val="bg1">
+                <a:lumMod val="50000"/>
+              </a:schemeClr>
+            </a:solidFill>
+          </a:ln>
         </p:spPr>
       </p:pic>
     </p:spTree>
     <p:extLst>
       <p:ext uri="{BB962C8B-B14F-4D97-AF65-F5344CB8AC3E}">
-        <p14:creationId xmlns:p14="http://schemas.microsoft.com/office/powerpoint/2010/main" val="2484807911"/>
+        <p14:creationId xmlns:p14="http://schemas.microsoft.com/office/powerpoint/2010/main" val="357902393"/>
       </p:ext>
     </p:extLst>
   </p:cSld>
@@ -14934,39 +15891,35 @@
       </p:grpSpPr>
       <p:sp>
         <p:nvSpPr>
-          <p:cNvPr id="2" name="Text Placeholder 1"/>
-          <p:cNvSpPr>
-            <a:spLocks noGrp="1"/>
-          </p:cNvSpPr>
-          <p:nvPr>
-            <p:ph type="body" sz="quarter" idx="10"/>
-          </p:nvPr>
-        </p:nvSpPr>
-        <p:spPr>
-          <a:xfrm>
-            <a:off x="519112" y="1447799"/>
-            <a:ext cx="11149013" cy="913564"/>
-          </a:xfrm>
-        </p:spPr>
+          <p:cNvPr id="2" name="Title 1"/>
+          <p:cNvSpPr>
+            <a:spLocks noGrp="1"/>
+          </p:cNvSpPr>
+          <p:nvPr>
+            <p:ph type="title"/>
+          </p:nvPr>
+        </p:nvSpPr>
+        <p:spPr/>
         <p:txBody>
           <a:bodyPr/>
           <a:lstStyle/>
           <a:p>
             <a:r>
               <a:rPr lang="en-US" dirty="0" smtClean="0"/>
-              <a:t>DELETE the target file ID</a:t>
-            </a:r>
-          </a:p>
-        </p:txBody>
-      </p:sp>
-      <p:sp>
-        <p:nvSpPr>
-          <p:cNvPr id="3" name="Title 2"/>
-          <p:cNvSpPr>
-            <a:spLocks noGrp="1"/>
-          </p:cNvSpPr>
-          <p:nvPr>
-            <p:ph type="title"/>
+              <a:t>Adding a Contact</a:t>
+            </a:r>
+            <a:endParaRPr lang="en-US" dirty="0"/>
+          </a:p>
+        </p:txBody>
+      </p:sp>
+      <p:sp>
+        <p:nvSpPr>
+          <p:cNvPr id="3" name="Text Placeholder 2"/>
+          <p:cNvSpPr>
+            <a:spLocks noGrp="1"/>
+          </p:cNvSpPr>
+          <p:nvPr>
+            <p:ph type="body" sz="quarter" idx="10"/>
           </p:nvPr>
         </p:nvSpPr>
         <p:spPr/>
@@ -14976,8 +15929,23 @@
           <a:p>
             <a:r>
               <a:rPr lang="en-US" dirty="0" smtClean="0"/>
-              <a:t>Deleting a File</a:t>
-            </a:r>
+              <a:t>Call </a:t>
+            </a:r>
+            <a:r>
+              <a:rPr lang="en-US" b="1" dirty="0" err="1" smtClean="0"/>
+              <a:t>AddContactAsync</a:t>
+            </a:r>
+            <a:r>
+              <a:rPr lang="en-US" b="1" dirty="0" smtClean="0"/>
+              <a:t>()</a:t>
+            </a:r>
+            <a:r>
+              <a:rPr lang="en-US" dirty="0" smtClean="0"/>
+              <a:t> on Contacts collection</a:t>
+            </a:r>
+          </a:p>
+          <a:p>
+            <a:pPr lvl="1"/>
             <a:endParaRPr lang="en-US" dirty="0"/>
           </a:p>
         </p:txBody>
@@ -15008,7 +15976,7 @@
       </p:sp>
       <p:pic>
         <p:nvPicPr>
-          <p:cNvPr id="6" name="Picture 5"/>
+          <p:cNvPr id="5" name="Picture 4"/>
           <p:cNvPicPr>
             <a:picLocks noChangeAspect="1"/>
           </p:cNvPicPr>
@@ -15028,18 +15996,49 @@
         </p:blipFill>
         <p:spPr>
           <a:xfrm>
-            <a:off x="1081386" y="2536260"/>
-            <a:ext cx="10067144" cy="2719028"/>
+            <a:off x="7366230" y="2469617"/>
+            <a:ext cx="3391939" cy="3043830"/>
           </a:xfrm>
           <a:prstGeom prst="rect">
             <a:avLst/>
           </a:prstGeom>
         </p:spPr>
       </p:pic>
+      <p:pic>
+        <p:nvPicPr>
+          <p:cNvPr id="6" name="Picture 5"/>
+          <p:cNvPicPr>
+            <a:picLocks noChangeAspect="1"/>
+          </p:cNvPicPr>
+          <p:nvPr/>
+        </p:nvPicPr>
+        <p:blipFill>
+          <a:blip r:embed="rId3"/>
+          <a:stretch>
+            <a:fillRect/>
+          </a:stretch>
+        </p:blipFill>
+        <p:spPr>
+          <a:xfrm>
+            <a:off x="893977" y="2469617"/>
+            <a:ext cx="5811544" cy="2136597"/>
+          </a:xfrm>
+          <a:prstGeom prst="rect">
+            <a:avLst/>
+          </a:prstGeom>
+          <a:ln>
+            <a:solidFill>
+              <a:schemeClr val="bg1">
+                <a:lumMod val="50000"/>
+              </a:schemeClr>
+            </a:solidFill>
+          </a:ln>
+        </p:spPr>
+      </p:pic>
     </p:spTree>
     <p:extLst>
       <p:ext uri="{BB962C8B-B14F-4D97-AF65-F5344CB8AC3E}">
-        <p14:creationId xmlns:p14="http://schemas.microsoft.com/office/powerpoint/2010/main" val="590882713"/>
+        <p14:creationId xmlns:p14="http://schemas.microsoft.com/office/powerpoint/2010/main" val="3485018511"/>
       </p:ext>
     </p:extLst>
   </p:cSld>
@@ -15086,7 +16085,15 @@
           <a:p>
             <a:r>
               <a:rPr lang="en-US" dirty="0" smtClean="0"/>
-              <a:t>File Operations with REST</a:t>
+              <a:t>Update operations </a:t>
+            </a:r>
+            <a:r>
+              <a:rPr lang="en-US" dirty="0" smtClean="0"/>
+              <a:t>with the </a:t>
+            </a:r>
+            <a:r>
+              <a:rPr lang="en-US" dirty="0" err="1" smtClean="0"/>
+              <a:t>EXCHANGEClient</a:t>
             </a:r>
             <a:endParaRPr lang="en-US" dirty="0"/>
           </a:p>
@@ -15121,7 +16128,7 @@
     </p:spTree>
     <p:extLst>
       <p:ext uri="{BB962C8B-B14F-4D97-AF65-F5344CB8AC3E}">
-        <p14:creationId xmlns:p14="http://schemas.microsoft.com/office/powerpoint/2010/main" val="3435347101"/>
+        <p14:creationId xmlns:p14="http://schemas.microsoft.com/office/powerpoint/2010/main" val="3773882492"/>
       </p:ext>
     </p:extLst>
   </p:cSld>
@@ -15160,6 +16167,1271 @@
       </p:grpSpPr>
       <p:sp>
         <p:nvSpPr>
+          <p:cNvPr id="4" name="Title 3"/>
+          <p:cNvSpPr>
+            <a:spLocks noGrp="1"/>
+          </p:cNvSpPr>
+          <p:nvPr>
+            <p:ph type="ctrTitle"/>
+          </p:nvPr>
+        </p:nvSpPr>
+        <p:spPr/>
+        <p:txBody>
+          <a:bodyPr/>
+          <a:lstStyle/>
+          <a:p>
+            <a:r>
+              <a:rPr lang="en-US" dirty="0" smtClean="0"/>
+              <a:t>Exchange Operations with REST</a:t>
+            </a:r>
+            <a:endParaRPr lang="en-US" dirty="0"/>
+          </a:p>
+        </p:txBody>
+      </p:sp>
+      <p:sp>
+        <p:nvSpPr>
+          <p:cNvPr id="9" name="Subtitle 4"/>
+          <p:cNvSpPr>
+            <a:spLocks noGrp="1"/>
+          </p:cNvSpPr>
+          <p:nvPr>
+            <p:ph type="subTitle" idx="1"/>
+          </p:nvPr>
+        </p:nvSpPr>
+        <p:spPr/>
+        <p:txBody>
+          <a:bodyPr/>
+          <a:lstStyle/>
+          <a:p>
+            <a:pPr lvl="0"/>
+            <a:endParaRPr lang="en-US" dirty="0"/>
+          </a:p>
+        </p:txBody>
+      </p:sp>
+    </p:spTree>
+    <p:extLst>
+      <p:ext uri="{BB962C8B-B14F-4D97-AF65-F5344CB8AC3E}">
+        <p14:creationId xmlns:p14="http://schemas.microsoft.com/office/powerpoint/2010/main" val="1948369831"/>
+      </p:ext>
+    </p:extLst>
+  </p:cSld>
+  <p:clrMapOvr>
+    <a:masterClrMapping/>
+  </p:clrMapOvr>
+  <p:transition>
+    <p:fade/>
+  </p:transition>
+  <p:timing>
+    <p:tnLst>
+      <p:par>
+        <p:cTn id="1" dur="indefinite" restart="never" nodeType="tmRoot"/>
+      </p:par>
+    </p:tnLst>
+  </p:timing>
+</p:sld>
+</file>
+
+<file path=ppt/slides/slide26.xml><?xml version="1.0" encoding="utf-8"?>
+<p:sld xmlns:a="http://schemas.openxmlformats.org/drawingml/2006/main" xmlns:r="http://schemas.openxmlformats.org/officeDocument/2006/relationships" xmlns:p="http://schemas.openxmlformats.org/presentationml/2006/main">
+  <p:cSld>
+    <p:spTree>
+      <p:nvGrpSpPr>
+        <p:cNvPr id="1" name=""/>
+        <p:cNvGrpSpPr/>
+        <p:nvPr/>
+      </p:nvGrpSpPr>
+      <p:grpSpPr>
+        <a:xfrm>
+          <a:off x="0" y="0"/>
+          <a:ext cx="0" cy="0"/>
+          <a:chOff x="0" y="0"/>
+          <a:chExt cx="0" cy="0"/>
+        </a:xfrm>
+      </p:grpSpPr>
+      <p:sp>
+        <p:nvSpPr>
+          <p:cNvPr id="4" name="Title 3"/>
+          <p:cNvSpPr>
+            <a:spLocks noGrp="1"/>
+          </p:cNvSpPr>
+          <p:nvPr>
+            <p:ph type="title"/>
+          </p:nvPr>
+        </p:nvSpPr>
+        <p:spPr/>
+        <p:txBody>
+          <a:bodyPr/>
+          <a:lstStyle/>
+          <a:p>
+            <a:r>
+              <a:rPr lang="en-US" dirty="0" smtClean="0"/>
+              <a:t>Office 365 Exchange REST APIs</a:t>
+            </a:r>
+            <a:endParaRPr lang="en-US" dirty="0"/>
+          </a:p>
+        </p:txBody>
+      </p:sp>
+      <p:sp>
+        <p:nvSpPr>
+          <p:cNvPr id="5" name="Text Placeholder 4"/>
+          <p:cNvSpPr>
+            <a:spLocks noGrp="1"/>
+          </p:cNvSpPr>
+          <p:nvPr>
+            <p:ph type="body" sz="quarter" idx="10"/>
+          </p:nvPr>
+        </p:nvSpPr>
+        <p:spPr/>
+        <p:txBody>
+          <a:bodyPr/>
+          <a:lstStyle/>
+          <a:p>
+            <a:r>
+              <a:rPr lang="en-GB" sz="1800" dirty="0"/>
+              <a:t>https://outlook.office365.com/ews/odata/Me/RootFolder </a:t>
+            </a:r>
+          </a:p>
+          <a:p>
+            <a:r>
+              <a:rPr lang="en-GB" sz="1800" dirty="0" smtClean="0"/>
+              <a:t>https</a:t>
+            </a:r>
+            <a:r>
+              <a:rPr lang="en-GB" sz="1800" dirty="0"/>
+              <a:t>://</a:t>
+            </a:r>
+            <a:r>
+              <a:rPr lang="en-GB" sz="1800" dirty="0" smtClean="0"/>
+              <a:t>outlook.office365.com/ews/odata/Me/Inbox</a:t>
+            </a:r>
+          </a:p>
+          <a:p>
+            <a:r>
+              <a:rPr lang="en-GB" sz="1800" dirty="0"/>
+              <a:t>https://</a:t>
+            </a:r>
+            <a:r>
+              <a:rPr lang="en-GB" sz="1800" dirty="0" smtClean="0"/>
+              <a:t>outlook.office365.com/ews/odata/Me/Inbox(</a:t>
+            </a:r>
+            <a:r>
+              <a:rPr lang="en-GB" sz="1800" dirty="0" smtClean="0">
+                <a:solidFill>
+                  <a:schemeClr val="bg1">
+                    <a:lumMod val="50000"/>
+                  </a:schemeClr>
+                </a:solidFill>
+              </a:rPr>
+              <a:t>&lt;message_id&gt;</a:t>
+            </a:r>
+            <a:r>
+              <a:rPr lang="en-GB" sz="1800" dirty="0" smtClean="0"/>
+              <a:t>)</a:t>
+            </a:r>
+            <a:endParaRPr lang="en-GB" sz="1800" dirty="0"/>
+          </a:p>
+          <a:p>
+            <a:r>
+              <a:rPr lang="en-GB" sz="1800" dirty="0" smtClean="0"/>
+              <a:t>https://outlook.office365.com/ews/odata/Me/Drafts </a:t>
+            </a:r>
+          </a:p>
+          <a:p>
+            <a:r>
+              <a:rPr lang="en-GB" sz="1800" dirty="0" smtClean="0"/>
+              <a:t>https://outlook.office365.com/ews/odata/Me/SentItems </a:t>
+            </a:r>
+          </a:p>
+          <a:p>
+            <a:r>
+              <a:rPr lang="en-GB" sz="1800" dirty="0" smtClean="0"/>
+              <a:t>https://outlook.office365.com/ews/odata/Me/DeletedItems</a:t>
+            </a:r>
+          </a:p>
+          <a:p>
+            <a:endParaRPr lang="en-GB" sz="1800" dirty="0" smtClean="0"/>
+          </a:p>
+          <a:p>
+            <a:r>
+              <a:rPr lang="en-US" sz="1800" dirty="0" smtClean="0"/>
+              <a:t>https</a:t>
+            </a:r>
+            <a:r>
+              <a:rPr lang="en-US" sz="1800" dirty="0"/>
+              <a:t>://</a:t>
+            </a:r>
+            <a:r>
+              <a:rPr lang="en-US" sz="1800" dirty="0" smtClean="0"/>
+              <a:t>outlook.office365.com/ews/odata/Me/Events</a:t>
+            </a:r>
+          </a:p>
+          <a:p>
+            <a:r>
+              <a:rPr lang="en-US" sz="1800" dirty="0"/>
+              <a:t>https://</a:t>
+            </a:r>
+            <a:r>
+              <a:rPr lang="en-US" sz="1800" dirty="0" smtClean="0"/>
+              <a:t>outlook.office365.com/ews/odata/Me/Events(</a:t>
+            </a:r>
+            <a:r>
+              <a:rPr lang="en-US" sz="1800" dirty="0" smtClean="0">
+                <a:solidFill>
+                  <a:schemeClr val="bg1">
+                    <a:lumMod val="50000"/>
+                  </a:schemeClr>
+                </a:solidFill>
+              </a:rPr>
+              <a:t>&lt;event_id&gt;</a:t>
+            </a:r>
+            <a:r>
+              <a:rPr lang="en-US" sz="1800" dirty="0" smtClean="0"/>
+              <a:t>)</a:t>
+            </a:r>
+            <a:endParaRPr lang="en-US" sz="1800" dirty="0"/>
+          </a:p>
+          <a:p>
+            <a:r>
+              <a:rPr lang="en-US" sz="1800" dirty="0" smtClean="0"/>
+              <a:t>https</a:t>
+            </a:r>
+            <a:r>
+              <a:rPr lang="en-US" sz="1800" dirty="0"/>
+              <a:t>://outlook.office365.com/ews/odata/Me/Calendar</a:t>
+            </a:r>
+          </a:p>
+          <a:p>
+            <a:r>
+              <a:rPr lang="en-US" sz="1800" dirty="0" smtClean="0"/>
+              <a:t>https</a:t>
+            </a:r>
+            <a:r>
+              <a:rPr lang="en-US" sz="1800" dirty="0"/>
+              <a:t>://outlook.office365.com/ews/odata/Me/Calendar/Events</a:t>
+            </a:r>
+          </a:p>
+          <a:p>
+            <a:r>
+              <a:rPr lang="en-US" sz="1800" dirty="0" smtClean="0"/>
+              <a:t>https</a:t>
+            </a:r>
+            <a:r>
+              <a:rPr lang="en-US" sz="1800" dirty="0"/>
+              <a:t>://outlook.office365.com/ews/odata/Me/Calendars(</a:t>
+            </a:r>
+            <a:r>
+              <a:rPr lang="en-US" sz="1800" dirty="0">
+                <a:solidFill>
+                  <a:schemeClr val="bg1">
+                    <a:lumMod val="50000"/>
+                  </a:schemeClr>
+                </a:solidFill>
+              </a:rPr>
+              <a:t>&lt;calendar_id&gt;</a:t>
+            </a:r>
+            <a:r>
+              <a:rPr lang="en-US" sz="1800" dirty="0"/>
+              <a:t>)/Events</a:t>
+            </a:r>
+            <a:endParaRPr lang="en-GB" sz="1800" dirty="0"/>
+          </a:p>
+          <a:p>
+            <a:endParaRPr lang="en-US" sz="1800" dirty="0" smtClean="0"/>
+          </a:p>
+          <a:p>
+            <a:r>
+              <a:rPr lang="en-US" sz="1800" dirty="0" smtClean="0"/>
+              <a:t>https</a:t>
+            </a:r>
+            <a:r>
+              <a:rPr lang="en-US" sz="1800" dirty="0"/>
+              <a:t>://outlook.office365.com/ews/odata/Me/Contacts</a:t>
+            </a:r>
+          </a:p>
+          <a:p>
+            <a:r>
+              <a:rPr lang="en-US" sz="1800" dirty="0" smtClean="0"/>
+              <a:t>https</a:t>
+            </a:r>
+            <a:r>
+              <a:rPr lang="en-US" sz="1800" dirty="0"/>
+              <a:t>://</a:t>
+            </a:r>
+            <a:r>
+              <a:rPr lang="en-US" sz="1800" dirty="0" smtClean="0"/>
+              <a:t>outlook.office365.com/ews/odata/Me/Contacts(</a:t>
+            </a:r>
+            <a:r>
+              <a:rPr lang="en-US" sz="1800" dirty="0" smtClean="0">
+                <a:solidFill>
+                  <a:schemeClr val="bg1">
+                    <a:lumMod val="50000"/>
+                  </a:schemeClr>
+                </a:solidFill>
+              </a:rPr>
+              <a:t>&lt;contact_id&gt;</a:t>
+            </a:r>
+            <a:r>
+              <a:rPr lang="en-US" sz="1800" dirty="0" smtClean="0"/>
+              <a:t>)</a:t>
+            </a:r>
+          </a:p>
+        </p:txBody>
+      </p:sp>
+    </p:spTree>
+    <p:extLst>
+      <p:ext uri="{BB962C8B-B14F-4D97-AF65-F5344CB8AC3E}">
+        <p14:creationId xmlns:p14="http://schemas.microsoft.com/office/powerpoint/2010/main" val="2556547151"/>
+      </p:ext>
+    </p:extLst>
+  </p:cSld>
+  <p:clrMapOvr>
+    <a:masterClrMapping/>
+  </p:clrMapOvr>
+  <mc:AlternateContent xmlns:mc="http://schemas.openxmlformats.org/markup-compatibility/2006" xmlns:p14="http://schemas.microsoft.com/office/powerpoint/2010/main">
+    <mc:Choice Requires="p14">
+      <p:transition spd="med" p14:dur="700">
+        <p:fade/>
+      </p:transition>
+    </mc:Choice>
+    <mc:Fallback xmlns="">
+      <p:transition spd="med">
+        <p:fade/>
+      </p:transition>
+    </mc:Fallback>
+  </mc:AlternateContent>
+  <p:timing>
+    <p:tnLst>
+      <p:par>
+        <p:cTn id="1" dur="indefinite" restart="never" nodeType="tmRoot"/>
+      </p:par>
+    </p:tnLst>
+  </p:timing>
+</p:sld>
+</file>
+
+<file path=ppt/slides/slide27.xml><?xml version="1.0" encoding="utf-8"?>
+<p:sld xmlns:a="http://schemas.openxmlformats.org/drawingml/2006/main" xmlns:r="http://schemas.openxmlformats.org/officeDocument/2006/relationships" xmlns:p="http://schemas.openxmlformats.org/presentationml/2006/main">
+  <p:cSld>
+    <p:spTree>
+      <p:nvGrpSpPr>
+        <p:cNvPr id="1" name=""/>
+        <p:cNvGrpSpPr/>
+        <p:nvPr/>
+      </p:nvGrpSpPr>
+      <p:grpSpPr>
+        <a:xfrm>
+          <a:off x="0" y="0"/>
+          <a:ext cx="0" cy="0"/>
+          <a:chOff x="0" y="0"/>
+          <a:chExt cx="0" cy="0"/>
+        </a:xfrm>
+      </p:grpSpPr>
+      <p:sp>
+        <p:nvSpPr>
+          <p:cNvPr id="2" name="Text Placeholder 1"/>
+          <p:cNvSpPr>
+            <a:spLocks noGrp="1"/>
+          </p:cNvSpPr>
+          <p:nvPr>
+            <p:ph type="body" sz="quarter" idx="10"/>
+          </p:nvPr>
+        </p:nvSpPr>
+        <p:spPr>
+          <a:xfrm>
+            <a:off x="519112" y="1447800"/>
+            <a:ext cx="11149013" cy="632210"/>
+          </a:xfrm>
+        </p:spPr>
+        <p:txBody>
+          <a:bodyPr/>
+          <a:lstStyle/>
+          <a:p>
+            <a:r>
+              <a:rPr lang="en-US" dirty="0" smtClean="0"/>
+              <a:t>Use Discovery Service to get an Access Token</a:t>
+            </a:r>
+            <a:endParaRPr lang="en-US" dirty="0"/>
+          </a:p>
+        </p:txBody>
+      </p:sp>
+      <p:sp>
+        <p:nvSpPr>
+          <p:cNvPr id="3" name="Title 2"/>
+          <p:cNvSpPr>
+            <a:spLocks noGrp="1"/>
+          </p:cNvSpPr>
+          <p:nvPr>
+            <p:ph type="title"/>
+          </p:nvPr>
+        </p:nvSpPr>
+        <p:spPr/>
+        <p:txBody>
+          <a:bodyPr/>
+          <a:lstStyle/>
+          <a:p>
+            <a:r>
+              <a:rPr lang="en-US" dirty="0" smtClean="0"/>
+              <a:t>Obtaining an Access Token</a:t>
+            </a:r>
+            <a:endParaRPr lang="en-US" dirty="0"/>
+          </a:p>
+        </p:txBody>
+      </p:sp>
+      <p:sp>
+        <p:nvSpPr>
+          <p:cNvPr id="4" name="Slide Number Placeholder 3"/>
+          <p:cNvSpPr>
+            <a:spLocks noGrp="1"/>
+          </p:cNvSpPr>
+          <p:nvPr>
+            <p:ph type="sldNum" sz="quarter" idx="12"/>
+          </p:nvPr>
+        </p:nvSpPr>
+        <p:spPr/>
+        <p:txBody>
+          <a:bodyPr/>
+          <a:lstStyle/>
+          <a:p>
+            <a:fld id="{727B4C2D-45E2-4621-8491-2995EB46A674}" type="slidenum">
+              <a:rPr lang="en-US" smtClean="0"/>
+              <a:pPr/>
+              <a:t>27</a:t>
+            </a:fld>
+            <a:endParaRPr lang="en-US" dirty="0"/>
+          </a:p>
+        </p:txBody>
+      </p:sp>
+      <p:pic>
+        <p:nvPicPr>
+          <p:cNvPr id="7" name="Picture 6"/>
+          <p:cNvPicPr>
+            <a:picLocks noChangeAspect="1"/>
+          </p:cNvPicPr>
+          <p:nvPr/>
+        </p:nvPicPr>
+        <p:blipFill>
+          <a:blip r:embed="rId2"/>
+          <a:stretch>
+            <a:fillRect/>
+          </a:stretch>
+        </p:blipFill>
+        <p:spPr>
+          <a:xfrm>
+            <a:off x="673225" y="2343471"/>
+            <a:ext cx="6305550" cy="3486150"/>
+          </a:xfrm>
+          <a:prstGeom prst="rect">
+            <a:avLst/>
+          </a:prstGeom>
+          <a:solidFill>
+            <a:schemeClr val="bg1">
+              <a:lumMod val="50000"/>
+            </a:schemeClr>
+          </a:solidFill>
+          <a:ln>
+            <a:solidFill>
+              <a:schemeClr val="bg1">
+                <a:lumMod val="50000"/>
+              </a:schemeClr>
+            </a:solidFill>
+          </a:ln>
+        </p:spPr>
+      </p:pic>
+    </p:spTree>
+    <p:extLst>
+      <p:ext uri="{BB962C8B-B14F-4D97-AF65-F5344CB8AC3E}">
+        <p14:creationId xmlns:p14="http://schemas.microsoft.com/office/powerpoint/2010/main" val="550336623"/>
+      </p:ext>
+    </p:extLst>
+  </p:cSld>
+  <p:clrMapOvr>
+    <a:masterClrMapping/>
+  </p:clrMapOvr>
+  <p:transition>
+    <p:fade/>
+  </p:transition>
+</p:sld>
+</file>
+
+<file path=ppt/slides/slide28.xml><?xml version="1.0" encoding="utf-8"?>
+<p:sld xmlns:a="http://schemas.openxmlformats.org/drawingml/2006/main" xmlns:r="http://schemas.openxmlformats.org/officeDocument/2006/relationships" xmlns:p="http://schemas.openxmlformats.org/presentationml/2006/main">
+  <p:cSld>
+    <p:spTree>
+      <p:nvGrpSpPr>
+        <p:cNvPr id="1" name=""/>
+        <p:cNvGrpSpPr/>
+        <p:nvPr/>
+      </p:nvGrpSpPr>
+      <p:grpSpPr>
+        <a:xfrm>
+          <a:off x="0" y="0"/>
+          <a:ext cx="0" cy="0"/>
+          <a:chOff x="0" y="0"/>
+          <a:chExt cx="0" cy="0"/>
+        </a:xfrm>
+      </p:grpSpPr>
+      <p:sp>
+        <p:nvSpPr>
+          <p:cNvPr id="3" name="Title 2"/>
+          <p:cNvSpPr>
+            <a:spLocks noGrp="1"/>
+          </p:cNvSpPr>
+          <p:nvPr>
+            <p:ph type="title"/>
+          </p:nvPr>
+        </p:nvSpPr>
+        <p:spPr/>
+        <p:txBody>
+          <a:bodyPr/>
+          <a:lstStyle/>
+          <a:p>
+            <a:r>
+              <a:rPr lang="en-US" dirty="0" smtClean="0"/>
+              <a:t>Reading </a:t>
+            </a:r>
+            <a:r>
+              <a:rPr lang="en-US" dirty="0" smtClean="0"/>
+              <a:t>Contacts using REST</a:t>
+            </a:r>
+            <a:endParaRPr lang="en-US" dirty="0"/>
+          </a:p>
+        </p:txBody>
+      </p:sp>
+      <p:sp>
+        <p:nvSpPr>
+          <p:cNvPr id="9" name="Text Placeholder 8"/>
+          <p:cNvSpPr>
+            <a:spLocks noGrp="1"/>
+          </p:cNvSpPr>
+          <p:nvPr>
+            <p:ph type="body" sz="quarter" idx="10"/>
+          </p:nvPr>
+        </p:nvSpPr>
+        <p:spPr>
+          <a:xfrm>
+            <a:off x="519112" y="1180671"/>
+            <a:ext cx="11149013" cy="2043636"/>
+          </a:xfrm>
+        </p:spPr>
+        <p:txBody>
+          <a:bodyPr/>
+          <a:lstStyle/>
+          <a:p>
+            <a:r>
+              <a:rPr lang="en-US" sz="2400" dirty="0"/>
+              <a:t>Send GET request to Contacts endpoint</a:t>
+            </a:r>
+          </a:p>
+          <a:p>
+            <a:r>
+              <a:rPr lang="en-US" sz="2400" dirty="0"/>
+              <a:t>Office 365 </a:t>
+            </a:r>
+            <a:r>
+              <a:rPr lang="en-US" sz="2400" dirty="0" smtClean="0"/>
+              <a:t>Exchange API only returns </a:t>
+            </a:r>
+            <a:r>
+              <a:rPr lang="en-US" sz="2400" dirty="0"/>
+              <a:t>JSON </a:t>
+            </a:r>
+            <a:r>
+              <a:rPr lang="en-US" sz="2400" dirty="0" smtClean="0"/>
+              <a:t>responses</a:t>
+            </a:r>
+            <a:endParaRPr lang="en-US" sz="2400" dirty="0"/>
+          </a:p>
+          <a:p>
+            <a:r>
+              <a:rPr lang="en-US" sz="2400" dirty="0"/>
+              <a:t>Paging is accomplished </a:t>
+            </a:r>
+            <a:r>
+              <a:rPr lang="en-US" sz="2400" dirty="0" smtClean="0"/>
+              <a:t>using $skip and $top</a:t>
+            </a:r>
+            <a:endParaRPr lang="en-US" sz="2400" dirty="0"/>
+          </a:p>
+          <a:p>
+            <a:endParaRPr lang="en-US" sz="2400" dirty="0"/>
+          </a:p>
+        </p:txBody>
+      </p:sp>
+      <p:sp>
+        <p:nvSpPr>
+          <p:cNvPr id="4" name="Slide Number Placeholder 3"/>
+          <p:cNvSpPr>
+            <a:spLocks noGrp="1"/>
+          </p:cNvSpPr>
+          <p:nvPr>
+            <p:ph type="sldNum" sz="quarter" idx="12"/>
+          </p:nvPr>
+        </p:nvSpPr>
+        <p:spPr/>
+        <p:txBody>
+          <a:bodyPr/>
+          <a:lstStyle/>
+          <a:p>
+            <a:fld id="{727B4C2D-45E2-4621-8491-2995EB46A674}" type="slidenum">
+              <a:rPr lang="en-US" smtClean="0"/>
+              <a:pPr/>
+              <a:t>28</a:t>
+            </a:fld>
+            <a:endParaRPr lang="en-US" dirty="0"/>
+          </a:p>
+        </p:txBody>
+      </p:sp>
+      <p:grpSp>
+        <p:nvGrpSpPr>
+          <p:cNvPr id="17" name="Group 16"/>
+          <p:cNvGrpSpPr/>
+          <p:nvPr/>
+        </p:nvGrpSpPr>
+        <p:grpSpPr>
+          <a:xfrm>
+            <a:off x="1160782" y="2568540"/>
+            <a:ext cx="9647631" cy="4192922"/>
+            <a:chOff x="965574" y="1803935"/>
+            <a:chExt cx="10976430" cy="4705350"/>
+          </a:xfrm>
+        </p:grpSpPr>
+        <p:pic>
+          <p:nvPicPr>
+            <p:cNvPr id="16" name="Picture 15"/>
+            <p:cNvPicPr>
+              <a:picLocks noChangeAspect="1"/>
+            </p:cNvPicPr>
+            <p:nvPr/>
+          </p:nvPicPr>
+          <p:blipFill>
+            <a:blip r:embed="rId3"/>
+            <a:stretch>
+              <a:fillRect/>
+            </a:stretch>
+          </p:blipFill>
+          <p:spPr>
+            <a:xfrm>
+              <a:off x="965574" y="1803935"/>
+              <a:ext cx="7524750" cy="4705350"/>
+            </a:xfrm>
+            <a:prstGeom prst="rect">
+              <a:avLst/>
+            </a:prstGeom>
+            <a:ln>
+              <a:solidFill>
+                <a:schemeClr val="bg1">
+                  <a:lumMod val="50000"/>
+                </a:schemeClr>
+              </a:solidFill>
+            </a:ln>
+          </p:spPr>
+        </p:pic>
+        <p:cxnSp>
+          <p:nvCxnSpPr>
+            <p:cNvPr id="8" name="Straight Arrow Connector 7"/>
+            <p:cNvCxnSpPr/>
+            <p:nvPr/>
+          </p:nvCxnSpPr>
+          <p:spPr>
+            <a:xfrm>
+              <a:off x="5866176" y="3799651"/>
+              <a:ext cx="454884" cy="125819"/>
+            </a:xfrm>
+            <a:prstGeom prst="straightConnector1">
+              <a:avLst/>
+            </a:prstGeom>
+            <a:ln w="19050">
+              <a:solidFill>
+                <a:srgbClr val="C00000"/>
+              </a:solidFill>
+              <a:prstDash val="sysDot"/>
+              <a:headEnd type="none"/>
+              <a:tailEnd type="triangle"/>
+            </a:ln>
+          </p:spPr>
+          <p:style>
+            <a:lnRef idx="1">
+              <a:schemeClr val="accent1"/>
+            </a:lnRef>
+            <a:fillRef idx="0">
+              <a:schemeClr val="accent1"/>
+            </a:fillRef>
+            <a:effectRef idx="0">
+              <a:schemeClr val="accent1"/>
+            </a:effectRef>
+            <a:fontRef idx="minor">
+              <a:schemeClr val="tx1"/>
+            </a:fontRef>
+          </p:style>
+        </p:cxnSp>
+        <p:pic>
+          <p:nvPicPr>
+            <p:cNvPr id="11" name="Picture 10"/>
+            <p:cNvPicPr>
+              <a:picLocks noChangeAspect="1"/>
+            </p:cNvPicPr>
+            <p:nvPr/>
+          </p:nvPicPr>
+          <p:blipFill>
+            <a:blip r:embed="rId4"/>
+            <a:stretch>
+              <a:fillRect/>
+            </a:stretch>
+          </p:blipFill>
+          <p:spPr>
+            <a:xfrm>
+              <a:off x="6474654" y="3699439"/>
+              <a:ext cx="5467350" cy="1343025"/>
+            </a:xfrm>
+            <a:prstGeom prst="rect">
+              <a:avLst/>
+            </a:prstGeom>
+            <a:ln>
+              <a:solidFill>
+                <a:schemeClr val="bg1">
+                  <a:lumMod val="50000"/>
+                </a:schemeClr>
+              </a:solidFill>
+            </a:ln>
+          </p:spPr>
+        </p:pic>
+      </p:grpSp>
+    </p:spTree>
+    <p:extLst>
+      <p:ext uri="{BB962C8B-B14F-4D97-AF65-F5344CB8AC3E}">
+        <p14:creationId xmlns:p14="http://schemas.microsoft.com/office/powerpoint/2010/main" val="284547847"/>
+      </p:ext>
+    </p:extLst>
+  </p:cSld>
+  <p:clrMapOvr>
+    <a:masterClrMapping/>
+  </p:clrMapOvr>
+  <p:transition>
+    <p:fade/>
+  </p:transition>
+</p:sld>
+</file>
+
+<file path=ppt/slides/slide29.xml><?xml version="1.0" encoding="utf-8"?>
+<p:sld xmlns:a="http://schemas.openxmlformats.org/drawingml/2006/main" xmlns:r="http://schemas.openxmlformats.org/officeDocument/2006/relationships" xmlns:p="http://schemas.openxmlformats.org/presentationml/2006/main">
+  <p:cSld>
+    <p:spTree>
+      <p:nvGrpSpPr>
+        <p:cNvPr id="1" name=""/>
+        <p:cNvGrpSpPr/>
+        <p:nvPr/>
+      </p:nvGrpSpPr>
+      <p:grpSpPr>
+        <a:xfrm>
+          <a:off x="0" y="0"/>
+          <a:ext cx="0" cy="0"/>
+          <a:chOff x="0" y="0"/>
+          <a:chExt cx="0" cy="0"/>
+        </a:xfrm>
+      </p:grpSpPr>
+      <p:sp>
+        <p:nvSpPr>
+          <p:cNvPr id="3" name="Title 2"/>
+          <p:cNvSpPr>
+            <a:spLocks noGrp="1"/>
+          </p:cNvSpPr>
+          <p:nvPr>
+            <p:ph type="title"/>
+          </p:nvPr>
+        </p:nvSpPr>
+        <p:spPr/>
+        <p:txBody>
+          <a:bodyPr/>
+          <a:lstStyle/>
+          <a:p>
+            <a:r>
+              <a:rPr lang="en-US" dirty="0" smtClean="0"/>
+              <a:t>Adding a new Contact</a:t>
+            </a:r>
+            <a:endParaRPr lang="en-US" dirty="0"/>
+          </a:p>
+        </p:txBody>
+      </p:sp>
+      <p:sp>
+        <p:nvSpPr>
+          <p:cNvPr id="2" name="Text Placeholder 1"/>
+          <p:cNvSpPr>
+            <a:spLocks noGrp="1"/>
+          </p:cNvSpPr>
+          <p:nvPr>
+            <p:ph type="body" sz="quarter" idx="10"/>
+          </p:nvPr>
+        </p:nvSpPr>
+        <p:spPr/>
+        <p:txBody>
+          <a:bodyPr/>
+          <a:lstStyle/>
+          <a:p>
+            <a:r>
+              <a:rPr lang="en-US" sz="3200" dirty="0" smtClean="0"/>
+              <a:t>POST to Add endpoint</a:t>
+            </a:r>
+          </a:p>
+          <a:p>
+            <a:r>
+              <a:rPr lang="en-US" sz="3200" dirty="0" smtClean="0"/>
+              <a:t>Provide </a:t>
+            </a:r>
+            <a:r>
+              <a:rPr lang="en-US" sz="3200" dirty="0" smtClean="0"/>
+              <a:t>minimum of @</a:t>
+            </a:r>
+            <a:r>
+              <a:rPr lang="en-US" sz="3200" dirty="0" err="1" smtClean="0"/>
+              <a:t>data.type</a:t>
+            </a:r>
+            <a:r>
+              <a:rPr lang="en-US" sz="3200" dirty="0" smtClean="0"/>
+              <a:t> and </a:t>
+            </a:r>
+            <a:r>
+              <a:rPr lang="en-US" sz="3200" dirty="0" err="1" smtClean="0"/>
+              <a:t>GivenName</a:t>
+            </a:r>
+            <a:r>
+              <a:rPr lang="en-US" sz="3200" dirty="0" smtClean="0"/>
+              <a:t> property</a:t>
+            </a:r>
+            <a:endParaRPr lang="en-US" sz="3200" dirty="0"/>
+          </a:p>
+        </p:txBody>
+      </p:sp>
+      <p:sp>
+        <p:nvSpPr>
+          <p:cNvPr id="4" name="Slide Number Placeholder 3"/>
+          <p:cNvSpPr>
+            <a:spLocks noGrp="1"/>
+          </p:cNvSpPr>
+          <p:nvPr>
+            <p:ph type="sldNum" sz="quarter" idx="12"/>
+          </p:nvPr>
+        </p:nvSpPr>
+        <p:spPr/>
+        <p:txBody>
+          <a:bodyPr/>
+          <a:lstStyle/>
+          <a:p>
+            <a:fld id="{727B4C2D-45E2-4621-8491-2995EB46A674}" type="slidenum">
+              <a:rPr lang="en-US" smtClean="0"/>
+              <a:pPr/>
+              <a:t>29</a:t>
+            </a:fld>
+            <a:endParaRPr lang="en-US" dirty="0"/>
+          </a:p>
+        </p:txBody>
+      </p:sp>
+      <p:pic>
+        <p:nvPicPr>
+          <p:cNvPr id="5" name="Picture 4"/>
+          <p:cNvPicPr>
+            <a:picLocks noChangeAspect="1"/>
+          </p:cNvPicPr>
+          <p:nvPr/>
+        </p:nvPicPr>
+        <p:blipFill>
+          <a:blip r:embed="rId2"/>
+          <a:stretch>
+            <a:fillRect/>
+          </a:stretch>
+        </p:blipFill>
+        <p:spPr>
+          <a:xfrm>
+            <a:off x="1214950" y="2633335"/>
+            <a:ext cx="7435025" cy="3985678"/>
+          </a:xfrm>
+          <a:prstGeom prst="rect">
+            <a:avLst/>
+          </a:prstGeom>
+          <a:ln>
+            <a:solidFill>
+              <a:schemeClr val="bg1">
+                <a:lumMod val="50000"/>
+              </a:schemeClr>
+            </a:solidFill>
+          </a:ln>
+        </p:spPr>
+      </p:pic>
+    </p:spTree>
+    <p:extLst>
+      <p:ext uri="{BB962C8B-B14F-4D97-AF65-F5344CB8AC3E}">
+        <p14:creationId xmlns:p14="http://schemas.microsoft.com/office/powerpoint/2010/main" val="2484807911"/>
+      </p:ext>
+    </p:extLst>
+  </p:cSld>
+  <p:clrMapOvr>
+    <a:masterClrMapping/>
+  </p:clrMapOvr>
+  <p:transition>
+    <p:fade/>
+  </p:transition>
+</p:sld>
+</file>
+
+<file path=ppt/slides/slide3.xml><?xml version="1.0" encoding="utf-8"?>
+<p:sld xmlns:a="http://schemas.openxmlformats.org/drawingml/2006/main" xmlns:r="http://schemas.openxmlformats.org/officeDocument/2006/relationships" xmlns:p="http://schemas.openxmlformats.org/presentationml/2006/main">
+  <p:cSld>
+    <p:spTree>
+      <p:nvGrpSpPr>
+        <p:cNvPr id="1" name=""/>
+        <p:cNvGrpSpPr/>
+        <p:nvPr/>
+      </p:nvGrpSpPr>
+      <p:grpSpPr>
+        <a:xfrm>
+          <a:off x="0" y="0"/>
+          <a:ext cx="0" cy="0"/>
+          <a:chOff x="0" y="0"/>
+          <a:chExt cx="0" cy="0"/>
+        </a:xfrm>
+      </p:grpSpPr>
+      <p:sp>
+        <p:nvSpPr>
+          <p:cNvPr id="4" name="Title 3"/>
+          <p:cNvSpPr>
+            <a:spLocks noGrp="1"/>
+          </p:cNvSpPr>
+          <p:nvPr>
+            <p:ph type="ctrTitle"/>
+          </p:nvPr>
+        </p:nvSpPr>
+        <p:spPr/>
+        <p:txBody>
+          <a:bodyPr/>
+          <a:lstStyle/>
+          <a:p>
+            <a:r>
+              <a:rPr lang="en-US" sz="4800" b="1" dirty="0"/>
+              <a:t>Deep Dive into Office 365 APIs for Calendar, Mail, and </a:t>
+            </a:r>
+            <a:r>
+              <a:rPr lang="en-US" sz="4800" b="1" dirty="0" smtClean="0"/>
+              <a:t>Contacts</a:t>
+            </a:r>
+            <a:endParaRPr lang="en-US" dirty="0"/>
+          </a:p>
+        </p:txBody>
+      </p:sp>
+      <p:sp>
+        <p:nvSpPr>
+          <p:cNvPr id="5" name="Subtitle 4"/>
+          <p:cNvSpPr>
+            <a:spLocks noGrp="1"/>
+          </p:cNvSpPr>
+          <p:nvPr>
+            <p:ph type="subTitle" idx="1"/>
+          </p:nvPr>
+        </p:nvSpPr>
+        <p:spPr>
+          <a:xfrm>
+            <a:off x="532265" y="4735249"/>
+            <a:ext cx="7640611" cy="1878025"/>
+          </a:xfrm>
+        </p:spPr>
+        <p:txBody>
+          <a:bodyPr/>
+          <a:lstStyle/>
+          <a:p>
+            <a:r>
+              <a:rPr lang="en-US" dirty="0" smtClean="0"/>
+              <a:t>Speaker</a:t>
+            </a:r>
+          </a:p>
+          <a:p>
+            <a:endParaRPr lang="en-US" dirty="0" smtClean="0"/>
+          </a:p>
+          <a:p>
+            <a:r>
+              <a:rPr lang="en-US" dirty="0" smtClean="0"/>
+              <a:t>Speaker</a:t>
+            </a:r>
+            <a:endParaRPr lang="en-US" dirty="0"/>
+          </a:p>
+        </p:txBody>
+      </p:sp>
+    </p:spTree>
+    <p:extLst>
+      <p:ext uri="{BB962C8B-B14F-4D97-AF65-F5344CB8AC3E}">
+        <p14:creationId xmlns:p14="http://schemas.microsoft.com/office/powerpoint/2010/main" val="1233982471"/>
+      </p:ext>
+    </p:extLst>
+  </p:cSld>
+  <p:clrMapOvr>
+    <a:masterClrMapping/>
+  </p:clrMapOvr>
+  <p:transition>
+    <p:fade/>
+  </p:transition>
+  <p:timing>
+    <p:tnLst>
+      <p:par>
+        <p:cTn id="1" dur="indefinite" restart="never" nodeType="tmRoot"/>
+      </p:par>
+    </p:tnLst>
+  </p:timing>
+</p:sld>
+</file>
+
+<file path=ppt/slides/slide30.xml><?xml version="1.0" encoding="utf-8"?>
+<p:sld xmlns:a="http://schemas.openxmlformats.org/drawingml/2006/main" xmlns:r="http://schemas.openxmlformats.org/officeDocument/2006/relationships" xmlns:p="http://schemas.openxmlformats.org/presentationml/2006/main">
+  <p:cSld>
+    <p:spTree>
+      <p:nvGrpSpPr>
+        <p:cNvPr id="1" name=""/>
+        <p:cNvGrpSpPr/>
+        <p:nvPr/>
+      </p:nvGrpSpPr>
+      <p:grpSpPr>
+        <a:xfrm>
+          <a:off x="0" y="0"/>
+          <a:ext cx="0" cy="0"/>
+          <a:chOff x="0" y="0"/>
+          <a:chExt cx="0" cy="0"/>
+        </a:xfrm>
+      </p:grpSpPr>
+      <p:sp>
+        <p:nvSpPr>
+          <p:cNvPr id="2" name="Text Placeholder 1"/>
+          <p:cNvSpPr>
+            <a:spLocks noGrp="1"/>
+          </p:cNvSpPr>
+          <p:nvPr>
+            <p:ph type="body" sz="quarter" idx="10"/>
+          </p:nvPr>
+        </p:nvSpPr>
+        <p:spPr>
+          <a:xfrm>
+            <a:off x="519112" y="1447799"/>
+            <a:ext cx="11149013" cy="913564"/>
+          </a:xfrm>
+        </p:spPr>
+        <p:txBody>
+          <a:bodyPr/>
+          <a:lstStyle/>
+          <a:p>
+            <a:r>
+              <a:rPr lang="en-US" dirty="0" smtClean="0"/>
+              <a:t>DELETE </a:t>
+            </a:r>
+            <a:r>
+              <a:rPr lang="en-US" dirty="0" smtClean="0"/>
+              <a:t>operation targeting </a:t>
+            </a:r>
+            <a:r>
+              <a:rPr lang="en-US" sz="3200" b="1" dirty="0" smtClean="0"/>
+              <a:t>Me/Contacts(Id)</a:t>
+            </a:r>
+            <a:endParaRPr lang="en-US" b="1" dirty="0" smtClean="0"/>
+          </a:p>
+        </p:txBody>
+      </p:sp>
+      <p:sp>
+        <p:nvSpPr>
+          <p:cNvPr id="3" name="Title 2"/>
+          <p:cNvSpPr>
+            <a:spLocks noGrp="1"/>
+          </p:cNvSpPr>
+          <p:nvPr>
+            <p:ph type="title"/>
+          </p:nvPr>
+        </p:nvSpPr>
+        <p:spPr/>
+        <p:txBody>
+          <a:bodyPr/>
+          <a:lstStyle/>
+          <a:p>
+            <a:r>
+              <a:rPr lang="en-US" dirty="0" smtClean="0"/>
+              <a:t>Deleting a Contact</a:t>
+            </a:r>
+            <a:endParaRPr lang="en-US" dirty="0"/>
+          </a:p>
+        </p:txBody>
+      </p:sp>
+      <p:sp>
+        <p:nvSpPr>
+          <p:cNvPr id="4" name="Slide Number Placeholder 3"/>
+          <p:cNvSpPr>
+            <a:spLocks noGrp="1"/>
+          </p:cNvSpPr>
+          <p:nvPr>
+            <p:ph type="sldNum" sz="quarter" idx="12"/>
+          </p:nvPr>
+        </p:nvSpPr>
+        <p:spPr/>
+        <p:txBody>
+          <a:bodyPr/>
+          <a:lstStyle/>
+          <a:p>
+            <a:fld id="{727B4C2D-45E2-4621-8491-2995EB46A674}" type="slidenum">
+              <a:rPr lang="en-US" smtClean="0"/>
+              <a:pPr/>
+              <a:t>30</a:t>
+            </a:fld>
+            <a:endParaRPr lang="en-US" dirty="0"/>
+          </a:p>
+        </p:txBody>
+      </p:sp>
+      <p:pic>
+        <p:nvPicPr>
+          <p:cNvPr id="5" name="Picture 4"/>
+          <p:cNvPicPr>
+            <a:picLocks noChangeAspect="1"/>
+          </p:cNvPicPr>
+          <p:nvPr/>
+        </p:nvPicPr>
+        <p:blipFill>
+          <a:blip r:embed="rId2"/>
+          <a:stretch>
+            <a:fillRect/>
+          </a:stretch>
+        </p:blipFill>
+        <p:spPr>
+          <a:xfrm>
+            <a:off x="519111" y="2361363"/>
+            <a:ext cx="7446631" cy="1809945"/>
+          </a:xfrm>
+          <a:prstGeom prst="rect">
+            <a:avLst/>
+          </a:prstGeom>
+          <a:ln>
+            <a:solidFill>
+              <a:schemeClr val="bg1">
+                <a:lumMod val="50000"/>
+              </a:schemeClr>
+            </a:solidFill>
+          </a:ln>
+        </p:spPr>
+      </p:pic>
+    </p:spTree>
+    <p:extLst>
+      <p:ext uri="{BB962C8B-B14F-4D97-AF65-F5344CB8AC3E}">
+        <p14:creationId xmlns:p14="http://schemas.microsoft.com/office/powerpoint/2010/main" val="590882713"/>
+      </p:ext>
+    </p:extLst>
+  </p:cSld>
+  <p:clrMapOvr>
+    <a:masterClrMapping/>
+  </p:clrMapOvr>
+  <p:transition>
+    <p:fade/>
+  </p:transition>
+</p:sld>
+</file>
+
+<file path=ppt/slides/slide31.xml><?xml version="1.0" encoding="utf-8"?>
+<p:sld xmlns:a="http://schemas.openxmlformats.org/drawingml/2006/main" xmlns:r="http://schemas.openxmlformats.org/officeDocument/2006/relationships" xmlns:p="http://schemas.openxmlformats.org/presentationml/2006/main">
+  <p:cSld>
+    <p:spTree>
+      <p:nvGrpSpPr>
+        <p:cNvPr id="1" name=""/>
+        <p:cNvGrpSpPr/>
+        <p:nvPr/>
+      </p:nvGrpSpPr>
+      <p:grpSpPr>
+        <a:xfrm>
+          <a:off x="0" y="0"/>
+          <a:ext cx="0" cy="0"/>
+          <a:chOff x="0" y="0"/>
+          <a:chExt cx="0" cy="0"/>
+        </a:xfrm>
+      </p:grpSpPr>
+      <p:sp>
+        <p:nvSpPr>
+          <p:cNvPr id="4" name="Subtitle 3"/>
+          <p:cNvSpPr>
+            <a:spLocks noGrp="1"/>
+          </p:cNvSpPr>
+          <p:nvPr>
+            <p:ph type="subTitle" idx="1"/>
+          </p:nvPr>
+        </p:nvSpPr>
+        <p:spPr/>
+        <p:txBody>
+          <a:bodyPr/>
+          <a:lstStyle/>
+          <a:p>
+            <a:r>
+              <a:rPr lang="en-US" dirty="0" smtClean="0"/>
+              <a:t>Exchange Operations using the Office 365 REST APIs</a:t>
+            </a:r>
+            <a:endParaRPr lang="en-US" dirty="0"/>
+          </a:p>
+        </p:txBody>
+      </p:sp>
+      <p:sp>
+        <p:nvSpPr>
+          <p:cNvPr id="2" name="Text Placeholder 1"/>
+          <p:cNvSpPr>
+            <a:spLocks noGrp="1"/>
+          </p:cNvSpPr>
+          <p:nvPr>
+            <p:ph type="body" sz="quarter" idx="10"/>
+          </p:nvPr>
+        </p:nvSpPr>
+        <p:spPr/>
+        <p:txBody>
+          <a:bodyPr/>
+          <a:lstStyle/>
+          <a:p>
+            <a:pPr marL="0" indent="0">
+              <a:buNone/>
+            </a:pPr>
+            <a:r>
+              <a:rPr lang="en-US" dirty="0" smtClean="0"/>
+              <a:t>demo</a:t>
+            </a:r>
+            <a:endParaRPr lang="en-US" dirty="0"/>
+          </a:p>
+        </p:txBody>
+      </p:sp>
+    </p:spTree>
+    <p:extLst>
+      <p:ext uri="{BB962C8B-B14F-4D97-AF65-F5344CB8AC3E}">
+        <p14:creationId xmlns:p14="http://schemas.microsoft.com/office/powerpoint/2010/main" val="3435347101"/>
+      </p:ext>
+    </p:extLst>
+  </p:cSld>
+  <p:clrMapOvr>
+    <a:masterClrMapping/>
+  </p:clrMapOvr>
+  <p:transition>
+    <p:fade/>
+  </p:transition>
+  <p:timing>
+    <p:tnLst>
+      <p:par>
+        <p:cTn id="1" dur="indefinite" restart="never" nodeType="tmRoot"/>
+      </p:par>
+    </p:tnLst>
+  </p:timing>
+</p:sld>
+</file>
+
+<file path=ppt/slides/slide32.xml><?xml version="1.0" encoding="utf-8"?>
+<p:sld xmlns:a="http://schemas.openxmlformats.org/drawingml/2006/main" xmlns:r="http://schemas.openxmlformats.org/officeDocument/2006/relationships" xmlns:p="http://schemas.openxmlformats.org/presentationml/2006/main">
+  <p:cSld>
+    <p:spTree>
+      <p:nvGrpSpPr>
+        <p:cNvPr id="1" name=""/>
+        <p:cNvGrpSpPr/>
+        <p:nvPr/>
+      </p:nvGrpSpPr>
+      <p:grpSpPr>
+        <a:xfrm>
+          <a:off x="0" y="0"/>
+          <a:ext cx="0" cy="0"/>
+          <a:chOff x="0" y="0"/>
+          <a:chExt cx="0" cy="0"/>
+        </a:xfrm>
+      </p:grpSpPr>
+      <p:sp>
+        <p:nvSpPr>
           <p:cNvPr id="2" name="Text Placeholder 1"/>
           <p:cNvSpPr>
             <a:spLocks noGrp="1"/>
@@ -15186,24 +17458,26 @@
           <a:p>
             <a:r>
               <a:rPr lang="en-US" dirty="0"/>
-              <a:t>File Operations with </a:t>
-            </a:r>
-            <a:r>
-              <a:rPr lang="en-US" dirty="0" err="1"/>
-              <a:t>SharePointClient</a:t>
-            </a:r>
-            <a:endParaRPr lang="en-US" dirty="0"/>
+              <a:t>Connected Services</a:t>
+            </a:r>
           </a:p>
           <a:p>
             <a:r>
               <a:rPr lang="en-US" dirty="0"/>
-              <a:t>File Operations with </a:t>
-            </a:r>
-            <a:r>
-              <a:rPr lang="en-US" dirty="0" smtClean="0"/>
-              <a:t>REST</a:t>
-            </a:r>
-            <a:endParaRPr lang="en-US" dirty="0"/>
+              <a:t>Paging Support</a:t>
+            </a:r>
+          </a:p>
+          <a:p>
+            <a:r>
+              <a:rPr lang="en-US" dirty="0"/>
+              <a:t>CRUD Support</a:t>
+            </a:r>
+          </a:p>
+          <a:p>
+            <a:r>
+              <a:rPr lang="en-US" dirty="0"/>
+              <a:t>Exchange Operations using REST</a:t>
+            </a:r>
           </a:p>
         </p:txBody>
       </p:sp>
@@ -15294,7 +17568,7 @@
 </p:sld>
 </file>
 
-<file path=ppt/slides/slide26.xml><?xml version="1.0" encoding="utf-8"?>
+<file path=ppt/slides/slide33.xml><?xml version="1.0" encoding="utf-8"?>
 <p:sld xmlns:a="http://schemas.openxmlformats.org/drawingml/2006/main" xmlns:r="http://schemas.openxmlformats.org/officeDocument/2006/relationships" xmlns:p="http://schemas.openxmlformats.org/presentationml/2006/main">
   <p:cSld>
     <p:spTree>
@@ -15679,110 +17953,6 @@
 </p:sld>
 </file>
 
-<file path=ppt/slides/slide3.xml><?xml version="1.0" encoding="utf-8"?>
-<p:sld xmlns:a="http://schemas.openxmlformats.org/drawingml/2006/main" xmlns:r="http://schemas.openxmlformats.org/officeDocument/2006/relationships" xmlns:p="http://schemas.openxmlformats.org/presentationml/2006/main">
-  <p:cSld>
-    <p:spTree>
-      <p:nvGrpSpPr>
-        <p:cNvPr id="1" name=""/>
-        <p:cNvGrpSpPr/>
-        <p:nvPr/>
-      </p:nvGrpSpPr>
-      <p:grpSpPr>
-        <a:xfrm>
-          <a:off x="0" y="0"/>
-          <a:ext cx="0" cy="0"/>
-          <a:chOff x="0" y="0"/>
-          <a:chExt cx="0" cy="0"/>
-        </a:xfrm>
-      </p:grpSpPr>
-      <p:sp>
-        <p:nvSpPr>
-          <p:cNvPr id="4" name="Title 3"/>
-          <p:cNvSpPr>
-            <a:spLocks noGrp="1"/>
-          </p:cNvSpPr>
-          <p:nvPr>
-            <p:ph type="ctrTitle"/>
-          </p:nvPr>
-        </p:nvSpPr>
-        <p:spPr/>
-        <p:txBody>
-          <a:bodyPr/>
-          <a:lstStyle/>
-          <a:p>
-            <a:r>
-              <a:rPr lang="en-US" sz="4800" b="1" dirty="0"/>
-              <a:t>Deep Dive into Office 365 APIs for Calendar, Mail, and </a:t>
-            </a:r>
-            <a:r>
-              <a:rPr lang="en-US" sz="4800" b="1" dirty="0" smtClean="0"/>
-              <a:t>Contacts</a:t>
-            </a:r>
-            <a:endParaRPr lang="en-US" dirty="0"/>
-          </a:p>
-        </p:txBody>
-      </p:sp>
-      <p:sp>
-        <p:nvSpPr>
-          <p:cNvPr id="5" name="Subtitle 4"/>
-          <p:cNvSpPr>
-            <a:spLocks noGrp="1"/>
-          </p:cNvSpPr>
-          <p:nvPr>
-            <p:ph type="subTitle" idx="1"/>
-          </p:nvPr>
-        </p:nvSpPr>
-        <p:spPr>
-          <a:xfrm>
-            <a:off x="532265" y="4735249"/>
-            <a:ext cx="7640611" cy="1878025"/>
-          </a:xfrm>
-        </p:spPr>
-        <p:txBody>
-          <a:bodyPr/>
-          <a:lstStyle/>
-          <a:p>
-            <a:r>
-              <a:rPr lang="en-US" dirty="0" smtClean="0"/>
-              <a:t>Speaker</a:t>
-            </a:r>
-          </a:p>
-          <a:p>
-            <a:endParaRPr lang="en-US" dirty="0" smtClean="0"/>
-          </a:p>
-          <a:p>
-            <a:r>
-              <a:rPr lang="en-US" dirty="0" smtClean="0"/>
-              <a:t>Speaker</a:t>
-            </a:r>
-            <a:endParaRPr lang="en-US" dirty="0"/>
-          </a:p>
-        </p:txBody>
-      </p:sp>
-    </p:spTree>
-    <p:extLst>
-      <p:ext uri="{BB962C8B-B14F-4D97-AF65-F5344CB8AC3E}">
-        <p14:creationId xmlns:p14="http://schemas.microsoft.com/office/powerpoint/2010/main" val="1233982471"/>
-      </p:ext>
-    </p:extLst>
-  </p:cSld>
-  <p:clrMapOvr>
-    <a:masterClrMapping/>
-  </p:clrMapOvr>
-  <p:transition>
-    <p:fade/>
-  </p:transition>
-  <p:timing>
-    <p:tnLst>
-      <p:par>
-        <p:cTn id="1" dur="indefinite" restart="never" nodeType="tmRoot"/>
-      </p:par>
-    </p:tnLst>
-  </p:timing>
-</p:sld>
-</file>
-
 <file path=ppt/slides/slide4.xml><?xml version="1.0" encoding="utf-8"?>
 <p:sld xmlns:a="http://schemas.openxmlformats.org/drawingml/2006/main" xmlns:r="http://schemas.openxmlformats.org/officeDocument/2006/relationships" xmlns:p="http://schemas.openxmlformats.org/presentationml/2006/main">
   <p:cSld>
@@ -15827,15 +17997,26 @@
           </a:p>
           <a:p>
             <a:r>
-              <a:rPr lang="en-US" dirty="0" err="1" smtClean="0"/>
-              <a:t>ExchangeClient</a:t>
-            </a:r>
-            <a:endParaRPr lang="en-US" dirty="0" smtClean="0"/>
-          </a:p>
-          <a:p>
-            <a:r>
               <a:rPr lang="en-US" dirty="0" smtClean="0"/>
-              <a:t>File Operations with REST</a:t>
+              <a:t>Connected Services</a:t>
+            </a:r>
+          </a:p>
+          <a:p>
+            <a:r>
+              <a:rPr lang="en-US" dirty="0" smtClean="0"/>
+              <a:t>Paging Support</a:t>
+            </a:r>
+          </a:p>
+          <a:p>
+            <a:r>
+              <a:rPr lang="en-US" dirty="0" smtClean="0"/>
+              <a:t>CRUD Support</a:t>
+            </a:r>
+          </a:p>
+          <a:p>
+            <a:r>
+              <a:rPr lang="en-US" dirty="0" smtClean="0"/>
+              <a:t>Exchange Operations using REST</a:t>
             </a:r>
           </a:p>
         </p:txBody>
@@ -16043,16 +18224,15 @@
           <a:lstStyle/>
           <a:p>
             <a:r>
-              <a:rPr lang="en-US" dirty="0" smtClean="0"/>
-              <a:t>Calendar Events</a:t>
-            </a:r>
-            <a:endParaRPr lang="en-US" dirty="0"/>
-          </a:p>
-        </p:txBody>
-      </p:sp>
-      <p:sp>
-        <p:nvSpPr>
-          <p:cNvPr id="3" name="Text Placeholder 2"/>
+              <a:rPr lang="en-US" dirty="0"/>
+              <a:t>Office 365 Exchange APIs</a:t>
+            </a:r>
+          </a:p>
+        </p:txBody>
+      </p:sp>
+      <p:sp>
+        <p:nvSpPr>
+          <p:cNvPr id="7" name="Text Placeholder 6"/>
           <p:cNvSpPr>
             <a:spLocks noGrp="1"/>
           </p:cNvSpPr>
@@ -16065,13 +18245,119 @@
           <a:bodyPr/>
           <a:lstStyle/>
           <a:p>
-            <a:endParaRPr lang="en-US"/>
-          </a:p>
-        </p:txBody>
-      </p:sp>
-      <p:sp>
-        <p:nvSpPr>
-          <p:cNvPr id="4" name="Slide Number Placeholder 3"/>
+            <a:r>
+              <a:rPr lang="en-US" sz="3600" dirty="0" smtClean="0"/>
+              <a:t>Office 365 Exchange APIs </a:t>
+            </a:r>
+          </a:p>
+          <a:p>
+            <a:pPr lvl="1"/>
+            <a:r>
+              <a:rPr lang="en-US" sz="2000" dirty="0" smtClean="0"/>
+              <a:t>Mail Message API</a:t>
+            </a:r>
+            <a:endParaRPr lang="en-US" sz="2000" dirty="0"/>
+          </a:p>
+          <a:p>
+            <a:pPr lvl="1"/>
+            <a:r>
+              <a:rPr lang="en-US" sz="2000" dirty="0" smtClean="0"/>
+              <a:t>Calendar Events API</a:t>
+            </a:r>
+            <a:endParaRPr lang="en-US" sz="2000" dirty="0"/>
+          </a:p>
+          <a:p>
+            <a:pPr lvl="1"/>
+            <a:r>
+              <a:rPr lang="en-US" sz="2000" dirty="0" smtClean="0"/>
+              <a:t>Contacts API</a:t>
+            </a:r>
+            <a:endParaRPr lang="en-US" sz="2000" dirty="0"/>
+          </a:p>
+          <a:p>
+            <a:pPr>
+              <a:lnSpc>
+                <a:spcPct val="150000"/>
+              </a:lnSpc>
+            </a:pPr>
+            <a:r>
+              <a:rPr lang="en-US" sz="3600" dirty="0"/>
+              <a:t>Office Exchange </a:t>
+            </a:r>
+            <a:r>
+              <a:rPr lang="en-US" sz="3600" dirty="0" smtClean="0"/>
+              <a:t>APIs accessible through REST</a:t>
+            </a:r>
+          </a:p>
+          <a:p>
+            <a:pPr lvl="1"/>
+            <a:r>
+              <a:rPr lang="en-US" sz="1800" b="1" dirty="0"/>
+              <a:t>https://outlook.office365.com/ews/odata/Me/Inbox/Messages</a:t>
+            </a:r>
+          </a:p>
+          <a:p>
+            <a:pPr lvl="1"/>
+            <a:r>
+              <a:rPr lang="en-US" sz="1800" b="1" dirty="0"/>
+              <a:t>https://outlook.office365.com/ews/odata/Me/Events</a:t>
+            </a:r>
+          </a:p>
+          <a:p>
+            <a:pPr lvl="1"/>
+            <a:r>
+              <a:rPr lang="en-US" sz="1800" b="1" dirty="0" smtClean="0"/>
+              <a:t>https</a:t>
+            </a:r>
+            <a:r>
+              <a:rPr lang="en-US" sz="1800" b="1" dirty="0"/>
+              <a:t>://</a:t>
+            </a:r>
+            <a:r>
+              <a:rPr lang="en-US" sz="1800" b="1" dirty="0" smtClean="0"/>
+              <a:t>outlook.office365.com/ews/odata/Me/Contacts</a:t>
+            </a:r>
+          </a:p>
+          <a:p>
+            <a:pPr>
+              <a:lnSpc>
+                <a:spcPct val="150000"/>
+              </a:lnSpc>
+            </a:pPr>
+            <a:r>
+              <a:rPr lang="en-US" sz="3600" dirty="0" smtClean="0"/>
+              <a:t>Office Exchange APIs accessible ExchangeClient</a:t>
+            </a:r>
+          </a:p>
+          <a:p>
+            <a:pPr lvl="1"/>
+            <a:r>
+              <a:rPr lang="en-US" sz="2000" dirty="0" smtClean="0"/>
+              <a:t>A library which abstracts away </a:t>
+            </a:r>
+            <a:r>
+              <a:rPr lang="en-US" sz="2000" dirty="0" smtClean="0"/>
+              <a:t>sending </a:t>
+            </a:r>
+            <a:r>
+              <a:rPr lang="en-US" sz="2000" dirty="0" smtClean="0"/>
+              <a:t>and </a:t>
+            </a:r>
+            <a:r>
+              <a:rPr lang="en-US" sz="2000" dirty="0" smtClean="0"/>
+              <a:t>receiving </a:t>
+            </a:r>
+            <a:r>
+              <a:rPr lang="en-US" sz="2000" dirty="0" smtClean="0"/>
+              <a:t>REST request</a:t>
+            </a:r>
+            <a:endParaRPr lang="en-US" sz="2000" dirty="0"/>
+          </a:p>
+        </p:txBody>
+      </p:sp>
+      <p:sp>
+        <p:nvSpPr>
+          <p:cNvPr id="3" name="Slide Number Placeholder 2"/>
           <p:cNvSpPr>
             <a:spLocks noGrp="1"/>
           </p:cNvSpPr>
@@ -16096,7 +18382,7 @@
     </p:spTree>
     <p:extLst>
       <p:ext uri="{BB962C8B-B14F-4D97-AF65-F5344CB8AC3E}">
-        <p14:creationId xmlns:p14="http://schemas.microsoft.com/office/powerpoint/2010/main" val="4251559078"/>
+        <p14:creationId xmlns:p14="http://schemas.microsoft.com/office/powerpoint/2010/main" val="3621575403"/>
       </p:ext>
     </p:extLst>
   </p:cSld>
@@ -16143,7 +18429,7 @@
           <a:p>
             <a:r>
               <a:rPr lang="en-US" dirty="0" smtClean="0"/>
-              <a:t>Email Messages</a:t>
+              <a:t>Mail Messages</a:t>
             </a:r>
             <a:endParaRPr lang="en-US" dirty="0"/>
           </a:p>
@@ -16164,7 +18450,39 @@
           <a:bodyPr/>
           <a:lstStyle/>
           <a:p>
-            <a:endParaRPr lang="en-US" dirty="0"/>
+            <a:r>
+              <a:rPr lang="en-US" sz="3600" dirty="0" smtClean="0"/>
+              <a:t>Common API operations</a:t>
+            </a:r>
+          </a:p>
+          <a:p>
+            <a:pPr lvl="1"/>
+            <a:r>
+              <a:rPr lang="en-US" sz="2000" dirty="0" smtClean="0"/>
+              <a:t>Reading messages</a:t>
+            </a:r>
+          </a:p>
+          <a:p>
+            <a:pPr lvl="1"/>
+            <a:r>
+              <a:rPr lang="en-US" sz="2000" dirty="0" smtClean="0"/>
+              <a:t>Deleting messages</a:t>
+            </a:r>
+          </a:p>
+          <a:p>
+            <a:pPr lvl="1"/>
+            <a:r>
+              <a:rPr lang="en-US" sz="2000" dirty="0" smtClean="0"/>
+              <a:t>Sending messages</a:t>
+            </a:r>
+          </a:p>
+          <a:p>
+            <a:pPr lvl="1"/>
+            <a:r>
+              <a:rPr lang="en-US" sz="2000" dirty="0" smtClean="0"/>
+              <a:t>Working with attachments</a:t>
+            </a:r>
+            <a:endParaRPr lang="en-US" sz="2000" dirty="0"/>
           </a:p>
         </p:txBody>
       </p:sp>
@@ -16200,16 +18518,15 @@
           </p:cNvPicPr>
           <p:nvPr/>
         </p:nvPicPr>
-        <p:blipFill>
+        <p:blipFill rotWithShape="1">
           <a:blip r:embed="rId2"/>
-          <a:stretch>
-            <a:fillRect/>
-          </a:stretch>
+          <a:srcRect r="31892"/>
+          <a:stretch/>
         </p:blipFill>
         <p:spPr>
           <a:xfrm>
-            <a:off x="519112" y="3601834"/>
-            <a:ext cx="9846825" cy="2268571"/>
+            <a:off x="1081386" y="3646800"/>
+            <a:ext cx="8462173" cy="2862485"/>
           </a:xfrm>
           <a:prstGeom prst="rect">
             <a:avLst/>
@@ -16223,6 +18540,129 @@
           </a:ln>
         </p:spPr>
       </p:pic>
+      <p:grpSp>
+        <p:nvGrpSpPr>
+          <p:cNvPr id="8" name="Group 7"/>
+          <p:cNvGrpSpPr/>
+          <p:nvPr/>
+        </p:nvGrpSpPr>
+        <p:grpSpPr>
+          <a:xfrm>
+            <a:off x="8425636" y="794883"/>
+            <a:ext cx="1997813" cy="3774374"/>
+            <a:chOff x="9915389" y="602548"/>
+            <a:chExt cx="1997813" cy="3774374"/>
+          </a:xfrm>
+        </p:grpSpPr>
+        <p:pic>
+          <p:nvPicPr>
+            <p:cNvPr id="5" name="Picture 4"/>
+            <p:cNvPicPr>
+              <a:picLocks noChangeAspect="1"/>
+            </p:cNvPicPr>
+            <p:nvPr/>
+          </p:nvPicPr>
+          <p:blipFill>
+            <a:blip r:embed="rId3"/>
+            <a:stretch>
+              <a:fillRect/>
+            </a:stretch>
+          </p:blipFill>
+          <p:spPr>
+            <a:xfrm>
+              <a:off x="9922576" y="976497"/>
+              <a:ext cx="1981200" cy="3400425"/>
+            </a:xfrm>
+            <a:prstGeom prst="rect">
+              <a:avLst/>
+            </a:prstGeom>
+            <a:ln>
+              <a:solidFill>
+                <a:schemeClr val="bg1">
+                  <a:lumMod val="50000"/>
+                </a:schemeClr>
+              </a:solidFill>
+            </a:ln>
+          </p:spPr>
+        </p:pic>
+        <p:sp>
+          <p:nvSpPr>
+            <p:cNvPr id="7" name="Rectangle 6"/>
+            <p:cNvSpPr/>
+            <p:nvPr/>
+          </p:nvSpPr>
+          <p:spPr bwMode="auto">
+            <a:xfrm>
+              <a:off x="9915389" y="602548"/>
+              <a:ext cx="1997813" cy="373949"/>
+            </a:xfrm>
+            <a:prstGeom prst="rect">
+              <a:avLst/>
+            </a:prstGeom>
+            <a:solidFill>
+              <a:schemeClr val="accent5"/>
+            </a:solidFill>
+            <a:ln>
+              <a:noFill/>
+              <a:headEnd type="none" w="med" len="med"/>
+              <a:tailEnd type="none" w="med" len="med"/>
+            </a:ln>
+            <a:effectLst/>
+          </p:spPr>
+          <p:style>
+            <a:lnRef idx="1">
+              <a:schemeClr val="accent2"/>
+            </a:lnRef>
+            <a:fillRef idx="3">
+              <a:schemeClr val="accent2"/>
+            </a:fillRef>
+            <a:effectRef idx="2">
+              <a:schemeClr val="accent2"/>
+            </a:effectRef>
+            <a:fontRef idx="minor">
+              <a:schemeClr val="lt1"/>
+            </a:fontRef>
+          </p:style>
+          <p:txBody>
+            <a:bodyPr rot="0" spcFirstLastPara="0" vertOverflow="overflow" horzOverflow="overflow" vert="horz" wrap="square" lIns="45720" tIns="45720" rIns="45720" bIns="45720" numCol="1" spcCol="0" rtlCol="0" fromWordArt="0" anchor="ctr" anchorCtr="0" forceAA="0" compatLnSpc="1">
+              <a:prstTxWarp prst="textNoShape">
+                <a:avLst/>
+              </a:prstTxWarp>
+              <a:noAutofit/>
+            </a:bodyPr>
+            <a:lstStyle/>
+            <a:p>
+              <a:pPr algn="ctr" defTabSz="914099" fontAlgn="base">
+                <a:spcBef>
+                  <a:spcPct val="0"/>
+                </a:spcBef>
+                <a:spcAft>
+                  <a:spcPct val="0"/>
+                </a:spcAft>
+              </a:pPr>
+              <a:r>
+                <a:rPr lang="en-US" dirty="0" smtClean="0">
+                  <a:gradFill>
+                    <a:gsLst>
+                      <a:gs pos="0">
+                        <a:srgbClr val="FFFFFF"/>
+                      </a:gs>
+                      <a:gs pos="100000">
+                        <a:srgbClr val="FFFFFF"/>
+                      </a:gs>
+                    </a:gsLst>
+                    <a:lin ang="5400000" scaled="0"/>
+                  </a:gradFill>
+                  <a:latin typeface="Arial" panose="020B0604020202020204" pitchFamily="34" charset="0"/>
+                  <a:ea typeface="Segoe UI" pitchFamily="34" charset="0"/>
+                  <a:cs typeface="Arial" panose="020B0604020202020204" pitchFamily="34" charset="0"/>
+                </a:rPr>
+                <a:t>Message</a:t>
+              </a:r>
+            </a:p>
+          </p:txBody>
+        </p:sp>
+      </p:grpSp>
     </p:spTree>
     <p:extLst>
       <p:ext uri="{BB962C8B-B14F-4D97-AF65-F5344CB8AC3E}">
@@ -16273,7 +18713,7 @@
           <a:p>
             <a:r>
               <a:rPr lang="en-US" dirty="0" smtClean="0"/>
-              <a:t>Events</a:t>
+              <a:t>Calendar Events</a:t>
             </a:r>
             <a:endParaRPr lang="en-US" dirty="0"/>
           </a:p>
@@ -16300,18 +18740,43 @@
           <a:lstStyle/>
           <a:p>
             <a:r>
-              <a:rPr lang="en-US" dirty="0" smtClean="0"/>
-              <a:t>Events are items added to </a:t>
-            </a:r>
-            <a:r>
-              <a:rPr lang="en-US" dirty="0" err="1" smtClean="0"/>
-              <a:t>Exhnage</a:t>
-            </a:r>
-            <a:r>
-              <a:rPr lang="en-US" dirty="0" smtClean="0"/>
-              <a:t> </a:t>
-            </a:r>
-            <a:endParaRPr lang="en-US" dirty="0"/>
+              <a:rPr lang="en-US" sz="3600" dirty="0"/>
+              <a:t>Common API operations</a:t>
+            </a:r>
+          </a:p>
+          <a:p>
+            <a:pPr lvl="1"/>
+            <a:r>
+              <a:rPr lang="en-US" sz="2000" dirty="0"/>
+              <a:t>Reading </a:t>
+            </a:r>
+            <a:r>
+              <a:rPr lang="en-US" sz="2000" dirty="0" smtClean="0"/>
+              <a:t>events for specific date range</a:t>
+            </a:r>
+            <a:endParaRPr lang="en-US" sz="2000" dirty="0"/>
+          </a:p>
+          <a:p>
+            <a:pPr lvl="1"/>
+            <a:r>
+              <a:rPr lang="en-US" sz="2000" dirty="0" smtClean="0"/>
+              <a:t>Creating events</a:t>
+            </a:r>
+          </a:p>
+          <a:p>
+            <a:pPr lvl="1"/>
+            <a:r>
+              <a:rPr lang="en-US" sz="2000" dirty="0"/>
+              <a:t>Deleting events</a:t>
+            </a:r>
+          </a:p>
+          <a:p>
+            <a:pPr lvl="1"/>
+            <a:r>
+              <a:rPr lang="en-US" sz="2000" dirty="0" smtClean="0"/>
+              <a:t>Editing events</a:t>
+            </a:r>
+            <a:endParaRPr lang="en-US" sz="2000" dirty="0"/>
           </a:p>
         </p:txBody>
       </p:sp>
@@ -16355,8 +18820,8 @@
         </p:blipFill>
         <p:spPr>
           <a:xfrm>
-            <a:off x="801043" y="2323280"/>
-            <a:ext cx="10143468" cy="3684666"/>
+            <a:off x="3380198" y="2853731"/>
+            <a:ext cx="7536389" cy="2737631"/>
           </a:xfrm>
           <a:prstGeom prst="rect">
             <a:avLst/>
@@ -16375,6 +18840,129 @@
           </a:ln>
         </p:spPr>
       </p:pic>
+      <p:grpSp>
+        <p:nvGrpSpPr>
+          <p:cNvPr id="11" name="Group 10"/>
+          <p:cNvGrpSpPr/>
+          <p:nvPr/>
+        </p:nvGrpSpPr>
+        <p:grpSpPr>
+          <a:xfrm>
+            <a:off x="9708891" y="1784691"/>
+            <a:ext cx="2075754" cy="2761000"/>
+            <a:chOff x="8106123" y="2853438"/>
+            <a:chExt cx="2075754" cy="2761000"/>
+          </a:xfrm>
+        </p:grpSpPr>
+        <p:pic>
+          <p:nvPicPr>
+            <p:cNvPr id="7" name="Picture 6"/>
+            <p:cNvPicPr>
+              <a:picLocks noChangeAspect="1"/>
+            </p:cNvPicPr>
+            <p:nvPr/>
+          </p:nvPicPr>
+          <p:blipFill>
+            <a:blip r:embed="rId3"/>
+            <a:stretch>
+              <a:fillRect/>
+            </a:stretch>
+          </p:blipFill>
+          <p:spPr>
+            <a:xfrm>
+              <a:off x="8117411" y="3223663"/>
+              <a:ext cx="2057400" cy="2390775"/>
+            </a:xfrm>
+            <a:prstGeom prst="rect">
+              <a:avLst/>
+            </a:prstGeom>
+            <a:ln>
+              <a:solidFill>
+                <a:schemeClr val="bg1">
+                  <a:lumMod val="50000"/>
+                </a:schemeClr>
+              </a:solidFill>
+            </a:ln>
+          </p:spPr>
+        </p:pic>
+        <p:sp>
+          <p:nvSpPr>
+            <p:cNvPr id="10" name="Rectangle 9"/>
+            <p:cNvSpPr/>
+            <p:nvPr/>
+          </p:nvSpPr>
+          <p:spPr bwMode="auto">
+            <a:xfrm>
+              <a:off x="8106123" y="2853438"/>
+              <a:ext cx="2075754" cy="373949"/>
+            </a:xfrm>
+            <a:prstGeom prst="rect">
+              <a:avLst/>
+            </a:prstGeom>
+            <a:solidFill>
+              <a:schemeClr val="accent5"/>
+            </a:solidFill>
+            <a:ln>
+              <a:noFill/>
+              <a:headEnd type="none" w="med" len="med"/>
+              <a:tailEnd type="none" w="med" len="med"/>
+            </a:ln>
+            <a:effectLst/>
+          </p:spPr>
+          <p:style>
+            <a:lnRef idx="1">
+              <a:schemeClr val="accent2"/>
+            </a:lnRef>
+            <a:fillRef idx="3">
+              <a:schemeClr val="accent2"/>
+            </a:fillRef>
+            <a:effectRef idx="2">
+              <a:schemeClr val="accent2"/>
+            </a:effectRef>
+            <a:fontRef idx="minor">
+              <a:schemeClr val="lt1"/>
+            </a:fontRef>
+          </p:style>
+          <p:txBody>
+            <a:bodyPr rot="0" spcFirstLastPara="0" vertOverflow="overflow" horzOverflow="overflow" vert="horz" wrap="square" lIns="45720" tIns="45720" rIns="45720" bIns="45720" numCol="1" spcCol="0" rtlCol="0" fromWordArt="0" anchor="ctr" anchorCtr="0" forceAA="0" compatLnSpc="1">
+              <a:prstTxWarp prst="textNoShape">
+                <a:avLst/>
+              </a:prstTxWarp>
+              <a:noAutofit/>
+            </a:bodyPr>
+            <a:lstStyle/>
+            <a:p>
+              <a:pPr algn="ctr" defTabSz="914099" fontAlgn="base">
+                <a:spcBef>
+                  <a:spcPct val="0"/>
+                </a:spcBef>
+                <a:spcAft>
+                  <a:spcPct val="0"/>
+                </a:spcAft>
+              </a:pPr>
+              <a:r>
+                <a:rPr lang="en-US" dirty="0" smtClean="0">
+                  <a:gradFill>
+                    <a:gsLst>
+                      <a:gs pos="0">
+                        <a:srgbClr val="FFFFFF"/>
+                      </a:gs>
+                      <a:gs pos="100000">
+                        <a:srgbClr val="FFFFFF"/>
+                      </a:gs>
+                    </a:gsLst>
+                    <a:lin ang="5400000" scaled="0"/>
+                  </a:gradFill>
+                  <a:latin typeface="Arial" panose="020B0604020202020204" pitchFamily="34" charset="0"/>
+                  <a:ea typeface="Segoe UI" pitchFamily="34" charset="0"/>
+                  <a:cs typeface="Arial" panose="020B0604020202020204" pitchFamily="34" charset="0"/>
+                </a:rPr>
+                <a:t>Event</a:t>
+              </a:r>
+            </a:p>
+          </p:txBody>
+        </p:sp>
+      </p:grpSp>
     </p:spTree>
     <p:extLst>
       <p:ext uri="{BB962C8B-B14F-4D97-AF65-F5344CB8AC3E}">
@@ -16446,7 +19034,54 @@
           <a:bodyPr/>
           <a:lstStyle/>
           <a:p>
-            <a:endParaRPr lang="en-US"/>
+            <a:r>
+              <a:rPr lang="en-US" sz="3600" dirty="0"/>
+              <a:t>Common API operations</a:t>
+            </a:r>
+          </a:p>
+          <a:p>
+            <a:pPr lvl="1"/>
+            <a:r>
+              <a:rPr lang="en-US" sz="2000" dirty="0" smtClean="0"/>
+              <a:t>Reading contacts</a:t>
+            </a:r>
+          </a:p>
+          <a:p>
+            <a:pPr lvl="1"/>
+            <a:r>
+              <a:rPr lang="en-US" sz="2000" dirty="0" smtClean="0"/>
+              <a:t>Searching for contacts</a:t>
+            </a:r>
+          </a:p>
+          <a:p>
+            <a:pPr lvl="1"/>
+            <a:r>
+              <a:rPr lang="en-US" sz="2000" dirty="0" smtClean="0"/>
+              <a:t>Creating contacts</a:t>
+            </a:r>
+            <a:endParaRPr lang="en-US" sz="2000" dirty="0"/>
+          </a:p>
+          <a:p>
+            <a:pPr lvl="1"/>
+            <a:r>
+              <a:rPr lang="en-US" sz="2000" dirty="0"/>
+              <a:t>Deleting </a:t>
+            </a:r>
+            <a:r>
+              <a:rPr lang="en-US" sz="2000" dirty="0" smtClean="0"/>
+              <a:t>contacts</a:t>
+            </a:r>
+            <a:endParaRPr lang="en-US" sz="2000" dirty="0"/>
+          </a:p>
+          <a:p>
+            <a:pPr lvl="1"/>
+            <a:r>
+              <a:rPr lang="en-US" sz="2000" dirty="0"/>
+              <a:t>Editing events</a:t>
+            </a:r>
+          </a:p>
+          <a:p>
+            <a:endParaRPr lang="en-US" dirty="0"/>
           </a:p>
         </p:txBody>
       </p:sp>
@@ -16460,7 +19095,12 @@
             <p:ph type="sldNum" sz="quarter" idx="12"/>
           </p:nvPr>
         </p:nvSpPr>
-        <p:spPr/>
+        <p:spPr>
+          <a:xfrm>
+            <a:off x="520700" y="6502297"/>
+            <a:ext cx="560686" cy="219456"/>
+          </a:xfrm>
+        </p:spPr>
         <p:txBody>
           <a:bodyPr/>
           <a:lstStyle/>
@@ -16476,7 +19116,7 @@
       </p:sp>
       <p:pic>
         <p:nvPicPr>
-          <p:cNvPr id="5" name="Picture 4"/>
+          <p:cNvPr id="6" name="Picture 5"/>
           <p:cNvPicPr>
             <a:picLocks noChangeAspect="1"/>
           </p:cNvPicPr>
@@ -16484,19 +19124,149 @@
         </p:nvPicPr>
         <p:blipFill rotWithShape="1">
           <a:blip r:embed="rId2"/>
-          <a:srcRect b="83179"/>
+          <a:srcRect b="21734"/>
           <a:stretch/>
         </p:blipFill>
         <p:spPr>
           <a:xfrm>
-            <a:off x="519112" y="1363132"/>
-            <a:ext cx="9846825" cy="381586"/>
+            <a:off x="1623317" y="4055168"/>
+            <a:ext cx="8293643" cy="2447129"/>
           </a:xfrm>
           <a:prstGeom prst="rect">
             <a:avLst/>
           </a:prstGeom>
+          <a:ln>
+            <a:solidFill>
+              <a:schemeClr val="bg1">
+                <a:lumMod val="50000"/>
+              </a:schemeClr>
+            </a:solidFill>
+          </a:ln>
         </p:spPr>
       </p:pic>
+      <p:grpSp>
+        <p:nvGrpSpPr>
+          <p:cNvPr id="9" name="Group 8"/>
+          <p:cNvGrpSpPr/>
+          <p:nvPr/>
+        </p:nvGrpSpPr>
+        <p:grpSpPr>
+          <a:xfrm>
+            <a:off x="7454569" y="1945448"/>
+            <a:ext cx="2952750" cy="3488624"/>
+            <a:chOff x="4618037" y="1497713"/>
+            <a:chExt cx="2952750" cy="3488624"/>
+          </a:xfrm>
+        </p:grpSpPr>
+        <p:pic>
+          <p:nvPicPr>
+            <p:cNvPr id="7" name="Picture 6"/>
+            <p:cNvPicPr>
+              <a:picLocks noChangeAspect="1"/>
+            </p:cNvPicPr>
+            <p:nvPr/>
+          </p:nvPicPr>
+          <p:blipFill>
+            <a:blip r:embed="rId3"/>
+            <a:stretch>
+              <a:fillRect/>
+            </a:stretch>
+          </p:blipFill>
+          <p:spPr>
+            <a:xfrm>
+              <a:off x="4618037" y="1871662"/>
+              <a:ext cx="2952750" cy="3114675"/>
+            </a:xfrm>
+            <a:prstGeom prst="rect">
+              <a:avLst/>
+            </a:prstGeom>
+            <a:ln>
+              <a:solidFill>
+                <a:schemeClr val="bg1">
+                  <a:lumMod val="50000"/>
+                </a:schemeClr>
+              </a:solidFill>
+            </a:ln>
+          </p:spPr>
+        </p:pic>
+        <p:sp>
+          <p:nvSpPr>
+            <p:cNvPr id="8" name="Rectangle 7"/>
+            <p:cNvSpPr/>
+            <p:nvPr/>
+          </p:nvSpPr>
+          <p:spPr bwMode="auto">
+            <a:xfrm>
+              <a:off x="4618037" y="1497713"/>
+              <a:ext cx="2952750" cy="373949"/>
+            </a:xfrm>
+            <a:prstGeom prst="rect">
+              <a:avLst/>
+            </a:prstGeom>
+            <a:solidFill>
+              <a:schemeClr val="accent5"/>
+            </a:solidFill>
+            <a:ln>
+              <a:noFill/>
+              <a:headEnd type="none" w="med" len="med"/>
+              <a:tailEnd type="none" w="med" len="med"/>
+            </a:ln>
+            <a:effectLst/>
+          </p:spPr>
+          <p:style>
+            <a:lnRef idx="1">
+              <a:schemeClr val="accent2"/>
+            </a:lnRef>
+            <a:fillRef idx="3">
+              <a:schemeClr val="accent2"/>
+            </a:fillRef>
+            <a:effectRef idx="2">
+              <a:schemeClr val="accent2"/>
+            </a:effectRef>
+            <a:fontRef idx="minor">
+              <a:schemeClr val="lt1"/>
+            </a:fontRef>
+          </p:style>
+          <p:txBody>
+            <a:bodyPr rot="0" spcFirstLastPara="0" vertOverflow="overflow" horzOverflow="overflow" vert="horz" wrap="square" lIns="45720" tIns="45720" rIns="45720" bIns="45720" numCol="1" spcCol="0" rtlCol="0" fromWordArt="0" anchor="ctr" anchorCtr="0" forceAA="0" compatLnSpc="1">
+              <a:prstTxWarp prst="textNoShape">
+                <a:avLst/>
+              </a:prstTxWarp>
+              <a:noAutofit/>
+            </a:bodyPr>
+            <a:lstStyle/>
+            <a:p>
+              <a:pPr algn="ctr" defTabSz="914099" fontAlgn="base">
+                <a:spcBef>
+                  <a:spcPct val="0"/>
+                </a:spcBef>
+                <a:spcAft>
+                  <a:spcPct val="0"/>
+                </a:spcAft>
+              </a:pPr>
+              <a:r>
+                <a:rPr lang="en-US" dirty="0" smtClean="0">
+                  <a:gradFill>
+                    <a:gsLst>
+                      <a:gs pos="0">
+                        <a:srgbClr val="FFFFFF"/>
+                      </a:gs>
+                      <a:gs pos="100000">
+                        <a:srgbClr val="FFFFFF"/>
+                      </a:gs>
+                    </a:gsLst>
+                    <a:lin ang="5400000" scaled="0"/>
+                  </a:gradFill>
+                  <a:latin typeface="Arial" panose="020B0604020202020204" pitchFamily="34" charset="0"/>
+                  <a:ea typeface="Segoe UI" pitchFamily="34" charset="0"/>
+                  <a:cs typeface="Arial" panose="020B0604020202020204" pitchFamily="34" charset="0"/>
+                </a:rPr>
+                <a:t>Contact</a:t>
+              </a:r>
+            </a:p>
+          </p:txBody>
+        </p:sp>
+      </p:grpSp>
     </p:spTree>
     <p:extLst>
       <p:ext uri="{BB962C8B-B14F-4D97-AF65-F5344CB8AC3E}">

--- a/O3653-2 Deep Dive into Office 365 APIs for Calendar, Mail, and Contacts/O3653-2 Deep Dive into Office 365 APIs for Calendar, Mail, and Contacts.pptx
+++ b/O3653-2 Deep Dive into Office 365 APIs for Calendar, Mail, and Contacts/O3653-2 Deep Dive into Office 365 APIs for Calendar, Mail, and Contacts.pptx
@@ -25,8 +25,8 @@
     <p:sldId id="893" r:id="rId16"/>
     <p:sldId id="891" r:id="rId17"/>
     <p:sldId id="894" r:id="rId18"/>
-    <p:sldId id="898" r:id="rId19"/>
-    <p:sldId id="873" r:id="rId20"/>
+    <p:sldId id="873" r:id="rId19"/>
+    <p:sldId id="898" r:id="rId20"/>
     <p:sldId id="892" r:id="rId21"/>
     <p:sldId id="899" r:id="rId22"/>
     <p:sldId id="895" r:id="rId23"/>
@@ -347,7 +347,7 @@
           <a:p>
             <a:fld id="{DE219B1A-AE41-483B-A766-69B9363DDA6A}" type="datetimeFigureOut">
               <a:rPr lang="en-US" smtClean="0"/>
-              <a:t>9/13/2014</a:t>
+              <a:t>9/29/2014</a:t>
             </a:fld>
             <a:endParaRPr lang="en-US"/>
           </a:p>
@@ -629,7 +629,7 @@
           <a:p>
             <a:fld id="{D51B1278-D92B-4AF3-A9C1-71DD298190CE}" type="datetimeFigureOut">
               <a:rPr lang="en-US" smtClean="0"/>
-              <a:t>9/13/2014</a:t>
+              <a:t>9/29/2014</a:t>
             </a:fld>
             <a:endParaRPr lang="en-US"/>
           </a:p>
@@ -1264,7 +1264,7 @@
           <a:p>
             <a:fld id="{B079C3B8-7366-4A44-A34B-3977080C19E7}" type="datetime1">
               <a:rPr lang="en-US" smtClean="0"/>
-              <a:t>9/13/2014</a:t>
+              <a:t>9/29/2014</a:t>
             </a:fld>
             <a:endParaRPr lang="en-US" dirty="0"/>
           </a:p>
@@ -1395,7 +1395,7 @@
           <a:p>
             <a:fld id="{F4ED0980-F356-492E-AEE0-341D5AB7B1F8}" type="datetime1">
               <a:rPr lang="en-US" smtClean="0"/>
-              <a:t>9/13/2014</a:t>
+              <a:t>9/29/2014</a:t>
             </a:fld>
             <a:endParaRPr lang="en-US"/>
           </a:p>
@@ -1599,9 +1599,9 @@
           <a:bodyPr/>
           <a:lstStyle/>
           <a:p>
-            <a:fld id="{25C53C72-BBB8-414B-86FA-E1FA1F2BC8CE}" type="datetime1">
+            <a:fld id="{23FDFFE0-9E47-4B8C-842E-FA426FE218C8}" type="datetime1">
               <a:rPr lang="en-US" smtClean="0"/>
-              <a:t>9/13/2014</a:t>
+              <a:t>9/29/2014</a:t>
             </a:fld>
             <a:endParaRPr lang="en-US"/>
           </a:p>
@@ -1732,7 +1732,7 @@
     </p:spTree>
     <p:extLst>
       <p:ext uri="{BB962C8B-B14F-4D97-AF65-F5344CB8AC3E}">
-        <p14:creationId xmlns:p14="http://schemas.microsoft.com/office/powerpoint/2010/main" val="3891848611"/>
+        <p14:creationId xmlns:p14="http://schemas.microsoft.com/office/powerpoint/2010/main" val="2819406764"/>
       </p:ext>
     </p:extLst>
   </p:cSld>
@@ -1805,9 +1805,9 @@
           <a:bodyPr/>
           <a:lstStyle/>
           <a:p>
-            <a:fld id="{23FDFFE0-9E47-4B8C-842E-FA426FE218C8}" type="datetime1">
+            <a:fld id="{25C53C72-BBB8-414B-86FA-E1FA1F2BC8CE}" type="datetime1">
               <a:rPr lang="en-US" smtClean="0"/>
-              <a:t>9/13/2014</a:t>
+              <a:t>9/29/2014</a:t>
             </a:fld>
             <a:endParaRPr lang="en-US"/>
           </a:p>
@@ -1938,7 +1938,7 @@
     </p:spTree>
     <p:extLst>
       <p:ext uri="{BB962C8B-B14F-4D97-AF65-F5344CB8AC3E}">
-        <p14:creationId xmlns:p14="http://schemas.microsoft.com/office/powerpoint/2010/main" val="2819406764"/>
+        <p14:creationId xmlns:p14="http://schemas.microsoft.com/office/powerpoint/2010/main" val="3891848611"/>
       </p:ext>
     </p:extLst>
   </p:cSld>
@@ -2050,7 +2050,7 @@
                 </a:solidFill>
               </a:rPr>
               <a:pPr/>
-              <a:t>9/13/2014</a:t>
+              <a:t>9/29/2014</a:t>
             </a:fld>
             <a:endParaRPr lang="en-US" dirty="0">
               <a:solidFill>
@@ -2208,7 +2208,7 @@
           <a:p>
             <a:fld id="{9F6C2A45-62A9-453C-B1A0-E9BD4232256A}" type="datetime1">
               <a:rPr lang="en-US" smtClean="0"/>
-              <a:t>9/13/2014</a:t>
+              <a:t>9/29/2014</a:t>
             </a:fld>
             <a:endParaRPr lang="en-US"/>
           </a:p>
@@ -2468,7 +2468,7 @@
           <a:p>
             <a:fld id="{B079C3B8-7366-4A44-A34B-3977080C19E7}" type="datetime1">
               <a:rPr lang="en-US" smtClean="0"/>
-              <a:t>9/13/2014</a:t>
+              <a:t>9/29/2014</a:t>
             </a:fld>
             <a:endParaRPr lang="en-US" dirty="0"/>
           </a:p>
@@ -2710,7 +2710,7 @@
           <a:p>
             <a:fld id="{0BB6559B-C68D-49B4-97AE-9BB74C417927}" type="datetime1">
               <a:rPr lang="en-US" smtClean="0"/>
-              <a:t>9/13/2014</a:t>
+              <a:t>9/29/2014</a:t>
             </a:fld>
             <a:endParaRPr lang="en-US"/>
           </a:p>
@@ -12823,33 +12823,6 @@
           </a:p>
         </p:txBody>
       </p:sp>
-      <p:sp>
-        <p:nvSpPr>
-          <p:cNvPr id="3" name="Text Placeholder 2"/>
-          <p:cNvSpPr>
-            <a:spLocks noGrp="1"/>
-          </p:cNvSpPr>
-          <p:nvPr>
-            <p:ph type="body" sz="quarter" idx="12"/>
-          </p:nvPr>
-        </p:nvSpPr>
-        <p:spPr/>
-        <p:txBody>
-          <a:bodyPr/>
-          <a:lstStyle/>
-          <a:p>
-            <a:r>
-              <a:rPr lang="en-US" dirty="0" err="1" smtClean="0"/>
-              <a:t>Sepetember</a:t>
-            </a:r>
-            <a:r>
-              <a:rPr lang="en-US" dirty="0" smtClean="0"/>
-              <a:t> 2014</a:t>
-            </a:r>
-            <a:endParaRPr lang="en-US" dirty="0"/>
-          </a:p>
-        </p:txBody>
-      </p:sp>
     </p:spTree>
     <p:extLst>
       <p:ext uri="{BB962C8B-B14F-4D97-AF65-F5344CB8AC3E}">
@@ -13169,21 +13142,6 @@
               </a:rPr>
               <a:t>1</a:t>
             </a:r>
-            <a:endParaRPr lang="en-US" sz="2200" dirty="0" smtClean="0">
-              <a:gradFill>
-                <a:gsLst>
-                  <a:gs pos="0">
-                    <a:srgbClr val="FFFFFF"/>
-                  </a:gs>
-                  <a:gs pos="100000">
-                    <a:srgbClr val="FFFFFF"/>
-                  </a:gs>
-                </a:gsLst>
-                <a:lin ang="5400000" scaled="0"/>
-              </a:gradFill>
-              <a:ea typeface="Segoe UI" pitchFamily="34" charset="0"/>
-              <a:cs typeface="Segoe UI" pitchFamily="34" charset="0"/>
-            </a:endParaRPr>
           </a:p>
         </p:txBody>
       </p:sp>
@@ -13225,19 +13183,6 @@
               </a:rPr>
               <a:t>Project &gt; Add &gt; Connected Service…</a:t>
             </a:r>
-            <a:endParaRPr lang="en-US" sz="2000" spc="-70" dirty="0" smtClean="0">
-              <a:gradFill>
-                <a:gsLst>
-                  <a:gs pos="2917">
-                    <a:schemeClr val="bg2"/>
-                  </a:gs>
-                  <a:gs pos="95000">
-                    <a:schemeClr val="bg2"/>
-                  </a:gs>
-                </a:gsLst>
-                <a:lin ang="5400000" scaled="0"/>
-              </a:gradFill>
-            </a:endParaRPr>
           </a:p>
         </p:txBody>
       </p:sp>
@@ -13314,21 +13259,6 @@
               </a:rPr>
               <a:t>2</a:t>
             </a:r>
-            <a:endParaRPr lang="en-US" sz="2200" dirty="0" smtClean="0">
-              <a:gradFill>
-                <a:gsLst>
-                  <a:gs pos="0">
-                    <a:srgbClr val="FFFFFF"/>
-                  </a:gs>
-                  <a:gs pos="100000">
-                    <a:srgbClr val="FFFFFF"/>
-                  </a:gs>
-                </a:gsLst>
-                <a:lin ang="5400000" scaled="0"/>
-              </a:gradFill>
-              <a:ea typeface="Segoe UI" pitchFamily="34" charset="0"/>
-              <a:cs typeface="Segoe UI" pitchFamily="34" charset="0"/>
-            </a:endParaRPr>
           </a:p>
         </p:txBody>
       </p:sp>
@@ -13370,19 +13300,6 @@
               </a:rPr>
               <a:t>Register your app</a:t>
             </a:r>
-            <a:endParaRPr lang="en-US" sz="2000" spc="-70" dirty="0" smtClean="0">
-              <a:gradFill>
-                <a:gsLst>
-                  <a:gs pos="2917">
-                    <a:schemeClr val="bg2"/>
-                  </a:gs>
-                  <a:gs pos="95000">
-                    <a:schemeClr val="bg2"/>
-                  </a:gs>
-                </a:gsLst>
-                <a:lin ang="5400000" scaled="0"/>
-              </a:gradFill>
-            </a:endParaRPr>
           </a:p>
         </p:txBody>
       </p:sp>
@@ -13637,21 +13554,6 @@
               </a:rPr>
               <a:t>3</a:t>
             </a:r>
-            <a:endParaRPr lang="en-US" sz="2200" dirty="0" smtClean="0">
-              <a:gradFill>
-                <a:gsLst>
-                  <a:gs pos="0">
-                    <a:srgbClr val="FFFFFF"/>
-                  </a:gs>
-                  <a:gs pos="100000">
-                    <a:srgbClr val="FFFFFF"/>
-                  </a:gs>
-                </a:gsLst>
-                <a:lin ang="5400000" scaled="0"/>
-              </a:gradFill>
-              <a:ea typeface="Segoe UI" pitchFamily="34" charset="0"/>
-              <a:cs typeface="Segoe UI" pitchFamily="34" charset="0"/>
-            </a:endParaRPr>
           </a:p>
         </p:txBody>
       </p:sp>
@@ -13693,19 +13595,6 @@
               </a:rPr>
               <a:t>Select required app permissions</a:t>
             </a:r>
-            <a:endParaRPr lang="en-US" sz="2000" spc="-70" dirty="0" smtClean="0">
-              <a:gradFill>
-                <a:gsLst>
-                  <a:gs pos="2917">
-                    <a:schemeClr val="bg2"/>
-                  </a:gs>
-                  <a:gs pos="95000">
-                    <a:schemeClr val="bg2"/>
-                  </a:gs>
-                </a:gsLst>
-                <a:lin ang="5400000" scaled="0"/>
-              </a:gradFill>
-            </a:endParaRPr>
           </a:p>
         </p:txBody>
       </p:sp>
@@ -14239,28 +14128,768 @@
           <a:chExt cx="0" cy="0"/>
         </a:xfrm>
       </p:grpSpPr>
-      <p:sp>
-        <p:nvSpPr>
-          <p:cNvPr id="2" name="Title 1"/>
+      <p:pic>
+        <p:nvPicPr>
+          <p:cNvPr id="2" name="Picture 1"/>
+          <p:cNvPicPr>
+            <a:picLocks noChangeAspect="1"/>
+          </p:cNvPicPr>
+          <p:nvPr/>
+        </p:nvPicPr>
+        <p:blipFill>
+          <a:blip r:embed="rId3"/>
+          <a:stretch>
+            <a:fillRect/>
+          </a:stretch>
+        </p:blipFill>
+        <p:spPr>
+          <a:xfrm>
+            <a:off x="658637" y="101719"/>
+            <a:ext cx="8545325" cy="6646942"/>
+          </a:xfrm>
+          <a:prstGeom prst="rect">
+            <a:avLst/>
+          </a:prstGeom>
+          <a:ln>
+            <a:solidFill>
+              <a:schemeClr val="bg1">
+                <a:lumMod val="50000"/>
+              </a:schemeClr>
+            </a:solidFill>
+          </a:ln>
+        </p:spPr>
+      </p:pic>
+      <p:sp>
+        <p:nvSpPr>
+          <p:cNvPr id="4" name="Slide Number Placeholder 3"/>
           <p:cNvSpPr>
             <a:spLocks noGrp="1"/>
           </p:cNvSpPr>
           <p:nvPr>
-            <p:ph type="title"/>
-          </p:nvPr>
-        </p:nvSpPr>
-        <p:spPr/>
+            <p:ph type="sldNum" sz="quarter" idx="4294967295"/>
+          </p:nvPr>
+        </p:nvSpPr>
+        <p:spPr>
+          <a:xfrm>
+            <a:off x="0" y="6399213"/>
+            <a:ext cx="560388" cy="219075"/>
+          </a:xfrm>
+          <a:prstGeom prst="rect">
+            <a:avLst/>
+          </a:prstGeom>
+        </p:spPr>
         <p:txBody>
           <a:bodyPr/>
           <a:lstStyle/>
           <a:p>
+            <a:fld id="{727B4C2D-45E2-4621-8491-2995EB46A674}" type="slidenum">
+              <a:rPr lang="en-US" smtClean="0"/>
+              <a:pPr/>
+              <a:t>14</a:t>
+            </a:fld>
+            <a:endParaRPr lang="en-US" dirty="0"/>
+          </a:p>
+        </p:txBody>
+      </p:sp>
+      <p:sp>
+        <p:nvSpPr>
+          <p:cNvPr id="8" name="Text Placeholder 6"/>
+          <p:cNvSpPr txBox="1">
+            <a:spLocks/>
+          </p:cNvSpPr>
+          <p:nvPr/>
+        </p:nvSpPr>
+        <p:spPr>
+          <a:xfrm>
+            <a:off x="7676766" y="1394315"/>
+            <a:ext cx="3625818" cy="771763"/>
+          </a:xfrm>
+          <a:prstGeom prst="rect">
+            <a:avLst/>
+          </a:prstGeom>
+          <a:solidFill>
+            <a:schemeClr val="accent2">
+              <a:lumMod val="20000"/>
+              <a:lumOff val="80000"/>
+            </a:schemeClr>
+          </a:solidFill>
+          <a:ln>
+            <a:solidFill>
+              <a:schemeClr val="bg1">
+                <a:lumMod val="65000"/>
+              </a:schemeClr>
+            </a:solidFill>
+          </a:ln>
+        </p:spPr>
+        <p:txBody>
+          <a:bodyPr lIns="91440" tIns="182880" rIns="91440"/>
+          <a:lstStyle>
+            <a:lvl1pPr marL="339725" marR="0" indent="-339725" algn="l" defTabSz="914363" rtl="0" eaLnBrk="1" fontAlgn="auto" latinLnBrk="0" hangingPunct="1">
+              <a:lnSpc>
+                <a:spcPct val="90000"/>
+              </a:lnSpc>
+              <a:spcBef>
+                <a:spcPct val="20000"/>
+              </a:spcBef>
+              <a:spcAft>
+                <a:spcPts val="0"/>
+              </a:spcAft>
+              <a:buClrTx/>
+              <a:buSzPct val="80000"/>
+              <a:buFont typeface="Arial" pitchFamily="34" charset="0"/>
+              <a:buChar char="•"/>
+              <a:tabLst/>
+              <a:defRPr sz="3600" kern="1200" spc="-70" baseline="0">
+                <a:gradFill>
+                  <a:gsLst>
+                    <a:gs pos="1250">
+                      <a:schemeClr val="bg2"/>
+                    </a:gs>
+                    <a:gs pos="100000">
+                      <a:schemeClr val="bg2"/>
+                    </a:gs>
+                  </a:gsLst>
+                  <a:lin ang="5400000" scaled="0"/>
+                </a:gradFill>
+                <a:latin typeface="+mj-lt"/>
+                <a:ea typeface="+mn-ea"/>
+                <a:cs typeface="+mn-cs"/>
+              </a:defRPr>
+            </a:lvl1pPr>
+            <a:lvl2pPr marL="573088" marR="0" indent="-233363" algn="l" defTabSz="914363" rtl="0" eaLnBrk="1" fontAlgn="auto" latinLnBrk="0" hangingPunct="1">
+              <a:lnSpc>
+                <a:spcPct val="90000"/>
+              </a:lnSpc>
+              <a:spcBef>
+                <a:spcPct val="20000"/>
+              </a:spcBef>
+              <a:spcAft>
+                <a:spcPts val="0"/>
+              </a:spcAft>
+              <a:buClrTx/>
+              <a:buSzPct val="90000"/>
+              <a:buFont typeface="Wingdings" pitchFamily="2" charset="2"/>
+              <a:buChar char=""/>
+              <a:tabLst/>
+              <a:defRPr sz="2400" kern="1200" spc="0" baseline="0">
+                <a:gradFill>
+                  <a:gsLst>
+                    <a:gs pos="1250">
+                      <a:schemeClr val="bg2"/>
+                    </a:gs>
+                    <a:gs pos="100000">
+                      <a:schemeClr val="bg2"/>
+                    </a:gs>
+                  </a:gsLst>
+                  <a:lin ang="5400000" scaled="0"/>
+                </a:gradFill>
+                <a:latin typeface="+mn-lt"/>
+                <a:ea typeface="+mn-ea"/>
+                <a:cs typeface="+mn-cs"/>
+              </a:defRPr>
+            </a:lvl2pPr>
+            <a:lvl3pPr marL="798513" marR="0" indent="-225425" algn="l" defTabSz="914363" rtl="0" eaLnBrk="1" fontAlgn="auto" latinLnBrk="0" hangingPunct="1">
+              <a:lnSpc>
+                <a:spcPct val="90000"/>
+              </a:lnSpc>
+              <a:spcBef>
+                <a:spcPct val="20000"/>
+              </a:spcBef>
+              <a:spcAft>
+                <a:spcPts val="0"/>
+              </a:spcAft>
+              <a:buClrTx/>
+              <a:buSzPct val="90000"/>
+              <a:buFont typeface="Wingdings" pitchFamily="2" charset="2"/>
+              <a:buChar char=""/>
+              <a:tabLst>
+                <a:tab pos="798513" algn="l"/>
+              </a:tabLst>
+              <a:defRPr sz="2400" kern="1200" spc="0" baseline="0">
+                <a:gradFill>
+                  <a:gsLst>
+                    <a:gs pos="1250">
+                      <a:schemeClr val="bg2"/>
+                    </a:gs>
+                    <a:gs pos="100000">
+                      <a:schemeClr val="bg2"/>
+                    </a:gs>
+                  </a:gsLst>
+                  <a:lin ang="5400000" scaled="0"/>
+                </a:gradFill>
+                <a:latin typeface="+mn-lt"/>
+                <a:ea typeface="+mn-ea"/>
+                <a:cs typeface="+mn-cs"/>
+              </a:defRPr>
+            </a:lvl3pPr>
+            <a:lvl4pPr marL="1030288" marR="0" indent="-231775" algn="l" defTabSz="914363" rtl="0" eaLnBrk="1" fontAlgn="auto" latinLnBrk="0" hangingPunct="1">
+              <a:lnSpc>
+                <a:spcPct val="90000"/>
+              </a:lnSpc>
+              <a:spcBef>
+                <a:spcPct val="20000"/>
+              </a:spcBef>
+              <a:spcAft>
+                <a:spcPts val="0"/>
+              </a:spcAft>
+              <a:buClrTx/>
+              <a:buSzPct val="90000"/>
+              <a:buFont typeface="Wingdings" pitchFamily="2" charset="2"/>
+              <a:buChar char=""/>
+              <a:tabLst/>
+              <a:defRPr sz="2000" kern="1200" spc="0" baseline="0">
+                <a:gradFill>
+                  <a:gsLst>
+                    <a:gs pos="1250">
+                      <a:schemeClr val="bg2"/>
+                    </a:gs>
+                    <a:gs pos="100000">
+                      <a:schemeClr val="bg2"/>
+                    </a:gs>
+                  </a:gsLst>
+                  <a:lin ang="5400000" scaled="0"/>
+                </a:gradFill>
+                <a:latin typeface="+mn-lt"/>
+                <a:ea typeface="+mn-ea"/>
+                <a:cs typeface="+mn-cs"/>
+              </a:defRPr>
+            </a:lvl4pPr>
+            <a:lvl5pPr marL="1255713" marR="0" indent="-225425" algn="l" defTabSz="914363" rtl="0" eaLnBrk="1" fontAlgn="auto" latinLnBrk="0" hangingPunct="1">
+              <a:lnSpc>
+                <a:spcPct val="90000"/>
+              </a:lnSpc>
+              <a:spcBef>
+                <a:spcPct val="20000"/>
+              </a:spcBef>
+              <a:spcAft>
+                <a:spcPts val="0"/>
+              </a:spcAft>
+              <a:buClrTx/>
+              <a:buSzPct val="90000"/>
+              <a:buFont typeface="Wingdings" pitchFamily="2" charset="2"/>
+              <a:buChar char=""/>
+              <a:tabLst>
+                <a:tab pos="1255713" algn="l"/>
+              </a:tabLst>
+              <a:defRPr sz="2000" kern="1200" spc="0" baseline="0">
+                <a:gradFill>
+                  <a:gsLst>
+                    <a:gs pos="1250">
+                      <a:schemeClr val="bg2"/>
+                    </a:gs>
+                    <a:gs pos="100000">
+                      <a:schemeClr val="bg2"/>
+                    </a:gs>
+                  </a:gsLst>
+                  <a:lin ang="5400000" scaled="0"/>
+                </a:gradFill>
+                <a:latin typeface="+mn-lt"/>
+                <a:ea typeface="+mn-ea"/>
+                <a:cs typeface="+mn-cs"/>
+              </a:defRPr>
+            </a:lvl5pPr>
+            <a:lvl6pPr marL="2514499" indent="-228591" algn="l" defTabSz="914363" rtl="0" eaLnBrk="1" latinLnBrk="0" hangingPunct="1">
+              <a:spcBef>
+                <a:spcPct val="20000"/>
+              </a:spcBef>
+              <a:buFont typeface="Arial" pitchFamily="34" charset="0"/>
+              <a:buChar char="•"/>
+              <a:defRPr sz="2000" kern="1200">
+                <a:solidFill>
+                  <a:schemeClr val="tx1"/>
+                </a:solidFill>
+                <a:latin typeface="+mn-lt"/>
+                <a:ea typeface="+mn-ea"/>
+                <a:cs typeface="+mn-cs"/>
+              </a:defRPr>
+            </a:lvl6pPr>
+            <a:lvl7pPr marL="2971681" indent="-228591" algn="l" defTabSz="914363" rtl="0" eaLnBrk="1" latinLnBrk="0" hangingPunct="1">
+              <a:spcBef>
+                <a:spcPct val="20000"/>
+              </a:spcBef>
+              <a:buFont typeface="Arial" pitchFamily="34" charset="0"/>
+              <a:buChar char="•"/>
+              <a:defRPr sz="2000" kern="1200">
+                <a:solidFill>
+                  <a:schemeClr val="tx1"/>
+                </a:solidFill>
+                <a:latin typeface="+mn-lt"/>
+                <a:ea typeface="+mn-ea"/>
+                <a:cs typeface="+mn-cs"/>
+              </a:defRPr>
+            </a:lvl7pPr>
+            <a:lvl8pPr marL="3428863" indent="-228591" algn="l" defTabSz="914363" rtl="0" eaLnBrk="1" latinLnBrk="0" hangingPunct="1">
+              <a:spcBef>
+                <a:spcPct val="20000"/>
+              </a:spcBef>
+              <a:buFont typeface="Arial" pitchFamily="34" charset="0"/>
+              <a:buChar char="•"/>
+              <a:defRPr sz="2000" kern="1200">
+                <a:solidFill>
+                  <a:schemeClr val="tx1"/>
+                </a:solidFill>
+                <a:latin typeface="+mn-lt"/>
+                <a:ea typeface="+mn-ea"/>
+                <a:cs typeface="+mn-cs"/>
+              </a:defRPr>
+            </a:lvl8pPr>
+            <a:lvl9pPr marL="3886045" indent="-228591" algn="l" defTabSz="914363" rtl="0" eaLnBrk="1" latinLnBrk="0" hangingPunct="1">
+              <a:spcBef>
+                <a:spcPct val="20000"/>
+              </a:spcBef>
+              <a:buFont typeface="Arial" pitchFamily="34" charset="0"/>
+              <a:buChar char="•"/>
+              <a:defRPr sz="2000" kern="1200">
+                <a:solidFill>
+                  <a:schemeClr val="tx1"/>
+                </a:solidFill>
+                <a:latin typeface="+mn-lt"/>
+                <a:ea typeface="+mn-ea"/>
+                <a:cs typeface="+mn-cs"/>
+              </a:defRPr>
+            </a:lvl9pPr>
+          </a:lstStyle>
+          <a:p>
+            <a:pPr marL="0" indent="0">
+              <a:buNone/>
+            </a:pPr>
+            <a:r>
+              <a:rPr lang="en-US" sz="1800" dirty="0" smtClean="0">
+                <a:solidFill>
+                  <a:srgbClr val="FF0000"/>
+                </a:solidFill>
+              </a:rPr>
+              <a:t>Discovery service resource using </a:t>
+            </a:r>
+            <a:r>
+              <a:rPr lang="en-US" sz="1800" b="1" dirty="0" err="1" smtClean="0">
+                <a:solidFill>
+                  <a:srgbClr val="FF0000"/>
+                </a:solidFill>
+              </a:rPr>
+              <a:t>DiscoverResourceAsync</a:t>
+            </a:r>
+            <a:endParaRPr lang="en-US" sz="1800" b="1" dirty="0" smtClean="0">
+              <a:solidFill>
+                <a:srgbClr val="FF0000"/>
+              </a:solidFill>
+            </a:endParaRPr>
+          </a:p>
+        </p:txBody>
+      </p:sp>
+      <p:sp>
+        <p:nvSpPr>
+          <p:cNvPr id="9" name="Text Placeholder 6"/>
+          <p:cNvSpPr txBox="1">
+            <a:spLocks/>
+          </p:cNvSpPr>
+          <p:nvPr/>
+        </p:nvSpPr>
+        <p:spPr>
+          <a:xfrm>
+            <a:off x="6468256" y="5832315"/>
+            <a:ext cx="5368978" cy="566898"/>
+          </a:xfrm>
+          <a:prstGeom prst="rect">
+            <a:avLst/>
+          </a:prstGeom>
+          <a:solidFill>
+            <a:schemeClr val="accent2">
+              <a:lumMod val="20000"/>
+              <a:lumOff val="80000"/>
+            </a:schemeClr>
+          </a:solidFill>
+          <a:ln>
+            <a:solidFill>
+              <a:schemeClr val="bg1">
+                <a:lumMod val="65000"/>
+              </a:schemeClr>
+            </a:solidFill>
+          </a:ln>
+        </p:spPr>
+        <p:txBody>
+          <a:bodyPr lIns="91440" tIns="182880" rIns="91440"/>
+          <a:lstStyle>
+            <a:lvl1pPr marL="339725" marR="0" indent="-339725" algn="l" defTabSz="914363" rtl="0" eaLnBrk="1" fontAlgn="auto" latinLnBrk="0" hangingPunct="1">
+              <a:lnSpc>
+                <a:spcPct val="90000"/>
+              </a:lnSpc>
+              <a:spcBef>
+                <a:spcPct val="20000"/>
+              </a:spcBef>
+              <a:spcAft>
+                <a:spcPts val="0"/>
+              </a:spcAft>
+              <a:buClrTx/>
+              <a:buSzPct val="80000"/>
+              <a:buFont typeface="Arial" pitchFamily="34" charset="0"/>
+              <a:buChar char="•"/>
+              <a:tabLst/>
+              <a:defRPr sz="3600" kern="1200" spc="-70" baseline="0">
+                <a:gradFill>
+                  <a:gsLst>
+                    <a:gs pos="1250">
+                      <a:schemeClr val="bg2"/>
+                    </a:gs>
+                    <a:gs pos="100000">
+                      <a:schemeClr val="bg2"/>
+                    </a:gs>
+                  </a:gsLst>
+                  <a:lin ang="5400000" scaled="0"/>
+                </a:gradFill>
+                <a:latin typeface="+mj-lt"/>
+                <a:ea typeface="+mn-ea"/>
+                <a:cs typeface="+mn-cs"/>
+              </a:defRPr>
+            </a:lvl1pPr>
+            <a:lvl2pPr marL="573088" marR="0" indent="-233363" algn="l" defTabSz="914363" rtl="0" eaLnBrk="1" fontAlgn="auto" latinLnBrk="0" hangingPunct="1">
+              <a:lnSpc>
+                <a:spcPct val="90000"/>
+              </a:lnSpc>
+              <a:spcBef>
+                <a:spcPct val="20000"/>
+              </a:spcBef>
+              <a:spcAft>
+                <a:spcPts val="0"/>
+              </a:spcAft>
+              <a:buClrTx/>
+              <a:buSzPct val="90000"/>
+              <a:buFont typeface="Wingdings" pitchFamily="2" charset="2"/>
+              <a:buChar char=""/>
+              <a:tabLst/>
+              <a:defRPr sz="2400" kern="1200" spc="0" baseline="0">
+                <a:gradFill>
+                  <a:gsLst>
+                    <a:gs pos="1250">
+                      <a:schemeClr val="bg2"/>
+                    </a:gs>
+                    <a:gs pos="100000">
+                      <a:schemeClr val="bg2"/>
+                    </a:gs>
+                  </a:gsLst>
+                  <a:lin ang="5400000" scaled="0"/>
+                </a:gradFill>
+                <a:latin typeface="+mn-lt"/>
+                <a:ea typeface="+mn-ea"/>
+                <a:cs typeface="+mn-cs"/>
+              </a:defRPr>
+            </a:lvl2pPr>
+            <a:lvl3pPr marL="798513" marR="0" indent="-225425" algn="l" defTabSz="914363" rtl="0" eaLnBrk="1" fontAlgn="auto" latinLnBrk="0" hangingPunct="1">
+              <a:lnSpc>
+                <a:spcPct val="90000"/>
+              </a:lnSpc>
+              <a:spcBef>
+                <a:spcPct val="20000"/>
+              </a:spcBef>
+              <a:spcAft>
+                <a:spcPts val="0"/>
+              </a:spcAft>
+              <a:buClrTx/>
+              <a:buSzPct val="90000"/>
+              <a:buFont typeface="Wingdings" pitchFamily="2" charset="2"/>
+              <a:buChar char=""/>
+              <a:tabLst>
+                <a:tab pos="798513" algn="l"/>
+              </a:tabLst>
+              <a:defRPr sz="2400" kern="1200" spc="0" baseline="0">
+                <a:gradFill>
+                  <a:gsLst>
+                    <a:gs pos="1250">
+                      <a:schemeClr val="bg2"/>
+                    </a:gs>
+                    <a:gs pos="100000">
+                      <a:schemeClr val="bg2"/>
+                    </a:gs>
+                  </a:gsLst>
+                  <a:lin ang="5400000" scaled="0"/>
+                </a:gradFill>
+                <a:latin typeface="+mn-lt"/>
+                <a:ea typeface="+mn-ea"/>
+                <a:cs typeface="+mn-cs"/>
+              </a:defRPr>
+            </a:lvl3pPr>
+            <a:lvl4pPr marL="1030288" marR="0" indent="-231775" algn="l" defTabSz="914363" rtl="0" eaLnBrk="1" fontAlgn="auto" latinLnBrk="0" hangingPunct="1">
+              <a:lnSpc>
+                <a:spcPct val="90000"/>
+              </a:lnSpc>
+              <a:spcBef>
+                <a:spcPct val="20000"/>
+              </a:spcBef>
+              <a:spcAft>
+                <a:spcPts val="0"/>
+              </a:spcAft>
+              <a:buClrTx/>
+              <a:buSzPct val="90000"/>
+              <a:buFont typeface="Wingdings" pitchFamily="2" charset="2"/>
+              <a:buChar char=""/>
+              <a:tabLst/>
+              <a:defRPr sz="2000" kern="1200" spc="0" baseline="0">
+                <a:gradFill>
+                  <a:gsLst>
+                    <a:gs pos="1250">
+                      <a:schemeClr val="bg2"/>
+                    </a:gs>
+                    <a:gs pos="100000">
+                      <a:schemeClr val="bg2"/>
+                    </a:gs>
+                  </a:gsLst>
+                  <a:lin ang="5400000" scaled="0"/>
+                </a:gradFill>
+                <a:latin typeface="+mn-lt"/>
+                <a:ea typeface="+mn-ea"/>
+                <a:cs typeface="+mn-cs"/>
+              </a:defRPr>
+            </a:lvl4pPr>
+            <a:lvl5pPr marL="1255713" marR="0" indent="-225425" algn="l" defTabSz="914363" rtl="0" eaLnBrk="1" fontAlgn="auto" latinLnBrk="0" hangingPunct="1">
+              <a:lnSpc>
+                <a:spcPct val="90000"/>
+              </a:lnSpc>
+              <a:spcBef>
+                <a:spcPct val="20000"/>
+              </a:spcBef>
+              <a:spcAft>
+                <a:spcPts val="0"/>
+              </a:spcAft>
+              <a:buClrTx/>
+              <a:buSzPct val="90000"/>
+              <a:buFont typeface="Wingdings" pitchFamily="2" charset="2"/>
+              <a:buChar char=""/>
+              <a:tabLst>
+                <a:tab pos="1255713" algn="l"/>
+              </a:tabLst>
+              <a:defRPr sz="2000" kern="1200" spc="0" baseline="0">
+                <a:gradFill>
+                  <a:gsLst>
+                    <a:gs pos="1250">
+                      <a:schemeClr val="bg2"/>
+                    </a:gs>
+                    <a:gs pos="100000">
+                      <a:schemeClr val="bg2"/>
+                    </a:gs>
+                  </a:gsLst>
+                  <a:lin ang="5400000" scaled="0"/>
+                </a:gradFill>
+                <a:latin typeface="+mn-lt"/>
+                <a:ea typeface="+mn-ea"/>
+                <a:cs typeface="+mn-cs"/>
+              </a:defRPr>
+            </a:lvl5pPr>
+            <a:lvl6pPr marL="2514499" indent="-228591" algn="l" defTabSz="914363" rtl="0" eaLnBrk="1" latinLnBrk="0" hangingPunct="1">
+              <a:spcBef>
+                <a:spcPct val="20000"/>
+              </a:spcBef>
+              <a:buFont typeface="Arial" pitchFamily="34" charset="0"/>
+              <a:buChar char="•"/>
+              <a:defRPr sz="2000" kern="1200">
+                <a:solidFill>
+                  <a:schemeClr val="tx1"/>
+                </a:solidFill>
+                <a:latin typeface="+mn-lt"/>
+                <a:ea typeface="+mn-ea"/>
+                <a:cs typeface="+mn-cs"/>
+              </a:defRPr>
+            </a:lvl6pPr>
+            <a:lvl7pPr marL="2971681" indent="-228591" algn="l" defTabSz="914363" rtl="0" eaLnBrk="1" latinLnBrk="0" hangingPunct="1">
+              <a:spcBef>
+                <a:spcPct val="20000"/>
+              </a:spcBef>
+              <a:buFont typeface="Arial" pitchFamily="34" charset="0"/>
+              <a:buChar char="•"/>
+              <a:defRPr sz="2000" kern="1200">
+                <a:solidFill>
+                  <a:schemeClr val="tx1"/>
+                </a:solidFill>
+                <a:latin typeface="+mn-lt"/>
+                <a:ea typeface="+mn-ea"/>
+                <a:cs typeface="+mn-cs"/>
+              </a:defRPr>
+            </a:lvl7pPr>
+            <a:lvl8pPr marL="3428863" indent="-228591" algn="l" defTabSz="914363" rtl="0" eaLnBrk="1" latinLnBrk="0" hangingPunct="1">
+              <a:spcBef>
+                <a:spcPct val="20000"/>
+              </a:spcBef>
+              <a:buFont typeface="Arial" pitchFamily="34" charset="0"/>
+              <a:buChar char="•"/>
+              <a:defRPr sz="2000" kern="1200">
+                <a:solidFill>
+                  <a:schemeClr val="tx1"/>
+                </a:solidFill>
+                <a:latin typeface="+mn-lt"/>
+                <a:ea typeface="+mn-ea"/>
+                <a:cs typeface="+mn-cs"/>
+              </a:defRPr>
+            </a:lvl8pPr>
+            <a:lvl9pPr marL="3886045" indent="-228591" algn="l" defTabSz="914363" rtl="0" eaLnBrk="1" latinLnBrk="0" hangingPunct="1">
+              <a:spcBef>
+                <a:spcPct val="20000"/>
+              </a:spcBef>
+              <a:buFont typeface="Arial" pitchFamily="34" charset="0"/>
+              <a:buChar char="•"/>
+              <a:defRPr sz="2000" kern="1200">
+                <a:solidFill>
+                  <a:schemeClr val="tx1"/>
+                </a:solidFill>
+                <a:latin typeface="+mn-lt"/>
+                <a:ea typeface="+mn-ea"/>
+                <a:cs typeface="+mn-cs"/>
+              </a:defRPr>
+            </a:lvl9pPr>
+          </a:lstStyle>
+          <a:p>
+            <a:pPr marL="0" indent="0">
+              <a:buNone/>
+            </a:pPr>
+            <a:r>
+              <a:rPr lang="en-US" sz="1800" dirty="0" smtClean="0">
+                <a:solidFill>
+                  <a:srgbClr val="FF0000"/>
+                </a:solidFill>
+              </a:rPr>
+              <a:t>Retrieve access token using </a:t>
+            </a:r>
+            <a:r>
+              <a:rPr lang="en-US" sz="1800" b="1" dirty="0" err="1" smtClean="0">
+                <a:solidFill>
+                  <a:srgbClr val="FF0000"/>
+                </a:solidFill>
+              </a:rPr>
+              <a:t>AcquireAccessTokenSlientAsync</a:t>
+            </a:r>
+            <a:endParaRPr lang="en-US" sz="1800" b="1" dirty="0">
+              <a:solidFill>
+                <a:srgbClr val="FF0000"/>
+              </a:solidFill>
+            </a:endParaRPr>
+          </a:p>
+        </p:txBody>
+      </p:sp>
+      <p:cxnSp>
+        <p:nvCxnSpPr>
+          <p:cNvPr id="11" name="Straight Arrow Connector 10"/>
+          <p:cNvCxnSpPr>
+            <a:stCxn id="8" idx="1"/>
+          </p:cNvCxnSpPr>
+          <p:nvPr/>
+        </p:nvCxnSpPr>
+        <p:spPr>
+          <a:xfrm flipH="1">
+            <a:off x="6468256" y="1780197"/>
+            <a:ext cx="1208510" cy="595744"/>
+          </a:xfrm>
+          <a:prstGeom prst="straightConnector1">
+            <a:avLst/>
+          </a:prstGeom>
+          <a:ln>
+            <a:solidFill>
+              <a:schemeClr val="tx1"/>
+            </a:solidFill>
+            <a:headEnd type="none"/>
+            <a:tailEnd type="triangle"/>
+          </a:ln>
+        </p:spPr>
+        <p:style>
+          <a:lnRef idx="1">
+            <a:schemeClr val="accent1"/>
+          </a:lnRef>
+          <a:fillRef idx="0">
+            <a:schemeClr val="accent1"/>
+          </a:fillRef>
+          <a:effectRef idx="0">
+            <a:schemeClr val="accent1"/>
+          </a:effectRef>
+          <a:fontRef idx="minor">
+            <a:schemeClr val="tx1"/>
+          </a:fontRef>
+        </p:style>
+      </p:cxnSp>
+      <p:cxnSp>
+        <p:nvCxnSpPr>
+          <p:cNvPr id="13" name="Straight Arrow Connector 12"/>
+          <p:cNvCxnSpPr/>
+          <p:nvPr/>
+        </p:nvCxnSpPr>
+        <p:spPr>
+          <a:xfrm flipH="1" flipV="1">
+            <a:off x="5433934" y="5329003"/>
+            <a:ext cx="944381" cy="839449"/>
+          </a:xfrm>
+          <a:prstGeom prst="straightConnector1">
+            <a:avLst/>
+          </a:prstGeom>
+          <a:ln>
+            <a:solidFill>
+              <a:schemeClr val="tx1"/>
+            </a:solidFill>
+            <a:headEnd type="none"/>
+            <a:tailEnd type="triangle"/>
+          </a:ln>
+        </p:spPr>
+        <p:style>
+          <a:lnRef idx="1">
+            <a:schemeClr val="accent1"/>
+          </a:lnRef>
+          <a:fillRef idx="0">
+            <a:schemeClr val="accent1"/>
+          </a:fillRef>
+          <a:effectRef idx="0">
+            <a:schemeClr val="accent1"/>
+          </a:effectRef>
+          <a:fontRef idx="minor">
+            <a:schemeClr val="tx1"/>
+          </a:fontRef>
+        </p:style>
+      </p:cxnSp>
+    </p:spTree>
+    <p:extLst>
+      <p:ext uri="{BB962C8B-B14F-4D97-AF65-F5344CB8AC3E}">
+        <p14:creationId xmlns:p14="http://schemas.microsoft.com/office/powerpoint/2010/main" val="2889411586"/>
+      </p:ext>
+    </p:extLst>
+  </p:cSld>
+  <p:clrMapOvr>
+    <a:masterClrMapping/>
+  </p:clrMapOvr>
+  <p:transition>
+    <p:fade/>
+  </p:transition>
+</p:sld>
+</file>
+
+<file path=ppt/slides/slide15.xml><?xml version="1.0" encoding="utf-8"?>
+<p:sld xmlns:a="http://schemas.openxmlformats.org/drawingml/2006/main" xmlns:r="http://schemas.openxmlformats.org/officeDocument/2006/relationships" xmlns:p="http://schemas.openxmlformats.org/presentationml/2006/main">
+  <p:cSld>
+    <p:spTree>
+      <p:nvGrpSpPr>
+        <p:cNvPr id="1" name=""/>
+        <p:cNvGrpSpPr/>
+        <p:nvPr/>
+      </p:nvGrpSpPr>
+      <p:grpSpPr>
+        <a:xfrm>
+          <a:off x="0" y="0"/>
+          <a:ext cx="0" cy="0"/>
+          <a:chOff x="0" y="0"/>
+          <a:chExt cx="0" cy="0"/>
+        </a:xfrm>
+      </p:grpSpPr>
+      <p:sp>
+        <p:nvSpPr>
+          <p:cNvPr id="2" name="Title 1"/>
+          <p:cNvSpPr>
+            <a:spLocks noGrp="1"/>
+          </p:cNvSpPr>
+          <p:nvPr>
+            <p:ph type="title"/>
+          </p:nvPr>
+        </p:nvSpPr>
+        <p:spPr/>
+        <p:txBody>
+          <a:bodyPr/>
+          <a:lstStyle/>
+          <a:p>
             <a:r>
               <a:rPr lang="en-US" dirty="0" smtClean="0"/>
-              <a:t>Programming with </a:t>
-            </a:r>
-            <a:r>
-              <a:rPr lang="en-US" dirty="0" smtClean="0"/>
-              <a:t>ExchangeClient</a:t>
+              <a:t>Programming with ExchangeClient</a:t>
             </a:r>
             <a:endParaRPr lang="en-US" dirty="0"/>
           </a:p>
@@ -14351,7 +14980,7 @@
             <a:fld id="{727B4C2D-45E2-4621-8491-2995EB46A674}" type="slidenum">
               <a:rPr lang="en-US" smtClean="0"/>
               <a:pPr/>
-              <a:t>14</a:t>
+              <a:t>15</a:t>
             </a:fld>
             <a:endParaRPr lang="en-US" dirty="0"/>
           </a:p>
@@ -14391,160 +15020,6 @@
     <p:extLst>
       <p:ext uri="{BB962C8B-B14F-4D97-AF65-F5344CB8AC3E}">
         <p14:creationId xmlns:p14="http://schemas.microsoft.com/office/powerpoint/2010/main" val="2016278871"/>
-      </p:ext>
-    </p:extLst>
-  </p:cSld>
-  <p:clrMapOvr>
-    <a:masterClrMapping/>
-  </p:clrMapOvr>
-  <p:transition>
-    <p:fade/>
-  </p:transition>
-</p:sld>
-</file>
-
-<file path=ppt/slides/slide15.xml><?xml version="1.0" encoding="utf-8"?>
-<p:sld xmlns:a="http://schemas.openxmlformats.org/drawingml/2006/main" xmlns:r="http://schemas.openxmlformats.org/officeDocument/2006/relationships" xmlns:p="http://schemas.openxmlformats.org/presentationml/2006/main">
-  <p:cSld>
-    <p:spTree>
-      <p:nvGrpSpPr>
-        <p:cNvPr id="1" name=""/>
-        <p:cNvGrpSpPr/>
-        <p:nvPr/>
-      </p:nvGrpSpPr>
-      <p:grpSpPr>
-        <a:xfrm>
-          <a:off x="0" y="0"/>
-          <a:ext cx="0" cy="0"/>
-          <a:chOff x="0" y="0"/>
-          <a:chExt cx="0" cy="0"/>
-        </a:xfrm>
-      </p:grpSpPr>
-      <p:sp>
-        <p:nvSpPr>
-          <p:cNvPr id="3" name="Title 2"/>
-          <p:cNvSpPr>
-            <a:spLocks noGrp="1"/>
-          </p:cNvSpPr>
-          <p:nvPr>
-            <p:ph type="title"/>
-          </p:nvPr>
-        </p:nvSpPr>
-        <p:spPr/>
-        <p:txBody>
-          <a:bodyPr/>
-          <a:lstStyle/>
-          <a:p>
-            <a:r>
-              <a:rPr lang="en-US" dirty="0" err="1" smtClean="0"/>
-              <a:t>EnsureClientCreated</a:t>
-            </a:r>
-            <a:endParaRPr lang="en-US" dirty="0"/>
-          </a:p>
-        </p:txBody>
-      </p:sp>
-      <p:sp>
-        <p:nvSpPr>
-          <p:cNvPr id="7" name="Text Placeholder 6"/>
-          <p:cNvSpPr>
-            <a:spLocks noGrp="1"/>
-          </p:cNvSpPr>
-          <p:nvPr>
-            <p:ph type="body" sz="quarter" idx="10"/>
-          </p:nvPr>
-        </p:nvSpPr>
-        <p:spPr>
-          <a:xfrm>
-            <a:off x="519112" y="1211497"/>
-            <a:ext cx="11149013" cy="2043636"/>
-          </a:xfrm>
-        </p:spPr>
-        <p:txBody>
-          <a:bodyPr/>
-          <a:lstStyle/>
-          <a:p>
-            <a:r>
-              <a:rPr lang="en-US" sz="3200" dirty="0"/>
-              <a:t>Discovery Service discovers </a:t>
-            </a:r>
-            <a:r>
-              <a:rPr lang="en-US" sz="3200" dirty="0" smtClean="0"/>
-              <a:t>capabilities</a:t>
-            </a:r>
-            <a:endParaRPr lang="en-US" sz="3200" dirty="0"/>
-          </a:p>
-          <a:p>
-            <a:r>
-              <a:rPr lang="en-US" sz="3200" dirty="0"/>
-              <a:t>ExchangeClient abstracts Exchange REST </a:t>
-            </a:r>
-            <a:r>
-              <a:rPr lang="en-US" sz="3200" dirty="0" smtClean="0"/>
-              <a:t>APIs</a:t>
-            </a:r>
-            <a:endParaRPr lang="en-US" sz="3200" dirty="0"/>
-          </a:p>
-        </p:txBody>
-      </p:sp>
-      <p:sp>
-        <p:nvSpPr>
-          <p:cNvPr id="4" name="Slide Number Placeholder 3"/>
-          <p:cNvSpPr>
-            <a:spLocks noGrp="1"/>
-          </p:cNvSpPr>
-          <p:nvPr>
-            <p:ph type="sldNum" sz="quarter" idx="12"/>
-          </p:nvPr>
-        </p:nvSpPr>
-        <p:spPr/>
-        <p:txBody>
-          <a:bodyPr/>
-          <a:lstStyle/>
-          <a:p>
-            <a:fld id="{727B4C2D-45E2-4621-8491-2995EB46A674}" type="slidenum">
-              <a:rPr lang="en-US" smtClean="0"/>
-              <a:pPr/>
-              <a:t>15</a:t>
-            </a:fld>
-            <a:endParaRPr lang="en-US" dirty="0"/>
-          </a:p>
-        </p:txBody>
-      </p:sp>
-      <p:pic>
-        <p:nvPicPr>
-          <p:cNvPr id="5" name="Picture 4"/>
-          <p:cNvPicPr>
-            <a:picLocks noChangeAspect="1"/>
-          </p:cNvPicPr>
-          <p:nvPr/>
-        </p:nvPicPr>
-        <p:blipFill>
-          <a:blip r:embed="rId3"/>
-          <a:stretch>
-            <a:fillRect/>
-          </a:stretch>
-        </p:blipFill>
-        <p:spPr>
-          <a:xfrm>
-            <a:off x="1490251" y="2515139"/>
-            <a:ext cx="6061253" cy="4103874"/>
-          </a:xfrm>
-          <a:prstGeom prst="rect">
-            <a:avLst/>
-          </a:prstGeom>
-          <a:ln>
-            <a:solidFill>
-              <a:schemeClr val="bg1">
-                <a:lumMod val="50000"/>
-              </a:schemeClr>
-            </a:solidFill>
-          </a:ln>
-        </p:spPr>
-      </p:pic>
-    </p:spTree>
-    <p:extLst>
-      <p:ext uri="{BB962C8B-B14F-4D97-AF65-F5344CB8AC3E}">
-        <p14:creationId xmlns:p14="http://schemas.microsoft.com/office/powerpoint/2010/main" val="2889411586"/>
       </p:ext>
     </p:extLst>
   </p:cSld>
@@ -14994,11 +15469,7 @@
           <a:p>
             <a:r>
               <a:rPr lang="en-US" sz="1800" dirty="0" smtClean="0"/>
-              <a:t>Paging </a:t>
-            </a:r>
-            <a:r>
-              <a:rPr lang="en-US" sz="1800" dirty="0" smtClean="0"/>
-              <a:t>buttons call </a:t>
+              <a:t>Paging buttons call </a:t>
             </a:r>
             <a:r>
               <a:rPr lang="en-US" sz="1800" b="1" dirty="0" err="1" smtClean="0"/>
@@ -15199,7 +15670,7 @@
                 <a:gridCol w="11225057">
                   <a:extLst>
                     <a:ext uri="{9D8B030D-6E8A-4147-A177-3AD203B41FA5}">
-                      <a16:colId xmlns="" xmlns:a16="http://schemas.microsoft.com/office/drawing/2014/main" val="1253488153"/>
+                      <a16:colId xmlns:a16="http://schemas.microsoft.com/office/drawing/2014/main" xmlns="" val="1253488153"/>
                     </a:ext>
                   </a:extLst>
                 </a:gridCol>
@@ -15221,7 +15692,7 @@
                 </a:tc>
                 <a:extLst>
                   <a:ext uri="{0D108BD9-81ED-4DB2-BD59-A6C34878D82A}">
-                    <a16:rowId xmlns="" xmlns:a16="http://schemas.microsoft.com/office/drawing/2014/main" val="829859176"/>
+                    <a16:rowId xmlns:a16="http://schemas.microsoft.com/office/drawing/2014/main" xmlns="" val="829859176"/>
                   </a:ext>
                 </a:extLst>
               </a:tr>
@@ -15242,7 +15713,7 @@
                 </a:tc>
                 <a:extLst>
                   <a:ext uri="{0D108BD9-81ED-4DB2-BD59-A6C34878D82A}">
-                    <a16:rowId xmlns="" xmlns:a16="http://schemas.microsoft.com/office/drawing/2014/main" val="1946132611"/>
+                    <a16:rowId xmlns:a16="http://schemas.microsoft.com/office/drawing/2014/main" xmlns="" val="1946132611"/>
                   </a:ext>
                 </a:extLst>
               </a:tr>
@@ -15284,7 +15755,7 @@
                 </a:tc>
                 <a:extLst>
                   <a:ext uri="{0D108BD9-81ED-4DB2-BD59-A6C34878D82A}">
-                    <a16:rowId xmlns="" xmlns:a16="http://schemas.microsoft.com/office/drawing/2014/main" val="3204002662"/>
+                    <a16:rowId xmlns:a16="http://schemas.microsoft.com/office/drawing/2014/main" xmlns="" val="3204002662"/>
                   </a:ext>
                 </a:extLst>
               </a:tr>
@@ -15321,7 +15792,7 @@
                 </a:tc>
                 <a:extLst>
                   <a:ext uri="{0D108BD9-81ED-4DB2-BD59-A6C34878D82A}">
-                    <a16:rowId xmlns="" xmlns:a16="http://schemas.microsoft.com/office/drawing/2014/main" val="4266278162"/>
+                    <a16:rowId xmlns:a16="http://schemas.microsoft.com/office/drawing/2014/main" xmlns="" val="4266278162"/>
                   </a:ext>
                 </a:extLst>
               </a:tr>
@@ -15523,11 +15994,7 @@
           <a:p>
             <a:r>
               <a:rPr lang="en-US" dirty="0" smtClean="0"/>
-              <a:t>Examining Paging Support with ExchangeC</a:t>
-            </a:r>
-            <a:r>
-              <a:rPr lang="en-US" dirty="0" smtClean="0"/>
-              <a:t>lient</a:t>
+              <a:t>Examining Paging Support with ExchangeClient</a:t>
             </a:r>
             <a:endParaRPr lang="en-US" dirty="0"/>
           </a:p>
@@ -16085,11 +16552,7 @@
           <a:p>
             <a:r>
               <a:rPr lang="en-US" dirty="0" smtClean="0"/>
-              <a:t>Update operations </a:t>
-            </a:r>
-            <a:r>
-              <a:rPr lang="en-US" dirty="0" smtClean="0"/>
-              <a:t>with the </a:t>
+              <a:t>Update operations with the </a:t>
             </a:r>
             <a:r>
               <a:rPr lang="en-US" dirty="0" err="1" smtClean="0"/>
@@ -16688,11 +17151,7 @@
           <a:p>
             <a:r>
               <a:rPr lang="en-US" dirty="0" smtClean="0"/>
-              <a:t>Reading </a:t>
-            </a:r>
-            <a:r>
-              <a:rPr lang="en-US" dirty="0" smtClean="0"/>
-              <a:t>Contacts using REST</a:t>
+              <a:t>Reading Contacts using REST</a:t>
             </a:r>
             <a:endParaRPr lang="en-US" dirty="0"/>
           </a:p>
@@ -16976,11 +17435,7 @@
           <a:p>
             <a:r>
               <a:rPr lang="en-US" sz="3200" dirty="0" smtClean="0"/>
-              <a:t>Provide </a:t>
-            </a:r>
-            <a:r>
-              <a:rPr lang="en-US" sz="3200" dirty="0" smtClean="0"/>
-              <a:t>minimum of @</a:t>
+              <a:t>Provide minimum of @</a:t>
             </a:r>
             <a:r>
               <a:rPr lang="en-US" sz="3200" dirty="0" err="1" smtClean="0"/>
@@ -17216,11 +17671,7 @@
           <a:p>
             <a:r>
               <a:rPr lang="en-US" dirty="0" smtClean="0"/>
-              <a:t>DELETE </a:t>
-            </a:r>
-            <a:r>
-              <a:rPr lang="en-US" dirty="0" smtClean="0"/>
-              <a:t>operation targeting </a:t>
+              <a:t>DELETE operation targeting </a:t>
             </a:r>
             <a:r>
               <a:rPr lang="en-US" sz="3200" b="1" dirty="0" smtClean="0"/>
@@ -18333,23 +18784,7 @@
             <a:pPr lvl="1"/>
             <a:r>
               <a:rPr lang="en-US" sz="2000" dirty="0" smtClean="0"/>
-              <a:t>A library which abstracts away </a:t>
-            </a:r>
-            <a:r>
-              <a:rPr lang="en-US" sz="2000" dirty="0" smtClean="0"/>
-              <a:t>sending </a:t>
-            </a:r>
-            <a:r>
-              <a:rPr lang="en-US" sz="2000" dirty="0" smtClean="0"/>
-              <a:t>and </a:t>
-            </a:r>
-            <a:r>
-              <a:rPr lang="en-US" sz="2000" dirty="0" smtClean="0"/>
-              <a:t>receiving </a:t>
-            </a:r>
-            <a:r>
-              <a:rPr lang="en-US" sz="2000" dirty="0" smtClean="0"/>
-              <a:t>REST request</a:t>
+              <a:t>A library which abstracts away sending and receiving REST request</a:t>
             </a:r>
             <a:endParaRPr lang="en-US" sz="2000" dirty="0"/>
           </a:p>
@@ -20576,18 +21011,18 @@
 </file>
 
 <file path=customXml/item2.xml><?xml version="1.0" encoding="utf-8"?>
-<p:properties xmlns:p="http://schemas.microsoft.com/office/2006/metadata/properties" xmlns:xsi="http://www.w3.org/2001/XMLSchema-instance" xmlns:pc="http://schemas.microsoft.com/office/infopath/2007/PartnerControls">
-  <documentManagement/>
-</p:properties>
-</file>
-
-<file path=customXml/item3.xml><?xml version="1.0" encoding="utf-8"?>
 <?mso-contentType ?>
 <FormTemplates xmlns="http://schemas.microsoft.com/sharepoint/v3/contenttype/forms">
   <Display>DocumentLibraryForm</Display>
   <Edit>DocumentLibraryForm</Edit>
   <New>DocumentLibraryForm</New>
 </FormTemplates>
+</file>
+
+<file path=customXml/item3.xml><?xml version="1.0" encoding="utf-8"?>
+<p:properties xmlns:p="http://schemas.microsoft.com/office/2006/metadata/properties" xmlns:xsi="http://www.w3.org/2001/XMLSchema-instance" xmlns:pc="http://schemas.microsoft.com/office/infopath/2007/PartnerControls">
+  <documentManagement/>
+</p:properties>
 </file>
 
 <file path=customXml/itemProps1.xml><?xml version="1.0" encoding="utf-8"?>
@@ -20609,6 +21044,14 @@
 </file>
 
 <file path=customXml/itemProps2.xml><?xml version="1.0" encoding="utf-8"?>
+<ds:datastoreItem xmlns:ds="http://schemas.openxmlformats.org/officeDocument/2006/customXml" ds:itemID="{E1E0CE18-CA03-4891-9CD8-3448778E3D53}">
+  <ds:schemaRefs>
+    <ds:schemaRef ds:uri="http://schemas.microsoft.com/sharepoint/v3/contenttype/forms"/>
+  </ds:schemaRefs>
+</ds:datastoreItem>
+</file>
+
+<file path=customXml/itemProps3.xml><?xml version="1.0" encoding="utf-8"?>
 <ds:datastoreItem xmlns:ds="http://schemas.openxmlformats.org/officeDocument/2006/customXml" ds:itemID="{DA593625-DB14-4FB0-B5A9-3269FA9C120B}">
   <ds:schemaRefs>
     <ds:schemaRef ds:uri="http://www.w3.org/XML/1998/namespace"/>
@@ -20622,12 +21065,4 @@
     <ds:schemaRef ds:uri="http://schemas.microsoft.com/office/2006/documentManagement/types"/>
   </ds:schemaRefs>
 </ds:datastoreItem>
-</file>
-
-<file path=customXml/itemProps3.xml><?xml version="1.0" encoding="utf-8"?>
-<ds:datastoreItem xmlns:ds="http://schemas.openxmlformats.org/officeDocument/2006/customXml" ds:itemID="{E1E0CE18-CA03-4891-9CD8-3448778E3D53}">
-  <ds:schemaRefs>
-    <ds:schemaRef ds:uri="http://schemas.microsoft.com/sharepoint/v3/contenttype/forms"/>
-  </ds:schemaRefs>
-</ds:datastoreItem>
 </file>
--- a/O3653-2 Deep Dive into Office 365 APIs for Calendar, Mail, and Contacts/O3653-2 Deep Dive into Office 365 APIs for Calendar, Mail, and Contacts.pptx
+++ b/O3653-2 Deep Dive into Office 365 APIs for Calendar, Mail, and Contacts/O3653-2 Deep Dive into Office 365 APIs for Calendar, Mail, and Contacts.pptx
@@ -6,10 +6,10 @@
     <p:sldMasterId id="2147484046" r:id="rId5"/>
   </p:sldMasterIdLst>
   <p:notesMasterIdLst>
-    <p:notesMasterId r:id="rId39"/>
+    <p:notesMasterId r:id="rId38"/>
   </p:notesMasterIdLst>
   <p:handoutMasterIdLst>
-    <p:handoutMasterId r:id="rId40"/>
+    <p:handoutMasterId r:id="rId39"/>
   </p:handoutMasterIdLst>
   <p:sldIdLst>
     <p:sldId id="778" r:id="rId6"/>
@@ -38,13 +38,12 @@
     <p:sldId id="866" r:id="rId29"/>
     <p:sldId id="867" r:id="rId30"/>
     <p:sldId id="881" r:id="rId31"/>
-    <p:sldId id="877" r:id="rId32"/>
-    <p:sldId id="878" r:id="rId33"/>
-    <p:sldId id="879" r:id="rId34"/>
-    <p:sldId id="880" r:id="rId35"/>
-    <p:sldId id="868" r:id="rId36"/>
-    <p:sldId id="853" r:id="rId37"/>
-    <p:sldId id="654" r:id="rId38"/>
+    <p:sldId id="878" r:id="rId32"/>
+    <p:sldId id="879" r:id="rId33"/>
+    <p:sldId id="880" r:id="rId34"/>
+    <p:sldId id="868" r:id="rId35"/>
+    <p:sldId id="853" r:id="rId36"/>
+    <p:sldId id="654" r:id="rId37"/>
   </p:sldIdLst>
   <p:sldSz cx="12188825" cy="6858000"/>
   <p:notesSz cx="6858000" cy="9144000"/>
@@ -347,7 +346,7 @@
           <a:p>
             <a:fld id="{DE219B1A-AE41-483B-A766-69B9363DDA6A}" type="datetimeFigureOut">
               <a:rPr lang="en-US" smtClean="0"/>
-              <a:t>9/29/2014</a:t>
+              <a:t>9/30/2014</a:t>
             </a:fld>
             <a:endParaRPr lang="en-US"/>
           </a:p>
@@ -629,7 +628,7 @@
           <a:p>
             <a:fld id="{D51B1278-D92B-4AF3-A9C1-71DD298190CE}" type="datetimeFigureOut">
               <a:rPr lang="en-US" smtClean="0"/>
-              <a:t>9/29/2014</a:t>
+              <a:t>9/30/2014</a:t>
             </a:fld>
             <a:endParaRPr lang="en-US"/>
           </a:p>
@@ -1264,7 +1263,7 @@
           <a:p>
             <a:fld id="{B079C3B8-7366-4A44-A34B-3977080C19E7}" type="datetime1">
               <a:rPr lang="en-US" smtClean="0"/>
-              <a:t>9/29/2014</a:t>
+              <a:t>9/30/2014</a:t>
             </a:fld>
             <a:endParaRPr lang="en-US" dirty="0"/>
           </a:p>
@@ -1395,7 +1394,7 @@
           <a:p>
             <a:fld id="{F4ED0980-F356-492E-AEE0-341D5AB7B1F8}" type="datetime1">
               <a:rPr lang="en-US" smtClean="0"/>
-              <a:t>9/29/2014</a:t>
+              <a:t>9/30/2014</a:t>
             </a:fld>
             <a:endParaRPr lang="en-US"/>
           </a:p>
@@ -1601,7 +1600,7 @@
           <a:p>
             <a:fld id="{23FDFFE0-9E47-4B8C-842E-FA426FE218C8}" type="datetime1">
               <a:rPr lang="en-US" smtClean="0"/>
-              <a:t>9/29/2014</a:t>
+              <a:t>9/30/2014</a:t>
             </a:fld>
             <a:endParaRPr lang="en-US"/>
           </a:p>
@@ -1807,7 +1806,7 @@
           <a:p>
             <a:fld id="{25C53C72-BBB8-414B-86FA-E1FA1F2BC8CE}" type="datetime1">
               <a:rPr lang="en-US" smtClean="0"/>
-              <a:t>9/29/2014</a:t>
+              <a:t>9/30/2014</a:t>
             </a:fld>
             <a:endParaRPr lang="en-US"/>
           </a:p>
@@ -2050,7 +2049,7 @@
                 </a:solidFill>
               </a:rPr>
               <a:pPr/>
-              <a:t>9/29/2014</a:t>
+              <a:t>9/30/2014</a:t>
             </a:fld>
             <a:endParaRPr lang="en-US" dirty="0">
               <a:solidFill>
@@ -2208,7 +2207,7 @@
           <a:p>
             <a:fld id="{9F6C2A45-62A9-453C-B1A0-E9BD4232256A}" type="datetime1">
               <a:rPr lang="en-US" smtClean="0"/>
-              <a:t>9/29/2014</a:t>
+              <a:t>9/30/2014</a:t>
             </a:fld>
             <a:endParaRPr lang="en-US"/>
           </a:p>
@@ -2231,7 +2230,7 @@
           <a:p>
             <a:fld id="{B4008EB6-D09E-4580-8CD6-DDB14511944F}" type="slidenum">
               <a:rPr lang="en-US" smtClean="0"/>
-              <a:t>28</a:t>
+              <a:t>27</a:t>
             </a:fld>
             <a:endParaRPr lang="en-US" dirty="0"/>
           </a:p>
@@ -2468,7 +2467,7 @@
           <a:p>
             <a:fld id="{B079C3B8-7366-4A44-A34B-3977080C19E7}" type="datetime1">
               <a:rPr lang="en-US" smtClean="0"/>
-              <a:t>9/29/2014</a:t>
+              <a:t>9/30/2014</a:t>
             </a:fld>
             <a:endParaRPr lang="en-US" dirty="0"/>
           </a:p>
@@ -2492,7 +2491,7 @@
             <a:fld id="{B4008EB6-D09E-4580-8CD6-DDB14511944F}" type="slidenum">
               <a:rPr lang="en-US" smtClean="0"/>
               <a:pPr/>
-              <a:t>32</a:t>
+              <a:t>31</a:t>
             </a:fld>
             <a:endParaRPr lang="en-US" dirty="0"/>
           </a:p>
@@ -2710,7 +2709,7 @@
           <a:p>
             <a:fld id="{0BB6559B-C68D-49B4-97AE-9BB74C417927}" type="datetime1">
               <a:rPr lang="en-US" smtClean="0"/>
-              <a:t>9/29/2014</a:t>
+              <a:t>9/30/2014</a:t>
             </a:fld>
             <a:endParaRPr lang="en-US"/>
           </a:p>
@@ -2733,7 +2732,7 @@
           <a:p>
             <a:fld id="{B4008EB6-D09E-4580-8CD6-DDB14511944F}" type="slidenum">
               <a:rPr lang="en-US" smtClean="0"/>
-              <a:t>33</a:t>
+              <a:t>32</a:t>
             </a:fld>
             <a:endParaRPr lang="en-US" dirty="0"/>
           </a:p>
@@ -15670,7 +15669,7 @@
                 <a:gridCol w="11225057">
                   <a:extLst>
                     <a:ext uri="{9D8B030D-6E8A-4147-A177-3AD203B41FA5}">
-                      <a16:colId xmlns:a16="http://schemas.microsoft.com/office/drawing/2014/main" xmlns="" val="1253488153"/>
+                      <a16:colId xmlns="" xmlns:a16="http://schemas.microsoft.com/office/drawing/2014/main" val="1253488153"/>
                     </a:ext>
                   </a:extLst>
                 </a:gridCol>
@@ -15692,7 +15691,7 @@
                 </a:tc>
                 <a:extLst>
                   <a:ext uri="{0D108BD9-81ED-4DB2-BD59-A6C34878D82A}">
-                    <a16:rowId xmlns:a16="http://schemas.microsoft.com/office/drawing/2014/main" xmlns="" val="829859176"/>
+                    <a16:rowId xmlns="" xmlns:a16="http://schemas.microsoft.com/office/drawing/2014/main" val="829859176"/>
                   </a:ext>
                 </a:extLst>
               </a:tr>
@@ -15713,7 +15712,7 @@
                 </a:tc>
                 <a:extLst>
                   <a:ext uri="{0D108BD9-81ED-4DB2-BD59-A6C34878D82A}">
-                    <a16:rowId xmlns:a16="http://schemas.microsoft.com/office/drawing/2014/main" xmlns="" val="1946132611"/>
+                    <a16:rowId xmlns="" xmlns:a16="http://schemas.microsoft.com/office/drawing/2014/main" val="1946132611"/>
                   </a:ext>
                 </a:extLst>
               </a:tr>
@@ -15755,7 +15754,7 @@
                 </a:tc>
                 <a:extLst>
                   <a:ext uri="{0D108BD9-81ED-4DB2-BD59-A6C34878D82A}">
-                    <a16:rowId xmlns:a16="http://schemas.microsoft.com/office/drawing/2014/main" xmlns="" val="3204002662"/>
+                    <a16:rowId xmlns="" xmlns:a16="http://schemas.microsoft.com/office/drawing/2014/main" val="3204002662"/>
                   </a:ext>
                 </a:extLst>
               </a:tr>
@@ -15792,7 +15791,7 @@
                 </a:tc>
                 <a:extLst>
                   <a:ext uri="{0D108BD9-81ED-4DB2-BD59-A6C34878D82A}">
-                    <a16:rowId xmlns:a16="http://schemas.microsoft.com/office/drawing/2014/main" xmlns="" val="4266278162"/>
+                    <a16:rowId xmlns="" xmlns:a16="http://schemas.microsoft.com/office/drawing/2014/main" val="4266278162"/>
                   </a:ext>
                 </a:extLst>
               </a:tr>
@@ -16992,150 +16991,6 @@
       </p:grpSpPr>
       <p:sp>
         <p:nvSpPr>
-          <p:cNvPr id="2" name="Text Placeholder 1"/>
-          <p:cNvSpPr>
-            <a:spLocks noGrp="1"/>
-          </p:cNvSpPr>
-          <p:nvPr>
-            <p:ph type="body" sz="quarter" idx="10"/>
-          </p:nvPr>
-        </p:nvSpPr>
-        <p:spPr>
-          <a:xfrm>
-            <a:off x="519112" y="1447800"/>
-            <a:ext cx="11149013" cy="632210"/>
-          </a:xfrm>
-        </p:spPr>
-        <p:txBody>
-          <a:bodyPr/>
-          <a:lstStyle/>
-          <a:p>
-            <a:r>
-              <a:rPr lang="en-US" dirty="0" smtClean="0"/>
-              <a:t>Use Discovery Service to get an Access Token</a:t>
-            </a:r>
-            <a:endParaRPr lang="en-US" dirty="0"/>
-          </a:p>
-        </p:txBody>
-      </p:sp>
-      <p:sp>
-        <p:nvSpPr>
-          <p:cNvPr id="3" name="Title 2"/>
-          <p:cNvSpPr>
-            <a:spLocks noGrp="1"/>
-          </p:cNvSpPr>
-          <p:nvPr>
-            <p:ph type="title"/>
-          </p:nvPr>
-        </p:nvSpPr>
-        <p:spPr/>
-        <p:txBody>
-          <a:bodyPr/>
-          <a:lstStyle/>
-          <a:p>
-            <a:r>
-              <a:rPr lang="en-US" dirty="0" smtClean="0"/>
-              <a:t>Obtaining an Access Token</a:t>
-            </a:r>
-            <a:endParaRPr lang="en-US" dirty="0"/>
-          </a:p>
-        </p:txBody>
-      </p:sp>
-      <p:sp>
-        <p:nvSpPr>
-          <p:cNvPr id="4" name="Slide Number Placeholder 3"/>
-          <p:cNvSpPr>
-            <a:spLocks noGrp="1"/>
-          </p:cNvSpPr>
-          <p:nvPr>
-            <p:ph type="sldNum" sz="quarter" idx="12"/>
-          </p:nvPr>
-        </p:nvSpPr>
-        <p:spPr/>
-        <p:txBody>
-          <a:bodyPr/>
-          <a:lstStyle/>
-          <a:p>
-            <a:fld id="{727B4C2D-45E2-4621-8491-2995EB46A674}" type="slidenum">
-              <a:rPr lang="en-US" smtClean="0"/>
-              <a:pPr/>
-              <a:t>27</a:t>
-            </a:fld>
-            <a:endParaRPr lang="en-US" dirty="0"/>
-          </a:p>
-        </p:txBody>
-      </p:sp>
-      <p:pic>
-        <p:nvPicPr>
-          <p:cNvPr id="7" name="Picture 6"/>
-          <p:cNvPicPr>
-            <a:picLocks noChangeAspect="1"/>
-          </p:cNvPicPr>
-          <p:nvPr/>
-        </p:nvPicPr>
-        <p:blipFill>
-          <a:blip r:embed="rId2"/>
-          <a:stretch>
-            <a:fillRect/>
-          </a:stretch>
-        </p:blipFill>
-        <p:spPr>
-          <a:xfrm>
-            <a:off x="673225" y="2343471"/>
-            <a:ext cx="6305550" cy="3486150"/>
-          </a:xfrm>
-          <a:prstGeom prst="rect">
-            <a:avLst/>
-          </a:prstGeom>
-          <a:solidFill>
-            <a:schemeClr val="bg1">
-              <a:lumMod val="50000"/>
-            </a:schemeClr>
-          </a:solidFill>
-          <a:ln>
-            <a:solidFill>
-              <a:schemeClr val="bg1">
-                <a:lumMod val="50000"/>
-              </a:schemeClr>
-            </a:solidFill>
-          </a:ln>
-        </p:spPr>
-      </p:pic>
-    </p:spTree>
-    <p:extLst>
-      <p:ext uri="{BB962C8B-B14F-4D97-AF65-F5344CB8AC3E}">
-        <p14:creationId xmlns:p14="http://schemas.microsoft.com/office/powerpoint/2010/main" val="550336623"/>
-      </p:ext>
-    </p:extLst>
-  </p:cSld>
-  <p:clrMapOvr>
-    <a:masterClrMapping/>
-  </p:clrMapOvr>
-  <p:transition>
-    <p:fade/>
-  </p:transition>
-</p:sld>
-</file>
-
-<file path=ppt/slides/slide28.xml><?xml version="1.0" encoding="utf-8"?>
-<p:sld xmlns:a="http://schemas.openxmlformats.org/drawingml/2006/main" xmlns:r="http://schemas.openxmlformats.org/officeDocument/2006/relationships" xmlns:p="http://schemas.openxmlformats.org/presentationml/2006/main">
-  <p:cSld>
-    <p:spTree>
-      <p:nvGrpSpPr>
-        <p:cNvPr id="1" name=""/>
-        <p:cNvGrpSpPr/>
-        <p:nvPr/>
-      </p:nvGrpSpPr>
-      <p:grpSpPr>
-        <a:xfrm>
-          <a:off x="0" y="0"/>
-          <a:ext cx="0" cy="0"/>
-          <a:chOff x="0" y="0"/>
-          <a:chExt cx="0" cy="0"/>
-        </a:xfrm>
-      </p:grpSpPr>
-      <p:sp>
-        <p:nvSpPr>
           <p:cNvPr id="3" name="Title 2"/>
           <p:cNvSpPr>
             <a:spLocks noGrp="1"/>
@@ -17235,7 +17090,7 @@
             <a:fld id="{727B4C2D-45E2-4621-8491-2995EB46A674}" type="slidenum">
               <a:rPr lang="en-US" smtClean="0"/>
               <a:pPr/>
-              <a:t>28</a:t>
+              <a:t>27</a:t>
             </a:fld>
             <a:endParaRPr lang="en-US" dirty="0"/>
           </a:p>
@@ -17372,7 +17227,7 @@
 </p:sld>
 </file>
 
-<file path=ppt/slides/slide29.xml><?xml version="1.0" encoding="utf-8"?>
+<file path=ppt/slides/slide28.xml><?xml version="1.0" encoding="utf-8"?>
 <p:sld xmlns:a="http://schemas.openxmlformats.org/drawingml/2006/main" xmlns:r="http://schemas.openxmlformats.org/officeDocument/2006/relationships" xmlns:p="http://schemas.openxmlformats.org/presentationml/2006/main">
   <p:cSld>
     <p:spTree>
@@ -17475,7 +17330,7 @@
             <a:fld id="{727B4C2D-45E2-4621-8491-2995EB46A674}" type="slidenum">
               <a:rPr lang="en-US" smtClean="0"/>
               <a:pPr/>
-              <a:t>29</a:t>
+              <a:t>28</a:t>
             </a:fld>
             <a:endParaRPr lang="en-US" dirty="0"/>
           </a:p>
@@ -17528,7 +17383,7 @@
 </p:sld>
 </file>
 
-<file path=ppt/slides/slide3.xml><?xml version="1.0" encoding="utf-8"?>
+<file path=ppt/slides/slide29.xml><?xml version="1.0" encoding="utf-8"?>
 <p:sld xmlns:a="http://schemas.openxmlformats.org/drawingml/2006/main" xmlns:r="http://schemas.openxmlformats.org/officeDocument/2006/relationships" xmlns:p="http://schemas.openxmlformats.org/presentationml/2006/main">
   <p:cSld>
     <p:spTree>
@@ -17547,110 +17402,6 @@
       </p:grpSpPr>
       <p:sp>
         <p:nvSpPr>
-          <p:cNvPr id="4" name="Title 3"/>
-          <p:cNvSpPr>
-            <a:spLocks noGrp="1"/>
-          </p:cNvSpPr>
-          <p:nvPr>
-            <p:ph type="ctrTitle"/>
-          </p:nvPr>
-        </p:nvSpPr>
-        <p:spPr/>
-        <p:txBody>
-          <a:bodyPr/>
-          <a:lstStyle/>
-          <a:p>
-            <a:r>
-              <a:rPr lang="en-US" sz="4800" b="1" dirty="0"/>
-              <a:t>Deep Dive into Office 365 APIs for Calendar, Mail, and </a:t>
-            </a:r>
-            <a:r>
-              <a:rPr lang="en-US" sz="4800" b="1" dirty="0" smtClean="0"/>
-              <a:t>Contacts</a:t>
-            </a:r>
-            <a:endParaRPr lang="en-US" dirty="0"/>
-          </a:p>
-        </p:txBody>
-      </p:sp>
-      <p:sp>
-        <p:nvSpPr>
-          <p:cNvPr id="5" name="Subtitle 4"/>
-          <p:cNvSpPr>
-            <a:spLocks noGrp="1"/>
-          </p:cNvSpPr>
-          <p:nvPr>
-            <p:ph type="subTitle" idx="1"/>
-          </p:nvPr>
-        </p:nvSpPr>
-        <p:spPr>
-          <a:xfrm>
-            <a:off x="532265" y="4735249"/>
-            <a:ext cx="7640611" cy="1878025"/>
-          </a:xfrm>
-        </p:spPr>
-        <p:txBody>
-          <a:bodyPr/>
-          <a:lstStyle/>
-          <a:p>
-            <a:r>
-              <a:rPr lang="en-US" dirty="0" smtClean="0"/>
-              <a:t>Speaker</a:t>
-            </a:r>
-          </a:p>
-          <a:p>
-            <a:endParaRPr lang="en-US" dirty="0" smtClean="0"/>
-          </a:p>
-          <a:p>
-            <a:r>
-              <a:rPr lang="en-US" dirty="0" smtClean="0"/>
-              <a:t>Speaker</a:t>
-            </a:r>
-            <a:endParaRPr lang="en-US" dirty="0"/>
-          </a:p>
-        </p:txBody>
-      </p:sp>
-    </p:spTree>
-    <p:extLst>
-      <p:ext uri="{BB962C8B-B14F-4D97-AF65-F5344CB8AC3E}">
-        <p14:creationId xmlns:p14="http://schemas.microsoft.com/office/powerpoint/2010/main" val="1233982471"/>
-      </p:ext>
-    </p:extLst>
-  </p:cSld>
-  <p:clrMapOvr>
-    <a:masterClrMapping/>
-  </p:clrMapOvr>
-  <p:transition>
-    <p:fade/>
-  </p:transition>
-  <p:timing>
-    <p:tnLst>
-      <p:par>
-        <p:cTn id="1" dur="indefinite" restart="never" nodeType="tmRoot"/>
-      </p:par>
-    </p:tnLst>
-  </p:timing>
-</p:sld>
-</file>
-
-<file path=ppt/slides/slide30.xml><?xml version="1.0" encoding="utf-8"?>
-<p:sld xmlns:a="http://schemas.openxmlformats.org/drawingml/2006/main" xmlns:r="http://schemas.openxmlformats.org/officeDocument/2006/relationships" xmlns:p="http://schemas.openxmlformats.org/presentationml/2006/main">
-  <p:cSld>
-    <p:spTree>
-      <p:nvGrpSpPr>
-        <p:cNvPr id="1" name=""/>
-        <p:cNvGrpSpPr/>
-        <p:nvPr/>
-      </p:nvGrpSpPr>
-      <p:grpSpPr>
-        <a:xfrm>
-          <a:off x="0" y="0"/>
-          <a:ext cx="0" cy="0"/>
-          <a:chOff x="0" y="0"/>
-          <a:chExt cx="0" cy="0"/>
-        </a:xfrm>
-      </p:grpSpPr>
-      <p:sp>
-        <p:nvSpPr>
           <p:cNvPr id="2" name="Text Placeholder 1"/>
           <p:cNvSpPr>
             <a:spLocks noGrp="1"/>
@@ -17722,7 +17473,7 @@
             <a:fld id="{727B4C2D-45E2-4621-8491-2995EB46A674}" type="slidenum">
               <a:rPr lang="en-US" smtClean="0"/>
               <a:pPr/>
-              <a:t>30</a:t>
+              <a:t>29</a:t>
             </a:fld>
             <a:endParaRPr lang="en-US" dirty="0"/>
           </a:p>
@@ -17775,7 +17526,111 @@
 </p:sld>
 </file>
 
-<file path=ppt/slides/slide31.xml><?xml version="1.0" encoding="utf-8"?>
+<file path=ppt/slides/slide3.xml><?xml version="1.0" encoding="utf-8"?>
+<p:sld xmlns:a="http://schemas.openxmlformats.org/drawingml/2006/main" xmlns:r="http://schemas.openxmlformats.org/officeDocument/2006/relationships" xmlns:p="http://schemas.openxmlformats.org/presentationml/2006/main">
+  <p:cSld>
+    <p:spTree>
+      <p:nvGrpSpPr>
+        <p:cNvPr id="1" name=""/>
+        <p:cNvGrpSpPr/>
+        <p:nvPr/>
+      </p:nvGrpSpPr>
+      <p:grpSpPr>
+        <a:xfrm>
+          <a:off x="0" y="0"/>
+          <a:ext cx="0" cy="0"/>
+          <a:chOff x="0" y="0"/>
+          <a:chExt cx="0" cy="0"/>
+        </a:xfrm>
+      </p:grpSpPr>
+      <p:sp>
+        <p:nvSpPr>
+          <p:cNvPr id="4" name="Title 3"/>
+          <p:cNvSpPr>
+            <a:spLocks noGrp="1"/>
+          </p:cNvSpPr>
+          <p:nvPr>
+            <p:ph type="ctrTitle"/>
+          </p:nvPr>
+        </p:nvSpPr>
+        <p:spPr/>
+        <p:txBody>
+          <a:bodyPr/>
+          <a:lstStyle/>
+          <a:p>
+            <a:r>
+              <a:rPr lang="en-US" sz="4800" b="1" dirty="0"/>
+              <a:t>Deep Dive into Office 365 APIs for Calendar, Mail, and </a:t>
+            </a:r>
+            <a:r>
+              <a:rPr lang="en-US" sz="4800" b="1" dirty="0" smtClean="0"/>
+              <a:t>Contacts</a:t>
+            </a:r>
+            <a:endParaRPr lang="en-US" dirty="0"/>
+          </a:p>
+        </p:txBody>
+      </p:sp>
+      <p:sp>
+        <p:nvSpPr>
+          <p:cNvPr id="5" name="Subtitle 4"/>
+          <p:cNvSpPr>
+            <a:spLocks noGrp="1"/>
+          </p:cNvSpPr>
+          <p:nvPr>
+            <p:ph type="subTitle" idx="1"/>
+          </p:nvPr>
+        </p:nvSpPr>
+        <p:spPr>
+          <a:xfrm>
+            <a:off x="532265" y="4735249"/>
+            <a:ext cx="7640611" cy="1878025"/>
+          </a:xfrm>
+        </p:spPr>
+        <p:txBody>
+          <a:bodyPr/>
+          <a:lstStyle/>
+          <a:p>
+            <a:r>
+              <a:rPr lang="en-US" dirty="0" smtClean="0"/>
+              <a:t>Speaker</a:t>
+            </a:r>
+          </a:p>
+          <a:p>
+            <a:endParaRPr lang="en-US" dirty="0" smtClean="0"/>
+          </a:p>
+          <a:p>
+            <a:r>
+              <a:rPr lang="en-US" dirty="0" smtClean="0"/>
+              <a:t>Speaker</a:t>
+            </a:r>
+            <a:endParaRPr lang="en-US" dirty="0"/>
+          </a:p>
+        </p:txBody>
+      </p:sp>
+    </p:spTree>
+    <p:extLst>
+      <p:ext uri="{BB962C8B-B14F-4D97-AF65-F5344CB8AC3E}">
+        <p14:creationId xmlns:p14="http://schemas.microsoft.com/office/powerpoint/2010/main" val="1233982471"/>
+      </p:ext>
+    </p:extLst>
+  </p:cSld>
+  <p:clrMapOvr>
+    <a:masterClrMapping/>
+  </p:clrMapOvr>
+  <p:transition>
+    <p:fade/>
+  </p:transition>
+  <p:timing>
+    <p:tnLst>
+      <p:par>
+        <p:cTn id="1" dur="indefinite" restart="never" nodeType="tmRoot"/>
+      </p:par>
+    </p:tnLst>
+  </p:timing>
+</p:sld>
+</file>
+
+<file path=ppt/slides/slide30.xml><?xml version="1.0" encoding="utf-8"?>
 <p:sld xmlns:a="http://schemas.openxmlformats.org/drawingml/2006/main" xmlns:r="http://schemas.openxmlformats.org/officeDocument/2006/relationships" xmlns:p="http://schemas.openxmlformats.org/presentationml/2006/main">
   <p:cSld>
     <p:spTree>
@@ -17864,7 +17719,7 @@
 </p:sld>
 </file>
 
-<file path=ppt/slides/slide32.xml><?xml version="1.0" encoding="utf-8"?>
+<file path=ppt/slides/slide31.xml><?xml version="1.0" encoding="utf-8"?>
 <p:sld xmlns:a="http://schemas.openxmlformats.org/drawingml/2006/main" xmlns:r="http://schemas.openxmlformats.org/officeDocument/2006/relationships" xmlns:p="http://schemas.openxmlformats.org/presentationml/2006/main">
   <p:cSld>
     <p:spTree>
@@ -18019,7 +17874,7 @@
 </p:sld>
 </file>
 
-<file path=ppt/slides/slide33.xml><?xml version="1.0" encoding="utf-8"?>
+<file path=ppt/slides/slide32.xml><?xml version="1.0" encoding="utf-8"?>
 <p:sld xmlns:a="http://schemas.openxmlformats.org/drawingml/2006/main" xmlns:r="http://schemas.openxmlformats.org/officeDocument/2006/relationships" xmlns:p="http://schemas.openxmlformats.org/presentationml/2006/main">
   <p:cSld>
     <p:spTree>
@@ -18675,9 +18530,14 @@
           <a:lstStyle/>
           <a:p>
             <a:r>
-              <a:rPr lang="en-US" dirty="0"/>
-              <a:t>Office 365 Exchange APIs</a:t>
-            </a:r>
+              <a:rPr lang="en-US" sz="4400" dirty="0"/>
+              <a:t>Office 365 </a:t>
+            </a:r>
+            <a:r>
+              <a:rPr lang="en-US" sz="4400" dirty="0" smtClean="0"/>
+              <a:t>APIs for Calendar, Mail and Contacts</a:t>
+            </a:r>
+            <a:endParaRPr lang="en-US" sz="4400" dirty="0"/>
           </a:p>
         </p:txBody>
       </p:sp>
@@ -18698,8 +18558,13 @@
           <a:p>
             <a:r>
               <a:rPr lang="en-US" sz="3600" dirty="0" smtClean="0"/>
-              <a:t>Office 365 Exchange APIs </a:t>
-            </a:r>
+              <a:t>Office 365 </a:t>
+            </a:r>
+            <a:r>
+              <a:rPr lang="en-US" sz="3600" dirty="0" smtClean="0"/>
+              <a:t>APIs </a:t>
+            </a:r>
+            <a:endParaRPr lang="en-US" sz="3600" dirty="0" smtClean="0"/>
           </a:p>
           <a:p>
             <a:pPr lvl="1"/>
@@ -18733,11 +18598,15 @@
             </a:pPr>
             <a:r>
               <a:rPr lang="en-US" sz="3600" dirty="0"/>
-              <a:t>Office Exchange </a:t>
+              <a:t>Office </a:t>
             </a:r>
             <a:r>
               <a:rPr lang="en-US" sz="3600" dirty="0" smtClean="0"/>
-              <a:t>APIs accessible through REST</a:t>
+              <a:t>365 APIs </a:t>
+            </a:r>
+            <a:r>
+              <a:rPr lang="en-US" sz="3600" dirty="0" smtClean="0"/>
+              <a:t>accessible through REST</a:t>
             </a:r>
           </a:p>
           <a:p>
@@ -18777,8 +18646,21 @@
             </a:pPr>
             <a:r>
               <a:rPr lang="en-US" sz="3600" dirty="0" smtClean="0"/>
-              <a:t>Office Exchange APIs accessible ExchangeClient</a:t>
-            </a:r>
+              <a:t>Office </a:t>
+            </a:r>
+            <a:r>
+              <a:rPr lang="en-US" sz="3600" dirty="0" smtClean="0"/>
+              <a:t>365 APIs accessible through </a:t>
+            </a:r>
+            <a:r>
+              <a:rPr lang="en-US" sz="3600" dirty="0" err="1" smtClean="0"/>
+              <a:t>ExchangeClient</a:t>
+            </a:r>
+            <a:r>
+              <a:rPr lang="en-US" sz="3600" dirty="0" smtClean="0"/>
+              <a:t> library</a:t>
+            </a:r>
+            <a:endParaRPr lang="en-US" sz="3600" dirty="0" smtClean="0"/>
           </a:p>
           <a:p>
             <a:pPr lvl="1"/>
@@ -20871,6 +20753,15 @@
 </file>
 
 <file path=customXml/item1.xml><?xml version="1.0" encoding="utf-8"?>
+<?mso-contentType ?>
+<FormTemplates xmlns="http://schemas.microsoft.com/sharepoint/v3/contenttype/forms">
+  <Display>DocumentLibraryForm</Display>
+  <Edit>DocumentLibraryForm</Edit>
+  <New>DocumentLibraryForm</New>
+</FormTemplates>
+</file>
+
+<file path=customXml/item2.xml><?xml version="1.0" encoding="utf-8"?>
 <ct:contentTypeSchema xmlns:ct="http://schemas.microsoft.com/office/2006/metadata/contentType" xmlns:ma="http://schemas.microsoft.com/office/2006/metadata/properties/metaAttributes" ct:_="" ma:_="" ma:contentTypeName="Document" ma:contentTypeID="0x010100A2E4C90AA7333249A7DBC8CC6F49919B" ma:contentTypeVersion="1" ma:contentTypeDescription="Create a new document." ma:contentTypeScope="" ma:versionID="e7b09f0f38d7ed30c7da14951e97abcc">
   <xsd:schema xmlns:xsd="http://www.w3.org/2001/XMLSchema" xmlns:xs="http://www.w3.org/2001/XMLSchema" xmlns:p="http://schemas.microsoft.com/office/2006/metadata/properties" xmlns:ns2="5fad15d0-477e-40da-a20d-40d4ca777cbd" targetNamespace="http://schemas.microsoft.com/office/2006/metadata/properties" ma:root="true" ma:fieldsID="0cee24db179c30c5ebec40b677cadf70" ns2:_="">
     <xsd:import namespace="5fad15d0-477e-40da-a20d-40d4ca777cbd"/>
@@ -21010,15 +20901,6 @@
 </ct:contentTypeSchema>
 </file>
 
-<file path=customXml/item2.xml><?xml version="1.0" encoding="utf-8"?>
-<?mso-contentType ?>
-<FormTemplates xmlns="http://schemas.microsoft.com/sharepoint/v3/contenttype/forms">
-  <Display>DocumentLibraryForm</Display>
-  <Edit>DocumentLibraryForm</Edit>
-  <New>DocumentLibraryForm</New>
-</FormTemplates>
-</file>
-
 <file path=customXml/item3.xml><?xml version="1.0" encoding="utf-8"?>
 <p:properties xmlns:p="http://schemas.microsoft.com/office/2006/metadata/properties" xmlns:xsi="http://www.w3.org/2001/XMLSchema-instance" xmlns:pc="http://schemas.microsoft.com/office/infopath/2007/PartnerControls">
   <documentManagement/>
@@ -21026,6 +20908,14 @@
 </file>
 
 <file path=customXml/itemProps1.xml><?xml version="1.0" encoding="utf-8"?>
+<ds:datastoreItem xmlns:ds="http://schemas.openxmlformats.org/officeDocument/2006/customXml" ds:itemID="{E1E0CE18-CA03-4891-9CD8-3448778E3D53}">
+  <ds:schemaRefs>
+    <ds:schemaRef ds:uri="http://schemas.microsoft.com/sharepoint/v3/contenttype/forms"/>
+  </ds:schemaRefs>
+</ds:datastoreItem>
+</file>
+
+<file path=customXml/itemProps2.xml><?xml version="1.0" encoding="utf-8"?>
 <ds:datastoreItem xmlns:ds="http://schemas.openxmlformats.org/officeDocument/2006/customXml" ds:itemID="{F17DCE38-6787-497B-B958-75817420EB1E}">
   <ds:schemaRefs>
     <ds:schemaRef ds:uri="http://schemas.microsoft.com/office/2006/metadata/contentType"/>
@@ -21039,14 +20929,6 @@
     <ds:schemaRef ds:uri="http://purl.org/dc/elements/1.1/"/>
     <ds:schemaRef ds:uri="http://purl.org/dc/terms/"/>
     <ds:schemaRef ds:uri="http://schemas.microsoft.com/internal/obd"/>
-  </ds:schemaRefs>
-</ds:datastoreItem>
-</file>
-
-<file path=customXml/itemProps2.xml><?xml version="1.0" encoding="utf-8"?>
-<ds:datastoreItem xmlns:ds="http://schemas.openxmlformats.org/officeDocument/2006/customXml" ds:itemID="{E1E0CE18-CA03-4891-9CD8-3448778E3D53}">
-  <ds:schemaRefs>
-    <ds:schemaRef ds:uri="http://schemas.microsoft.com/sharepoint/v3/contenttype/forms"/>
   </ds:schemaRefs>
 </ds:datastoreItem>
 </file>

--- a/O3653-2 Deep Dive into Office 365 APIs for Calendar, Mail, and Contacts/O3653-2 Deep Dive into Office 365 APIs for Calendar, Mail, and Contacts.pptx
+++ b/O3653-2 Deep Dive into Office 365 APIs for Calendar, Mail, and Contacts/O3653-2 Deep Dive into Office 365 APIs for Calendar, Mail, and Contacts.pptx
@@ -351,7 +351,7 @@
           <a:p>
             <a:fld id="{DE219B1A-AE41-483B-A766-69B9363DDA6A}" type="datetimeFigureOut">
               <a:rPr lang="en-US" smtClean="0"/>
-              <a:t>10/3/2014</a:t>
+              <a:t>11/14/2014</a:t>
             </a:fld>
             <a:endParaRPr lang="en-US"/>
           </a:p>
@@ -633,7 +633,7 @@
           <a:p>
             <a:fld id="{D51B1278-D92B-4AF3-A9C1-71DD298190CE}" type="datetimeFigureOut">
               <a:rPr lang="en-US" smtClean="0"/>
-              <a:t>10/3/2014</a:t>
+              <a:t>11/14/2014</a:t>
             </a:fld>
             <a:endParaRPr lang="en-US"/>
           </a:p>
@@ -1252,7 +1252,7 @@
           <a:p>
             <a:fld id="{E74353ED-ACB2-44BF-A903-985B0AF962B7}" type="datetime1">
               <a:rPr lang="en-US" smtClean="0"/>
-              <a:t>10/3/2014</a:t>
+              <a:t>11/14/2014</a:t>
             </a:fld>
             <a:endParaRPr lang="en-US" dirty="0"/>
           </a:p>
@@ -1471,7 +1471,7 @@
           <a:p>
             <a:fld id="{0BB6559B-C68D-49B4-97AE-9BB74C417927}" type="datetime1">
               <a:rPr lang="en-US" smtClean="0"/>
-              <a:t>10/3/2014</a:t>
+              <a:t>11/14/2014</a:t>
             </a:fld>
             <a:endParaRPr lang="en-US"/>
           </a:p>
@@ -1632,7 +1632,7 @@
           <a:p>
             <a:fld id="{B079C3B8-7366-4A44-A34B-3977080C19E7}" type="datetime1">
               <a:rPr lang="en-US" smtClean="0"/>
-              <a:t>10/3/2014</a:t>
+              <a:t>11/14/2014</a:t>
             </a:fld>
             <a:endParaRPr lang="en-US" dirty="0"/>
           </a:p>
@@ -1763,7 +1763,7 @@
           <a:p>
             <a:fld id="{F4ED0980-F356-492E-AEE0-341D5AB7B1F8}" type="datetime1">
               <a:rPr lang="en-US" smtClean="0"/>
-              <a:t>10/3/2014</a:t>
+              <a:t>11/14/2014</a:t>
             </a:fld>
             <a:endParaRPr lang="en-US"/>
           </a:p>
@@ -1969,7 +1969,7 @@
           <a:p>
             <a:fld id="{23FDFFE0-9E47-4B8C-842E-FA426FE218C8}" type="datetime1">
               <a:rPr lang="en-US" smtClean="0"/>
-              <a:t>10/3/2014</a:t>
+              <a:t>11/14/2014</a:t>
             </a:fld>
             <a:endParaRPr lang="en-US"/>
           </a:p>
@@ -2175,7 +2175,7 @@
           <a:p>
             <a:fld id="{25C53C72-BBB8-414B-86FA-E1FA1F2BC8CE}" type="datetime1">
               <a:rPr lang="en-US" smtClean="0"/>
-              <a:t>10/3/2014</a:t>
+              <a:t>11/14/2014</a:t>
             </a:fld>
             <a:endParaRPr lang="en-US"/>
           </a:p>
@@ -2418,7 +2418,7 @@
                 </a:solidFill>
               </a:rPr>
               <a:pPr/>
-              <a:t>10/3/2014</a:t>
+              <a:t>11/14/2014</a:t>
             </a:fld>
             <a:endParaRPr lang="en-US" dirty="0">
               <a:solidFill>
@@ -2576,7 +2576,7 @@
           <a:p>
             <a:fld id="{9F6C2A45-62A9-453C-B1A0-E9BD4232256A}" type="datetime1">
               <a:rPr lang="en-US" smtClean="0"/>
-              <a:t>10/3/2014</a:t>
+              <a:t>11/14/2014</a:t>
             </a:fld>
             <a:endParaRPr lang="en-US"/>
           </a:p>
@@ -2836,7 +2836,7 @@
           <a:p>
             <a:fld id="{B079C3B8-7366-4A44-A34B-3977080C19E7}" type="datetime1">
               <a:rPr lang="en-US" smtClean="0"/>
-              <a:t>10/3/2014</a:t>
+              <a:t>11/14/2014</a:t>
             </a:fld>
             <a:endParaRPr lang="en-US" dirty="0"/>
           </a:p>
@@ -2977,7 +2977,7 @@
                 </a:solidFill>
               </a:rPr>
               <a:pPr/>
-              <a:t>10/3/2014</a:t>
+              <a:t>11/14/2014</a:t>
             </a:fld>
             <a:endParaRPr lang="en-US" dirty="0">
               <a:solidFill>
@@ -13202,7 +13202,6 @@
               <a:rPr lang="en-US" dirty="0"/>
               <a:t>October 2014</a:t>
             </a:r>
-            <a:endParaRPr lang="en-US" dirty="0"/>
           </a:p>
         </p:txBody>
       </p:sp>
@@ -13403,129 +13402,124 @@
           </a:ln>
         </p:spPr>
       </p:pic>
-      <p:grpSp>
-        <p:nvGrpSpPr>
-          <p:cNvPr id="9" name="Group 8"/>
-          <p:cNvGrpSpPr/>
+      <p:sp>
+        <p:nvSpPr>
+          <p:cNvPr id="8" name="Rectangle 7"/>
+          <p:cNvSpPr/>
           <p:nvPr/>
-        </p:nvGrpSpPr>
-        <p:grpSpPr>
+        </p:nvSpPr>
+        <p:spPr bwMode="auto">
           <a:xfrm>
             <a:off x="7454569" y="1945448"/>
-            <a:ext cx="2952750" cy="3488624"/>
-            <a:chOff x="4618037" y="1497713"/>
-            <a:chExt cx="2952750" cy="3488624"/>
+            <a:ext cx="2952750" cy="373949"/>
           </a:xfrm>
-        </p:grpSpPr>
-        <p:pic>
-          <p:nvPicPr>
-            <p:cNvPr id="7" name="Picture 6"/>
-            <p:cNvPicPr>
-              <a:picLocks noChangeAspect="1"/>
-            </p:cNvPicPr>
-            <p:nvPr/>
-          </p:nvPicPr>
-          <p:blipFill>
-            <a:blip r:embed="rId3"/>
-            <a:stretch>
-              <a:fillRect/>
-            </a:stretch>
-          </p:blipFill>
-          <p:spPr>
-            <a:xfrm>
-              <a:off x="4618037" y="1871662"/>
-              <a:ext cx="2952750" cy="3114675"/>
-            </a:xfrm>
-            <a:prstGeom prst="rect">
+          <a:prstGeom prst="rect">
+            <a:avLst/>
+          </a:prstGeom>
+          <a:solidFill>
+            <a:schemeClr val="accent5"/>
+          </a:solidFill>
+          <a:ln>
+            <a:noFill/>
+            <a:headEnd type="none" w="med" len="med"/>
+            <a:tailEnd type="none" w="med" len="med"/>
+          </a:ln>
+          <a:effectLst/>
+        </p:spPr>
+        <p:style>
+          <a:lnRef idx="1">
+            <a:schemeClr val="accent2"/>
+          </a:lnRef>
+          <a:fillRef idx="3">
+            <a:schemeClr val="accent2"/>
+          </a:fillRef>
+          <a:effectRef idx="2">
+            <a:schemeClr val="accent2"/>
+          </a:effectRef>
+          <a:fontRef idx="minor">
+            <a:schemeClr val="lt1"/>
+          </a:fontRef>
+        </p:style>
+        <p:txBody>
+          <a:bodyPr rot="0" spcFirstLastPara="0" vertOverflow="overflow" horzOverflow="overflow" vert="horz" wrap="square" lIns="45720" tIns="45720" rIns="45720" bIns="45720" numCol="1" spcCol="0" rtlCol="0" fromWordArt="0" anchor="ctr" anchorCtr="0" forceAA="0" compatLnSpc="1">
+            <a:prstTxWarp prst="textNoShape">
               <a:avLst/>
-            </a:prstGeom>
-            <a:ln>
-              <a:solidFill>
-                <a:schemeClr val="bg1">
-                  <a:lumMod val="50000"/>
-                </a:schemeClr>
-              </a:solidFill>
-            </a:ln>
-          </p:spPr>
-        </p:pic>
-        <p:sp>
-          <p:nvSpPr>
-            <p:cNvPr id="8" name="Rectangle 7"/>
-            <p:cNvSpPr/>
-            <p:nvPr/>
-          </p:nvSpPr>
-          <p:spPr bwMode="auto">
-            <a:xfrm>
-              <a:off x="4618037" y="1497713"/>
-              <a:ext cx="2952750" cy="373949"/>
-            </a:xfrm>
-            <a:prstGeom prst="rect">
-              <a:avLst/>
-            </a:prstGeom>
-            <a:solidFill>
-              <a:schemeClr val="accent5"/>
-            </a:solidFill>
-            <a:ln>
-              <a:noFill/>
-              <a:headEnd type="none" w="med" len="med"/>
-              <a:tailEnd type="none" w="med" len="med"/>
-            </a:ln>
-            <a:effectLst/>
-          </p:spPr>
-          <p:style>
-            <a:lnRef idx="1">
-              <a:schemeClr val="accent2"/>
-            </a:lnRef>
-            <a:fillRef idx="3">
-              <a:schemeClr val="accent2"/>
-            </a:fillRef>
-            <a:effectRef idx="2">
-              <a:schemeClr val="accent2"/>
-            </a:effectRef>
-            <a:fontRef idx="minor">
-              <a:schemeClr val="lt1"/>
-            </a:fontRef>
-          </p:style>
-          <p:txBody>
-            <a:bodyPr rot="0" spcFirstLastPara="0" vertOverflow="overflow" horzOverflow="overflow" vert="horz" wrap="square" lIns="45720" tIns="45720" rIns="45720" bIns="45720" numCol="1" spcCol="0" rtlCol="0" fromWordArt="0" anchor="ctr" anchorCtr="0" forceAA="0" compatLnSpc="1">
-              <a:prstTxWarp prst="textNoShape">
-                <a:avLst/>
-              </a:prstTxWarp>
-              <a:noAutofit/>
-            </a:bodyPr>
-            <a:lstStyle/>
-            <a:p>
-              <a:pPr algn="ctr" defTabSz="914099" fontAlgn="base">
-                <a:spcBef>
-                  <a:spcPct val="0"/>
-                </a:spcBef>
-                <a:spcAft>
-                  <a:spcPct val="0"/>
-                </a:spcAft>
-              </a:pPr>
-              <a:r>
-                <a:rPr lang="en-US" dirty="0" smtClean="0">
-                  <a:gradFill>
-                    <a:gsLst>
-                      <a:gs pos="0">
-                        <a:srgbClr val="FFFFFF"/>
-                      </a:gs>
-                      <a:gs pos="100000">
-                        <a:srgbClr val="FFFFFF"/>
-                      </a:gs>
-                    </a:gsLst>
-                    <a:lin ang="5400000" scaled="0"/>
-                  </a:gradFill>
-                  <a:latin typeface="Arial" panose="020B0604020202020204" pitchFamily="34" charset="0"/>
-                  <a:ea typeface="Segoe UI" pitchFamily="34" charset="0"/>
-                  <a:cs typeface="Arial" panose="020B0604020202020204" pitchFamily="34" charset="0"/>
-                </a:rPr>
-                <a:t>Contact</a:t>
-              </a:r>
-            </a:p>
-          </p:txBody>
-        </p:sp>
-      </p:grpSp>
+            </a:prstTxWarp>
+            <a:noAutofit/>
+          </a:bodyPr>
+          <a:lstStyle/>
+          <a:p>
+            <a:pPr algn="ctr" defTabSz="914099" fontAlgn="base">
+              <a:spcBef>
+                <a:spcPct val="0"/>
+              </a:spcBef>
+              <a:spcAft>
+                <a:spcPct val="0"/>
+              </a:spcAft>
+            </a:pPr>
+            <a:r>
+              <a:rPr lang="en-US" dirty="0" smtClean="0">
+                <a:gradFill>
+                  <a:gsLst>
+                    <a:gs pos="0">
+                      <a:srgbClr val="FFFFFF"/>
+                    </a:gs>
+                    <a:gs pos="100000">
+                      <a:srgbClr val="FFFFFF"/>
+                    </a:gs>
+                  </a:gsLst>
+                  <a:lin ang="5400000" scaled="0"/>
+                </a:gradFill>
+                <a:latin typeface="Arial" panose="020B0604020202020204" pitchFamily="34" charset="0"/>
+                <a:ea typeface="Segoe UI" pitchFamily="34" charset="0"/>
+                <a:cs typeface="Arial" panose="020B0604020202020204" pitchFamily="34" charset="0"/>
+              </a:rPr>
+              <a:t>Contact</a:t>
+            </a:r>
+          </a:p>
+        </p:txBody>
+      </p:sp>
+      <p:pic>
+        <p:nvPicPr>
+          <p:cNvPr id="1026" name="Picture 2" descr="D:\Users\andrew\AppData\Local\Temp\SNAGHTML379cbf6.PNG"/>
+          <p:cNvPicPr>
+            <a:picLocks noChangeAspect="1" noChangeArrowheads="1"/>
+          </p:cNvPicPr>
+          <p:nvPr/>
+        </p:nvPicPr>
+        <p:blipFill>
+          <a:blip r:embed="rId3">
+            <a:extLst>
+              <a:ext uri="{28A0092B-C50C-407E-A947-70E740481C1C}">
+                <a14:useLocalDpi xmlns:a14="http://schemas.microsoft.com/office/drawing/2010/main" val="0"/>
+              </a:ext>
+            </a:extLst>
+          </a:blip>
+          <a:srcRect/>
+          <a:stretch>
+            <a:fillRect/>
+          </a:stretch>
+        </p:blipFill>
+        <p:spPr bwMode="auto">
+          <a:xfrm>
+            <a:off x="7324729" y="2319397"/>
+            <a:ext cx="3190875" cy="2809876"/>
+          </a:xfrm>
+          <a:prstGeom prst="rect">
+            <a:avLst/>
+          </a:prstGeom>
+          <a:noFill/>
+          <a:extLst>
+            <a:ext uri="{909E8E84-426E-40DD-AFC4-6F175D3DCCD1}">
+              <a14:hiddenFill xmlns:a14="http://schemas.microsoft.com/office/drawing/2010/main">
+                <a:solidFill>
+                  <a:srgbClr val="FFFFFF"/>
+                </a:solidFill>
+              </a14:hiddenFill>
+            </a:ext>
+          </a:extLst>
+        </p:spPr>
+      </p:pic>
     </p:spTree>
     <p:extLst>
       <p:ext uri="{BB962C8B-B14F-4D97-AF65-F5344CB8AC3E}">
@@ -14513,157 +14507,6 @@
       </p:sp>
       <p:grpSp>
         <p:nvGrpSpPr>
-          <p:cNvPr id="7" name="Group 6"/>
-          <p:cNvGrpSpPr/>
-          <p:nvPr/>
-        </p:nvGrpSpPr>
-        <p:grpSpPr>
-          <a:xfrm>
-            <a:off x="1081386" y="2801354"/>
-            <a:ext cx="3110804" cy="1901832"/>
-            <a:chOff x="3998912" y="2147887"/>
-            <a:chExt cx="4191000" cy="2562225"/>
-          </a:xfrm>
-        </p:grpSpPr>
-        <p:pic>
-          <p:nvPicPr>
-            <p:cNvPr id="5" name="Picture 4"/>
-            <p:cNvPicPr>
-              <a:picLocks noChangeAspect="1"/>
-            </p:cNvPicPr>
-            <p:nvPr/>
-          </p:nvPicPr>
-          <p:blipFill>
-            <a:blip r:embed="rId2"/>
-            <a:stretch>
-              <a:fillRect/>
-            </a:stretch>
-          </p:blipFill>
-          <p:spPr>
-            <a:xfrm>
-              <a:off x="3998912" y="2147887"/>
-              <a:ext cx="4191000" cy="2562225"/>
-            </a:xfrm>
-            <a:prstGeom prst="rect">
-              <a:avLst/>
-            </a:prstGeom>
-            <a:ln>
-              <a:solidFill>
-                <a:schemeClr val="bg1">
-                  <a:lumMod val="50000"/>
-                </a:schemeClr>
-              </a:solidFill>
-            </a:ln>
-          </p:spPr>
-        </p:pic>
-        <p:sp>
-          <p:nvSpPr>
-            <p:cNvPr id="6" name="Rectangle 5"/>
-            <p:cNvSpPr/>
-            <p:nvPr/>
-          </p:nvSpPr>
-          <p:spPr bwMode="auto">
-            <a:xfrm>
-              <a:off x="4068566" y="3491435"/>
-              <a:ext cx="2188396" cy="556583"/>
-            </a:xfrm>
-            <a:prstGeom prst="rect">
-              <a:avLst/>
-            </a:prstGeom>
-            <a:noFill/>
-            <a:ln w="28575">
-              <a:solidFill>
-                <a:srgbClr val="C00000"/>
-              </a:solidFill>
-              <a:prstDash val="sysDash"/>
-              <a:headEnd type="none" w="med" len="med"/>
-              <a:tailEnd type="none" w="med" len="med"/>
-            </a:ln>
-            <a:effectLst/>
-          </p:spPr>
-          <p:style>
-            <a:lnRef idx="1">
-              <a:schemeClr val="accent2"/>
-            </a:lnRef>
-            <a:fillRef idx="3">
-              <a:schemeClr val="accent2"/>
-            </a:fillRef>
-            <a:effectRef idx="2">
-              <a:schemeClr val="accent2"/>
-            </a:effectRef>
-            <a:fontRef idx="minor">
-              <a:schemeClr val="lt1"/>
-            </a:fontRef>
-          </p:style>
-          <p:txBody>
-            <a:bodyPr rot="0" spcFirstLastPara="0" vertOverflow="overflow" horzOverflow="overflow" vert="horz" wrap="square" lIns="45720" tIns="45720" rIns="45720" bIns="45720" numCol="1" spcCol="0" rtlCol="0" fromWordArt="0" anchor="ctr" anchorCtr="0" forceAA="0" compatLnSpc="1">
-              <a:prstTxWarp prst="textNoShape">
-                <a:avLst/>
-              </a:prstTxWarp>
-              <a:noAutofit/>
-            </a:bodyPr>
-            <a:lstStyle/>
-            <a:p>
-              <a:pPr algn="ctr" defTabSz="914099" fontAlgn="base">
-                <a:spcBef>
-                  <a:spcPct val="0"/>
-                </a:spcBef>
-                <a:spcAft>
-                  <a:spcPct val="0"/>
-                </a:spcAft>
-              </a:pPr>
-              <a:endParaRPr lang="en-US" sz="2200" dirty="0" smtClean="0">
-                <a:gradFill>
-                  <a:gsLst>
-                    <a:gs pos="0">
-                      <a:srgbClr val="FFFFFF"/>
-                    </a:gs>
-                    <a:gs pos="100000">
-                      <a:srgbClr val="FFFFFF"/>
-                    </a:gs>
-                  </a:gsLst>
-                  <a:lin ang="5400000" scaled="0"/>
-                </a:gradFill>
-                <a:ea typeface="Segoe UI" pitchFamily="34" charset="0"/>
-                <a:cs typeface="Segoe UI" pitchFamily="34" charset="0"/>
-              </a:endParaRPr>
-            </a:p>
-          </p:txBody>
-        </p:sp>
-      </p:grpSp>
-      <p:pic>
-        <p:nvPicPr>
-          <p:cNvPr id="8" name="Picture 7"/>
-          <p:cNvPicPr>
-            <a:picLocks noChangeAspect="1"/>
-          </p:cNvPicPr>
-          <p:nvPr/>
-        </p:nvPicPr>
-        <p:blipFill>
-          <a:blip r:embed="rId3"/>
-          <a:stretch>
-            <a:fillRect/>
-          </a:stretch>
-        </p:blipFill>
-        <p:spPr>
-          <a:xfrm>
-            <a:off x="7356297" y="1057616"/>
-            <a:ext cx="4643920" cy="5655547"/>
-          </a:xfrm>
-          <a:prstGeom prst="rect">
-            <a:avLst/>
-          </a:prstGeom>
-          <a:ln>
-            <a:solidFill>
-              <a:schemeClr val="bg1">
-                <a:lumMod val="50000"/>
-              </a:schemeClr>
-            </a:solidFill>
-          </a:ln>
-        </p:spPr>
-      </p:pic>
-      <p:grpSp>
-        <p:nvGrpSpPr>
           <p:cNvPr id="11" name="Group 10"/>
           <p:cNvGrpSpPr/>
           <p:nvPr/>
@@ -14685,7 +14528,7 @@
             <p:nvPr/>
           </p:nvPicPr>
           <p:blipFill>
-            <a:blip r:embed="rId4"/>
+            <a:blip r:embed="rId2"/>
             <a:stretch>
               <a:fillRect/>
             </a:stretch>
@@ -14782,6 +14625,54 @@
           </p:txBody>
         </p:sp>
       </p:grpSp>
+      <p:pic>
+        <p:nvPicPr>
+          <p:cNvPr id="14" name="Picture 13"/>
+          <p:cNvPicPr>
+            <a:picLocks noChangeAspect="1"/>
+          </p:cNvPicPr>
+          <p:nvPr/>
+        </p:nvPicPr>
+        <p:blipFill>
+          <a:blip r:embed="rId3"/>
+          <a:stretch>
+            <a:fillRect/>
+          </a:stretch>
+        </p:blipFill>
+        <p:spPr>
+          <a:xfrm>
+            <a:off x="1081386" y="2817975"/>
+            <a:ext cx="4019048" cy="1790476"/>
+          </a:xfrm>
+          <a:prstGeom prst="rect">
+            <a:avLst/>
+          </a:prstGeom>
+        </p:spPr>
+      </p:pic>
+      <p:pic>
+        <p:nvPicPr>
+          <p:cNvPr id="15" name="Picture 14"/>
+          <p:cNvPicPr>
+            <a:picLocks noChangeAspect="1"/>
+          </p:cNvPicPr>
+          <p:nvPr/>
+        </p:nvPicPr>
+        <p:blipFill>
+          <a:blip r:embed="rId4"/>
+          <a:stretch>
+            <a:fillRect/>
+          </a:stretch>
+        </p:blipFill>
+        <p:spPr>
+          <a:xfrm>
+            <a:off x="7071862" y="1287381"/>
+            <a:ext cx="4995193" cy="4619668"/>
+          </a:xfrm>
+          <a:prstGeom prst="rect">
+            <a:avLst/>
+          </a:prstGeom>
+        </p:spPr>
+      </p:pic>
     </p:spTree>
     <p:extLst>
       <p:ext uri="{BB962C8B-B14F-4D97-AF65-F5344CB8AC3E}">
@@ -14817,7 +14708,7 @@
       </p:grpSpPr>
       <p:pic>
         <p:nvPicPr>
-          <p:cNvPr id="2" name="Picture 1"/>
+          <p:cNvPr id="3" name="Picture 2"/>
           <p:cNvPicPr>
             <a:picLocks noChangeAspect="1"/>
           </p:cNvPicPr>
@@ -14831,19 +14722,12 @@
         </p:blipFill>
         <p:spPr>
           <a:xfrm>
-            <a:off x="658637" y="101719"/>
-            <a:ext cx="8545325" cy="6646942"/>
+            <a:off x="560388" y="195501"/>
+            <a:ext cx="9521567" cy="6518119"/>
           </a:xfrm>
           <a:prstGeom prst="rect">
             <a:avLst/>
           </a:prstGeom>
-          <a:ln>
-            <a:solidFill>
-              <a:schemeClr val="bg1">
-                <a:lumMod val="50000"/>
-              </a:schemeClr>
-            </a:solidFill>
-          </a:ln>
         </p:spPr>
       </p:pic>
       <p:sp>
@@ -14880,7 +14764,7 @@
       </p:sp>
       <p:sp>
         <p:nvSpPr>
-          <p:cNvPr id="8" name="Text Placeholder 6"/>
+          <p:cNvPr id="9" name="Text Placeholder 6"/>
           <p:cNvSpPr txBox="1">
             <a:spLocks/>
           </p:cNvSpPr>
@@ -14888,8 +14772,8 @@
         </p:nvSpPr>
         <p:spPr>
           <a:xfrm>
-            <a:off x="7676766" y="1394315"/>
-            <a:ext cx="3625818" cy="771763"/>
+            <a:off x="6408096" y="5110419"/>
+            <a:ext cx="5368978" cy="566898"/>
           </a:xfrm>
           <a:prstGeom prst="rect">
             <a:avLst/>
@@ -15146,7 +15030,7 @@
                   <a:srgbClr val="FF0000"/>
                 </a:solidFill>
               </a:rPr>
-              <a:t>Discovery service resource using </a:t>
+              <a:t>Retrieve access token using </a:t>
             </a:r>
             <a:r>
               <a:rPr lang="en-US" sz="1800" b="1" dirty="0" err="1" smtClean="0">
@@ -15154,293 +15038,7 @@
                   <a:srgbClr val="FF0000"/>
                 </a:solidFill>
               </a:rPr>
-              <a:t>DiscoverResourceAsync</a:t>
-            </a:r>
-            <a:endParaRPr lang="en-US" sz="1800" b="1" dirty="0" smtClean="0">
-              <a:solidFill>
-                <a:srgbClr val="FF0000"/>
-              </a:solidFill>
-            </a:endParaRPr>
-          </a:p>
-        </p:txBody>
-      </p:sp>
-      <p:sp>
-        <p:nvSpPr>
-          <p:cNvPr id="9" name="Text Placeholder 6"/>
-          <p:cNvSpPr txBox="1">
-            <a:spLocks/>
-          </p:cNvSpPr>
-          <p:nvPr/>
-        </p:nvSpPr>
-        <p:spPr>
-          <a:xfrm>
-            <a:off x="6468256" y="5832315"/>
-            <a:ext cx="5368978" cy="566898"/>
-          </a:xfrm>
-          <a:prstGeom prst="rect">
-            <a:avLst/>
-          </a:prstGeom>
-          <a:solidFill>
-            <a:schemeClr val="accent2">
-              <a:lumMod val="20000"/>
-              <a:lumOff val="80000"/>
-            </a:schemeClr>
-          </a:solidFill>
-          <a:ln>
-            <a:solidFill>
-              <a:schemeClr val="bg1">
-                <a:lumMod val="65000"/>
-              </a:schemeClr>
-            </a:solidFill>
-          </a:ln>
-        </p:spPr>
-        <p:txBody>
-          <a:bodyPr lIns="91440" tIns="182880" rIns="91440"/>
-          <a:lstStyle>
-            <a:lvl1pPr marL="339725" marR="0" indent="-339725" algn="l" defTabSz="914363" rtl="0" eaLnBrk="1" fontAlgn="auto" latinLnBrk="0" hangingPunct="1">
-              <a:lnSpc>
-                <a:spcPct val="90000"/>
-              </a:lnSpc>
-              <a:spcBef>
-                <a:spcPct val="20000"/>
-              </a:spcBef>
-              <a:spcAft>
-                <a:spcPts val="0"/>
-              </a:spcAft>
-              <a:buClrTx/>
-              <a:buSzPct val="80000"/>
-              <a:buFont typeface="Arial" pitchFamily="34" charset="0"/>
-              <a:buChar char="•"/>
-              <a:tabLst/>
-              <a:defRPr sz="3600" kern="1200" spc="-70" baseline="0">
-                <a:gradFill>
-                  <a:gsLst>
-                    <a:gs pos="1250">
-                      <a:schemeClr val="bg2"/>
-                    </a:gs>
-                    <a:gs pos="100000">
-                      <a:schemeClr val="bg2"/>
-                    </a:gs>
-                  </a:gsLst>
-                  <a:lin ang="5400000" scaled="0"/>
-                </a:gradFill>
-                <a:latin typeface="+mj-lt"/>
-                <a:ea typeface="+mn-ea"/>
-                <a:cs typeface="+mn-cs"/>
-              </a:defRPr>
-            </a:lvl1pPr>
-            <a:lvl2pPr marL="573088" marR="0" indent="-233363" algn="l" defTabSz="914363" rtl="0" eaLnBrk="1" fontAlgn="auto" latinLnBrk="0" hangingPunct="1">
-              <a:lnSpc>
-                <a:spcPct val="90000"/>
-              </a:lnSpc>
-              <a:spcBef>
-                <a:spcPct val="20000"/>
-              </a:spcBef>
-              <a:spcAft>
-                <a:spcPts val="0"/>
-              </a:spcAft>
-              <a:buClrTx/>
-              <a:buSzPct val="90000"/>
-              <a:buFont typeface="Wingdings" pitchFamily="2" charset="2"/>
-              <a:buChar char=""/>
-              <a:tabLst/>
-              <a:defRPr sz="2400" kern="1200" spc="0" baseline="0">
-                <a:gradFill>
-                  <a:gsLst>
-                    <a:gs pos="1250">
-                      <a:schemeClr val="bg2"/>
-                    </a:gs>
-                    <a:gs pos="100000">
-                      <a:schemeClr val="bg2"/>
-                    </a:gs>
-                  </a:gsLst>
-                  <a:lin ang="5400000" scaled="0"/>
-                </a:gradFill>
-                <a:latin typeface="+mn-lt"/>
-                <a:ea typeface="+mn-ea"/>
-                <a:cs typeface="+mn-cs"/>
-              </a:defRPr>
-            </a:lvl2pPr>
-            <a:lvl3pPr marL="798513" marR="0" indent="-225425" algn="l" defTabSz="914363" rtl="0" eaLnBrk="1" fontAlgn="auto" latinLnBrk="0" hangingPunct="1">
-              <a:lnSpc>
-                <a:spcPct val="90000"/>
-              </a:lnSpc>
-              <a:spcBef>
-                <a:spcPct val="20000"/>
-              </a:spcBef>
-              <a:spcAft>
-                <a:spcPts val="0"/>
-              </a:spcAft>
-              <a:buClrTx/>
-              <a:buSzPct val="90000"/>
-              <a:buFont typeface="Wingdings" pitchFamily="2" charset="2"/>
-              <a:buChar char=""/>
-              <a:tabLst>
-                <a:tab pos="798513" algn="l"/>
-              </a:tabLst>
-              <a:defRPr sz="2400" kern="1200" spc="0" baseline="0">
-                <a:gradFill>
-                  <a:gsLst>
-                    <a:gs pos="1250">
-                      <a:schemeClr val="bg2"/>
-                    </a:gs>
-                    <a:gs pos="100000">
-                      <a:schemeClr val="bg2"/>
-                    </a:gs>
-                  </a:gsLst>
-                  <a:lin ang="5400000" scaled="0"/>
-                </a:gradFill>
-                <a:latin typeface="+mn-lt"/>
-                <a:ea typeface="+mn-ea"/>
-                <a:cs typeface="+mn-cs"/>
-              </a:defRPr>
-            </a:lvl3pPr>
-            <a:lvl4pPr marL="1030288" marR="0" indent="-231775" algn="l" defTabSz="914363" rtl="0" eaLnBrk="1" fontAlgn="auto" latinLnBrk="0" hangingPunct="1">
-              <a:lnSpc>
-                <a:spcPct val="90000"/>
-              </a:lnSpc>
-              <a:spcBef>
-                <a:spcPct val="20000"/>
-              </a:spcBef>
-              <a:spcAft>
-                <a:spcPts val="0"/>
-              </a:spcAft>
-              <a:buClrTx/>
-              <a:buSzPct val="90000"/>
-              <a:buFont typeface="Wingdings" pitchFamily="2" charset="2"/>
-              <a:buChar char=""/>
-              <a:tabLst/>
-              <a:defRPr sz="2000" kern="1200" spc="0" baseline="0">
-                <a:gradFill>
-                  <a:gsLst>
-                    <a:gs pos="1250">
-                      <a:schemeClr val="bg2"/>
-                    </a:gs>
-                    <a:gs pos="100000">
-                      <a:schemeClr val="bg2"/>
-                    </a:gs>
-                  </a:gsLst>
-                  <a:lin ang="5400000" scaled="0"/>
-                </a:gradFill>
-                <a:latin typeface="+mn-lt"/>
-                <a:ea typeface="+mn-ea"/>
-                <a:cs typeface="+mn-cs"/>
-              </a:defRPr>
-            </a:lvl4pPr>
-            <a:lvl5pPr marL="1255713" marR="0" indent="-225425" algn="l" defTabSz="914363" rtl="0" eaLnBrk="1" fontAlgn="auto" latinLnBrk="0" hangingPunct="1">
-              <a:lnSpc>
-                <a:spcPct val="90000"/>
-              </a:lnSpc>
-              <a:spcBef>
-                <a:spcPct val="20000"/>
-              </a:spcBef>
-              <a:spcAft>
-                <a:spcPts val="0"/>
-              </a:spcAft>
-              <a:buClrTx/>
-              <a:buSzPct val="90000"/>
-              <a:buFont typeface="Wingdings" pitchFamily="2" charset="2"/>
-              <a:buChar char=""/>
-              <a:tabLst>
-                <a:tab pos="1255713" algn="l"/>
-              </a:tabLst>
-              <a:defRPr sz="2000" kern="1200" spc="0" baseline="0">
-                <a:gradFill>
-                  <a:gsLst>
-                    <a:gs pos="1250">
-                      <a:schemeClr val="bg2"/>
-                    </a:gs>
-                    <a:gs pos="100000">
-                      <a:schemeClr val="bg2"/>
-                    </a:gs>
-                  </a:gsLst>
-                  <a:lin ang="5400000" scaled="0"/>
-                </a:gradFill>
-                <a:latin typeface="+mn-lt"/>
-                <a:ea typeface="+mn-ea"/>
-                <a:cs typeface="+mn-cs"/>
-              </a:defRPr>
-            </a:lvl5pPr>
-            <a:lvl6pPr marL="2514499" indent="-228591" algn="l" defTabSz="914363" rtl="0" eaLnBrk="1" latinLnBrk="0" hangingPunct="1">
-              <a:spcBef>
-                <a:spcPct val="20000"/>
-              </a:spcBef>
-              <a:buFont typeface="Arial" pitchFamily="34" charset="0"/>
-              <a:buChar char="•"/>
-              <a:defRPr sz="2000" kern="1200">
-                <a:solidFill>
-                  <a:schemeClr val="tx1"/>
-                </a:solidFill>
-                <a:latin typeface="+mn-lt"/>
-                <a:ea typeface="+mn-ea"/>
-                <a:cs typeface="+mn-cs"/>
-              </a:defRPr>
-            </a:lvl6pPr>
-            <a:lvl7pPr marL="2971681" indent="-228591" algn="l" defTabSz="914363" rtl="0" eaLnBrk="1" latinLnBrk="0" hangingPunct="1">
-              <a:spcBef>
-                <a:spcPct val="20000"/>
-              </a:spcBef>
-              <a:buFont typeface="Arial" pitchFamily="34" charset="0"/>
-              <a:buChar char="•"/>
-              <a:defRPr sz="2000" kern="1200">
-                <a:solidFill>
-                  <a:schemeClr val="tx1"/>
-                </a:solidFill>
-                <a:latin typeface="+mn-lt"/>
-                <a:ea typeface="+mn-ea"/>
-                <a:cs typeface="+mn-cs"/>
-              </a:defRPr>
-            </a:lvl7pPr>
-            <a:lvl8pPr marL="3428863" indent="-228591" algn="l" defTabSz="914363" rtl="0" eaLnBrk="1" latinLnBrk="0" hangingPunct="1">
-              <a:spcBef>
-                <a:spcPct val="20000"/>
-              </a:spcBef>
-              <a:buFont typeface="Arial" pitchFamily="34" charset="0"/>
-              <a:buChar char="•"/>
-              <a:defRPr sz="2000" kern="1200">
-                <a:solidFill>
-                  <a:schemeClr val="tx1"/>
-                </a:solidFill>
-                <a:latin typeface="+mn-lt"/>
-                <a:ea typeface="+mn-ea"/>
-                <a:cs typeface="+mn-cs"/>
-              </a:defRPr>
-            </a:lvl8pPr>
-            <a:lvl9pPr marL="3886045" indent="-228591" algn="l" defTabSz="914363" rtl="0" eaLnBrk="1" latinLnBrk="0" hangingPunct="1">
-              <a:spcBef>
-                <a:spcPct val="20000"/>
-              </a:spcBef>
-              <a:buFont typeface="Arial" pitchFamily="34" charset="0"/>
-              <a:buChar char="•"/>
-              <a:defRPr sz="2000" kern="1200">
-                <a:solidFill>
-                  <a:schemeClr val="tx1"/>
-                </a:solidFill>
-                <a:latin typeface="+mn-lt"/>
-                <a:ea typeface="+mn-ea"/>
-                <a:cs typeface="+mn-cs"/>
-              </a:defRPr>
-            </a:lvl9pPr>
-          </a:lstStyle>
-          <a:p>
-            <a:pPr marL="0" indent="0">
-              <a:buNone/>
-            </a:pPr>
-            <a:r>
-              <a:rPr lang="en-US" sz="1800" dirty="0" smtClean="0">
-                <a:solidFill>
-                  <a:srgbClr val="FF0000"/>
-                </a:solidFill>
-              </a:rPr>
-              <a:t>Retrieve access token using </a:t>
-            </a:r>
-            <a:r>
-              <a:rPr lang="en-US" sz="1800" b="1" dirty="0" err="1" smtClean="0">
-                <a:solidFill>
-                  <a:srgbClr val="FF0000"/>
-                </a:solidFill>
-              </a:rPr>
-              <a:t>AcquireAccessTokenSlientAsync</a:t>
+              <a:t>AcquireTokenSlientAsync</a:t>
             </a:r>
             <a:endParaRPr lang="en-US" sz="1800" b="1" dirty="0">
               <a:solidFill>
@@ -15450,45 +15048,6 @@
           </a:p>
         </p:txBody>
       </p:sp>
-      <p:cxnSp>
-        <p:nvCxnSpPr>
-          <p:cNvPr id="11" name="Straight Arrow Connector 10"/>
-          <p:cNvCxnSpPr>
-            <a:stCxn id="8" idx="1"/>
-          </p:cNvCxnSpPr>
-          <p:nvPr/>
-        </p:nvCxnSpPr>
-        <p:spPr>
-          <a:xfrm flipH="1">
-            <a:off x="6468256" y="1780197"/>
-            <a:ext cx="1208510" cy="595744"/>
-          </a:xfrm>
-          <a:prstGeom prst="straightConnector1">
-            <a:avLst/>
-          </a:prstGeom>
-          <a:ln>
-            <a:solidFill>
-              <a:schemeClr val="tx1"/>
-            </a:solidFill>
-            <a:headEnd type="none"/>
-            <a:tailEnd type="triangle"/>
-          </a:ln>
-        </p:spPr>
-        <p:style>
-          <a:lnRef idx="1">
-            <a:schemeClr val="accent1"/>
-          </a:lnRef>
-          <a:fillRef idx="0">
-            <a:schemeClr val="accent1"/>
-          </a:fillRef>
-          <a:effectRef idx="0">
-            <a:schemeClr val="accent1"/>
-          </a:effectRef>
-          <a:fontRef idx="minor">
-            <a:schemeClr val="tx1"/>
-          </a:fontRef>
-        </p:style>
-      </p:cxnSp>
       <p:cxnSp>
         <p:nvCxnSpPr>
           <p:cNvPr id="13" name="Straight Arrow Connector 12"/>
@@ -15497,8 +15056,8 @@
         </p:nvCxnSpPr>
         <p:spPr>
           <a:xfrm flipH="1" flipV="1">
-            <a:off x="5433934" y="5329003"/>
-            <a:ext cx="944381" cy="839449"/>
+            <a:off x="4872789" y="4074116"/>
+            <a:ext cx="3803556" cy="997207"/>
           </a:xfrm>
           <a:prstGeom prst="straightConnector1">
             <a:avLst/>
@@ -15576,7 +15135,11 @@
           <a:p>
             <a:r>
               <a:rPr lang="en-US" dirty="0" smtClean="0"/>
-              <a:t>Programming with ExchangeClient</a:t>
+              <a:t>Programming with </a:t>
+            </a:r>
+            <a:r>
+              <a:rPr lang="en-US" dirty="0" err="1" smtClean="0"/>
+              <a:t>OutlookServiceClient</a:t>
             </a:r>
             <a:endParaRPr lang="en-US" dirty="0"/>
           </a:p>
@@ -15603,8 +15166,12 @@
           <a:lstStyle/>
           <a:p>
             <a:r>
+              <a:rPr lang="en-US" dirty="0" err="1" smtClean="0"/>
+              <a:t>OutlookServiceClient</a:t>
+            </a:r>
+            <a:r>
               <a:rPr lang="en-US" dirty="0" smtClean="0"/>
-              <a:t>ExchangeClient provide </a:t>
+              <a:t> provide </a:t>
             </a:r>
             <a:r>
               <a:rPr lang="en-US" b="1" dirty="0" smtClean="0"/>
@@ -15675,32 +15242,26 @@
       </p:sp>
       <p:pic>
         <p:nvPicPr>
-          <p:cNvPr id="4" name="Picture 3"/>
+          <p:cNvPr id="6" name="Picture 5"/>
           <p:cNvPicPr>
             <a:picLocks noChangeAspect="1"/>
           </p:cNvPicPr>
           <p:nvPr/>
         </p:nvPicPr>
-        <p:blipFill rotWithShape="1">
+        <p:blipFill>
           <a:blip r:embed="rId3"/>
-          <a:srcRect r="38232"/>
-          <a:stretch/>
+          <a:stretch>
+            <a:fillRect/>
+          </a:stretch>
         </p:blipFill>
         <p:spPr>
           <a:xfrm>
-            <a:off x="1081386" y="3061698"/>
-            <a:ext cx="10234169" cy="2131574"/>
+            <a:off x="1018685" y="3236811"/>
+            <a:ext cx="10151455" cy="2153339"/>
           </a:xfrm>
           <a:prstGeom prst="rect">
             <a:avLst/>
           </a:prstGeom>
-          <a:ln>
-            <a:solidFill>
-              <a:schemeClr val="bg1">
-                <a:lumMod val="50000"/>
-              </a:schemeClr>
-            </a:solidFill>
-          </a:ln>
         </p:spPr>
       </p:pic>
     </p:spTree>
@@ -15785,7 +15346,7 @@
       </p:sp>
       <p:pic>
         <p:nvPicPr>
-          <p:cNvPr id="7" name="Picture 6"/>
+          <p:cNvPr id="5" name="Picture 4"/>
           <p:cNvPicPr>
             <a:picLocks noChangeAspect="1"/>
           </p:cNvPicPr>
@@ -15799,29 +15360,17 @@
         </p:blipFill>
         <p:spPr>
           <a:xfrm>
-            <a:off x="519112" y="1440127"/>
-            <a:ext cx="6296025" cy="4495800"/>
+            <a:off x="519112" y="1085668"/>
+            <a:ext cx="6797133" cy="5302727"/>
           </a:xfrm>
           <a:prstGeom prst="rect">
             <a:avLst/>
           </a:prstGeom>
-          <a:solidFill>
-            <a:schemeClr val="bg1">
-              <a:lumMod val="50000"/>
-            </a:schemeClr>
-          </a:solidFill>
-          <a:ln>
-            <a:solidFill>
-              <a:schemeClr val="bg1">
-                <a:lumMod val="50000"/>
-              </a:schemeClr>
-            </a:solidFill>
-          </a:ln>
         </p:spPr>
       </p:pic>
       <p:pic>
         <p:nvPicPr>
-          <p:cNvPr id="6" name="Picture 5"/>
+          <p:cNvPr id="3" name="Picture 2"/>
           <p:cNvPicPr>
             <a:picLocks noChangeAspect="1"/>
           </p:cNvPicPr>
@@ -15835,19 +15384,12 @@
         </p:blipFill>
         <p:spPr>
           <a:xfrm>
-            <a:off x="5014288" y="3373891"/>
-            <a:ext cx="4276725" cy="3000375"/>
+            <a:off x="7201458" y="903736"/>
+            <a:ext cx="4466667" cy="4809524"/>
           </a:xfrm>
           <a:prstGeom prst="rect">
             <a:avLst/>
           </a:prstGeom>
-          <a:ln>
-            <a:solidFill>
-              <a:schemeClr val="bg1">
-                <a:lumMod val="50000"/>
-              </a:schemeClr>
-            </a:solidFill>
-          </a:ln>
         </p:spPr>
       </p:pic>
     </p:spTree>
@@ -17223,7 +16765,7 @@
                 <a:gridCol w="5760278">
                   <a:extLst>
                     <a:ext uri="{9D8B030D-6E8A-4147-A177-3AD203B41FA5}">
-                      <a16:colId xmlns:a16="http://schemas.microsoft.com/office/drawing/2014/main" val="1253488153"/>
+                      <a16:colId xmlns="" xmlns:a16="http://schemas.microsoft.com/office/drawing/2014/main" val="1253488153"/>
                     </a:ext>
                   </a:extLst>
                 </a:gridCol>
@@ -17249,7 +16791,7 @@
                 </a:tc>
                 <a:extLst>
                   <a:ext uri="{0D108BD9-81ED-4DB2-BD59-A6C34878D82A}">
-                    <a16:rowId xmlns:a16="http://schemas.microsoft.com/office/drawing/2014/main" val="829859176"/>
+                    <a16:rowId xmlns="" xmlns:a16="http://schemas.microsoft.com/office/drawing/2014/main" val="829859176"/>
                   </a:ext>
                 </a:extLst>
               </a:tr>
@@ -17261,11 +16803,7 @@
                     <a:p>
                       <a:r>
                         <a:rPr lang="en-US" sz="1800" b="0" dirty="0" smtClean="0"/>
-                        <a:t>Module 1: </a:t>
-                      </a:r>
-                      <a:r>
-                        <a:rPr lang="en-US" sz="1800" b="0" dirty="0" smtClean="0"/>
-                        <a:t>Introduction</a:t>
+                        <a:t>Module 1: Introduction</a:t>
                       </a:r>
                       <a:r>
                         <a:rPr lang="en-US" sz="1800" b="0" baseline="0" dirty="0" smtClean="0"/>
@@ -17278,7 +16816,7 @@
                 </a:tc>
                 <a:extLst>
                   <a:ext uri="{0D108BD9-81ED-4DB2-BD59-A6C34878D82A}">
-                    <a16:rowId xmlns:a16="http://schemas.microsoft.com/office/drawing/2014/main" val="1946132611"/>
+                    <a16:rowId xmlns="" xmlns:a16="http://schemas.microsoft.com/office/drawing/2014/main" val="1946132611"/>
                   </a:ext>
                 </a:extLst>
               </a:tr>
@@ -17311,11 +16849,7 @@
                       </a:r>
                       <a:r>
                         <a:rPr lang="en-US" sz="1800" b="0" baseline="0" dirty="0" smtClean="0"/>
-                        <a:t> </a:t>
-                      </a:r>
-                      <a:r>
-                        <a:rPr lang="en-US" sz="1800" b="0" baseline="0" dirty="0" smtClean="0"/>
-                        <a:t>Office</a:t>
+                        <a:t> Office</a:t>
                       </a:r>
                       <a:endParaRPr lang="en-US" sz="1800" b="0" dirty="0" smtClean="0"/>
                     </a:p>
@@ -17324,7 +16858,7 @@
                 </a:tc>
                 <a:extLst>
                   <a:ext uri="{0D108BD9-81ED-4DB2-BD59-A6C34878D82A}">
-                    <a16:rowId xmlns:a16="http://schemas.microsoft.com/office/drawing/2014/main" val="3204002662"/>
+                    <a16:rowId xmlns="" xmlns:a16="http://schemas.microsoft.com/office/drawing/2014/main" val="3204002662"/>
                   </a:ext>
                 </a:extLst>
               </a:tr>
@@ -17355,14 +16889,13 @@
                         <a:rPr lang="en-US" sz="1800" b="0" dirty="0" smtClean="0"/>
                         <a:t>Module 3: Getting started with Apps for SharePoint</a:t>
                       </a:r>
-                      <a:endParaRPr lang="en-US" sz="1800" b="0" dirty="0" smtClean="0"/>
                     </a:p>
                   </a:txBody>
                   <a:tcPr marL="67371" marR="67371" marT="33685" marB="33685" anchor="ctr"/>
                 </a:tc>
                 <a:extLst>
                   <a:ext uri="{0D108BD9-81ED-4DB2-BD59-A6C34878D82A}">
-                    <a16:rowId xmlns:a16="http://schemas.microsoft.com/office/drawing/2014/main" val="3774542436"/>
+                    <a16:rowId xmlns="" xmlns:a16="http://schemas.microsoft.com/office/drawing/2014/main" val="3774542436"/>
                   </a:ext>
                 </a:extLst>
               </a:tr>
@@ -17414,7 +16947,7 @@
                 </a:tc>
                 <a:extLst>
                   <a:ext uri="{0D108BD9-81ED-4DB2-BD59-A6C34878D82A}">
-                    <a16:rowId xmlns:a16="http://schemas.microsoft.com/office/drawing/2014/main" val="4266278162"/>
+                    <a16:rowId xmlns="" xmlns:a16="http://schemas.microsoft.com/office/drawing/2014/main" val="4266278162"/>
                   </a:ext>
                 </a:extLst>
               </a:tr>
@@ -17451,7 +16984,7 @@
                 </a:tc>
                 <a:extLst>
                   <a:ext uri="{0D108BD9-81ED-4DB2-BD59-A6C34878D82A}">
-                    <a16:rowId xmlns:a16="http://schemas.microsoft.com/office/drawing/2014/main" val="1208832343"/>
+                    <a16:rowId xmlns="" xmlns:a16="http://schemas.microsoft.com/office/drawing/2014/main" val="1208832343"/>
                   </a:ext>
                 </a:extLst>
               </a:tr>
@@ -18013,7 +17546,7 @@
       </p:grpSpPr>
       <p:pic>
         <p:nvPicPr>
-          <p:cNvPr id="9" name="Picture 8"/>
+          <p:cNvPr id="6" name="Picture 5"/>
           <p:cNvPicPr>
             <a:picLocks noChangeAspect="1"/>
           </p:cNvPicPr>
@@ -18027,19 +17560,12 @@
         </p:blipFill>
         <p:spPr>
           <a:xfrm>
-            <a:off x="931409" y="2396823"/>
-            <a:ext cx="7875347" cy="3531366"/>
+            <a:off x="1081386" y="2219013"/>
+            <a:ext cx="7371428" cy="4400000"/>
           </a:xfrm>
           <a:prstGeom prst="rect">
             <a:avLst/>
           </a:prstGeom>
-          <a:ln>
-            <a:solidFill>
-              <a:schemeClr val="bg1">
-                <a:lumMod val="50000"/>
-              </a:schemeClr>
-            </a:solidFill>
-          </a:ln>
         </p:spPr>
       </p:pic>
       <p:sp>
@@ -18163,22 +17689,27 @@
       </p:sp>
       <p:pic>
         <p:nvPicPr>
-          <p:cNvPr id="7" name="Picture 6"/>
+          <p:cNvPr id="5" name="Picture 4"/>
           <p:cNvPicPr>
             <a:picLocks noChangeAspect="1"/>
           </p:cNvPicPr>
           <p:nvPr/>
         </p:nvPicPr>
-        <p:blipFill>
-          <a:blip r:embed="rId3"/>
-          <a:stretch>
-            <a:fillRect/>
-          </a:stretch>
+        <p:blipFill rotWithShape="1">
+          <a:blip r:embed="rId3">
+            <a:extLst>
+              <a:ext uri="{28A0092B-C50C-407E-A947-70E740481C1C}">
+                <a14:useLocalDpi xmlns:a14="http://schemas.microsoft.com/office/drawing/2010/main" val="0"/>
+              </a:ext>
+            </a:extLst>
+          </a:blip>
+          <a:srcRect t="9366"/>
+          <a:stretch/>
         </p:blipFill>
         <p:spPr>
           <a:xfrm>
-            <a:off x="5221053" y="4361878"/>
-            <a:ext cx="2564291" cy="1978682"/>
+            <a:off x="7948499" y="4358853"/>
+            <a:ext cx="3670044" cy="1650905"/>
           </a:xfrm>
           <a:prstGeom prst="rect">
             <a:avLst/>
@@ -18194,38 +17725,26 @@
       </p:pic>
       <p:pic>
         <p:nvPicPr>
-          <p:cNvPr id="5" name="Picture 4"/>
+          <p:cNvPr id="8" name="Picture 7"/>
           <p:cNvPicPr>
             <a:picLocks noChangeAspect="1"/>
           </p:cNvPicPr>
           <p:nvPr/>
         </p:nvPicPr>
-        <p:blipFill rotWithShape="1">
-          <a:blip r:embed="rId4">
-            <a:extLst>
-              <a:ext uri="{28A0092B-C50C-407E-A947-70E740481C1C}">
-                <a14:useLocalDpi xmlns:a14="http://schemas.microsoft.com/office/drawing/2010/main" val="0"/>
-              </a:ext>
-            </a:extLst>
-          </a:blip>
-          <a:srcRect t="9366"/>
-          <a:stretch/>
+        <p:blipFill>
+          <a:blip r:embed="rId4"/>
+          <a:stretch>
+            <a:fillRect/>
+          </a:stretch>
         </p:blipFill>
         <p:spPr>
           <a:xfrm>
-            <a:off x="8196609" y="3700314"/>
-            <a:ext cx="3670044" cy="1650905"/>
+            <a:off x="7083165" y="2100736"/>
+            <a:ext cx="1930335" cy="2089721"/>
           </a:xfrm>
           <a:prstGeom prst="rect">
             <a:avLst/>
           </a:prstGeom>
-          <a:ln>
-            <a:solidFill>
-              <a:schemeClr val="bg1">
-                <a:lumMod val="50000"/>
-              </a:schemeClr>
-            </a:solidFill>
-          </a:ln>
         </p:spPr>
       </p:pic>
     </p:spTree>
@@ -18547,7 +18066,7 @@
       </p:sp>
       <p:pic>
         <p:nvPicPr>
-          <p:cNvPr id="5" name="Picture 4"/>
+          <p:cNvPr id="6" name="Picture 5"/>
           <p:cNvPicPr>
             <a:picLocks noChangeAspect="1"/>
           </p:cNvPicPr>
@@ -18555,37 +18074,6 @@
         </p:nvPicPr>
         <p:blipFill>
           <a:blip r:embed="rId2"/>
-          <a:stretch>
-            <a:fillRect/>
-          </a:stretch>
-        </p:blipFill>
-        <p:spPr>
-          <a:xfrm>
-            <a:off x="901039" y="2072008"/>
-            <a:ext cx="4838700" cy="2200275"/>
-          </a:xfrm>
-          <a:prstGeom prst="rect">
-            <a:avLst/>
-          </a:prstGeom>
-          <a:ln>
-            <a:solidFill>
-              <a:schemeClr val="bg1">
-                <a:lumMod val="50000"/>
-              </a:schemeClr>
-            </a:solidFill>
-          </a:ln>
-        </p:spPr>
-      </p:pic>
-      <p:pic>
-        <p:nvPicPr>
-          <p:cNvPr id="6" name="Picture 5"/>
-          <p:cNvPicPr>
-            <a:picLocks noChangeAspect="1"/>
-          </p:cNvPicPr>
-          <p:nvPr/>
-        </p:nvPicPr>
-        <p:blipFill>
-          <a:blip r:embed="rId3"/>
           <a:stretch>
             <a:fillRect/>
           </a:stretch>
@@ -18605,6 +18093,30 @@
               </a:schemeClr>
             </a:solidFill>
           </a:ln>
+        </p:spPr>
+      </p:pic>
+      <p:pic>
+        <p:nvPicPr>
+          <p:cNvPr id="8" name="Picture 7"/>
+          <p:cNvPicPr>
+            <a:picLocks noChangeAspect="1"/>
+          </p:cNvPicPr>
+          <p:nvPr/>
+        </p:nvPicPr>
+        <p:blipFill>
+          <a:blip r:embed="rId3"/>
+          <a:stretch>
+            <a:fillRect/>
+          </a:stretch>
+        </p:blipFill>
+        <p:spPr>
+          <a:xfrm>
+            <a:off x="863115" y="1911497"/>
+            <a:ext cx="6680686" cy="2434116"/>
+          </a:xfrm>
+          <a:prstGeom prst="rect">
+            <a:avLst/>
+          </a:prstGeom>
         </p:spPr>
       </p:pic>
     </p:spTree>
@@ -18757,7 +18269,7 @@
       </p:pic>
       <p:pic>
         <p:nvPicPr>
-          <p:cNvPr id="6" name="Picture 5"/>
+          <p:cNvPr id="7" name="Picture 6"/>
           <p:cNvPicPr>
             <a:picLocks noChangeAspect="1"/>
           </p:cNvPicPr>
@@ -18771,19 +18283,12 @@
         </p:blipFill>
         <p:spPr>
           <a:xfrm>
-            <a:off x="893977" y="2469617"/>
-            <a:ext cx="5811544" cy="2136597"/>
+            <a:off x="1081385" y="2101021"/>
+            <a:ext cx="5523951" cy="4653445"/>
           </a:xfrm>
           <a:prstGeom prst="rect">
             <a:avLst/>
           </a:prstGeom>
-          <a:ln>
-            <a:solidFill>
-              <a:schemeClr val="bg1">
-                <a:lumMod val="50000"/>
-              </a:schemeClr>
-            </a:solidFill>
-          </a:ln>
         </p:spPr>
       </p:pic>
     </p:spTree>
@@ -19028,15 +18533,25 @@
             <p:ph type="body" sz="quarter" idx="10"/>
           </p:nvPr>
         </p:nvSpPr>
-        <p:spPr/>
+        <p:spPr>
+          <a:xfrm>
+            <a:off x="554414" y="1459832"/>
+            <a:ext cx="11152188" cy="1988237"/>
+          </a:xfrm>
+        </p:spPr>
         <p:txBody>
           <a:bodyPr/>
           <a:lstStyle/>
           <a:p>
             <a:r>
               <a:rPr lang="en-GB" sz="1800" dirty="0"/>
-              <a:t>https://outlook.office365.com/ews/odata/Me/RootFolder </a:t>
-            </a:r>
+              <a:t>https://</a:t>
+            </a:r>
+            <a:r>
+              <a:rPr lang="en-GB" sz="1800" dirty="0" smtClean="0"/>
+              <a:t>outlook.office365.com/api/v1.0/me/rootFolder </a:t>
+            </a:r>
+            <a:endParaRPr lang="en-GB" sz="1800" dirty="0"/>
           </a:p>
           <a:p>
             <a:r>
@@ -19049,7 +18564,7 @@
             </a:r>
             <a:r>
               <a:rPr lang="en-GB" sz="1800" dirty="0" smtClean="0"/>
-              <a:t>outlook.office365.com/ews/odata/Me/Inbox</a:t>
+              <a:t>outlook.office365.com/api/v1.0/me/messages</a:t>
             </a:r>
           </a:p>
           <a:p>
@@ -19059,7 +18574,7 @@
             </a:r>
             <a:r>
               <a:rPr lang="en-GB" sz="1800" dirty="0" smtClean="0"/>
-              <a:t>outlook.office365.com/ews/odata/Me/Inbox(</a:t>
+              <a:t>outlook.office365.com/api/v1.0/me/folders/</a:t>
             </a:r>
             <a:r>
               <a:rPr lang="en-GB" sz="1800" dirty="0" smtClean="0">
@@ -19069,30 +18584,30 @@
                   </a:schemeClr>
                 </a:solidFill>
               </a:rPr>
-              <a:t>&lt;message_id&gt;</a:t>
+              <a:t>&lt;folder_id&gt;/</a:t>
             </a:r>
             <a:r>
               <a:rPr lang="en-GB" sz="1800" dirty="0" smtClean="0"/>
-              <a:t>)</a:t>
+              <a:t>messages</a:t>
             </a:r>
             <a:endParaRPr lang="en-GB" sz="1800" dirty="0"/>
           </a:p>
           <a:p>
             <a:r>
               <a:rPr lang="en-GB" sz="1800" dirty="0" smtClean="0"/>
-              <a:t>https://outlook.office365.com/ews/odata/Me/Drafts </a:t>
+              <a:t>https://outlook.office365.com/api/v1.0/me/folders/drafts </a:t>
             </a:r>
           </a:p>
           <a:p>
             <a:r>
               <a:rPr lang="en-GB" sz="1800" dirty="0" smtClean="0"/>
-              <a:t>https://outlook.office365.com/ews/odata/Me/SentItems </a:t>
+              <a:t>https://outlook.office365.com/api/v1.0/me/folders/sentitems </a:t>
             </a:r>
           </a:p>
           <a:p>
             <a:r>
               <a:rPr lang="en-GB" sz="1800" dirty="0" smtClean="0"/>
-              <a:t>https://outlook.office365.com/ews/odata/Me/DeletedItems</a:t>
+              <a:t>https://outlook.office365.com/api/v1.0/me/folders/deleteditems</a:t>
             </a:r>
           </a:p>
           <a:p>
@@ -19109,7 +18624,19 @@
             </a:r>
             <a:r>
               <a:rPr lang="en-US" sz="1800" dirty="0" smtClean="0"/>
-              <a:t>outlook.office365.com/ews/odata/Me/Events</a:t>
+              <a:t>outlook.office365.com/</a:t>
+            </a:r>
+            <a:r>
+              <a:rPr lang="en-GB" sz="1800" dirty="0" err="1"/>
+              <a:t>api</a:t>
+            </a:r>
+            <a:r>
+              <a:rPr lang="en-GB" sz="1800" dirty="0"/>
+              <a:t>/v1.0/m</a:t>
+            </a:r>
+            <a:r>
+              <a:rPr lang="en-US" sz="1800" dirty="0" smtClean="0"/>
+              <a:t>e/events</a:t>
             </a:r>
           </a:p>
           <a:p>
@@ -19119,7 +18646,19 @@
             </a:r>
             <a:r>
               <a:rPr lang="en-US" sz="1800" dirty="0" smtClean="0"/>
-              <a:t>outlook.office365.com/ews/odata/Me/Events(</a:t>
+              <a:t>outlook.office365.com/</a:t>
+            </a:r>
+            <a:r>
+              <a:rPr lang="en-GB" sz="1800" dirty="0" err="1"/>
+              <a:t>api</a:t>
+            </a:r>
+            <a:r>
+              <a:rPr lang="en-GB" sz="1800" dirty="0"/>
+              <a:t>/v1.0/m</a:t>
+            </a:r>
+            <a:r>
+              <a:rPr lang="en-US" sz="1800" dirty="0" smtClean="0"/>
+              <a:t>e/events(</a:t>
             </a:r>
             <a:r>
               <a:rPr lang="en-US" sz="1800" dirty="0" smtClean="0">
@@ -19144,8 +18683,25 @@
             </a:r>
             <a:r>
               <a:rPr lang="en-US" sz="1800" dirty="0"/>
-              <a:t>://outlook.office365.com/ews/odata/Me/Calendar</a:t>
-            </a:r>
+              <a:t>://</a:t>
+            </a:r>
+            <a:r>
+              <a:rPr lang="en-US" sz="1800" dirty="0" smtClean="0"/>
+              <a:t>outlook.office365.com/</a:t>
+            </a:r>
+            <a:r>
+              <a:rPr lang="en-GB" sz="1800" dirty="0" err="1"/>
+              <a:t>api</a:t>
+            </a:r>
+            <a:r>
+              <a:rPr lang="en-GB" sz="1800" dirty="0"/>
+              <a:t>/v1.0/m</a:t>
+            </a:r>
+            <a:r>
+              <a:rPr lang="en-US" sz="1800" dirty="0" smtClean="0"/>
+              <a:t>e/calendar</a:t>
+            </a:r>
+            <a:endParaRPr lang="en-US" sz="1800" dirty="0"/>
           </a:p>
           <a:p>
             <a:r>
@@ -19154,8 +18710,25 @@
             </a:r>
             <a:r>
               <a:rPr lang="en-US" sz="1800" dirty="0"/>
-              <a:t>://outlook.office365.com/ews/odata/Me/Calendar/Events</a:t>
-            </a:r>
+              <a:t>://</a:t>
+            </a:r>
+            <a:r>
+              <a:rPr lang="en-US" sz="1800" dirty="0" smtClean="0"/>
+              <a:t>outlook.office365.com/</a:t>
+            </a:r>
+            <a:r>
+              <a:rPr lang="en-GB" sz="1800" dirty="0" err="1"/>
+              <a:t>api</a:t>
+            </a:r>
+            <a:r>
+              <a:rPr lang="en-GB" sz="1800" dirty="0"/>
+              <a:t>/v1.0/m</a:t>
+            </a:r>
+            <a:r>
+              <a:rPr lang="en-US" sz="1800" dirty="0" smtClean="0"/>
+              <a:t>e/calendar/events</a:t>
+            </a:r>
+            <a:endParaRPr lang="en-US" sz="1800" dirty="0"/>
           </a:p>
           <a:p>
             <a:r>
@@ -19164,7 +18737,27 @@
             </a:r>
             <a:r>
               <a:rPr lang="en-US" sz="1800" dirty="0"/>
-              <a:t>://outlook.office365.com/ews/odata/Me/Calendars(</a:t>
+              <a:t>://</a:t>
+            </a:r>
+            <a:r>
+              <a:rPr lang="en-US" sz="1800" dirty="0" smtClean="0"/>
+              <a:t>outlook.office365.com/</a:t>
+            </a:r>
+            <a:r>
+              <a:rPr lang="en-GB" sz="1800" dirty="0" err="1"/>
+              <a:t>api</a:t>
+            </a:r>
+            <a:r>
+              <a:rPr lang="en-GB" sz="1800" dirty="0"/>
+              <a:t>/v1.0/m</a:t>
+            </a:r>
+            <a:r>
+              <a:rPr lang="en-US" sz="1800" dirty="0" smtClean="0"/>
+              <a:t>e/calendars</a:t>
+            </a:r>
+            <a:r>
+              <a:rPr lang="en-US" sz="1800" dirty="0"/>
+              <a:t>(</a:t>
             </a:r>
             <a:r>
               <a:rPr lang="en-US" sz="1800" dirty="0">
@@ -19174,11 +18767,31 @@
                   </a:schemeClr>
                 </a:solidFill>
               </a:rPr>
-              <a:t>&lt;calendar_id&gt;</a:t>
-            </a:r>
-            <a:r>
-              <a:rPr lang="en-US" sz="1800" dirty="0"/>
-              <a:t>)/Events</a:t>
+              <a:t>&lt;</a:t>
+            </a:r>
+            <a:r>
+              <a:rPr lang="en-US" sz="1800" dirty="0" err="1">
+                <a:solidFill>
+                  <a:schemeClr val="bg1">
+                    <a:lumMod val="50000"/>
+                  </a:schemeClr>
+                </a:solidFill>
+              </a:rPr>
+              <a:t>calendar_id</a:t>
+            </a:r>
+            <a:r>
+              <a:rPr lang="en-US" sz="1800" dirty="0" smtClean="0">
+                <a:solidFill>
+                  <a:schemeClr val="bg1">
+                    <a:lumMod val="50000"/>
+                  </a:schemeClr>
+                </a:solidFill>
+              </a:rPr>
+              <a:t>&gt;</a:t>
+            </a:r>
+            <a:r>
+              <a:rPr lang="en-US" sz="1800" dirty="0" smtClean="0"/>
+              <a:t>)/events</a:t>
             </a:r>
             <a:endParaRPr lang="en-GB" sz="1800" dirty="0"/>
           </a:p>
@@ -19192,8 +18805,25 @@
             </a:r>
             <a:r>
               <a:rPr lang="en-US" sz="1800" dirty="0"/>
-              <a:t>://outlook.office365.com/ews/odata/Me/Contacts</a:t>
-            </a:r>
+              <a:t>://</a:t>
+            </a:r>
+            <a:r>
+              <a:rPr lang="en-US" sz="1800" dirty="0" smtClean="0"/>
+              <a:t>outlook.office365.com/</a:t>
+            </a:r>
+            <a:r>
+              <a:rPr lang="en-GB" sz="1800" dirty="0" err="1"/>
+              <a:t>api</a:t>
+            </a:r>
+            <a:r>
+              <a:rPr lang="en-GB" sz="1800" dirty="0"/>
+              <a:t>/v1.0/m</a:t>
+            </a:r>
+            <a:r>
+              <a:rPr lang="en-US" sz="1800" dirty="0" smtClean="0"/>
+              <a:t>e/contacts</a:t>
+            </a:r>
+            <a:endParaRPr lang="en-US" sz="1800" dirty="0"/>
           </a:p>
           <a:p>
             <a:r>
@@ -19206,7 +18836,19 @@
             </a:r>
             <a:r>
               <a:rPr lang="en-US" sz="1800" dirty="0" smtClean="0"/>
-              <a:t>outlook.office365.com/ews/odata/Me/Contacts(</a:t>
+              <a:t>outlook.office365.com/</a:t>
+            </a:r>
+            <a:r>
+              <a:rPr lang="en-GB" sz="1800" dirty="0" err="1" smtClean="0"/>
+              <a:t>api</a:t>
+            </a:r>
+            <a:r>
+              <a:rPr lang="en-GB" sz="1800" dirty="0" smtClean="0"/>
+              <a:t>/v1.0/me</a:t>
+            </a:r>
+            <a:r>
+              <a:rPr lang="en-US" sz="1800" dirty="0" smtClean="0"/>
+              <a:t>/contacts(</a:t>
             </a:r>
             <a:r>
               <a:rPr lang="en-US" sz="1800" dirty="0" smtClean="0">
@@ -19274,6 +18916,30 @@
           <a:chExt cx="0" cy="0"/>
         </a:xfrm>
       </p:grpSpPr>
+      <p:pic>
+        <p:nvPicPr>
+          <p:cNvPr id="2" name="Picture 1"/>
+          <p:cNvPicPr>
+            <a:picLocks noChangeAspect="1"/>
+          </p:cNvPicPr>
+          <p:nvPr/>
+        </p:nvPicPr>
+        <p:blipFill>
+          <a:blip r:embed="rId3"/>
+          <a:stretch>
+            <a:fillRect/>
+          </a:stretch>
+        </p:blipFill>
+        <p:spPr>
+          <a:xfrm>
+            <a:off x="1081386" y="2477048"/>
+            <a:ext cx="7244467" cy="4266907"/>
+          </a:xfrm>
+          <a:prstGeom prst="rect">
+            <a:avLst/>
+          </a:prstGeom>
+        </p:spPr>
+      </p:pic>
       <p:sp>
         <p:nvSpPr>
           <p:cNvPr id="3" name="Title 2"/>
@@ -19389,43 +19055,12 @@
         </p:nvGrpSpPr>
         <p:grpSpPr>
           <a:xfrm>
-            <a:off x="1160782" y="2568540"/>
-            <a:ext cx="9647631" cy="4192922"/>
-            <a:chOff x="965574" y="1803935"/>
-            <a:chExt cx="10976430" cy="4705350"/>
+            <a:off x="5421720" y="4675355"/>
+            <a:ext cx="4805476" cy="1464969"/>
+            <a:chOff x="5530133" y="3799651"/>
+            <a:chExt cx="5467350" cy="1644007"/>
           </a:xfrm>
         </p:grpSpPr>
-        <p:pic>
-          <p:nvPicPr>
-            <p:cNvPr id="16" name="Picture 15"/>
-            <p:cNvPicPr>
-              <a:picLocks noChangeAspect="1"/>
-            </p:cNvPicPr>
-            <p:nvPr/>
-          </p:nvPicPr>
-          <p:blipFill>
-            <a:blip r:embed="rId3"/>
-            <a:stretch>
-              <a:fillRect/>
-            </a:stretch>
-          </p:blipFill>
-          <p:spPr>
-            <a:xfrm>
-              <a:off x="965574" y="1803935"/>
-              <a:ext cx="7524750" cy="4705350"/>
-            </a:xfrm>
-            <a:prstGeom prst="rect">
-              <a:avLst/>
-            </a:prstGeom>
-            <a:ln>
-              <a:solidFill>
-                <a:schemeClr val="bg1">
-                  <a:lumMod val="50000"/>
-                </a:schemeClr>
-              </a:solidFill>
-            </a:ln>
-          </p:spPr>
-        </p:pic>
         <p:cxnSp>
           <p:nvCxnSpPr>
             <p:cNvPr id="8" name="Straight Arrow Connector 7"/>
@@ -19480,7 +19115,7 @@
           </p:blipFill>
           <p:spPr>
             <a:xfrm>
-              <a:off x="6474654" y="3699439"/>
+              <a:off x="5530133" y="4100633"/>
               <a:ext cx="5467350" cy="1343025"/>
             </a:xfrm>
             <a:prstGeom prst="rect">
@@ -19623,7 +19258,7 @@
       </p:sp>
       <p:pic>
         <p:nvPicPr>
-          <p:cNvPr id="5" name="Picture 4"/>
+          <p:cNvPr id="6" name="Picture 5"/>
           <p:cNvPicPr>
             <a:picLocks noChangeAspect="1"/>
           </p:cNvPicPr>
@@ -19637,19 +19272,12 @@
         </p:blipFill>
         <p:spPr>
           <a:xfrm>
-            <a:off x="1214950" y="2633335"/>
-            <a:ext cx="7435025" cy="3985678"/>
+            <a:off x="1539621" y="2561882"/>
+            <a:ext cx="9109582" cy="3517821"/>
           </a:xfrm>
           <a:prstGeom prst="rect">
             <a:avLst/>
           </a:prstGeom>
-          <a:ln>
-            <a:solidFill>
-              <a:schemeClr val="bg1">
-                <a:lumMod val="50000"/>
-              </a:schemeClr>
-            </a:solidFill>
-          </a:ln>
         </p:spPr>
       </p:pic>
     </p:spTree>
@@ -19737,7 +19365,7 @@
                 <a:gridCol w="11225057">
                   <a:extLst>
                     <a:ext uri="{9D8B030D-6E8A-4147-A177-3AD203B41FA5}">
-                      <a16:colId xmlns:a16="http://schemas.microsoft.com/office/drawing/2014/main" val="1253488153"/>
+                      <a16:colId xmlns="" xmlns:a16="http://schemas.microsoft.com/office/drawing/2014/main" val="1253488153"/>
                     </a:ext>
                   </a:extLst>
                 </a:gridCol>
@@ -19759,7 +19387,7 @@
                 </a:tc>
                 <a:extLst>
                   <a:ext uri="{0D108BD9-81ED-4DB2-BD59-A6C34878D82A}">
-                    <a16:rowId xmlns:a16="http://schemas.microsoft.com/office/drawing/2014/main" val="829859176"/>
+                    <a16:rowId xmlns="" xmlns:a16="http://schemas.microsoft.com/office/drawing/2014/main" val="829859176"/>
                   </a:ext>
                 </a:extLst>
               </a:tr>
@@ -19780,7 +19408,7 @@
                 </a:tc>
                 <a:extLst>
                   <a:ext uri="{0D108BD9-81ED-4DB2-BD59-A6C34878D82A}">
-                    <a16:rowId xmlns:a16="http://schemas.microsoft.com/office/drawing/2014/main" val="1946132611"/>
+                    <a16:rowId xmlns="" xmlns:a16="http://schemas.microsoft.com/office/drawing/2014/main" val="1946132611"/>
                   </a:ext>
                 </a:extLst>
               </a:tr>
@@ -19822,7 +19450,7 @@
                 </a:tc>
                 <a:extLst>
                   <a:ext uri="{0D108BD9-81ED-4DB2-BD59-A6C34878D82A}">
-                    <a16:rowId xmlns:a16="http://schemas.microsoft.com/office/drawing/2014/main" val="3204002662"/>
+                    <a16:rowId xmlns="" xmlns:a16="http://schemas.microsoft.com/office/drawing/2014/main" val="3204002662"/>
                   </a:ext>
                 </a:extLst>
               </a:tr>
@@ -19859,7 +19487,7 @@
                 </a:tc>
                 <a:extLst>
                   <a:ext uri="{0D108BD9-81ED-4DB2-BD59-A6C34878D82A}">
-                    <a16:rowId xmlns:a16="http://schemas.microsoft.com/office/drawing/2014/main" val="4266278162"/>
+                    <a16:rowId xmlns="" xmlns:a16="http://schemas.microsoft.com/office/drawing/2014/main" val="4266278162"/>
                   </a:ext>
                 </a:extLst>
               </a:tr>
@@ -19897,7 +19525,7 @@
                 </a:tc>
                 <a:extLst>
                   <a:ext uri="{0D108BD9-81ED-4DB2-BD59-A6C34878D82A}">
-                    <a16:rowId xmlns:a16="http://schemas.microsoft.com/office/drawing/2014/main" val="1664835298"/>
+                    <a16:rowId xmlns="" xmlns:a16="http://schemas.microsoft.com/office/drawing/2014/main" val="1664835298"/>
                   </a:ext>
                 </a:extLst>
               </a:tr>
@@ -19942,7 +19570,7 @@
                 </a:tc>
                 <a:extLst>
                   <a:ext uri="{0D108BD9-81ED-4DB2-BD59-A6C34878D82A}">
-                    <a16:rowId xmlns:a16="http://schemas.microsoft.com/office/drawing/2014/main" val="2026110992"/>
+                    <a16:rowId xmlns="" xmlns:a16="http://schemas.microsoft.com/office/drawing/2014/main" val="2026110992"/>
                   </a:ext>
                 </a:extLst>
               </a:tr>
@@ -19979,7 +19607,7 @@
                 </a:tc>
                 <a:extLst>
                   <a:ext uri="{0D108BD9-81ED-4DB2-BD59-A6C34878D82A}">
-                    <a16:rowId xmlns:a16="http://schemas.microsoft.com/office/drawing/2014/main" val="799351047"/>
+                    <a16:rowId xmlns="" xmlns:a16="http://schemas.microsoft.com/office/drawing/2014/main" val="799351047"/>
                   </a:ext>
                 </a:extLst>
               </a:tr>
@@ -20016,7 +19644,7 @@
                 </a:tc>
                 <a:extLst>
                   <a:ext uri="{0D108BD9-81ED-4DB2-BD59-A6C34878D82A}">
-                    <a16:rowId xmlns:a16="http://schemas.microsoft.com/office/drawing/2014/main" val="384199035"/>
+                    <a16:rowId xmlns="" xmlns:a16="http://schemas.microsoft.com/office/drawing/2014/main" val="384199035"/>
                   </a:ext>
                 </a:extLst>
               </a:tr>
@@ -20090,7 +19718,15 @@
             </a:r>
             <a:r>
               <a:rPr lang="en-US" sz="3200" b="1" dirty="0" smtClean="0"/>
-              <a:t>Me/Contacts(Id)</a:t>
+              <a:t>m</a:t>
+            </a:r>
+            <a:r>
+              <a:rPr lang="en-US" sz="3200" b="1" dirty="0" smtClean="0"/>
+              <a:t>e/contacts(Id</a:t>
+            </a:r>
+            <a:r>
+              <a:rPr lang="en-US" sz="3200" b="1" dirty="0" smtClean="0"/>
+              <a:t>)</a:t>
             </a:r>
             <a:endParaRPr lang="en-US" b="1" dirty="0" smtClean="0"/>
           </a:p>
@@ -20145,7 +19781,7 @@
       </p:sp>
       <p:pic>
         <p:nvPicPr>
-          <p:cNvPr id="5" name="Picture 4"/>
+          <p:cNvPr id="6" name="Picture 5"/>
           <p:cNvPicPr>
             <a:picLocks noChangeAspect="1"/>
           </p:cNvPicPr>
@@ -20159,19 +19795,12 @@
         </p:blipFill>
         <p:spPr>
           <a:xfrm>
-            <a:off x="519111" y="2361363"/>
-            <a:ext cx="7446631" cy="1809945"/>
+            <a:off x="1696334" y="2805190"/>
+            <a:ext cx="8796157" cy="1634463"/>
           </a:xfrm>
           <a:prstGeom prst="rect">
             <a:avLst/>
           </a:prstGeom>
-          <a:ln>
-            <a:solidFill>
-              <a:schemeClr val="bg1">
-                <a:lumMod val="50000"/>
-              </a:schemeClr>
-            </a:solidFill>
-          </a:ln>
         </p:spPr>
       </p:pic>
     </p:spTree>
@@ -23173,13 +22802,13 @@
   <p:clrMapOvr>
     <a:masterClrMapping/>
   </p:clrMapOvr>
-  <mc:AlternateContent xmlns:mc="http://schemas.openxmlformats.org/markup-compatibility/2006">
-    <mc:Choice xmlns:p14="http://schemas.microsoft.com/office/powerpoint/2010/main" Requires="p14">
+  <mc:AlternateContent xmlns:mc="http://schemas.openxmlformats.org/markup-compatibility/2006" xmlns:p14="http://schemas.microsoft.com/office/powerpoint/2010/main">
+    <mc:Choice Requires="p14">
       <p:transition spd="med" p14:dur="700">
         <p:fade/>
       </p:transition>
     </mc:Choice>
-    <mc:Fallback>
+    <mc:Fallback xmlns="">
       <p:transition spd="med">
         <p:fade/>
       </p:transition>
@@ -25633,41 +25262,8 @@
                 <a:latin typeface="Segoe UI Light" panose="020B0502040204020203" pitchFamily="34" charset="0"/>
                 <a:cs typeface="Segoe UI Light" panose="020B0502040204020203" pitchFamily="34" charset="0"/>
               </a:rPr>
-              <a:t>Explore our </a:t>
-            </a:r>
-            <a:r>
-              <a:rPr lang="en-US" sz="3528" dirty="0">
-                <a:gradFill>
-                  <a:gsLst>
-                    <a:gs pos="0">
-                      <a:srgbClr val="FFFFFF"/>
-                    </a:gs>
-                    <a:gs pos="100000">
-                      <a:srgbClr val="FFFFFF"/>
-                    </a:gs>
-                  </a:gsLst>
-                  <a:lin ang="5400000" scaled="1"/>
-                </a:gradFill>
-                <a:latin typeface="Segoe UI Light" panose="020B0502040204020203" pitchFamily="34" charset="0"/>
-                <a:cs typeface="Segoe UI Light" panose="020B0502040204020203" pitchFamily="34" charset="0"/>
-              </a:rPr>
-              <a:t>developer center</a:t>
-            </a:r>
-            <a:endParaRPr lang="en-US" sz="3528" dirty="0">
-              <a:gradFill>
-                <a:gsLst>
-                  <a:gs pos="0">
-                    <a:srgbClr val="FFFFFF"/>
-                  </a:gs>
-                  <a:gs pos="100000">
-                    <a:srgbClr val="FFFFFF"/>
-                  </a:gs>
-                </a:gsLst>
-                <a:lin ang="5400000" scaled="1"/>
-              </a:gradFill>
-              <a:latin typeface="Segoe UI Light" panose="020B0502040204020203" pitchFamily="34" charset="0"/>
-              <a:cs typeface="Segoe UI Light" panose="020B0502040204020203" pitchFamily="34" charset="0"/>
-            </a:endParaRPr>
+              <a:t>Explore our developer center</a:t>
+            </a:r>
           </a:p>
           <a:p>
             <a:pPr marL="51309" lvl="1" defTabSz="565990"/>
@@ -26025,39 +25621,8 @@
                 </a:gradFill>
                 <a:cs typeface="Segoe UI" panose="020B0502040204020203" pitchFamily="34" charset="0"/>
               </a:rPr>
-              <a:t>http</a:t>
-            </a:r>
-            <a:r>
-              <a:rPr lang="en-US" sz="1764" dirty="0">
-                <a:gradFill>
-                  <a:gsLst>
-                    <a:gs pos="0">
-                      <a:srgbClr val="FFFFFF"/>
-                    </a:gs>
-                    <a:gs pos="100000">
-                      <a:srgbClr val="FFFFFF"/>
-                    </a:gs>
-                  </a:gsLst>
-                  <a:lin ang="5400000" scaled="1"/>
-                </a:gradFill>
-                <a:cs typeface="Segoe UI" panose="020B0502040204020203" pitchFamily="34" charset="0"/>
-              </a:rPr>
-              <a:t>://dev.office.com/code-samples</a:t>
-            </a:r>
-            <a:endParaRPr lang="en-US" sz="1764" dirty="0">
-              <a:gradFill>
-                <a:gsLst>
-                  <a:gs pos="0">
-                    <a:srgbClr val="FFFFFF"/>
-                  </a:gs>
-                  <a:gs pos="100000">
-                    <a:srgbClr val="FFFFFF"/>
-                  </a:gs>
-                </a:gsLst>
-                <a:lin ang="5400000" scaled="1"/>
-              </a:gradFill>
-              <a:cs typeface="Segoe UI" panose="020B0502040204020203" pitchFamily="34" charset="0"/>
-            </a:endParaRPr>
+              <a:t>http://dev.office.com/code-samples</a:t>
+            </a:r>
           </a:p>
         </p:txBody>
       </p:sp>
@@ -26767,24 +26332,6 @@
               </a:rPr>
               <a:t>Jumpstart into our training</a:t>
             </a:r>
-            <a:r>
-              <a:rPr lang="en-US" sz="3528" dirty="0">
-                <a:gradFill>
-                  <a:gsLst>
-                    <a:gs pos="0">
-                      <a:srgbClr val="FFFFFF"/>
-                    </a:gs>
-                    <a:gs pos="100000">
-                      <a:srgbClr val="FFFFFF"/>
-                    </a:gs>
-                  </a:gsLst>
-                  <a:lin ang="5400000" scaled="1"/>
-                </a:gradFill>
-                <a:latin typeface="Segoe UI Light" panose="020B0502040204020203" pitchFamily="34" charset="0"/>
-                <a:cs typeface="Segoe UI Light" panose="020B0502040204020203" pitchFamily="34" charset="0"/>
-              </a:rPr>
-              <a:t/>
-            </a:r>
             <a:br>
               <a:rPr lang="en-US" sz="3528" dirty="0">
                 <a:gradFill>
@@ -26817,39 +26364,8 @@
                 </a:gradFill>
                 <a:cs typeface="Segoe UI" panose="020B0502040204020203" pitchFamily="34" charset="0"/>
               </a:rPr>
-              <a:t>http</a:t>
-            </a:r>
-            <a:r>
-              <a:rPr lang="en-US" sz="1764" dirty="0">
-                <a:gradFill>
-                  <a:gsLst>
-                    <a:gs pos="0">
-                      <a:srgbClr val="FFFFFF"/>
-                    </a:gs>
-                    <a:gs pos="100000">
-                      <a:srgbClr val="FFFFFF"/>
-                    </a:gs>
-                  </a:gsLst>
-                  <a:lin ang="5400000" scaled="1"/>
-                </a:gradFill>
-                <a:cs typeface="Segoe UI" panose="020B0502040204020203" pitchFamily="34" charset="0"/>
-              </a:rPr>
-              <a:t>://dev.office.com/training</a:t>
-            </a:r>
-            <a:endParaRPr lang="en-US" sz="1764" dirty="0">
-              <a:gradFill>
-                <a:gsLst>
-                  <a:gs pos="0">
-                    <a:srgbClr val="FFFFFF"/>
-                  </a:gs>
-                  <a:gs pos="100000">
-                    <a:srgbClr val="FFFFFF"/>
-                  </a:gs>
-                </a:gsLst>
-                <a:lin ang="5400000" scaled="1"/>
-              </a:gradFill>
-              <a:cs typeface="Segoe UI" panose="020B0502040204020203" pitchFamily="34" charset="0"/>
-            </a:endParaRPr>
+              <a:t>http://dev.office.com/training</a:t>
+            </a:r>
           </a:p>
         </p:txBody>
       </p:sp>
@@ -26863,13 +26379,13 @@
   <p:clrMapOvr>
     <a:masterClrMapping/>
   </p:clrMapOvr>
-  <mc:AlternateContent xmlns:mc="http://schemas.openxmlformats.org/markup-compatibility/2006">
-    <mc:Choice xmlns:p14="http://schemas.microsoft.com/office/powerpoint/2010/main" Requires="p14">
+  <mc:AlternateContent xmlns:mc="http://schemas.openxmlformats.org/markup-compatibility/2006" xmlns:p14="http://schemas.microsoft.com/office/powerpoint/2010/main">
+    <mc:Choice Requires="p14">
       <p:transition spd="slow" p14:dur="1250">
         <p14:flip dir="r"/>
       </p:transition>
     </mc:Choice>
-    <mc:Fallback>
+    <mc:Fallback xmlns="">
       <p:transition spd="slow">
         <p:fade/>
       </p:transition>
@@ -27749,24 +27265,7 @@
                 </a:gradFill>
                 <a:cs typeface="Segoe UI" panose="020B0502040204020203" pitchFamily="34" charset="0"/>
               </a:rPr>
-              <a:t>Providing </a:t>
-            </a:r>
-            <a:r>
-              <a:rPr lang="en-US" sz="1958" dirty="0">
-                <a:gradFill>
-                  <a:gsLst>
-                    <a:gs pos="0">
-                      <a:srgbClr val="FFFFFF"/>
-                    </a:gs>
-                    <a:gs pos="100000">
-                      <a:srgbClr val="FFFFFF"/>
-                    </a:gs>
-                  </a:gsLst>
-                  <a:lin ang="5400000" scaled="1"/>
-                </a:gradFill>
-                <a:cs typeface="Segoe UI" panose="020B0502040204020203" pitchFamily="34" charset="0"/>
-              </a:rPr>
-              <a:t>App Model Patterns for common </a:t>
+              <a:t>Providing App Model Patterns for common </a:t>
             </a:r>
             <a:br>
               <a:rPr lang="en-US" sz="1958" dirty="0">
@@ -27837,25 +27336,7 @@
                 <a:latin typeface="Segoe UI Light" panose="020B0502040204020203" pitchFamily="34" charset="0"/>
                 <a:cs typeface="Segoe UI Light" panose="020B0502040204020203" pitchFamily="34" charset="0"/>
               </a:rPr>
-              <a:t>60</a:t>
-            </a:r>
-            <a:r>
-              <a:rPr lang="en-US" sz="3916" dirty="0">
-                <a:gradFill>
-                  <a:gsLst>
-                    <a:gs pos="0">
-                      <a:srgbClr val="FFFFFF"/>
-                    </a:gs>
-                    <a:gs pos="100000">
-                      <a:srgbClr val="FFFFFF"/>
-                    </a:gs>
-                  </a:gsLst>
-                  <a:lin ang="5400000" scaled="1"/>
-                </a:gradFill>
-                <a:latin typeface="Segoe UI Light" panose="020B0502040204020203" pitchFamily="34" charset="0"/>
-                <a:cs typeface="Segoe UI Light" panose="020B0502040204020203" pitchFamily="34" charset="0"/>
-              </a:rPr>
-              <a:t>+ Visual Studio projects</a:t>
+              <a:t>60+ Visual Studio projects</a:t>
             </a:r>
             <a:br>
               <a:rPr lang="en-US" sz="3916" dirty="0">
@@ -28437,13 +27918,13 @@
   <p:clrMapOvr>
     <a:masterClrMapping/>
   </p:clrMapOvr>
-  <mc:AlternateContent xmlns:mc="http://schemas.openxmlformats.org/markup-compatibility/2006">
-    <mc:Choice xmlns:p14="http://schemas.microsoft.com/office/powerpoint/2010/main" Requires="p14">
+  <mc:AlternateContent xmlns:mc="http://schemas.openxmlformats.org/markup-compatibility/2006" xmlns:p14="http://schemas.microsoft.com/office/powerpoint/2010/main">
+    <mc:Choice Requires="p14">
       <p:transition spd="slow" p14:dur="1250">
         <p14:flip dir="l"/>
       </p:transition>
     </mc:Choice>
-    <mc:Fallback>
+    <mc:Fallback xmlns="">
       <p:transition spd="slow">
         <p:fade/>
       </p:transition>
@@ -28976,21 +28457,6 @@
                 </a:rPr>
                 <a:t>Aug</a:t>
               </a:r>
-              <a:endParaRPr lang="en-US" sz="1960" dirty="0">
-                <a:gradFill>
-                  <a:gsLst>
-                    <a:gs pos="0">
-                      <a:schemeClr val="tx1"/>
-                    </a:gs>
-                    <a:gs pos="100000">
-                      <a:schemeClr val="tx1"/>
-                    </a:gs>
-                  </a:gsLst>
-                  <a:lin ang="5400000" scaled="0"/>
-                </a:gradFill>
-                <a:latin typeface="Segoe UI" panose="020B0502040204020203" pitchFamily="34" charset="0"/>
-                <a:cs typeface="Segoe UI" panose="020B0502040204020203" pitchFamily="34" charset="0"/>
-              </a:endParaRPr>
             </a:p>
           </p:txBody>
         </p:sp>
@@ -29052,21 +28518,6 @@
                 </a:rPr>
                 <a:t>Sept</a:t>
               </a:r>
-              <a:endParaRPr lang="en-US" sz="1960" dirty="0">
-                <a:gradFill>
-                  <a:gsLst>
-                    <a:gs pos="0">
-                      <a:schemeClr val="tx1"/>
-                    </a:gs>
-                    <a:gs pos="100000">
-                      <a:schemeClr val="tx1"/>
-                    </a:gs>
-                  </a:gsLst>
-                  <a:lin ang="5400000" scaled="0"/>
-                </a:gradFill>
-                <a:latin typeface="Segoe UI" panose="020B0502040204020203" pitchFamily="34" charset="0"/>
-                <a:cs typeface="Segoe UI" panose="020B0502040204020203" pitchFamily="34" charset="0"/>
-              </a:endParaRPr>
             </a:p>
           </p:txBody>
         </p:sp>
@@ -29128,21 +28579,6 @@
                 </a:rPr>
                 <a:t>Oct</a:t>
               </a:r>
-              <a:endParaRPr lang="en-US" sz="1960" dirty="0">
-                <a:gradFill>
-                  <a:gsLst>
-                    <a:gs pos="0">
-                      <a:schemeClr val="tx1"/>
-                    </a:gs>
-                    <a:gs pos="100000">
-                      <a:schemeClr val="tx1"/>
-                    </a:gs>
-                  </a:gsLst>
-                  <a:lin ang="5400000" scaled="0"/>
-                </a:gradFill>
-                <a:latin typeface="Segoe UI" panose="020B0502040204020203" pitchFamily="34" charset="0"/>
-                <a:cs typeface="Segoe UI" panose="020B0502040204020203" pitchFamily="34" charset="0"/>
-              </a:endParaRPr>
             </a:p>
           </p:txBody>
         </p:sp>
@@ -29523,21 +28959,6 @@
                 </a:rPr>
                 <a:t>Jan</a:t>
               </a:r>
-              <a:endParaRPr lang="en-US" sz="1960" dirty="0">
-                <a:gradFill>
-                  <a:gsLst>
-                    <a:gs pos="0">
-                      <a:schemeClr val="tx1"/>
-                    </a:gs>
-                    <a:gs pos="100000">
-                      <a:schemeClr val="tx1"/>
-                    </a:gs>
-                  </a:gsLst>
-                  <a:lin ang="5400000" scaled="0"/>
-                </a:gradFill>
-                <a:latin typeface="Segoe UI" panose="020B0502040204020203" pitchFamily="34" charset="0"/>
-                <a:cs typeface="Segoe UI" panose="020B0502040204020203" pitchFamily="34" charset="0"/>
-              </a:endParaRPr>
             </a:p>
           </p:txBody>
         </p:sp>
@@ -29599,21 +29020,6 @@
                 </a:rPr>
                 <a:t>Nov</a:t>
               </a:r>
-              <a:endParaRPr lang="en-US" sz="1960" dirty="0">
-                <a:gradFill>
-                  <a:gsLst>
-                    <a:gs pos="0">
-                      <a:schemeClr val="tx1"/>
-                    </a:gs>
-                    <a:gs pos="100000">
-                      <a:schemeClr val="tx1"/>
-                    </a:gs>
-                  </a:gsLst>
-                  <a:lin ang="5400000" scaled="0"/>
-                </a:gradFill>
-                <a:latin typeface="Segoe UI" panose="020B0502040204020203" pitchFamily="34" charset="0"/>
-                <a:cs typeface="Segoe UI" panose="020B0502040204020203" pitchFamily="34" charset="0"/>
-              </a:endParaRPr>
             </a:p>
           </p:txBody>
         </p:sp>
@@ -29675,21 +29081,6 @@
                 </a:rPr>
                 <a:t>Dec</a:t>
               </a:r>
-              <a:endParaRPr lang="en-US" sz="1960" dirty="0">
-                <a:gradFill>
-                  <a:gsLst>
-                    <a:gs pos="0">
-                      <a:schemeClr val="tx1"/>
-                    </a:gs>
-                    <a:gs pos="100000">
-                      <a:schemeClr val="tx1"/>
-                    </a:gs>
-                  </a:gsLst>
-                  <a:lin ang="5400000" scaled="0"/>
-                </a:gradFill>
-                <a:latin typeface="Segoe UI" panose="020B0502040204020203" pitchFamily="34" charset="0"/>
-                <a:cs typeface="Segoe UI" panose="020B0502040204020203" pitchFamily="34" charset="0"/>
-              </a:endParaRPr>
             </a:p>
           </p:txBody>
         </p:sp>
@@ -30439,40 +29830,7 @@
                   <a:ea typeface="Segoe UI" panose="020B0502040204020203" pitchFamily="34" charset="0"/>
                   <a:cs typeface="Segoe UI Semibold" panose="020B0702040204020203" pitchFamily="34" charset="0"/>
                 </a:rPr>
-                <a:t>Shipping </a:t>
-              </a:r>
-              <a:r>
-                <a:rPr lang="en-US" sz="1372" dirty="0">
-                  <a:solidFill>
-                    <a:schemeClr val="accent6"/>
-                  </a:solidFill>
-                  <a:latin typeface="Segoe UI Semibold" panose="020B0702040204020203" pitchFamily="34" charset="0"/>
-                  <a:ea typeface="Segoe UI" panose="020B0502040204020203" pitchFamily="34" charset="0"/>
-                  <a:cs typeface="Segoe UI Semibold" panose="020B0702040204020203" pitchFamily="34" charset="0"/>
-                </a:rPr>
-                <a:t>your </a:t>
-              </a:r>
-              <a:r>
-                <a:rPr lang="en-US" sz="1372" dirty="0">
-                  <a:solidFill>
-                    <a:schemeClr val="accent6"/>
-                  </a:solidFill>
-                  <a:latin typeface="Segoe UI Semibold" panose="020B0702040204020203" pitchFamily="34" charset="0"/>
-                  <a:ea typeface="Segoe UI" panose="020B0502040204020203" pitchFamily="34" charset="0"/>
-                  <a:cs typeface="Segoe UI Semibold" panose="020B0702040204020203" pitchFamily="34" charset="0"/>
-                </a:rPr>
-                <a:t>Office 365 </a:t>
-              </a:r>
-              <a:r>
-                <a:rPr lang="en-US" sz="1372" dirty="0">
-                  <a:solidFill>
-                    <a:schemeClr val="accent6"/>
-                  </a:solidFill>
-                  <a:latin typeface="Segoe UI Semibold" panose="020B0702040204020203" pitchFamily="34" charset="0"/>
-                  <a:ea typeface="Segoe UI" panose="020B0502040204020203" pitchFamily="34" charset="0"/>
-                  <a:cs typeface="Segoe UI Semibold" panose="020B0702040204020203" pitchFamily="34" charset="0"/>
-                </a:rPr>
-                <a:t>App </a:t>
+                <a:t>Shipping your Office 365 App </a:t>
               </a:r>
               <a:br>
                 <a:rPr lang="en-US" sz="1372" dirty="0">
@@ -30516,14 +29874,6 @@
                 </a:rPr>
                 <a:t>Office Store </a:t>
               </a:r>
-              <a:endParaRPr lang="en-US" sz="1372" dirty="0">
-                <a:solidFill>
-                  <a:schemeClr val="accent6"/>
-                </a:solidFill>
-                <a:latin typeface="Segoe UI Semibold" panose="020B0702040204020203" pitchFamily="34" charset="0"/>
-                <a:ea typeface="Segoe UI" panose="020B0502040204020203" pitchFamily="34" charset="0"/>
-                <a:cs typeface="Segoe UI Semibold" panose="020B0702040204020203" pitchFamily="34" charset="0"/>
-              </a:endParaRPr>
             </a:p>
           </p:txBody>
         </p:sp>
@@ -30597,17 +29947,6 @@
                 </a:rPr>
                 <a:t>Deep dive into </a:t>
               </a:r>
-              <a:r>
-                <a:rPr lang="en-US" sz="1372" dirty="0">
-                  <a:solidFill>
-                    <a:schemeClr val="accent6"/>
-                  </a:solidFill>
-                  <a:latin typeface="Segoe UI Semibold" panose="020B0702040204020203" pitchFamily="34" charset="0"/>
-                  <a:ea typeface="Segoe UI" panose="020B0502040204020203" pitchFamily="34" charset="0"/>
-                  <a:cs typeface="Segoe UI Semibold" panose="020B0702040204020203" pitchFamily="34" charset="0"/>
-                </a:rPr>
-                <a:t/>
-              </a:r>
               <a:br>
                 <a:rPr lang="en-US" sz="1372" dirty="0">
                   <a:solidFill>
@@ -30627,18 +29966,7 @@
                   <a:ea typeface="Segoe UI" panose="020B0502040204020203" pitchFamily="34" charset="0"/>
                   <a:cs typeface="Segoe UI Semibold" panose="020B0702040204020203" pitchFamily="34" charset="0"/>
                 </a:rPr>
-                <a:t>the </a:t>
-              </a:r>
-              <a:r>
-                <a:rPr lang="en-US" sz="1372" dirty="0">
-                  <a:solidFill>
-                    <a:schemeClr val="accent6"/>
-                  </a:solidFill>
-                  <a:latin typeface="Segoe UI Semibold" panose="020B0702040204020203" pitchFamily="34" charset="0"/>
-                  <a:ea typeface="Segoe UI" panose="020B0502040204020203" pitchFamily="34" charset="0"/>
-                  <a:cs typeface="Segoe UI Semibold" panose="020B0702040204020203" pitchFamily="34" charset="0"/>
-                </a:rPr>
-                <a:t>building blocks and services of the SharePoint platform </a:t>
+                <a:t>the building blocks and services of the SharePoint platform </a:t>
               </a:r>
             </a:p>
           </p:txBody>
@@ -30829,21 +30157,6 @@
                 </a:rPr>
                 <a:t>Feb</a:t>
               </a:r>
-              <a:endParaRPr lang="en-US" sz="1960" dirty="0">
-                <a:gradFill>
-                  <a:gsLst>
-                    <a:gs pos="0">
-                      <a:schemeClr val="tx1"/>
-                    </a:gs>
-                    <a:gs pos="100000">
-                      <a:schemeClr val="tx1"/>
-                    </a:gs>
-                  </a:gsLst>
-                  <a:lin ang="5400000" scaled="0"/>
-                </a:gradFill>
-                <a:latin typeface="Segoe UI" panose="020B0502040204020203" pitchFamily="34" charset="0"/>
-                <a:cs typeface="Segoe UI" panose="020B0502040204020203" pitchFamily="34" charset="0"/>
-              </a:endParaRPr>
             </a:p>
           </p:txBody>
         </p:sp>
@@ -31521,26 +30834,7 @@
                 <a:ea typeface="Segoe UI" pitchFamily="34" charset="0"/>
                 <a:cs typeface="Segoe UI" pitchFamily="34" charset="0"/>
               </a:rPr>
-              <a:t>2014 </a:t>
-            </a:r>
-            <a:r>
-              <a:rPr lang="en-US" sz="700" dirty="0" smtClean="0">
-                <a:gradFill>
-                  <a:gsLst>
-                    <a:gs pos="0">
-                      <a:schemeClr val="tx1"/>
-                    </a:gs>
-                    <a:gs pos="100000">
-                      <a:schemeClr val="tx1"/>
-                    </a:gs>
-                  </a:gsLst>
-                  <a:lin ang="5400000" scaled="0"/>
-                </a:gradFill>
-                <a:latin typeface="Segoe UI" pitchFamily="34" charset="0"/>
-                <a:ea typeface="Segoe UI" pitchFamily="34" charset="0"/>
-                <a:cs typeface="Segoe UI" pitchFamily="34" charset="0"/>
-              </a:rPr>
-              <a:t>Microsoft </a:t>
+              <a:t>2014 Microsoft </a:t>
             </a:r>
             <a:r>
               <a:rPr lang="en-US" sz="700" dirty="0">
@@ -31815,13 +31109,13 @@
   <p:clrMapOvr>
     <a:masterClrMapping/>
   </p:clrMapOvr>
-  <mc:AlternateContent xmlns:mc="http://schemas.openxmlformats.org/markup-compatibility/2006">
-    <mc:Choice xmlns:p14="http://schemas.microsoft.com/office/powerpoint/2010/main" Requires="p14">
+  <mc:AlternateContent xmlns:mc="http://schemas.openxmlformats.org/markup-compatibility/2006" xmlns:p14="http://schemas.microsoft.com/office/powerpoint/2010/main">
+    <mc:Choice Requires="p14">
       <p:transition spd="slow" p14:dur="3400">
         <p14:reveal/>
       </p:transition>
     </mc:Choice>
-    <mc:Fallback>
+    <mc:Fallback xmlns="">
       <p:transition spd="slow">
         <p:fade/>
       </p:transition>
@@ -31871,15 +31165,7 @@
           <a:p>
             <a:r>
               <a:rPr lang="en-US" sz="4800" b="1" dirty="0" smtClean="0"/>
-              <a:t>Deep Dive into Office 365 APIs for Calendar, Mail, </a:t>
-            </a:r>
-            <a:r>
-              <a:rPr lang="en-US" sz="4800" b="1" dirty="0" smtClean="0"/>
-              <a:t>and</a:t>
-            </a:r>
-            <a:r>
-              <a:rPr lang="en-US" sz="4800" b="1" dirty="0" smtClean="0"/>
-              <a:t> Contacts</a:t>
+              <a:t>Deep Dive into Office 365 APIs for Calendar, Mail, and Contacts</a:t>
             </a:r>
             <a:endParaRPr lang="en-US" dirty="0"/>
           </a:p>
@@ -32290,15 +31576,25 @@
             <a:pPr lvl="1"/>
             <a:r>
               <a:rPr lang="en-US" sz="1800" b="1" dirty="0"/>
-              <a:t>https://outlook.office365.com/ews/odata/Me/Inbox/Messages</a:t>
-            </a:r>
+              <a:t>https://</a:t>
+            </a:r>
+            <a:r>
+              <a:rPr lang="en-US" sz="1800" b="1" dirty="0" smtClean="0"/>
+              <a:t>outlook.office365.com/api/v1.0/me/messages</a:t>
+            </a:r>
+            <a:endParaRPr lang="en-US" sz="1800" b="1" dirty="0"/>
           </a:p>
           <a:p>
             <a:pPr lvl="1"/>
             <a:r>
               <a:rPr lang="en-US" sz="1800" b="1" dirty="0"/>
-              <a:t>https://outlook.office365.com/ews/odata/Me/Events</a:t>
-            </a:r>
+              <a:t>https</a:t>
+            </a:r>
+            <a:r>
+              <a:rPr lang="en-US" sz="1800" b="1" dirty="0" smtClean="0"/>
+              <a:t>://outlook.office365.com/api/v1.0/me/events</a:t>
+            </a:r>
+            <a:endParaRPr lang="en-US" sz="1800" b="1" dirty="0"/>
           </a:p>
           <a:p>
             <a:pPr lvl="1"/>
@@ -32312,7 +31608,7 @@
             </a:r>
             <a:r>
               <a:rPr lang="en-US" sz="1800" b="1" dirty="0" smtClean="0"/>
-              <a:t>outlook.office365.com/ews/odata/Me/Contacts</a:t>
+              <a:t>outlook.office365.com/api/v1.0/me/contacts</a:t>
             </a:r>
           </a:p>
           <a:p>
@@ -32327,12 +31623,9 @@
             </a:r>
             <a:r>
               <a:rPr lang="en-US" sz="3600" dirty="0" err="1" smtClean="0"/>
-              <a:t>ExchangeClient</a:t>
-            </a:r>
-            <a:r>
-              <a:rPr lang="en-US" sz="3600" dirty="0" smtClean="0"/>
-              <a:t> library</a:t>
-            </a:r>
+              <a:t>OutlookServicesClient</a:t>
+            </a:r>
+            <a:endParaRPr lang="en-US" sz="3600" dirty="0" smtClean="0"/>
           </a:p>
           <a:p>
             <a:pPr lvl="1"/>
@@ -32529,129 +31822,107 @@
           </a:ln>
         </p:spPr>
       </p:pic>
-      <p:grpSp>
-        <p:nvGrpSpPr>
-          <p:cNvPr id="8" name="Group 7"/>
-          <p:cNvGrpSpPr/>
+      <p:sp>
+        <p:nvSpPr>
+          <p:cNvPr id="7" name="Rectangle 6"/>
+          <p:cNvSpPr/>
           <p:nvPr/>
-        </p:nvGrpSpPr>
-        <p:grpSpPr>
+        </p:nvSpPr>
+        <p:spPr bwMode="auto">
           <a:xfrm>
             <a:off x="8425636" y="794883"/>
-            <a:ext cx="1997813" cy="3774374"/>
-            <a:chOff x="9915389" y="602548"/>
-            <a:chExt cx="1997813" cy="3774374"/>
+            <a:ext cx="1997813" cy="373949"/>
           </a:xfrm>
-        </p:grpSpPr>
-        <p:pic>
-          <p:nvPicPr>
-            <p:cNvPr id="5" name="Picture 4"/>
-            <p:cNvPicPr>
-              <a:picLocks noChangeAspect="1"/>
-            </p:cNvPicPr>
-            <p:nvPr/>
-          </p:nvPicPr>
-          <p:blipFill>
-            <a:blip r:embed="rId3"/>
-            <a:stretch>
-              <a:fillRect/>
-            </a:stretch>
-          </p:blipFill>
-          <p:spPr>
-            <a:xfrm>
-              <a:off x="9922576" y="976497"/>
-              <a:ext cx="1981200" cy="3400425"/>
-            </a:xfrm>
-            <a:prstGeom prst="rect">
+          <a:prstGeom prst="rect">
+            <a:avLst/>
+          </a:prstGeom>
+          <a:solidFill>
+            <a:schemeClr val="accent5"/>
+          </a:solidFill>
+          <a:ln>
+            <a:noFill/>
+            <a:headEnd type="none" w="med" len="med"/>
+            <a:tailEnd type="none" w="med" len="med"/>
+          </a:ln>
+          <a:effectLst/>
+        </p:spPr>
+        <p:style>
+          <a:lnRef idx="1">
+            <a:schemeClr val="accent2"/>
+          </a:lnRef>
+          <a:fillRef idx="3">
+            <a:schemeClr val="accent2"/>
+          </a:fillRef>
+          <a:effectRef idx="2">
+            <a:schemeClr val="accent2"/>
+          </a:effectRef>
+          <a:fontRef idx="minor">
+            <a:schemeClr val="lt1"/>
+          </a:fontRef>
+        </p:style>
+        <p:txBody>
+          <a:bodyPr rot="0" spcFirstLastPara="0" vertOverflow="overflow" horzOverflow="overflow" vert="horz" wrap="square" lIns="45720" tIns="45720" rIns="45720" bIns="45720" numCol="1" spcCol="0" rtlCol="0" fromWordArt="0" anchor="ctr" anchorCtr="0" forceAA="0" compatLnSpc="1">
+            <a:prstTxWarp prst="textNoShape">
               <a:avLst/>
-            </a:prstGeom>
-            <a:ln>
-              <a:solidFill>
-                <a:schemeClr val="bg1">
-                  <a:lumMod val="50000"/>
-                </a:schemeClr>
-              </a:solidFill>
-            </a:ln>
-          </p:spPr>
-        </p:pic>
-        <p:sp>
-          <p:nvSpPr>
-            <p:cNvPr id="7" name="Rectangle 6"/>
-            <p:cNvSpPr/>
-            <p:nvPr/>
-          </p:nvSpPr>
-          <p:spPr bwMode="auto">
-            <a:xfrm>
-              <a:off x="9915389" y="602548"/>
-              <a:ext cx="1997813" cy="373949"/>
-            </a:xfrm>
-            <a:prstGeom prst="rect">
-              <a:avLst/>
-            </a:prstGeom>
-            <a:solidFill>
-              <a:schemeClr val="accent5"/>
-            </a:solidFill>
-            <a:ln>
-              <a:noFill/>
-              <a:headEnd type="none" w="med" len="med"/>
-              <a:tailEnd type="none" w="med" len="med"/>
-            </a:ln>
-            <a:effectLst/>
-          </p:spPr>
-          <p:style>
-            <a:lnRef idx="1">
-              <a:schemeClr val="accent2"/>
-            </a:lnRef>
-            <a:fillRef idx="3">
-              <a:schemeClr val="accent2"/>
-            </a:fillRef>
-            <a:effectRef idx="2">
-              <a:schemeClr val="accent2"/>
-            </a:effectRef>
-            <a:fontRef idx="minor">
-              <a:schemeClr val="lt1"/>
-            </a:fontRef>
-          </p:style>
-          <p:txBody>
-            <a:bodyPr rot="0" spcFirstLastPara="0" vertOverflow="overflow" horzOverflow="overflow" vert="horz" wrap="square" lIns="45720" tIns="45720" rIns="45720" bIns="45720" numCol="1" spcCol="0" rtlCol="0" fromWordArt="0" anchor="ctr" anchorCtr="0" forceAA="0" compatLnSpc="1">
-              <a:prstTxWarp prst="textNoShape">
-                <a:avLst/>
-              </a:prstTxWarp>
-              <a:noAutofit/>
-            </a:bodyPr>
-            <a:lstStyle/>
-            <a:p>
-              <a:pPr algn="ctr" defTabSz="914099" fontAlgn="base">
-                <a:spcBef>
-                  <a:spcPct val="0"/>
-                </a:spcBef>
-                <a:spcAft>
-                  <a:spcPct val="0"/>
-                </a:spcAft>
-              </a:pPr>
-              <a:r>
-                <a:rPr lang="en-US" dirty="0" smtClean="0">
-                  <a:gradFill>
-                    <a:gsLst>
-                      <a:gs pos="0">
-                        <a:srgbClr val="FFFFFF"/>
-                      </a:gs>
-                      <a:gs pos="100000">
-                        <a:srgbClr val="FFFFFF"/>
-                      </a:gs>
-                    </a:gsLst>
-                    <a:lin ang="5400000" scaled="0"/>
-                  </a:gradFill>
-                  <a:latin typeface="Arial" panose="020B0604020202020204" pitchFamily="34" charset="0"/>
-                  <a:ea typeface="Segoe UI" pitchFamily="34" charset="0"/>
-                  <a:cs typeface="Arial" panose="020B0604020202020204" pitchFamily="34" charset="0"/>
-                </a:rPr>
-                <a:t>Message</a:t>
-              </a:r>
-            </a:p>
-          </p:txBody>
-        </p:sp>
-      </p:grpSp>
+            </a:prstTxWarp>
+            <a:noAutofit/>
+          </a:bodyPr>
+          <a:lstStyle/>
+          <a:p>
+            <a:pPr algn="ctr" defTabSz="914099" fontAlgn="base">
+              <a:spcBef>
+                <a:spcPct val="0"/>
+              </a:spcBef>
+              <a:spcAft>
+                <a:spcPct val="0"/>
+              </a:spcAft>
+            </a:pPr>
+            <a:r>
+              <a:rPr lang="en-US" dirty="0" smtClean="0">
+                <a:gradFill>
+                  <a:gsLst>
+                    <a:gs pos="0">
+                      <a:srgbClr val="FFFFFF"/>
+                    </a:gs>
+                    <a:gs pos="100000">
+                      <a:srgbClr val="FFFFFF"/>
+                    </a:gs>
+                  </a:gsLst>
+                  <a:lin ang="5400000" scaled="0"/>
+                </a:gradFill>
+                <a:latin typeface="Arial" panose="020B0604020202020204" pitchFamily="34" charset="0"/>
+                <a:ea typeface="Segoe UI" pitchFamily="34" charset="0"/>
+                <a:cs typeface="Arial" panose="020B0604020202020204" pitchFamily="34" charset="0"/>
+              </a:rPr>
+              <a:t>Message</a:t>
+            </a:r>
+          </a:p>
+        </p:txBody>
+      </p:sp>
+      <p:pic>
+        <p:nvPicPr>
+          <p:cNvPr id="9" name="Picture 8"/>
+          <p:cNvPicPr>
+            <a:picLocks noChangeAspect="1"/>
+          </p:cNvPicPr>
+          <p:nvPr/>
+        </p:nvPicPr>
+        <p:blipFill>
+          <a:blip r:embed="rId3"/>
+          <a:stretch>
+            <a:fillRect/>
+          </a:stretch>
+        </p:blipFill>
+        <p:spPr>
+          <a:xfrm>
+            <a:off x="8381685" y="1131862"/>
+            <a:ext cx="2085714" cy="3723809"/>
+          </a:xfrm>
+          <a:prstGeom prst="rect">
+            <a:avLst/>
+          </a:prstGeom>
+        </p:spPr>
+      </p:pic>
     </p:spTree>
     <p:extLst>
       <p:ext uri="{BB962C8B-B14F-4D97-AF65-F5344CB8AC3E}">
@@ -32829,129 +32100,107 @@
           </a:ln>
         </p:spPr>
       </p:pic>
-      <p:grpSp>
-        <p:nvGrpSpPr>
-          <p:cNvPr id="11" name="Group 10"/>
-          <p:cNvGrpSpPr/>
+      <p:sp>
+        <p:nvSpPr>
+          <p:cNvPr id="10" name="Rectangle 9"/>
+          <p:cNvSpPr/>
           <p:nvPr/>
-        </p:nvGrpSpPr>
-        <p:grpSpPr>
+        </p:nvSpPr>
+        <p:spPr bwMode="auto">
           <a:xfrm>
             <a:off x="9708891" y="1784691"/>
-            <a:ext cx="2075754" cy="2761000"/>
-            <a:chOff x="8106123" y="2853438"/>
-            <a:chExt cx="2075754" cy="2761000"/>
+            <a:ext cx="2075754" cy="373949"/>
           </a:xfrm>
-        </p:grpSpPr>
-        <p:pic>
-          <p:nvPicPr>
-            <p:cNvPr id="7" name="Picture 6"/>
-            <p:cNvPicPr>
-              <a:picLocks noChangeAspect="1"/>
-            </p:cNvPicPr>
-            <p:nvPr/>
-          </p:nvPicPr>
-          <p:blipFill>
-            <a:blip r:embed="rId3"/>
-            <a:stretch>
-              <a:fillRect/>
-            </a:stretch>
-          </p:blipFill>
-          <p:spPr>
-            <a:xfrm>
-              <a:off x="8117411" y="3223663"/>
-              <a:ext cx="2057400" cy="2390775"/>
-            </a:xfrm>
-            <a:prstGeom prst="rect">
+          <a:prstGeom prst="rect">
+            <a:avLst/>
+          </a:prstGeom>
+          <a:solidFill>
+            <a:schemeClr val="accent5"/>
+          </a:solidFill>
+          <a:ln>
+            <a:noFill/>
+            <a:headEnd type="none" w="med" len="med"/>
+            <a:tailEnd type="none" w="med" len="med"/>
+          </a:ln>
+          <a:effectLst/>
+        </p:spPr>
+        <p:style>
+          <a:lnRef idx="1">
+            <a:schemeClr val="accent2"/>
+          </a:lnRef>
+          <a:fillRef idx="3">
+            <a:schemeClr val="accent2"/>
+          </a:fillRef>
+          <a:effectRef idx="2">
+            <a:schemeClr val="accent2"/>
+          </a:effectRef>
+          <a:fontRef idx="minor">
+            <a:schemeClr val="lt1"/>
+          </a:fontRef>
+        </p:style>
+        <p:txBody>
+          <a:bodyPr rot="0" spcFirstLastPara="0" vertOverflow="overflow" horzOverflow="overflow" vert="horz" wrap="square" lIns="45720" tIns="45720" rIns="45720" bIns="45720" numCol="1" spcCol="0" rtlCol="0" fromWordArt="0" anchor="ctr" anchorCtr="0" forceAA="0" compatLnSpc="1">
+            <a:prstTxWarp prst="textNoShape">
               <a:avLst/>
-            </a:prstGeom>
-            <a:ln>
-              <a:solidFill>
-                <a:schemeClr val="bg1">
-                  <a:lumMod val="50000"/>
-                </a:schemeClr>
-              </a:solidFill>
-            </a:ln>
-          </p:spPr>
-        </p:pic>
-        <p:sp>
-          <p:nvSpPr>
-            <p:cNvPr id="10" name="Rectangle 9"/>
-            <p:cNvSpPr/>
-            <p:nvPr/>
-          </p:nvSpPr>
-          <p:spPr bwMode="auto">
-            <a:xfrm>
-              <a:off x="8106123" y="2853438"/>
-              <a:ext cx="2075754" cy="373949"/>
-            </a:xfrm>
-            <a:prstGeom prst="rect">
-              <a:avLst/>
-            </a:prstGeom>
-            <a:solidFill>
-              <a:schemeClr val="accent5"/>
-            </a:solidFill>
-            <a:ln>
-              <a:noFill/>
-              <a:headEnd type="none" w="med" len="med"/>
-              <a:tailEnd type="none" w="med" len="med"/>
-            </a:ln>
-            <a:effectLst/>
-          </p:spPr>
-          <p:style>
-            <a:lnRef idx="1">
-              <a:schemeClr val="accent2"/>
-            </a:lnRef>
-            <a:fillRef idx="3">
-              <a:schemeClr val="accent2"/>
-            </a:fillRef>
-            <a:effectRef idx="2">
-              <a:schemeClr val="accent2"/>
-            </a:effectRef>
-            <a:fontRef idx="minor">
-              <a:schemeClr val="lt1"/>
-            </a:fontRef>
-          </p:style>
-          <p:txBody>
-            <a:bodyPr rot="0" spcFirstLastPara="0" vertOverflow="overflow" horzOverflow="overflow" vert="horz" wrap="square" lIns="45720" tIns="45720" rIns="45720" bIns="45720" numCol="1" spcCol="0" rtlCol="0" fromWordArt="0" anchor="ctr" anchorCtr="0" forceAA="0" compatLnSpc="1">
-              <a:prstTxWarp prst="textNoShape">
-                <a:avLst/>
-              </a:prstTxWarp>
-              <a:noAutofit/>
-            </a:bodyPr>
-            <a:lstStyle/>
-            <a:p>
-              <a:pPr algn="ctr" defTabSz="914099" fontAlgn="base">
-                <a:spcBef>
-                  <a:spcPct val="0"/>
-                </a:spcBef>
-                <a:spcAft>
-                  <a:spcPct val="0"/>
-                </a:spcAft>
-              </a:pPr>
-              <a:r>
-                <a:rPr lang="en-US" dirty="0" smtClean="0">
-                  <a:gradFill>
-                    <a:gsLst>
-                      <a:gs pos="0">
-                        <a:srgbClr val="FFFFFF"/>
-                      </a:gs>
-                      <a:gs pos="100000">
-                        <a:srgbClr val="FFFFFF"/>
-                      </a:gs>
-                    </a:gsLst>
-                    <a:lin ang="5400000" scaled="0"/>
-                  </a:gradFill>
-                  <a:latin typeface="Arial" panose="020B0604020202020204" pitchFamily="34" charset="0"/>
-                  <a:ea typeface="Segoe UI" pitchFamily="34" charset="0"/>
-                  <a:cs typeface="Arial" panose="020B0604020202020204" pitchFamily="34" charset="0"/>
-                </a:rPr>
-                <a:t>Event</a:t>
-              </a:r>
-            </a:p>
-          </p:txBody>
-        </p:sp>
-      </p:grpSp>
+            </a:prstTxWarp>
+            <a:noAutofit/>
+          </a:bodyPr>
+          <a:lstStyle/>
+          <a:p>
+            <a:pPr algn="ctr" defTabSz="914099" fontAlgn="base">
+              <a:spcBef>
+                <a:spcPct val="0"/>
+              </a:spcBef>
+              <a:spcAft>
+                <a:spcPct val="0"/>
+              </a:spcAft>
+            </a:pPr>
+            <a:r>
+              <a:rPr lang="en-US" dirty="0" smtClean="0">
+                <a:gradFill>
+                  <a:gsLst>
+                    <a:gs pos="0">
+                      <a:srgbClr val="FFFFFF"/>
+                    </a:gs>
+                    <a:gs pos="100000">
+                      <a:srgbClr val="FFFFFF"/>
+                    </a:gs>
+                  </a:gsLst>
+                  <a:lin ang="5400000" scaled="0"/>
+                </a:gradFill>
+                <a:latin typeface="Arial" panose="020B0604020202020204" pitchFamily="34" charset="0"/>
+                <a:ea typeface="Segoe UI" pitchFamily="34" charset="0"/>
+                <a:cs typeface="Arial" panose="020B0604020202020204" pitchFamily="34" charset="0"/>
+              </a:rPr>
+              <a:t>Event</a:t>
+            </a:r>
+          </a:p>
+        </p:txBody>
+      </p:sp>
+      <p:pic>
+        <p:nvPicPr>
+          <p:cNvPr id="5" name="Picture 4"/>
+          <p:cNvPicPr>
+            <a:picLocks noChangeAspect="1"/>
+          </p:cNvPicPr>
+          <p:nvPr/>
+        </p:nvPicPr>
+        <p:blipFill>
+          <a:blip r:embed="rId3"/>
+          <a:stretch>
+            <a:fillRect/>
+          </a:stretch>
+        </p:blipFill>
+        <p:spPr>
+          <a:xfrm>
+            <a:off x="9719390" y="2146608"/>
+            <a:ext cx="2057143" cy="3761905"/>
+          </a:xfrm>
+          <a:prstGeom prst="rect">
+            <a:avLst/>
+          </a:prstGeom>
+        </p:spPr>
+      </p:pic>
     </p:spTree>
     <p:extLst>
       <p:ext uri="{BB962C8B-B14F-4D97-AF65-F5344CB8AC3E}">
